--- a/SchoolReport/Mobile Wizard Dress-Up Game.pptx
+++ b/SchoolReport/Mobile Wizard Dress-Up Game.pptx
@@ -159,6 +159,9 @@
           </p14:sldIdLst>
         </p14:section>
       </p14:sectionLst>
+    </p:ext>
+    <p:ext uri="{EFAFB233-063F-42B5-8137-9DF3F51BA10A}">
+      <p15:sldGuideLst xmlns:p15="http://schemas.microsoft.com/office/powerpoint/2012/main"/>
     </p:ext>
   </p:extLst>
 </p:presentation>
@@ -5355,51 +5358,63 @@
             <a:pPr lvl="1"/>
             <a:r>
               <a:rPr lang="en-US" dirty="0"/>
-              <a:t>Anna</a:t>
+              <a:t>Anna -Visual Novel</a:t>
+            </a:r>
+          </a:p>
+          <a:p>
+            <a:pPr lvl="1"/>
+            <a:r>
+              <a:rPr lang="en-US" dirty="0"/>
+              <a:t>Allie - Mobile Game</a:t>
+            </a:r>
+          </a:p>
+          <a:p>
+            <a:pPr lvl="1"/>
+            <a:r>
+              <a:rPr lang="en-US" dirty="0"/>
+              <a:t>Gladys - Dress Up Interface</a:t>
+            </a:r>
+          </a:p>
+          <a:p>
+            <a:pPr lvl="1"/>
+            <a:endParaRPr lang="en-US" dirty="0"/>
+          </a:p>
+          <a:p>
+            <a:pPr lvl="1"/>
+            <a:r>
+              <a:rPr lang="en-US" dirty="0"/>
+              <a:t>TimeLine:</a:t>
             </a:r>
           </a:p>
           <a:p>
             <a:pPr lvl="2"/>
             <a:r>
               <a:rPr lang="en-US" dirty="0"/>
-              <a:t>Visual Novel</a:t>
-            </a:r>
+              <a:t>By End of October: Get early draft of visual novel interface finished</a:t>
+            </a:r>
+          </a:p>
+          <a:p>
+            <a:pPr lvl="2"/>
+            <a:r>
+              <a:rPr lang="en-US" dirty="0"/>
+              <a:t>By Mid November: Get Mobile Game and Dress Up Interface running independently</a:t>
+            </a:r>
+          </a:p>
+          <a:p>
+            <a:pPr lvl="2"/>
+            <a:r>
+              <a:rPr lang="en-US" dirty="0"/>
+              <a:t>By End of November: Debug and get three sections </a:t>
+            </a:r>
+            <a:r>
+              <a:rPr lang="en-US"/>
+              <a:t>working together</a:t>
+            </a:r>
+            <a:endParaRPr lang="en-US" dirty="0"/>
           </a:p>
           <a:p>
             <a:pPr lvl="2"/>
             <a:endParaRPr lang="en-US" dirty="0"/>
-          </a:p>
-          <a:p>
-            <a:pPr lvl="1"/>
-            <a:r>
-              <a:rPr lang="en-US" dirty="0"/>
-              <a:t>Allie</a:t>
-            </a:r>
-          </a:p>
-          <a:p>
-            <a:pPr lvl="2"/>
-            <a:r>
-              <a:rPr lang="en-US" dirty="0"/>
-              <a:t>Mobile Game</a:t>
-            </a:r>
-          </a:p>
-          <a:p>
-            <a:pPr lvl="2"/>
-            <a:endParaRPr lang="en-US" dirty="0"/>
-          </a:p>
-          <a:p>
-            <a:pPr lvl="1"/>
-            <a:r>
-              <a:rPr lang="en-US" dirty="0"/>
-              <a:t>Gladys</a:t>
-            </a:r>
-          </a:p>
-          <a:p>
-            <a:pPr lvl="2"/>
-            <a:r>
-              <a:rPr lang="en-US" dirty="0"/>
-              <a:t>Dress Up Game</a:t>
-            </a:r>
           </a:p>
         </p:txBody>
       </p:sp>

--- a/SchoolReport/Mobile Wizard Dress-Up Game.pptx
+++ b/SchoolReport/Mobile Wizard Dress-Up Game.pptx
@@ -636,7 +636,7 @@
           <a:p>
             <a:fld id="{EA0C0817-A112-4847-8014-A94B7D2A4EA3}" type="datetime1">
               <a:rPr lang="en-US" smtClean="0"/>
-              <a:t>10/23/2019</a:t>
+              <a:t>10/24/2019</a:t>
             </a:fld>
             <a:endParaRPr lang="en-US" dirty="0"/>
           </a:p>
@@ -838,7 +838,7 @@
           <a:p>
             <a:fld id="{134F40B7-36AB-4376-BE14-EF7004D79BB9}" type="datetime1">
               <a:rPr lang="en-US" smtClean="0"/>
-              <a:t>10/23/2019</a:t>
+              <a:t>10/24/2019</a:t>
             </a:fld>
             <a:endParaRPr lang="en-US"/>
           </a:p>
@@ -1018,7 +1018,7 @@
           <a:p>
             <a:fld id="{FF87CAB8-DCAE-46A5-AADA-B3FAD11A54E0}" type="datetime1">
               <a:rPr lang="en-US" smtClean="0"/>
-              <a:t>10/23/2019</a:t>
+              <a:t>10/24/2019</a:t>
             </a:fld>
             <a:endParaRPr lang="en-US"/>
           </a:p>
@@ -1188,7 +1188,7 @@
           <a:p>
             <a:fld id="{7332B432-ACDA-4023-A761-2BAB76577B62}" type="datetime1">
               <a:rPr lang="en-US" smtClean="0"/>
-              <a:t>10/23/2019</a:t>
+              <a:t>10/24/2019</a:t>
             </a:fld>
             <a:endParaRPr lang="en-US"/>
           </a:p>
@@ -1787,7 +1787,7 @@
           <a:p>
             <a:fld id="{D9C646AA-F36E-4540-911D-FFFC0A0EF24A}" type="datetime1">
               <a:rPr lang="en-US" smtClean="0"/>
-              <a:t>10/23/2019</a:t>
+              <a:t>10/24/2019</a:t>
             </a:fld>
             <a:endParaRPr lang="en-US" dirty="0"/>
           </a:p>
@@ -2107,7 +2107,7 @@
           <a:p>
             <a:fld id="{69186D26-FA5F-4637-B602-B7C2DC34CFD4}" type="datetime1">
               <a:rPr lang="en-US" smtClean="0"/>
-              <a:t>10/23/2019</a:t>
+              <a:t>10/24/2019</a:t>
             </a:fld>
             <a:endParaRPr lang="en-US"/>
           </a:p>
@@ -2542,7 +2542,7 @@
           <a:p>
             <a:fld id="{8A7F15D8-96D1-4781-BC50-CA8A088B2FE4}" type="datetime1">
               <a:rPr lang="en-US" smtClean="0"/>
-              <a:t>10/23/2019</a:t>
+              <a:t>10/24/2019</a:t>
             </a:fld>
             <a:endParaRPr lang="en-US"/>
           </a:p>
@@ -2660,7 +2660,7 @@
           <a:p>
             <a:fld id="{F9A96C99-B8F8-4528-BD05-0E16E943DC09}" type="datetime1">
               <a:rPr lang="en-US" smtClean="0"/>
-              <a:t>10/23/2019</a:t>
+              <a:t>10/24/2019</a:t>
             </a:fld>
             <a:endParaRPr lang="en-US"/>
           </a:p>
@@ -2755,7 +2755,7 @@
           <a:p>
             <a:fld id="{03636942-C211-4B28-8DBD-C953E00AF71B}" type="datetime1">
               <a:rPr lang="en-US" smtClean="0"/>
-              <a:t>10/23/2019</a:t>
+              <a:t>10/24/2019</a:t>
             </a:fld>
             <a:endParaRPr lang="en-US"/>
           </a:p>
@@ -3172,7 +3172,7 @@
           <a:p>
             <a:fld id="{7E8D12A6-918A-48BD-8CB9-CA713993B0EA}" type="datetime1">
               <a:rPr lang="en-US" smtClean="0"/>
-              <a:t>10/23/2019</a:t>
+              <a:t>10/24/2019</a:t>
             </a:fld>
             <a:endParaRPr lang="en-US"/>
           </a:p>
@@ -3434,7 +3434,7 @@
             <a:fld id="{E778CE86-875F-4587-BCF6-FA054AFC0D53}" type="datetime1">
               <a:rPr lang="en-US" smtClean="0"/>
               <a:pPr/>
-              <a:t>10/23/2019</a:t>
+              <a:t>10/24/2019</a:t>
             </a:fld>
             <a:endParaRPr lang="en-US" dirty="0"/>
           </a:p>
@@ -3950,7 +3950,7 @@
           <a:p>
             <a:fld id="{F6FA2B21-3FCD-4721-B95C-427943F61125}" type="datetime1">
               <a:rPr lang="en-US" smtClean="0"/>
-              <a:t>10/23/2019</a:t>
+              <a:t>10/24/2019</a:t>
             </a:fld>
             <a:endParaRPr lang="en-US"/>
           </a:p>
@@ -5516,6 +5516,17 @@
             </a:r>
           </a:p>
           <a:p>
+            <a:pPr lvl="2"/>
+            <a:r>
+              <a:rPr lang="en-US" dirty="0"/>
+              <a:t>Allows user to select choices that branch the story</a:t>
+            </a:r>
+          </a:p>
+          <a:p>
+            <a:pPr lvl="2"/>
+            <a:endParaRPr lang="en-US" dirty="0"/>
+          </a:p>
+          <a:p>
             <a:pPr lvl="1"/>
             <a:endParaRPr lang="en-US" dirty="0"/>
           </a:p>
@@ -6019,7 +6030,34 @@
           </a:bodyPr>
           <a:lstStyle/>
           <a:p>
-            <a:endParaRPr lang="en-US"/>
+            <a:r>
+              <a:rPr lang="en-US" dirty="0"/>
+              <a:t>First draft attempt done in Visual studio in C#.</a:t>
+            </a:r>
+          </a:p>
+          <a:p>
+            <a:r>
+              <a:rPr lang="en-US" dirty="0"/>
+              <a:t>The text is piped in from a text file, and there is currently an autogenerated number that allows for timing images correctly based on text location in array</a:t>
+            </a:r>
+          </a:p>
+          <a:p>
+            <a:r>
+              <a:rPr lang="en-US" dirty="0"/>
+              <a:t>Background image is set to stay until changed, foreground is set to vanish unless specified</a:t>
+            </a:r>
+          </a:p>
+          <a:p>
+            <a:r>
+              <a:rPr lang="en-US" dirty="0"/>
+              <a:t>Next button, and previous button in place</a:t>
+            </a:r>
+          </a:p>
+          <a:p>
+            <a:r>
+              <a:rPr lang="en-US" dirty="0"/>
+              <a:t>Currently has branching story abilities</a:t>
+            </a:r>
           </a:p>
         </p:txBody>
       </p:sp>
@@ -6820,24 +6858,30 @@
           <a:lstStyle/>
           <a:p>
             <a:pPr lvl="1"/>
-            <a:endParaRPr lang="en-US" dirty="0"/>
+            <a:r>
+              <a:rPr lang="en-US" dirty="0"/>
+              <a:t>Images are a major part of the immersive exercise and therefore take up the lion’s share of the screen</a:t>
+            </a:r>
           </a:p>
           <a:p>
             <a:pPr lvl="1"/>
             <a:r>
               <a:rPr lang="en-US" dirty="0"/>
-              <a:t>Because it’s a Visual Novel</a:t>
+              <a:t>Text is also imperative to tell the story, but does not need as much room as the image, it therefore takes the second most amount of space</a:t>
             </a:r>
           </a:p>
           <a:p>
             <a:pPr lvl="1"/>
-            <a:endParaRPr lang="en-US" dirty="0"/>
+            <a:r>
+              <a:rPr lang="en-US" dirty="0"/>
+              <a:t>User may want to review previous story point, particularly if a decision needs to be made, ergo both forward and backwards buttons are present</a:t>
+            </a:r>
           </a:p>
           <a:p>
             <a:pPr lvl="1"/>
             <a:r>
               <a:rPr lang="en-US" dirty="0"/>
-              <a:t>Because it’s a Dress Up Game</a:t>
+              <a:t>When selecting a branch the user should see the text that’s prompting the choice, ergo the image gets covered</a:t>
             </a:r>
           </a:p>
         </p:txBody>

--- a/SchoolReport/Mobile Wizard Dress-Up Game.pptx
+++ b/SchoolReport/Mobile Wizard Dress-Up Game.pptx
@@ -2,7 +2,7 @@
 <file path=ppt/presentation.xml><?xml version="1.0" encoding="utf-8"?>
 <p:presentation xmlns:a="http://schemas.openxmlformats.org/drawingml/2006/main" xmlns:r="http://schemas.openxmlformats.org/officeDocument/2006/relationships" xmlns:p="http://schemas.openxmlformats.org/presentationml/2006/main" saveSubsetFonts="1">
   <p:sldMasterIdLst>
-    <p:sldMasterId id="2147483692" r:id="rId1"/>
+    <p:sldMasterId id="2147483710" r:id="rId1"/>
   </p:sldMasterIdLst>
   <p:sldIdLst>
     <p:sldId id="256" r:id="rId2"/>
@@ -26,7 +26,7 @@
     <a:defPPr>
       <a:defRPr lang="en-US"/>
     </a:defPPr>
-    <a:lvl1pPr marL="0" algn="l" defTabSz="914400" rtl="0" eaLnBrk="1" latinLnBrk="0" hangingPunct="1">
+    <a:lvl1pPr marL="0" algn="l" defTabSz="457200" rtl="0" eaLnBrk="1" latinLnBrk="0" hangingPunct="1">
       <a:defRPr sz="1800" kern="1200">
         <a:solidFill>
           <a:schemeClr val="tx1"/>
@@ -36,7 +36,7 @@
         <a:cs typeface="+mn-cs"/>
       </a:defRPr>
     </a:lvl1pPr>
-    <a:lvl2pPr marL="457200" algn="l" defTabSz="914400" rtl="0" eaLnBrk="1" latinLnBrk="0" hangingPunct="1">
+    <a:lvl2pPr marL="457200" algn="l" defTabSz="457200" rtl="0" eaLnBrk="1" latinLnBrk="0" hangingPunct="1">
       <a:defRPr sz="1800" kern="1200">
         <a:solidFill>
           <a:schemeClr val="tx1"/>
@@ -46,7 +46,7 @@
         <a:cs typeface="+mn-cs"/>
       </a:defRPr>
     </a:lvl2pPr>
-    <a:lvl3pPr marL="914400" algn="l" defTabSz="914400" rtl="0" eaLnBrk="1" latinLnBrk="0" hangingPunct="1">
+    <a:lvl3pPr marL="914400" algn="l" defTabSz="457200" rtl="0" eaLnBrk="1" latinLnBrk="0" hangingPunct="1">
       <a:defRPr sz="1800" kern="1200">
         <a:solidFill>
           <a:schemeClr val="tx1"/>
@@ -56,7 +56,7 @@
         <a:cs typeface="+mn-cs"/>
       </a:defRPr>
     </a:lvl3pPr>
-    <a:lvl4pPr marL="1371600" algn="l" defTabSz="914400" rtl="0" eaLnBrk="1" latinLnBrk="0" hangingPunct="1">
+    <a:lvl4pPr marL="1371600" algn="l" defTabSz="457200" rtl="0" eaLnBrk="1" latinLnBrk="0" hangingPunct="1">
       <a:defRPr sz="1800" kern="1200">
         <a:solidFill>
           <a:schemeClr val="tx1"/>
@@ -66,7 +66,7 @@
         <a:cs typeface="+mn-cs"/>
       </a:defRPr>
     </a:lvl4pPr>
-    <a:lvl5pPr marL="1828800" algn="l" defTabSz="914400" rtl="0" eaLnBrk="1" latinLnBrk="0" hangingPunct="1">
+    <a:lvl5pPr marL="1828800" algn="l" defTabSz="457200" rtl="0" eaLnBrk="1" latinLnBrk="0" hangingPunct="1">
       <a:defRPr sz="1800" kern="1200">
         <a:solidFill>
           <a:schemeClr val="tx1"/>
@@ -76,7 +76,7 @@
         <a:cs typeface="+mn-cs"/>
       </a:defRPr>
     </a:lvl5pPr>
-    <a:lvl6pPr marL="2286000" algn="l" defTabSz="914400" rtl="0" eaLnBrk="1" latinLnBrk="0" hangingPunct="1">
+    <a:lvl6pPr marL="2286000" algn="l" defTabSz="457200" rtl="0" eaLnBrk="1" latinLnBrk="0" hangingPunct="1">
       <a:defRPr sz="1800" kern="1200">
         <a:solidFill>
           <a:schemeClr val="tx1"/>
@@ -86,7 +86,7 @@
         <a:cs typeface="+mn-cs"/>
       </a:defRPr>
     </a:lvl6pPr>
-    <a:lvl7pPr marL="2743200" algn="l" defTabSz="914400" rtl="0" eaLnBrk="1" latinLnBrk="0" hangingPunct="1">
+    <a:lvl7pPr marL="2743200" algn="l" defTabSz="457200" rtl="0" eaLnBrk="1" latinLnBrk="0" hangingPunct="1">
       <a:defRPr sz="1800" kern="1200">
         <a:solidFill>
           <a:schemeClr val="tx1"/>
@@ -96,7 +96,7 @@
         <a:cs typeface="+mn-cs"/>
       </a:defRPr>
     </a:lvl7pPr>
-    <a:lvl8pPr marL="3200400" algn="l" defTabSz="914400" rtl="0" eaLnBrk="1" latinLnBrk="0" hangingPunct="1">
+    <a:lvl8pPr marL="3200400" algn="l" defTabSz="457200" rtl="0" eaLnBrk="1" latinLnBrk="0" hangingPunct="1">
       <a:defRPr sz="1800" kern="1200">
         <a:solidFill>
           <a:schemeClr val="tx1"/>
@@ -106,7 +106,7 @@
         <a:cs typeface="+mn-cs"/>
       </a:defRPr>
     </a:lvl8pPr>
-    <a:lvl9pPr marL="3657600" algn="l" defTabSz="914400" rtl="0" eaLnBrk="1" latinLnBrk="0" hangingPunct="1">
+    <a:lvl9pPr marL="3657600" algn="l" defTabSz="457200" rtl="0" eaLnBrk="1" latinLnBrk="0" hangingPunct="1">
       <a:defRPr sz="1800" kern="1200">
         <a:solidFill>
           <a:schemeClr val="tx1"/>
@@ -184,210 +184,50 @@
           <a:chExt cx="0" cy="0"/>
         </a:xfrm>
       </p:grpSpPr>
-      <p:sp>
-        <p:nvSpPr>
-          <p:cNvPr id="5" name="Rectangle 4">
-            <a:extLst>
-              <a:ext uri="{FF2B5EF4-FFF2-40B4-BE49-F238E27FC236}">
-                <a16:creationId xmlns:a16="http://schemas.microsoft.com/office/drawing/2014/main" id="{904DB13E-F722-4ED6-BB00-556651E95281}"/>
-              </a:ext>
-            </a:extLst>
-          </p:cNvPr>
-          <p:cNvSpPr/>
-          <p:nvPr/>
-        </p:nvSpPr>
-        <p:spPr>
-          <a:xfrm>
-            <a:off x="0" y="0"/>
-            <a:ext cx="12192000" cy="6858000"/>
-          </a:xfrm>
-          <a:prstGeom prst="rect">
-            <a:avLst/>
-          </a:prstGeom>
-          <a:solidFill>
-            <a:schemeClr val="tx1">
-              <a:lumMod val="65000"/>
-              <a:lumOff val="35000"/>
-            </a:schemeClr>
-          </a:solidFill>
-          <a:ln>
-            <a:noFill/>
-          </a:ln>
-        </p:spPr>
-        <p:style>
-          <a:lnRef idx="2">
-            <a:schemeClr val="accent1">
-              <a:shade val="50000"/>
-            </a:schemeClr>
-          </a:lnRef>
-          <a:fillRef idx="1">
-            <a:schemeClr val="accent1"/>
-          </a:fillRef>
-          <a:effectRef idx="0">
-            <a:schemeClr val="accent1"/>
-          </a:effectRef>
-          <a:fontRef idx="minor">
-            <a:schemeClr val="lt1"/>
-          </a:fontRef>
-        </p:style>
-        <p:txBody>
-          <a:bodyPr rtlCol="0" anchor="ctr"/>
-          <a:lstStyle/>
-          <a:p>
-            <a:pPr algn="ctr"/>
-            <a:endParaRPr lang="en-US"/>
-          </a:p>
-        </p:txBody>
-      </p:sp>
-      <p:sp useBgFill="1">
-        <p:nvSpPr>
-          <p:cNvPr id="10" name="Rectangle 9"/>
-          <p:cNvSpPr/>
-          <p:nvPr/>
-        </p:nvSpPr>
-        <p:spPr>
-          <a:xfrm>
-            <a:off x="1307870" y="1267730"/>
-            <a:ext cx="9576262" cy="4307950"/>
-          </a:xfrm>
-          <a:prstGeom prst="rect">
-            <a:avLst/>
-          </a:prstGeom>
-          <a:ln w="6350" cap="flat" cmpd="sng" algn="ctr">
-            <a:noFill/>
-            <a:prstDash val="solid"/>
-          </a:ln>
-          <a:effectLst>
-            <a:outerShdw blurRad="50800" algn="ctr" rotWithShape="0">
-              <a:prstClr val="black">
-                <a:alpha val="66000"/>
-              </a:prstClr>
-            </a:outerShdw>
-            <a:softEdge rad="0"/>
-          </a:effectLst>
-        </p:spPr>
-      </p:sp>
-      <p:sp>
-        <p:nvSpPr>
-          <p:cNvPr id="11" name="Rectangle 10"/>
-          <p:cNvSpPr/>
-          <p:nvPr/>
-        </p:nvSpPr>
-        <p:spPr>
-          <a:xfrm>
-            <a:off x="1447801" y="1411615"/>
-            <a:ext cx="9296400" cy="4034770"/>
-          </a:xfrm>
-          <a:prstGeom prst="rect">
-            <a:avLst/>
-          </a:prstGeom>
-          <a:noFill/>
-          <a:ln w="6350" cap="sq" cmpd="sng" algn="ctr">
-            <a:solidFill>
-              <a:schemeClr val="tx1">
-                <a:lumMod val="75000"/>
-                <a:lumOff val="25000"/>
-              </a:schemeClr>
-            </a:solidFill>
-            <a:prstDash val="solid"/>
-            <a:miter lim="800000"/>
-          </a:ln>
-          <a:effectLst/>
-        </p:spPr>
-      </p:sp>
-      <p:sp>
-        <p:nvSpPr>
-          <p:cNvPr id="15" name="Rectangle 14"/>
-          <p:cNvSpPr/>
-          <p:nvPr/>
-        </p:nvSpPr>
-        <p:spPr>
-          <a:xfrm>
-            <a:off x="5135880" y="1267730"/>
-            <a:ext cx="1920240" cy="731520"/>
-          </a:xfrm>
-          <a:prstGeom prst="rect">
-            <a:avLst/>
-          </a:prstGeom>
-          <a:solidFill>
-            <a:schemeClr val="accent1"/>
-          </a:solidFill>
-          <a:ln>
-            <a:noFill/>
-          </a:ln>
-        </p:spPr>
-        <p:style>
-          <a:lnRef idx="2">
-            <a:schemeClr val="accent1">
-              <a:shade val="50000"/>
-            </a:schemeClr>
-          </a:lnRef>
-          <a:fillRef idx="1">
-            <a:schemeClr val="accent1"/>
-          </a:fillRef>
-          <a:effectRef idx="0">
-            <a:schemeClr val="accent1"/>
-          </a:effectRef>
-          <a:fontRef idx="minor">
-            <a:schemeClr val="lt1"/>
-          </a:fontRef>
-        </p:style>
-      </p:sp>
       <p:grpSp>
         <p:nvGrpSpPr>
-          <p:cNvPr id="7" name="Group 6">
-            <a:extLst>
-              <a:ext uri="{FF2B5EF4-FFF2-40B4-BE49-F238E27FC236}">
-                <a16:creationId xmlns:a16="http://schemas.microsoft.com/office/drawing/2014/main" id="{E26428D7-C6F3-473D-A360-A3F5C3E8728C}"/>
-              </a:ext>
-            </a:extLst>
-          </p:cNvPr>
+          <p:cNvPr id="16" name="Group 15"/>
           <p:cNvGrpSpPr/>
           <p:nvPr/>
         </p:nvGrpSpPr>
         <p:grpSpPr>
           <a:xfrm>
-            <a:off x="5250180" y="1267730"/>
-            <a:ext cx="1691640" cy="615934"/>
-            <a:chOff x="5250180" y="1267730"/>
-            <a:chExt cx="1691640" cy="615934"/>
+            <a:off x="0" y="-8467"/>
+            <a:ext cx="12192000" cy="6866467"/>
+            <a:chOff x="0" y="-8467"/>
+            <a:chExt cx="12192000" cy="6866467"/>
           </a:xfrm>
         </p:grpSpPr>
         <p:cxnSp>
           <p:nvCxnSpPr>
-            <p:cNvPr id="17" name="Straight Connector 16"/>
+            <p:cNvPr id="19" name="Straight Connector 18"/>
             <p:cNvCxnSpPr/>
             <p:nvPr/>
           </p:nvCxnSpPr>
           <p:spPr>
             <a:xfrm>
-              <a:off x="5250180" y="1267730"/>
-              <a:ext cx="0" cy="612648"/>
+              <a:off x="9371012" y="0"/>
+              <a:ext cx="1219200" cy="6858000"/>
             </a:xfrm>
             <a:prstGeom prst="line">
               <a:avLst/>
             </a:prstGeom>
-            <a:solidFill>
-              <a:schemeClr val="tx1">
-                <a:lumMod val="85000"/>
-                <a:lumOff val="15000"/>
-              </a:schemeClr>
-            </a:solidFill>
-            <a:ln>
+            <a:ln w="9525">
               <a:solidFill>
-                <a:srgbClr val="FFFFFF"/>
+                <a:schemeClr val="accent1">
+                  <a:alpha val="70000"/>
+                </a:schemeClr>
               </a:solidFill>
-              <a:miter lim="800000"/>
             </a:ln>
           </p:spPr>
           <p:style>
-            <a:lnRef idx="1">
+            <a:lnRef idx="2">
               <a:schemeClr val="accent1"/>
             </a:lnRef>
             <a:fillRef idx="0">
               <a:schemeClr val="accent1"/>
             </a:fillRef>
-            <a:effectRef idx="0">
+            <a:effectRef idx="1">
               <a:schemeClr val="accent1"/>
             </a:effectRef>
             <a:fontRef idx="minor">
@@ -397,39 +237,34 @@
         </p:cxnSp>
         <p:cxnSp>
           <p:nvCxnSpPr>
-            <p:cNvPr id="18" name="Straight Connector 17"/>
+            <p:cNvPr id="20" name="Straight Connector 19"/>
             <p:cNvCxnSpPr/>
             <p:nvPr/>
           </p:nvCxnSpPr>
           <p:spPr>
-            <a:xfrm>
-              <a:off x="6941820" y="1267730"/>
-              <a:ext cx="0" cy="612648"/>
+            <a:xfrm flipH="1">
+              <a:off x="7425267" y="3681413"/>
+              <a:ext cx="4763558" cy="3176587"/>
             </a:xfrm>
             <a:prstGeom prst="line">
               <a:avLst/>
             </a:prstGeom>
-            <a:solidFill>
-              <a:schemeClr val="tx1">
-                <a:lumMod val="85000"/>
-                <a:lumOff val="15000"/>
-              </a:schemeClr>
-            </a:solidFill>
-            <a:ln>
+            <a:ln w="9525">
               <a:solidFill>
-                <a:srgbClr val="FFFFFF"/>
+                <a:schemeClr val="accent1">
+                  <a:alpha val="70000"/>
+                </a:schemeClr>
               </a:solidFill>
-              <a:miter lim="800000"/>
             </a:ln>
           </p:spPr>
           <p:style>
-            <a:lnRef idx="1">
+            <a:lnRef idx="2">
               <a:schemeClr val="accent1"/>
             </a:lnRef>
             <a:fillRef idx="0">
               <a:schemeClr val="accent1"/>
             </a:fillRef>
-            <a:effectRef idx="0">
+            <a:effectRef idx="1">
               <a:schemeClr val="accent1"/>
             </a:effectRef>
             <a:fontRef idx="minor">
@@ -437,48 +272,449 @@
             </a:fontRef>
           </p:style>
         </p:cxnSp>
-        <p:cxnSp>
-          <p:nvCxnSpPr>
-            <p:cNvPr id="19" name="Straight Connector 18"/>
-            <p:cNvCxnSpPr/>
+        <p:sp>
+          <p:nvSpPr>
+            <p:cNvPr id="21" name="Rectangle 23"/>
+            <p:cNvSpPr/>
             <p:nvPr/>
-          </p:nvCxnSpPr>
+          </p:nvSpPr>
           <p:spPr>
             <a:xfrm>
-              <a:off x="5250180" y="1883664"/>
-              <a:ext cx="1691640" cy="0"/>
+              <a:off x="9181476" y="-8467"/>
+              <a:ext cx="3007349" cy="6866467"/>
             </a:xfrm>
-            <a:prstGeom prst="line">
+            <a:custGeom>
               <a:avLst/>
-            </a:prstGeom>
+              <a:gdLst/>
+              <a:ahLst/>
+              <a:cxnLst/>
+              <a:rect l="l" t="t" r="r" b="b"/>
+              <a:pathLst>
+                <a:path w="3007349" h="6866467">
+                  <a:moveTo>
+                    <a:pt x="2045532" y="0"/>
+                  </a:moveTo>
+                  <a:lnTo>
+                    <a:pt x="3007349" y="0"/>
+                  </a:lnTo>
+                  <a:lnTo>
+                    <a:pt x="3007349" y="6866467"/>
+                  </a:lnTo>
+                  <a:lnTo>
+                    <a:pt x="0" y="6866467"/>
+                  </a:lnTo>
+                  <a:lnTo>
+                    <a:pt x="2045532" y="0"/>
+                  </a:lnTo>
+                  <a:close/>
+                </a:path>
+              </a:pathLst>
+            </a:custGeom>
             <a:solidFill>
-              <a:schemeClr val="tx1">
-                <a:lumMod val="85000"/>
-                <a:lumOff val="15000"/>
+              <a:schemeClr val="accent1">
+                <a:alpha val="36000"/>
               </a:schemeClr>
             </a:solidFill>
             <a:ln>
-              <a:solidFill>
-                <a:srgbClr val="FFFFFF"/>
-              </a:solidFill>
-              <a:miter lim="800000"/>
+              <a:noFill/>
             </a:ln>
+            <a:effectLst/>
           </p:spPr>
           <p:style>
             <a:lnRef idx="1">
               <a:schemeClr val="accent1"/>
             </a:lnRef>
-            <a:fillRef idx="0">
+            <a:fillRef idx="3">
               <a:schemeClr val="accent1"/>
             </a:fillRef>
-            <a:effectRef idx="0">
+            <a:effectRef idx="2">
               <a:schemeClr val="accent1"/>
             </a:effectRef>
             <a:fontRef idx="minor">
-              <a:schemeClr val="tx1"/>
+              <a:schemeClr val="lt1"/>
             </a:fontRef>
           </p:style>
-        </p:cxnSp>
+        </p:sp>
+        <p:sp>
+          <p:nvSpPr>
+            <p:cNvPr id="22" name="Rectangle 25"/>
+            <p:cNvSpPr/>
+            <p:nvPr/>
+          </p:nvSpPr>
+          <p:spPr>
+            <a:xfrm>
+              <a:off x="9603442" y="-8467"/>
+              <a:ext cx="2588558" cy="6866467"/>
+            </a:xfrm>
+            <a:custGeom>
+              <a:avLst/>
+              <a:gdLst/>
+              <a:ahLst/>
+              <a:cxnLst/>
+              <a:rect l="l" t="t" r="r" b="b"/>
+              <a:pathLst>
+                <a:path w="2573311" h="6866467">
+                  <a:moveTo>
+                    <a:pt x="0" y="0"/>
+                  </a:moveTo>
+                  <a:lnTo>
+                    <a:pt x="2573311" y="0"/>
+                  </a:lnTo>
+                  <a:lnTo>
+                    <a:pt x="2573311" y="6866467"/>
+                  </a:lnTo>
+                  <a:lnTo>
+                    <a:pt x="1202336" y="6866467"/>
+                  </a:lnTo>
+                  <a:lnTo>
+                    <a:pt x="0" y="0"/>
+                  </a:lnTo>
+                  <a:close/>
+                </a:path>
+              </a:pathLst>
+            </a:custGeom>
+            <a:solidFill>
+              <a:schemeClr val="accent1">
+                <a:alpha val="20000"/>
+              </a:schemeClr>
+            </a:solidFill>
+            <a:ln>
+              <a:noFill/>
+            </a:ln>
+            <a:effectLst/>
+          </p:spPr>
+          <p:style>
+            <a:lnRef idx="1">
+              <a:schemeClr val="accent1"/>
+            </a:lnRef>
+            <a:fillRef idx="3">
+              <a:schemeClr val="accent1"/>
+            </a:fillRef>
+            <a:effectRef idx="2">
+              <a:schemeClr val="accent1"/>
+            </a:effectRef>
+            <a:fontRef idx="minor">
+              <a:schemeClr val="lt1"/>
+            </a:fontRef>
+          </p:style>
+        </p:sp>
+        <p:sp>
+          <p:nvSpPr>
+            <p:cNvPr id="23" name="Isosceles Triangle 22"/>
+            <p:cNvSpPr/>
+            <p:nvPr/>
+          </p:nvSpPr>
+          <p:spPr>
+            <a:xfrm>
+              <a:off x="8932333" y="3048000"/>
+              <a:ext cx="3259667" cy="3810000"/>
+            </a:xfrm>
+            <a:prstGeom prst="triangle">
+              <a:avLst>
+                <a:gd name="adj" fmla="val 100000"/>
+              </a:avLst>
+            </a:prstGeom>
+            <a:solidFill>
+              <a:schemeClr val="accent1">
+                <a:alpha val="72000"/>
+              </a:schemeClr>
+            </a:solidFill>
+            <a:ln>
+              <a:noFill/>
+            </a:ln>
+            <a:effectLst/>
+          </p:spPr>
+          <p:style>
+            <a:lnRef idx="1">
+              <a:schemeClr val="accent1"/>
+            </a:lnRef>
+            <a:fillRef idx="3">
+              <a:schemeClr val="accent1"/>
+            </a:fillRef>
+            <a:effectRef idx="2">
+              <a:schemeClr val="accent1"/>
+            </a:effectRef>
+            <a:fontRef idx="minor">
+              <a:schemeClr val="lt1"/>
+            </a:fontRef>
+          </p:style>
+        </p:sp>
+        <p:sp>
+          <p:nvSpPr>
+            <p:cNvPr id="24" name="Rectangle 27"/>
+            <p:cNvSpPr/>
+            <p:nvPr/>
+          </p:nvSpPr>
+          <p:spPr>
+            <a:xfrm>
+              <a:off x="9334500" y="-8467"/>
+              <a:ext cx="2854326" cy="6866467"/>
+            </a:xfrm>
+            <a:custGeom>
+              <a:avLst/>
+              <a:gdLst/>
+              <a:ahLst/>
+              <a:cxnLst/>
+              <a:rect l="l" t="t" r="r" b="b"/>
+              <a:pathLst>
+                <a:path w="2858013" h="6866467">
+                  <a:moveTo>
+                    <a:pt x="0" y="0"/>
+                  </a:moveTo>
+                  <a:lnTo>
+                    <a:pt x="2858013" y="0"/>
+                  </a:lnTo>
+                  <a:lnTo>
+                    <a:pt x="2858013" y="6866467"/>
+                  </a:lnTo>
+                  <a:lnTo>
+                    <a:pt x="2473942" y="6866467"/>
+                  </a:lnTo>
+                  <a:lnTo>
+                    <a:pt x="0" y="0"/>
+                  </a:lnTo>
+                  <a:close/>
+                </a:path>
+              </a:pathLst>
+            </a:custGeom>
+            <a:solidFill>
+              <a:schemeClr val="accent1">
+                <a:lumMod val="75000"/>
+                <a:alpha val="50000"/>
+              </a:schemeClr>
+            </a:solidFill>
+            <a:ln>
+              <a:noFill/>
+            </a:ln>
+            <a:effectLst/>
+          </p:spPr>
+          <p:style>
+            <a:lnRef idx="1">
+              <a:schemeClr val="accent1"/>
+            </a:lnRef>
+            <a:fillRef idx="3">
+              <a:schemeClr val="accent1"/>
+            </a:fillRef>
+            <a:effectRef idx="2">
+              <a:schemeClr val="accent1"/>
+            </a:effectRef>
+            <a:fontRef idx="minor">
+              <a:schemeClr val="lt1"/>
+            </a:fontRef>
+          </p:style>
+        </p:sp>
+        <p:sp>
+          <p:nvSpPr>
+            <p:cNvPr id="25" name="Rectangle 28"/>
+            <p:cNvSpPr/>
+            <p:nvPr/>
+          </p:nvSpPr>
+          <p:spPr>
+            <a:xfrm>
+              <a:off x="10898730" y="-8467"/>
+              <a:ext cx="1290094" cy="6866467"/>
+            </a:xfrm>
+            <a:custGeom>
+              <a:avLst/>
+              <a:gdLst/>
+              <a:ahLst/>
+              <a:cxnLst/>
+              <a:rect l="l" t="t" r="r" b="b"/>
+              <a:pathLst>
+                <a:path w="1290094" h="6858000">
+                  <a:moveTo>
+                    <a:pt x="1019735" y="0"/>
+                  </a:moveTo>
+                  <a:lnTo>
+                    <a:pt x="1290094" y="0"/>
+                  </a:lnTo>
+                  <a:lnTo>
+                    <a:pt x="1290094" y="6858000"/>
+                  </a:lnTo>
+                  <a:lnTo>
+                    <a:pt x="0" y="6858000"/>
+                  </a:lnTo>
+                  <a:lnTo>
+                    <a:pt x="1019735" y="0"/>
+                  </a:lnTo>
+                  <a:close/>
+                </a:path>
+              </a:pathLst>
+            </a:custGeom>
+            <a:solidFill>
+              <a:schemeClr val="accent1">
+                <a:lumMod val="75000"/>
+                <a:alpha val="70000"/>
+              </a:schemeClr>
+            </a:solidFill>
+            <a:ln>
+              <a:noFill/>
+            </a:ln>
+            <a:effectLst/>
+          </p:spPr>
+          <p:style>
+            <a:lnRef idx="1">
+              <a:schemeClr val="accent1"/>
+            </a:lnRef>
+            <a:fillRef idx="3">
+              <a:schemeClr val="accent1"/>
+            </a:fillRef>
+            <a:effectRef idx="2">
+              <a:schemeClr val="accent1"/>
+            </a:effectRef>
+            <a:fontRef idx="minor">
+              <a:schemeClr val="lt1"/>
+            </a:fontRef>
+          </p:style>
+        </p:sp>
+        <p:sp>
+          <p:nvSpPr>
+            <p:cNvPr id="26" name="Rectangle 29"/>
+            <p:cNvSpPr/>
+            <p:nvPr/>
+          </p:nvSpPr>
+          <p:spPr>
+            <a:xfrm>
+              <a:off x="10938999" y="-8467"/>
+              <a:ext cx="1249825" cy="6866467"/>
+            </a:xfrm>
+            <a:custGeom>
+              <a:avLst/>
+              <a:gdLst/>
+              <a:ahLst/>
+              <a:cxnLst/>
+              <a:rect l="l" t="t" r="r" b="b"/>
+              <a:pathLst>
+                <a:path w="1249825" h="6858000">
+                  <a:moveTo>
+                    <a:pt x="0" y="0"/>
+                  </a:moveTo>
+                  <a:lnTo>
+                    <a:pt x="1249825" y="0"/>
+                  </a:lnTo>
+                  <a:lnTo>
+                    <a:pt x="1249825" y="6858000"/>
+                  </a:lnTo>
+                  <a:lnTo>
+                    <a:pt x="1109382" y="6858000"/>
+                  </a:lnTo>
+                  <a:lnTo>
+                    <a:pt x="0" y="0"/>
+                  </a:lnTo>
+                  <a:close/>
+                </a:path>
+              </a:pathLst>
+            </a:custGeom>
+            <a:solidFill>
+              <a:schemeClr val="accent1">
+                <a:lumMod val="50000"/>
+                <a:alpha val="80000"/>
+              </a:schemeClr>
+            </a:solidFill>
+            <a:ln>
+              <a:noFill/>
+            </a:ln>
+            <a:effectLst/>
+          </p:spPr>
+          <p:style>
+            <a:lnRef idx="1">
+              <a:schemeClr val="accent1"/>
+            </a:lnRef>
+            <a:fillRef idx="3">
+              <a:schemeClr val="accent1"/>
+            </a:fillRef>
+            <a:effectRef idx="2">
+              <a:schemeClr val="accent1"/>
+            </a:effectRef>
+            <a:fontRef idx="minor">
+              <a:schemeClr val="lt1"/>
+            </a:fontRef>
+          </p:style>
+        </p:sp>
+        <p:sp>
+          <p:nvSpPr>
+            <p:cNvPr id="27" name="Isosceles Triangle 26"/>
+            <p:cNvSpPr/>
+            <p:nvPr/>
+          </p:nvSpPr>
+          <p:spPr>
+            <a:xfrm>
+              <a:off x="10371666" y="3589867"/>
+              <a:ext cx="1817159" cy="3268133"/>
+            </a:xfrm>
+            <a:prstGeom prst="triangle">
+              <a:avLst>
+                <a:gd name="adj" fmla="val 100000"/>
+              </a:avLst>
+            </a:prstGeom>
+            <a:solidFill>
+              <a:schemeClr val="accent1">
+                <a:lumMod val="50000"/>
+                <a:alpha val="66000"/>
+              </a:schemeClr>
+            </a:solidFill>
+            <a:ln>
+              <a:noFill/>
+            </a:ln>
+            <a:effectLst/>
+          </p:spPr>
+          <p:style>
+            <a:lnRef idx="1">
+              <a:schemeClr val="accent1"/>
+            </a:lnRef>
+            <a:fillRef idx="3">
+              <a:schemeClr val="accent1"/>
+            </a:fillRef>
+            <a:effectRef idx="2">
+              <a:schemeClr val="accent1"/>
+            </a:effectRef>
+            <a:fontRef idx="minor">
+              <a:schemeClr val="lt1"/>
+            </a:fontRef>
+          </p:style>
+        </p:sp>
+        <p:sp>
+          <p:nvSpPr>
+            <p:cNvPr id="29" name="Isosceles Triangle 28"/>
+            <p:cNvSpPr/>
+            <p:nvPr/>
+          </p:nvSpPr>
+          <p:spPr>
+            <a:xfrm rot="10800000">
+              <a:off x="0" y="0"/>
+              <a:ext cx="842596" cy="5666154"/>
+            </a:xfrm>
+            <a:prstGeom prst="triangle">
+              <a:avLst>
+                <a:gd name="adj" fmla="val 100000"/>
+              </a:avLst>
+            </a:prstGeom>
+            <a:solidFill>
+              <a:schemeClr val="accent1">
+                <a:lumMod val="75000"/>
+                <a:alpha val="70000"/>
+              </a:schemeClr>
+            </a:solidFill>
+            <a:ln>
+              <a:noFill/>
+            </a:ln>
+            <a:effectLst/>
+          </p:spPr>
+          <p:style>
+            <a:lnRef idx="1">
+              <a:schemeClr val="accent1"/>
+            </a:lnRef>
+            <a:fillRef idx="3">
+              <a:schemeClr val="accent1"/>
+            </a:fillRef>
+            <a:effectRef idx="2">
+              <a:schemeClr val="accent1"/>
+            </a:effectRef>
+            <a:fontRef idx="minor">
+              <a:schemeClr val="lt1"/>
+            </a:fontRef>
+          </p:style>
+        </p:sp>
       </p:grpSp>
       <p:sp>
         <p:nvSpPr>
@@ -492,30 +728,22 @@
         </p:nvSpPr>
         <p:spPr>
           <a:xfrm>
-            <a:off x="1629103" y="2244830"/>
-            <a:ext cx="8933796" cy="2437232"/>
+            <a:off x="1507067" y="2404534"/>
+            <a:ext cx="7766936" cy="1646302"/>
           </a:xfrm>
         </p:spPr>
         <p:txBody>
-          <a:bodyPr tIns="45720" bIns="45720" anchor="ctr">
-            <a:normAutofit/>
+          <a:bodyPr anchor="b">
+            <a:noAutofit/>
           </a:bodyPr>
           <a:lstStyle>
-            <a:lvl1pPr algn="ctr">
-              <a:lnSpc>
-                <a:spcPct val="83000"/>
-              </a:lnSpc>
-              <a:defRPr lang="en-US" sz="6800" b="0" kern="1200" cap="none" spc="-100" baseline="0" dirty="0">
+            <a:lvl1pPr algn="r">
+              <a:defRPr sz="5400">
                 <a:solidFill>
-                  <a:schemeClr val="tx1">
-                    <a:lumMod val="85000"/>
-                    <a:lumOff val="15000"/>
+                  <a:schemeClr val="accent1">
+                    <a:lumMod val="75000"/>
                   </a:schemeClr>
                 </a:solidFill>
-                <a:effectLst/>
-                <a:latin typeface="+mj-lt"/>
-                <a:ea typeface="+mn-ea"/>
-                <a:cs typeface="+mn-cs"/>
               </a:defRPr>
             </a:lvl1pPr>
           </a:lstStyle>
@@ -540,60 +768,103 @@
         </p:nvSpPr>
         <p:spPr>
           <a:xfrm>
-            <a:off x="1629101" y="4682062"/>
-            <a:ext cx="8936846" cy="457201"/>
+            <a:off x="1507067" y="4050833"/>
+            <a:ext cx="7766936" cy="1096899"/>
           </a:xfrm>
         </p:spPr>
         <p:txBody>
-          <a:bodyPr>
-            <a:normAutofit/>
-          </a:bodyPr>
+          <a:bodyPr anchor="t"/>
           <a:lstStyle>
-            <a:lvl1pPr marL="0" indent="0" algn="ctr">
-              <a:spcBef>
-                <a:spcPts val="0"/>
-              </a:spcBef>
-              <a:buNone/>
-              <a:defRPr sz="1800" spc="80" baseline="0">
+            <a:lvl1pPr marL="0" indent="0" algn="r">
+              <a:buNone/>
+              <a:defRPr>
                 <a:solidFill>
                   <a:schemeClr val="tx1">
-                    <a:lumMod val="95000"/>
-                    <a:lumOff val="5000"/>
+                    <a:lumMod val="50000"/>
+                    <a:lumOff val="50000"/>
                   </a:schemeClr>
                 </a:solidFill>
               </a:defRPr>
             </a:lvl1pPr>
             <a:lvl2pPr marL="457200" indent="0" algn="ctr">
               <a:buNone/>
-              <a:defRPr sz="1600"/>
+              <a:defRPr>
+                <a:solidFill>
+                  <a:schemeClr val="tx1">
+                    <a:tint val="75000"/>
+                  </a:schemeClr>
+                </a:solidFill>
+              </a:defRPr>
             </a:lvl2pPr>
             <a:lvl3pPr marL="914400" indent="0" algn="ctr">
               <a:buNone/>
-              <a:defRPr sz="1600"/>
+              <a:defRPr>
+                <a:solidFill>
+                  <a:schemeClr val="tx1">
+                    <a:tint val="75000"/>
+                  </a:schemeClr>
+                </a:solidFill>
+              </a:defRPr>
             </a:lvl3pPr>
             <a:lvl4pPr marL="1371600" indent="0" algn="ctr">
               <a:buNone/>
-              <a:defRPr sz="1600"/>
+              <a:defRPr>
+                <a:solidFill>
+                  <a:schemeClr val="tx1">
+                    <a:tint val="75000"/>
+                  </a:schemeClr>
+                </a:solidFill>
+              </a:defRPr>
             </a:lvl4pPr>
             <a:lvl5pPr marL="1828800" indent="0" algn="ctr">
               <a:buNone/>
-              <a:defRPr sz="1600"/>
+              <a:defRPr>
+                <a:solidFill>
+                  <a:schemeClr val="tx1">
+                    <a:tint val="75000"/>
+                  </a:schemeClr>
+                </a:solidFill>
+              </a:defRPr>
             </a:lvl5pPr>
             <a:lvl6pPr marL="2286000" indent="0" algn="ctr">
               <a:buNone/>
-              <a:defRPr sz="1600"/>
+              <a:defRPr>
+                <a:solidFill>
+                  <a:schemeClr val="tx1">
+                    <a:tint val="75000"/>
+                  </a:schemeClr>
+                </a:solidFill>
+              </a:defRPr>
             </a:lvl6pPr>
             <a:lvl7pPr marL="2743200" indent="0" algn="ctr">
               <a:buNone/>
-              <a:defRPr sz="1600"/>
+              <a:defRPr>
+                <a:solidFill>
+                  <a:schemeClr val="tx1">
+                    <a:tint val="75000"/>
+                  </a:schemeClr>
+                </a:solidFill>
+              </a:defRPr>
             </a:lvl7pPr>
             <a:lvl8pPr marL="3200400" indent="0" algn="ctr">
               <a:buNone/>
-              <a:defRPr sz="1600"/>
+              <a:defRPr>
+                <a:solidFill>
+                  <a:schemeClr val="tx1">
+                    <a:tint val="75000"/>
+                  </a:schemeClr>
+                </a:solidFill>
+              </a:defRPr>
             </a:lvl8pPr>
             <a:lvl9pPr marL="3657600" indent="0" algn="ctr">
               <a:buNone/>
-              <a:defRPr sz="1600"/>
+              <a:defRPr>
+                <a:solidFill>
+                  <a:schemeClr val="tx1">
+                    <a:tint val="75000"/>
+                  </a:schemeClr>
+                </a:solidFill>
+              </a:defRPr>
             </a:lvl9pPr>
           </a:lstStyle>
           <a:p>
@@ -607,7 +878,7 @@
       </p:sp>
       <p:sp>
         <p:nvSpPr>
-          <p:cNvPr id="20" name="Date Placeholder 19"/>
+          <p:cNvPr id="4" name="Date Placeholder 3"/>
           <p:cNvSpPr>
             <a:spLocks noGrp="1"/>
           </p:cNvSpPr>
@@ -615,24 +886,10 @@
             <p:ph type="dt" sz="half" idx="10"/>
           </p:nvPr>
         </p:nvSpPr>
-        <p:spPr>
-          <a:xfrm>
-            <a:off x="5318760" y="1341256"/>
-            <a:ext cx="1554480" cy="485546"/>
-          </a:xfrm>
-        </p:spPr>
+        <p:spPr/>
         <p:txBody>
           <a:bodyPr/>
-          <a:lstStyle>
-            <a:lvl1pPr algn="ctr">
-              <a:defRPr sz="1300" spc="0" baseline="0">
-                <a:solidFill>
-                  <a:srgbClr val="FFFFFF"/>
-                </a:solidFill>
-                <a:latin typeface="+mn-lt"/>
-              </a:defRPr>
-            </a:lvl1pPr>
-          </a:lstStyle>
+          <a:lstStyle/>
           <a:p>
             <a:fld id="{EA0C0817-A112-4847-8014-A94B7D2A4EA3}" type="datetime1">
               <a:rPr lang="en-US" smtClean="0"/>
@@ -644,7 +901,7 @@
       </p:sp>
       <p:sp>
         <p:nvSpPr>
-          <p:cNvPr id="21" name="Footer Placeholder 20"/>
+          <p:cNvPr id="5" name="Footer Placeholder 4"/>
           <p:cNvSpPr>
             <a:spLocks noGrp="1"/>
           </p:cNvSpPr>
@@ -652,26 +909,10 @@
             <p:ph type="ftr" sz="quarter" idx="11"/>
           </p:nvPr>
         </p:nvSpPr>
-        <p:spPr>
-          <a:xfrm>
-            <a:off x="1629100" y="5177408"/>
-            <a:ext cx="5730295" cy="228600"/>
-          </a:xfrm>
-        </p:spPr>
+        <p:spPr/>
         <p:txBody>
           <a:bodyPr/>
-          <a:lstStyle>
-            <a:lvl1pPr algn="l">
-              <a:defRPr>
-                <a:solidFill>
-                  <a:schemeClr val="tx1">
-                    <a:lumMod val="85000"/>
-                    <a:lumOff val="15000"/>
-                  </a:schemeClr>
-                </a:solidFill>
-              </a:defRPr>
-            </a:lvl1pPr>
-          </a:lstStyle>
+          <a:lstStyle/>
           <a:p>
             <a:endParaRPr lang="en-US" dirty="0"/>
           </a:p>
@@ -679,7 +920,7 @@
       </p:sp>
       <p:sp>
         <p:nvSpPr>
-          <p:cNvPr id="22" name="Slide Number Placeholder 21"/>
+          <p:cNvPr id="6" name="Slide Number Placeholder 5"/>
           <p:cNvSpPr>
             <a:spLocks noGrp="1"/>
           </p:cNvSpPr>
@@ -687,26 +928,10 @@
             <p:ph type="sldNum" sz="quarter" idx="12"/>
           </p:nvPr>
         </p:nvSpPr>
-        <p:spPr>
-          <a:xfrm>
-            <a:off x="8606920" y="5177408"/>
-            <a:ext cx="1955980" cy="228600"/>
-          </a:xfrm>
-        </p:spPr>
+        <p:spPr/>
         <p:txBody>
           <a:bodyPr/>
-          <a:lstStyle>
-            <a:lvl1pPr>
-              <a:defRPr>
-                <a:solidFill>
-                  <a:schemeClr val="tx1">
-                    <a:lumMod val="85000"/>
-                    <a:lumOff val="15000"/>
-                  </a:schemeClr>
-                </a:solidFill>
-              </a:defRPr>
-            </a:lvl1pPr>
-          </a:lstStyle>
+          <a:lstStyle/>
           <a:p>
             <a:fld id="{34B7E4EF-A1BD-40F4-AB7B-04F084DD991D}" type="slidenum">
               <a:rPr lang="en-US" smtClean="0"/>
@@ -719,7 +944,7 @@
     </p:spTree>
     <p:extLst>
       <p:ext uri="{BB962C8B-B14F-4D97-AF65-F5344CB8AC3E}">
-        <p14:creationId xmlns:p14="http://schemas.microsoft.com/office/powerpoint/2010/main" val="4080829455"/>
+        <p14:creationId xmlns:p14="http://schemas.microsoft.com/office/powerpoint/2010/main" val="291798665"/>
       </p:ext>
     </p:extLst>
   </p:cSld>
@@ -730,6 +955,1604 @@
 </file>
 
 <file path=ppt/slideLayouts/slideLayout10.xml><?xml version="1.0" encoding="utf-8"?>
+<p:sldLayout xmlns:a="http://schemas.openxmlformats.org/drawingml/2006/main" xmlns:r="http://schemas.openxmlformats.org/officeDocument/2006/relationships" xmlns:p="http://schemas.openxmlformats.org/presentationml/2006/main" preserve="1">
+  <p:cSld name="Title and Caption">
+    <p:spTree>
+      <p:nvGrpSpPr>
+        <p:cNvPr id="1" name=""/>
+        <p:cNvGrpSpPr/>
+        <p:nvPr/>
+      </p:nvGrpSpPr>
+      <p:grpSpPr>
+        <a:xfrm>
+          <a:off x="0" y="0"/>
+          <a:ext cx="0" cy="0"/>
+          <a:chOff x="0" y="0"/>
+          <a:chExt cx="0" cy="0"/>
+        </a:xfrm>
+      </p:grpSpPr>
+      <p:sp>
+        <p:nvSpPr>
+          <p:cNvPr id="2" name="Title 1"/>
+          <p:cNvSpPr>
+            <a:spLocks noGrp="1"/>
+          </p:cNvSpPr>
+          <p:nvPr>
+            <p:ph type="title"/>
+          </p:nvPr>
+        </p:nvSpPr>
+        <p:spPr>
+          <a:xfrm>
+            <a:off x="677335" y="609600"/>
+            <a:ext cx="8596668" cy="3403600"/>
+          </a:xfrm>
+        </p:spPr>
+        <p:txBody>
+          <a:bodyPr anchor="ctr">
+            <a:normAutofit/>
+          </a:bodyPr>
+          <a:lstStyle>
+            <a:lvl1pPr algn="l">
+              <a:defRPr sz="4400" b="0" cap="none"/>
+            </a:lvl1pPr>
+          </a:lstStyle>
+          <a:p>
+            <a:r>
+              <a:rPr lang="en-US"/>
+              <a:t>Click to edit Master title style</a:t>
+            </a:r>
+            <a:endParaRPr lang="en-US" dirty="0"/>
+          </a:p>
+        </p:txBody>
+      </p:sp>
+      <p:sp>
+        <p:nvSpPr>
+          <p:cNvPr id="3" name="Text Placeholder 2"/>
+          <p:cNvSpPr>
+            <a:spLocks noGrp="1"/>
+          </p:cNvSpPr>
+          <p:nvPr>
+            <p:ph type="body" idx="1"/>
+          </p:nvPr>
+        </p:nvSpPr>
+        <p:spPr>
+          <a:xfrm>
+            <a:off x="677335" y="4470400"/>
+            <a:ext cx="8596668" cy="1570962"/>
+          </a:xfrm>
+        </p:spPr>
+        <p:txBody>
+          <a:bodyPr anchor="ctr">
+            <a:normAutofit/>
+          </a:bodyPr>
+          <a:lstStyle>
+            <a:lvl1pPr marL="0" indent="0" algn="l">
+              <a:buNone/>
+              <a:defRPr sz="1800">
+                <a:solidFill>
+                  <a:schemeClr val="tx1">
+                    <a:lumMod val="75000"/>
+                    <a:lumOff val="25000"/>
+                  </a:schemeClr>
+                </a:solidFill>
+              </a:defRPr>
+            </a:lvl1pPr>
+            <a:lvl2pPr marL="457200" indent="0">
+              <a:buNone/>
+              <a:defRPr sz="1800">
+                <a:solidFill>
+                  <a:schemeClr val="tx1">
+                    <a:tint val="75000"/>
+                  </a:schemeClr>
+                </a:solidFill>
+              </a:defRPr>
+            </a:lvl2pPr>
+            <a:lvl3pPr marL="914400" indent="0">
+              <a:buNone/>
+              <a:defRPr sz="1600">
+                <a:solidFill>
+                  <a:schemeClr val="tx1">
+                    <a:tint val="75000"/>
+                  </a:schemeClr>
+                </a:solidFill>
+              </a:defRPr>
+            </a:lvl3pPr>
+            <a:lvl4pPr marL="1371600" indent="0">
+              <a:buNone/>
+              <a:defRPr sz="1400">
+                <a:solidFill>
+                  <a:schemeClr val="tx1">
+                    <a:tint val="75000"/>
+                  </a:schemeClr>
+                </a:solidFill>
+              </a:defRPr>
+            </a:lvl4pPr>
+            <a:lvl5pPr marL="1828800" indent="0">
+              <a:buNone/>
+              <a:defRPr sz="1400">
+                <a:solidFill>
+                  <a:schemeClr val="tx1">
+                    <a:tint val="75000"/>
+                  </a:schemeClr>
+                </a:solidFill>
+              </a:defRPr>
+            </a:lvl5pPr>
+            <a:lvl6pPr marL="2286000" indent="0">
+              <a:buNone/>
+              <a:defRPr sz="1400">
+                <a:solidFill>
+                  <a:schemeClr val="tx1">
+                    <a:tint val="75000"/>
+                  </a:schemeClr>
+                </a:solidFill>
+              </a:defRPr>
+            </a:lvl6pPr>
+            <a:lvl7pPr marL="2743200" indent="0">
+              <a:buNone/>
+              <a:defRPr sz="1400">
+                <a:solidFill>
+                  <a:schemeClr val="tx1">
+                    <a:tint val="75000"/>
+                  </a:schemeClr>
+                </a:solidFill>
+              </a:defRPr>
+            </a:lvl7pPr>
+            <a:lvl8pPr marL="3200400" indent="0">
+              <a:buNone/>
+              <a:defRPr sz="1400">
+                <a:solidFill>
+                  <a:schemeClr val="tx1">
+                    <a:tint val="75000"/>
+                  </a:schemeClr>
+                </a:solidFill>
+              </a:defRPr>
+            </a:lvl8pPr>
+            <a:lvl9pPr marL="3657600" indent="0">
+              <a:buNone/>
+              <a:defRPr sz="1400">
+                <a:solidFill>
+                  <a:schemeClr val="tx1">
+                    <a:tint val="75000"/>
+                  </a:schemeClr>
+                </a:solidFill>
+              </a:defRPr>
+            </a:lvl9pPr>
+          </a:lstStyle>
+          <a:p>
+            <a:pPr lvl="0"/>
+            <a:r>
+              <a:rPr lang="en-US"/>
+              <a:t>Click to edit Master text styles</a:t>
+            </a:r>
+          </a:p>
+        </p:txBody>
+      </p:sp>
+      <p:sp>
+        <p:nvSpPr>
+          <p:cNvPr id="4" name="Date Placeholder 3"/>
+          <p:cNvSpPr>
+            <a:spLocks noGrp="1"/>
+          </p:cNvSpPr>
+          <p:nvPr>
+            <p:ph type="dt" sz="half" idx="10"/>
+          </p:nvPr>
+        </p:nvSpPr>
+        <p:spPr/>
+        <p:txBody>
+          <a:bodyPr/>
+          <a:lstStyle/>
+          <a:p>
+            <a:fld id="{F6FA2B21-3FCD-4721-B95C-427943F61125}" type="datetime1">
+              <a:rPr lang="en-US" smtClean="0"/>
+              <a:t>10/24/2019</a:t>
+            </a:fld>
+            <a:endParaRPr lang="en-US"/>
+          </a:p>
+        </p:txBody>
+      </p:sp>
+      <p:sp>
+        <p:nvSpPr>
+          <p:cNvPr id="5" name="Footer Placeholder 4"/>
+          <p:cNvSpPr>
+            <a:spLocks noGrp="1"/>
+          </p:cNvSpPr>
+          <p:nvPr>
+            <p:ph type="ftr" sz="quarter" idx="11"/>
+          </p:nvPr>
+        </p:nvSpPr>
+        <p:spPr/>
+        <p:txBody>
+          <a:bodyPr/>
+          <a:lstStyle/>
+          <a:p>
+            <a:endParaRPr lang="en-US" dirty="0"/>
+          </a:p>
+        </p:txBody>
+      </p:sp>
+      <p:sp>
+        <p:nvSpPr>
+          <p:cNvPr id="6" name="Slide Number Placeholder 5"/>
+          <p:cNvSpPr>
+            <a:spLocks noGrp="1"/>
+          </p:cNvSpPr>
+          <p:nvPr>
+            <p:ph type="sldNum" sz="quarter" idx="12"/>
+          </p:nvPr>
+        </p:nvSpPr>
+        <p:spPr/>
+        <p:txBody>
+          <a:bodyPr/>
+          <a:lstStyle/>
+          <a:p>
+            <a:fld id="{34B7E4EF-A1BD-40F4-AB7B-04F084DD991D}" type="slidenum">
+              <a:rPr lang="en-US" smtClean="0"/>
+              <a:t>‹#›</a:t>
+            </a:fld>
+            <a:endParaRPr lang="en-US"/>
+          </a:p>
+        </p:txBody>
+      </p:sp>
+    </p:spTree>
+    <p:extLst>
+      <p:ext uri="{BB962C8B-B14F-4D97-AF65-F5344CB8AC3E}">
+        <p14:creationId xmlns:p14="http://schemas.microsoft.com/office/powerpoint/2010/main" val="1065344734"/>
+      </p:ext>
+    </p:extLst>
+  </p:cSld>
+  <p:clrMapOvr>
+    <a:masterClrMapping/>
+  </p:clrMapOvr>
+  <p:hf sldNum="0" hdr="0" ftr="0" dt="0"/>
+</p:sldLayout>
+</file>
+
+<file path=ppt/slideLayouts/slideLayout11.xml><?xml version="1.0" encoding="utf-8"?>
+<p:sldLayout xmlns:a="http://schemas.openxmlformats.org/drawingml/2006/main" xmlns:r="http://schemas.openxmlformats.org/officeDocument/2006/relationships" xmlns:p="http://schemas.openxmlformats.org/presentationml/2006/main" preserve="1">
+  <p:cSld name="Quote with Caption">
+    <p:spTree>
+      <p:nvGrpSpPr>
+        <p:cNvPr id="1" name=""/>
+        <p:cNvGrpSpPr/>
+        <p:nvPr/>
+      </p:nvGrpSpPr>
+      <p:grpSpPr>
+        <a:xfrm>
+          <a:off x="0" y="0"/>
+          <a:ext cx="0" cy="0"/>
+          <a:chOff x="0" y="0"/>
+          <a:chExt cx="0" cy="0"/>
+        </a:xfrm>
+      </p:grpSpPr>
+      <p:sp>
+        <p:nvSpPr>
+          <p:cNvPr id="2" name="Title 1"/>
+          <p:cNvSpPr>
+            <a:spLocks noGrp="1"/>
+          </p:cNvSpPr>
+          <p:nvPr>
+            <p:ph type="title"/>
+          </p:nvPr>
+        </p:nvSpPr>
+        <p:spPr>
+          <a:xfrm>
+            <a:off x="931334" y="609600"/>
+            <a:ext cx="8094134" cy="3022600"/>
+          </a:xfrm>
+        </p:spPr>
+        <p:txBody>
+          <a:bodyPr anchor="ctr">
+            <a:normAutofit/>
+          </a:bodyPr>
+          <a:lstStyle>
+            <a:lvl1pPr algn="l">
+              <a:defRPr sz="4400" b="0" cap="none"/>
+            </a:lvl1pPr>
+          </a:lstStyle>
+          <a:p>
+            <a:r>
+              <a:rPr lang="en-US"/>
+              <a:t>Click to edit Master title style</a:t>
+            </a:r>
+            <a:endParaRPr lang="en-US" dirty="0"/>
+          </a:p>
+        </p:txBody>
+      </p:sp>
+      <p:sp>
+        <p:nvSpPr>
+          <p:cNvPr id="23" name="Text Placeholder 9"/>
+          <p:cNvSpPr>
+            <a:spLocks noGrp="1"/>
+          </p:cNvSpPr>
+          <p:nvPr>
+            <p:ph type="body" sz="quarter" idx="13"/>
+          </p:nvPr>
+        </p:nvSpPr>
+        <p:spPr>
+          <a:xfrm>
+            <a:off x="1366139" y="3632200"/>
+            <a:ext cx="7224524" cy="381000"/>
+          </a:xfrm>
+        </p:spPr>
+        <p:txBody>
+          <a:bodyPr anchor="ctr">
+            <a:noAutofit/>
+          </a:bodyPr>
+          <a:lstStyle>
+            <a:lvl1pPr marL="0" indent="0">
+              <a:buFontTx/>
+              <a:buNone/>
+              <a:defRPr sz="1600">
+                <a:solidFill>
+                  <a:schemeClr val="tx1">
+                    <a:lumMod val="50000"/>
+                    <a:lumOff val="50000"/>
+                  </a:schemeClr>
+                </a:solidFill>
+              </a:defRPr>
+            </a:lvl1pPr>
+            <a:lvl2pPr marL="457200" indent="0">
+              <a:buFontTx/>
+              <a:buNone/>
+              <a:defRPr/>
+            </a:lvl2pPr>
+            <a:lvl3pPr marL="914400" indent="0">
+              <a:buFontTx/>
+              <a:buNone/>
+              <a:defRPr/>
+            </a:lvl3pPr>
+            <a:lvl4pPr marL="1371600" indent="0">
+              <a:buFontTx/>
+              <a:buNone/>
+              <a:defRPr/>
+            </a:lvl4pPr>
+            <a:lvl5pPr marL="1828800" indent="0">
+              <a:buFontTx/>
+              <a:buNone/>
+              <a:defRPr/>
+            </a:lvl5pPr>
+          </a:lstStyle>
+          <a:p>
+            <a:pPr lvl="0"/>
+            <a:r>
+              <a:rPr lang="en-US"/>
+              <a:t>Click to edit Master text styles</a:t>
+            </a:r>
+          </a:p>
+        </p:txBody>
+      </p:sp>
+      <p:sp>
+        <p:nvSpPr>
+          <p:cNvPr id="3" name="Text Placeholder 2"/>
+          <p:cNvSpPr>
+            <a:spLocks noGrp="1"/>
+          </p:cNvSpPr>
+          <p:nvPr>
+            <p:ph type="body" idx="1"/>
+          </p:nvPr>
+        </p:nvSpPr>
+        <p:spPr>
+          <a:xfrm>
+            <a:off x="677335" y="4470400"/>
+            <a:ext cx="8596668" cy="1570962"/>
+          </a:xfrm>
+        </p:spPr>
+        <p:txBody>
+          <a:bodyPr anchor="ctr">
+            <a:normAutofit/>
+          </a:bodyPr>
+          <a:lstStyle>
+            <a:lvl1pPr marL="0" indent="0" algn="l">
+              <a:buNone/>
+              <a:defRPr sz="1800">
+                <a:solidFill>
+                  <a:schemeClr val="tx1">
+                    <a:lumMod val="75000"/>
+                    <a:lumOff val="25000"/>
+                  </a:schemeClr>
+                </a:solidFill>
+              </a:defRPr>
+            </a:lvl1pPr>
+            <a:lvl2pPr marL="457200" indent="0">
+              <a:buNone/>
+              <a:defRPr sz="1800">
+                <a:solidFill>
+                  <a:schemeClr val="tx1">
+                    <a:tint val="75000"/>
+                  </a:schemeClr>
+                </a:solidFill>
+              </a:defRPr>
+            </a:lvl2pPr>
+            <a:lvl3pPr marL="914400" indent="0">
+              <a:buNone/>
+              <a:defRPr sz="1600">
+                <a:solidFill>
+                  <a:schemeClr val="tx1">
+                    <a:tint val="75000"/>
+                  </a:schemeClr>
+                </a:solidFill>
+              </a:defRPr>
+            </a:lvl3pPr>
+            <a:lvl4pPr marL="1371600" indent="0">
+              <a:buNone/>
+              <a:defRPr sz="1400">
+                <a:solidFill>
+                  <a:schemeClr val="tx1">
+                    <a:tint val="75000"/>
+                  </a:schemeClr>
+                </a:solidFill>
+              </a:defRPr>
+            </a:lvl4pPr>
+            <a:lvl5pPr marL="1828800" indent="0">
+              <a:buNone/>
+              <a:defRPr sz="1400">
+                <a:solidFill>
+                  <a:schemeClr val="tx1">
+                    <a:tint val="75000"/>
+                  </a:schemeClr>
+                </a:solidFill>
+              </a:defRPr>
+            </a:lvl5pPr>
+            <a:lvl6pPr marL="2286000" indent="0">
+              <a:buNone/>
+              <a:defRPr sz="1400">
+                <a:solidFill>
+                  <a:schemeClr val="tx1">
+                    <a:tint val="75000"/>
+                  </a:schemeClr>
+                </a:solidFill>
+              </a:defRPr>
+            </a:lvl6pPr>
+            <a:lvl7pPr marL="2743200" indent="0">
+              <a:buNone/>
+              <a:defRPr sz="1400">
+                <a:solidFill>
+                  <a:schemeClr val="tx1">
+                    <a:tint val="75000"/>
+                  </a:schemeClr>
+                </a:solidFill>
+              </a:defRPr>
+            </a:lvl7pPr>
+            <a:lvl8pPr marL="3200400" indent="0">
+              <a:buNone/>
+              <a:defRPr sz="1400">
+                <a:solidFill>
+                  <a:schemeClr val="tx1">
+                    <a:tint val="75000"/>
+                  </a:schemeClr>
+                </a:solidFill>
+              </a:defRPr>
+            </a:lvl8pPr>
+            <a:lvl9pPr marL="3657600" indent="0">
+              <a:buNone/>
+              <a:defRPr sz="1400">
+                <a:solidFill>
+                  <a:schemeClr val="tx1">
+                    <a:tint val="75000"/>
+                  </a:schemeClr>
+                </a:solidFill>
+              </a:defRPr>
+            </a:lvl9pPr>
+          </a:lstStyle>
+          <a:p>
+            <a:pPr lvl="0"/>
+            <a:r>
+              <a:rPr lang="en-US"/>
+              <a:t>Click to edit Master text styles</a:t>
+            </a:r>
+          </a:p>
+        </p:txBody>
+      </p:sp>
+      <p:sp>
+        <p:nvSpPr>
+          <p:cNvPr id="4" name="Date Placeholder 3"/>
+          <p:cNvSpPr>
+            <a:spLocks noGrp="1"/>
+          </p:cNvSpPr>
+          <p:nvPr>
+            <p:ph type="dt" sz="half" idx="10"/>
+          </p:nvPr>
+        </p:nvSpPr>
+        <p:spPr/>
+        <p:txBody>
+          <a:bodyPr/>
+          <a:lstStyle/>
+          <a:p>
+            <a:fld id="{F6FA2B21-3FCD-4721-B95C-427943F61125}" type="datetime1">
+              <a:rPr lang="en-US" smtClean="0"/>
+              <a:t>10/24/2019</a:t>
+            </a:fld>
+            <a:endParaRPr lang="en-US"/>
+          </a:p>
+        </p:txBody>
+      </p:sp>
+      <p:sp>
+        <p:nvSpPr>
+          <p:cNvPr id="5" name="Footer Placeholder 4"/>
+          <p:cNvSpPr>
+            <a:spLocks noGrp="1"/>
+          </p:cNvSpPr>
+          <p:nvPr>
+            <p:ph type="ftr" sz="quarter" idx="11"/>
+          </p:nvPr>
+        </p:nvSpPr>
+        <p:spPr/>
+        <p:txBody>
+          <a:bodyPr/>
+          <a:lstStyle/>
+          <a:p>
+            <a:endParaRPr lang="en-US" dirty="0"/>
+          </a:p>
+        </p:txBody>
+      </p:sp>
+      <p:sp>
+        <p:nvSpPr>
+          <p:cNvPr id="6" name="Slide Number Placeholder 5"/>
+          <p:cNvSpPr>
+            <a:spLocks noGrp="1"/>
+          </p:cNvSpPr>
+          <p:nvPr>
+            <p:ph type="sldNum" sz="quarter" idx="12"/>
+          </p:nvPr>
+        </p:nvSpPr>
+        <p:spPr/>
+        <p:txBody>
+          <a:bodyPr/>
+          <a:lstStyle/>
+          <a:p>
+            <a:fld id="{34B7E4EF-A1BD-40F4-AB7B-04F084DD991D}" type="slidenum">
+              <a:rPr lang="en-US" smtClean="0"/>
+              <a:t>‹#›</a:t>
+            </a:fld>
+            <a:endParaRPr lang="en-US"/>
+          </a:p>
+        </p:txBody>
+      </p:sp>
+      <p:sp>
+        <p:nvSpPr>
+          <p:cNvPr id="24" name="TextBox 23"/>
+          <p:cNvSpPr txBox="1"/>
+          <p:nvPr/>
+        </p:nvSpPr>
+        <p:spPr>
+          <a:xfrm>
+            <a:off x="541870" y="790378"/>
+            <a:ext cx="609600" cy="584776"/>
+          </a:xfrm>
+          <a:prstGeom prst="rect">
+            <a:avLst/>
+          </a:prstGeom>
+        </p:spPr>
+        <p:txBody>
+          <a:bodyPr vert="horz" lIns="91440" tIns="45720" rIns="91440" bIns="45720" rtlCol="0" anchor="ctr">
+            <a:noAutofit/>
+          </a:bodyPr>
+          <a:lstStyle/>
+          <a:p>
+            <a:pPr lvl="0"/>
+            <a:r>
+              <a:rPr lang="en-US" sz="8000" baseline="0" dirty="0">
+                <a:ln w="3175" cmpd="sng">
+                  <a:noFill/>
+                </a:ln>
+                <a:solidFill>
+                  <a:schemeClr val="accent1"/>
+                </a:solidFill>
+                <a:effectLst/>
+                <a:latin typeface="Arial"/>
+              </a:rPr>
+              <a:t>“</a:t>
+            </a:r>
+          </a:p>
+        </p:txBody>
+      </p:sp>
+      <p:sp>
+        <p:nvSpPr>
+          <p:cNvPr id="25" name="TextBox 24"/>
+          <p:cNvSpPr txBox="1"/>
+          <p:nvPr/>
+        </p:nvSpPr>
+        <p:spPr>
+          <a:xfrm>
+            <a:off x="8893011" y="2886556"/>
+            <a:ext cx="609600" cy="584776"/>
+          </a:xfrm>
+          <a:prstGeom prst="rect">
+            <a:avLst/>
+          </a:prstGeom>
+        </p:spPr>
+        <p:txBody>
+          <a:bodyPr vert="horz" lIns="91440" tIns="45720" rIns="91440" bIns="45720" rtlCol="0" anchor="ctr">
+            <a:noAutofit/>
+          </a:bodyPr>
+          <a:lstStyle/>
+          <a:p>
+            <a:pPr lvl="0"/>
+            <a:r>
+              <a:rPr lang="en-US" sz="8000" baseline="0" dirty="0">
+                <a:ln w="3175" cmpd="sng">
+                  <a:noFill/>
+                </a:ln>
+                <a:solidFill>
+                  <a:schemeClr val="accent1"/>
+                </a:solidFill>
+                <a:effectLst/>
+                <a:latin typeface="Arial"/>
+              </a:rPr>
+              <a:t>”</a:t>
+            </a:r>
+          </a:p>
+        </p:txBody>
+      </p:sp>
+    </p:spTree>
+    <p:extLst>
+      <p:ext uri="{BB962C8B-B14F-4D97-AF65-F5344CB8AC3E}">
+        <p14:creationId xmlns:p14="http://schemas.microsoft.com/office/powerpoint/2010/main" val="2675033559"/>
+      </p:ext>
+    </p:extLst>
+  </p:cSld>
+  <p:clrMapOvr>
+    <a:masterClrMapping/>
+  </p:clrMapOvr>
+  <p:hf sldNum="0" hdr="0" ftr="0" dt="0"/>
+</p:sldLayout>
+</file>
+
+<file path=ppt/slideLayouts/slideLayout12.xml><?xml version="1.0" encoding="utf-8"?>
+<p:sldLayout xmlns:a="http://schemas.openxmlformats.org/drawingml/2006/main" xmlns:r="http://schemas.openxmlformats.org/officeDocument/2006/relationships" xmlns:p="http://schemas.openxmlformats.org/presentationml/2006/main" preserve="1">
+  <p:cSld name="Name Card">
+    <p:spTree>
+      <p:nvGrpSpPr>
+        <p:cNvPr id="1" name=""/>
+        <p:cNvGrpSpPr/>
+        <p:nvPr/>
+      </p:nvGrpSpPr>
+      <p:grpSpPr>
+        <a:xfrm>
+          <a:off x="0" y="0"/>
+          <a:ext cx="0" cy="0"/>
+          <a:chOff x="0" y="0"/>
+          <a:chExt cx="0" cy="0"/>
+        </a:xfrm>
+      </p:grpSpPr>
+      <p:sp>
+        <p:nvSpPr>
+          <p:cNvPr id="2" name="Title 1"/>
+          <p:cNvSpPr>
+            <a:spLocks noGrp="1"/>
+          </p:cNvSpPr>
+          <p:nvPr>
+            <p:ph type="title"/>
+          </p:nvPr>
+        </p:nvSpPr>
+        <p:spPr>
+          <a:xfrm>
+            <a:off x="677335" y="1931988"/>
+            <a:ext cx="8596668" cy="2595460"/>
+          </a:xfrm>
+        </p:spPr>
+        <p:txBody>
+          <a:bodyPr anchor="b">
+            <a:normAutofit/>
+          </a:bodyPr>
+          <a:lstStyle>
+            <a:lvl1pPr algn="l">
+              <a:defRPr sz="4400" b="0" cap="none"/>
+            </a:lvl1pPr>
+          </a:lstStyle>
+          <a:p>
+            <a:r>
+              <a:rPr lang="en-US"/>
+              <a:t>Click to edit Master title style</a:t>
+            </a:r>
+            <a:endParaRPr lang="en-US" dirty="0"/>
+          </a:p>
+        </p:txBody>
+      </p:sp>
+      <p:sp>
+        <p:nvSpPr>
+          <p:cNvPr id="3" name="Text Placeholder 2"/>
+          <p:cNvSpPr>
+            <a:spLocks noGrp="1"/>
+          </p:cNvSpPr>
+          <p:nvPr>
+            <p:ph type="body" idx="1"/>
+          </p:nvPr>
+        </p:nvSpPr>
+        <p:spPr>
+          <a:xfrm>
+            <a:off x="677335" y="4527448"/>
+            <a:ext cx="8596668" cy="1513914"/>
+          </a:xfrm>
+        </p:spPr>
+        <p:txBody>
+          <a:bodyPr anchor="t">
+            <a:normAutofit/>
+          </a:bodyPr>
+          <a:lstStyle>
+            <a:lvl1pPr marL="0" indent="0" algn="l">
+              <a:buNone/>
+              <a:defRPr sz="1800">
+                <a:solidFill>
+                  <a:schemeClr val="tx1">
+                    <a:lumMod val="75000"/>
+                    <a:lumOff val="25000"/>
+                  </a:schemeClr>
+                </a:solidFill>
+              </a:defRPr>
+            </a:lvl1pPr>
+            <a:lvl2pPr marL="457200" indent="0">
+              <a:buNone/>
+              <a:defRPr sz="1800">
+                <a:solidFill>
+                  <a:schemeClr val="tx1">
+                    <a:tint val="75000"/>
+                  </a:schemeClr>
+                </a:solidFill>
+              </a:defRPr>
+            </a:lvl2pPr>
+            <a:lvl3pPr marL="914400" indent="0">
+              <a:buNone/>
+              <a:defRPr sz="1600">
+                <a:solidFill>
+                  <a:schemeClr val="tx1">
+                    <a:tint val="75000"/>
+                  </a:schemeClr>
+                </a:solidFill>
+              </a:defRPr>
+            </a:lvl3pPr>
+            <a:lvl4pPr marL="1371600" indent="0">
+              <a:buNone/>
+              <a:defRPr sz="1400">
+                <a:solidFill>
+                  <a:schemeClr val="tx1">
+                    <a:tint val="75000"/>
+                  </a:schemeClr>
+                </a:solidFill>
+              </a:defRPr>
+            </a:lvl4pPr>
+            <a:lvl5pPr marL="1828800" indent="0">
+              <a:buNone/>
+              <a:defRPr sz="1400">
+                <a:solidFill>
+                  <a:schemeClr val="tx1">
+                    <a:tint val="75000"/>
+                  </a:schemeClr>
+                </a:solidFill>
+              </a:defRPr>
+            </a:lvl5pPr>
+            <a:lvl6pPr marL="2286000" indent="0">
+              <a:buNone/>
+              <a:defRPr sz="1400">
+                <a:solidFill>
+                  <a:schemeClr val="tx1">
+                    <a:tint val="75000"/>
+                  </a:schemeClr>
+                </a:solidFill>
+              </a:defRPr>
+            </a:lvl6pPr>
+            <a:lvl7pPr marL="2743200" indent="0">
+              <a:buNone/>
+              <a:defRPr sz="1400">
+                <a:solidFill>
+                  <a:schemeClr val="tx1">
+                    <a:tint val="75000"/>
+                  </a:schemeClr>
+                </a:solidFill>
+              </a:defRPr>
+            </a:lvl7pPr>
+            <a:lvl8pPr marL="3200400" indent="0">
+              <a:buNone/>
+              <a:defRPr sz="1400">
+                <a:solidFill>
+                  <a:schemeClr val="tx1">
+                    <a:tint val="75000"/>
+                  </a:schemeClr>
+                </a:solidFill>
+              </a:defRPr>
+            </a:lvl8pPr>
+            <a:lvl9pPr marL="3657600" indent="0">
+              <a:buNone/>
+              <a:defRPr sz="1400">
+                <a:solidFill>
+                  <a:schemeClr val="tx1">
+                    <a:tint val="75000"/>
+                  </a:schemeClr>
+                </a:solidFill>
+              </a:defRPr>
+            </a:lvl9pPr>
+          </a:lstStyle>
+          <a:p>
+            <a:pPr lvl="0"/>
+            <a:r>
+              <a:rPr lang="en-US"/>
+              <a:t>Click to edit Master text styles</a:t>
+            </a:r>
+          </a:p>
+        </p:txBody>
+      </p:sp>
+      <p:sp>
+        <p:nvSpPr>
+          <p:cNvPr id="4" name="Date Placeholder 3"/>
+          <p:cNvSpPr>
+            <a:spLocks noGrp="1"/>
+          </p:cNvSpPr>
+          <p:nvPr>
+            <p:ph type="dt" sz="half" idx="10"/>
+          </p:nvPr>
+        </p:nvSpPr>
+        <p:spPr/>
+        <p:txBody>
+          <a:bodyPr/>
+          <a:lstStyle/>
+          <a:p>
+            <a:fld id="{F6FA2B21-3FCD-4721-B95C-427943F61125}" type="datetime1">
+              <a:rPr lang="en-US" smtClean="0"/>
+              <a:t>10/24/2019</a:t>
+            </a:fld>
+            <a:endParaRPr lang="en-US"/>
+          </a:p>
+        </p:txBody>
+      </p:sp>
+      <p:sp>
+        <p:nvSpPr>
+          <p:cNvPr id="5" name="Footer Placeholder 4"/>
+          <p:cNvSpPr>
+            <a:spLocks noGrp="1"/>
+          </p:cNvSpPr>
+          <p:nvPr>
+            <p:ph type="ftr" sz="quarter" idx="11"/>
+          </p:nvPr>
+        </p:nvSpPr>
+        <p:spPr/>
+        <p:txBody>
+          <a:bodyPr/>
+          <a:lstStyle/>
+          <a:p>
+            <a:endParaRPr lang="en-US" dirty="0"/>
+          </a:p>
+        </p:txBody>
+      </p:sp>
+      <p:sp>
+        <p:nvSpPr>
+          <p:cNvPr id="6" name="Slide Number Placeholder 5"/>
+          <p:cNvSpPr>
+            <a:spLocks noGrp="1"/>
+          </p:cNvSpPr>
+          <p:nvPr>
+            <p:ph type="sldNum" sz="quarter" idx="12"/>
+          </p:nvPr>
+        </p:nvSpPr>
+        <p:spPr/>
+        <p:txBody>
+          <a:bodyPr/>
+          <a:lstStyle/>
+          <a:p>
+            <a:fld id="{34B7E4EF-A1BD-40F4-AB7B-04F084DD991D}" type="slidenum">
+              <a:rPr lang="en-US" smtClean="0"/>
+              <a:t>‹#›</a:t>
+            </a:fld>
+            <a:endParaRPr lang="en-US"/>
+          </a:p>
+        </p:txBody>
+      </p:sp>
+    </p:spTree>
+    <p:extLst>
+      <p:ext uri="{BB962C8B-B14F-4D97-AF65-F5344CB8AC3E}">
+        <p14:creationId xmlns:p14="http://schemas.microsoft.com/office/powerpoint/2010/main" val="1043752130"/>
+      </p:ext>
+    </p:extLst>
+  </p:cSld>
+  <p:clrMapOvr>
+    <a:masterClrMapping/>
+  </p:clrMapOvr>
+  <p:hf sldNum="0" hdr="0" ftr="0" dt="0"/>
+</p:sldLayout>
+</file>
+
+<file path=ppt/slideLayouts/slideLayout13.xml><?xml version="1.0" encoding="utf-8"?>
+<p:sldLayout xmlns:a="http://schemas.openxmlformats.org/drawingml/2006/main" xmlns:r="http://schemas.openxmlformats.org/officeDocument/2006/relationships" xmlns:p="http://schemas.openxmlformats.org/presentationml/2006/main" preserve="1">
+  <p:cSld name="Quote Name Card">
+    <p:spTree>
+      <p:nvGrpSpPr>
+        <p:cNvPr id="1" name=""/>
+        <p:cNvGrpSpPr/>
+        <p:nvPr/>
+      </p:nvGrpSpPr>
+      <p:grpSpPr>
+        <a:xfrm>
+          <a:off x="0" y="0"/>
+          <a:ext cx="0" cy="0"/>
+          <a:chOff x="0" y="0"/>
+          <a:chExt cx="0" cy="0"/>
+        </a:xfrm>
+      </p:grpSpPr>
+      <p:sp>
+        <p:nvSpPr>
+          <p:cNvPr id="2" name="Title 1"/>
+          <p:cNvSpPr>
+            <a:spLocks noGrp="1"/>
+          </p:cNvSpPr>
+          <p:nvPr>
+            <p:ph type="title"/>
+          </p:nvPr>
+        </p:nvSpPr>
+        <p:spPr>
+          <a:xfrm>
+            <a:off x="931334" y="609600"/>
+            <a:ext cx="8094134" cy="3022600"/>
+          </a:xfrm>
+        </p:spPr>
+        <p:txBody>
+          <a:bodyPr anchor="ctr">
+            <a:normAutofit/>
+          </a:bodyPr>
+          <a:lstStyle>
+            <a:lvl1pPr algn="l">
+              <a:defRPr sz="4400" b="0" cap="none"/>
+            </a:lvl1pPr>
+          </a:lstStyle>
+          <a:p>
+            <a:r>
+              <a:rPr lang="en-US"/>
+              <a:t>Click to edit Master title style</a:t>
+            </a:r>
+            <a:endParaRPr lang="en-US" dirty="0"/>
+          </a:p>
+        </p:txBody>
+      </p:sp>
+      <p:sp>
+        <p:nvSpPr>
+          <p:cNvPr id="23" name="Text Placeholder 9"/>
+          <p:cNvSpPr>
+            <a:spLocks noGrp="1"/>
+          </p:cNvSpPr>
+          <p:nvPr>
+            <p:ph type="body" sz="quarter" idx="13"/>
+          </p:nvPr>
+        </p:nvSpPr>
+        <p:spPr>
+          <a:xfrm>
+            <a:off x="677332" y="4013200"/>
+            <a:ext cx="8596669" cy="514248"/>
+          </a:xfrm>
+        </p:spPr>
+        <p:txBody>
+          <a:bodyPr anchor="b">
+            <a:noAutofit/>
+          </a:bodyPr>
+          <a:lstStyle>
+            <a:lvl1pPr marL="0" indent="0">
+              <a:buFontTx/>
+              <a:buNone/>
+              <a:defRPr sz="2400">
+                <a:solidFill>
+                  <a:schemeClr val="tx1">
+                    <a:lumMod val="75000"/>
+                    <a:lumOff val="25000"/>
+                  </a:schemeClr>
+                </a:solidFill>
+              </a:defRPr>
+            </a:lvl1pPr>
+            <a:lvl2pPr marL="457200" indent="0">
+              <a:buFontTx/>
+              <a:buNone/>
+              <a:defRPr/>
+            </a:lvl2pPr>
+            <a:lvl3pPr marL="914400" indent="0">
+              <a:buFontTx/>
+              <a:buNone/>
+              <a:defRPr/>
+            </a:lvl3pPr>
+            <a:lvl4pPr marL="1371600" indent="0">
+              <a:buFontTx/>
+              <a:buNone/>
+              <a:defRPr/>
+            </a:lvl4pPr>
+            <a:lvl5pPr marL="1828800" indent="0">
+              <a:buFontTx/>
+              <a:buNone/>
+              <a:defRPr/>
+            </a:lvl5pPr>
+          </a:lstStyle>
+          <a:p>
+            <a:pPr lvl="0"/>
+            <a:r>
+              <a:rPr lang="en-US"/>
+              <a:t>Click to edit Master text styles</a:t>
+            </a:r>
+          </a:p>
+        </p:txBody>
+      </p:sp>
+      <p:sp>
+        <p:nvSpPr>
+          <p:cNvPr id="3" name="Text Placeholder 2"/>
+          <p:cNvSpPr>
+            <a:spLocks noGrp="1"/>
+          </p:cNvSpPr>
+          <p:nvPr>
+            <p:ph type="body" idx="1"/>
+          </p:nvPr>
+        </p:nvSpPr>
+        <p:spPr>
+          <a:xfrm>
+            <a:off x="677335" y="4527448"/>
+            <a:ext cx="8596668" cy="1513914"/>
+          </a:xfrm>
+        </p:spPr>
+        <p:txBody>
+          <a:bodyPr anchor="t">
+            <a:normAutofit/>
+          </a:bodyPr>
+          <a:lstStyle>
+            <a:lvl1pPr marL="0" indent="0" algn="l">
+              <a:buNone/>
+              <a:defRPr sz="1800">
+                <a:solidFill>
+                  <a:schemeClr val="tx1">
+                    <a:lumMod val="50000"/>
+                    <a:lumOff val="50000"/>
+                  </a:schemeClr>
+                </a:solidFill>
+              </a:defRPr>
+            </a:lvl1pPr>
+            <a:lvl2pPr marL="457200" indent="0">
+              <a:buNone/>
+              <a:defRPr sz="1800">
+                <a:solidFill>
+                  <a:schemeClr val="tx1">
+                    <a:tint val="75000"/>
+                  </a:schemeClr>
+                </a:solidFill>
+              </a:defRPr>
+            </a:lvl2pPr>
+            <a:lvl3pPr marL="914400" indent="0">
+              <a:buNone/>
+              <a:defRPr sz="1600">
+                <a:solidFill>
+                  <a:schemeClr val="tx1">
+                    <a:tint val="75000"/>
+                  </a:schemeClr>
+                </a:solidFill>
+              </a:defRPr>
+            </a:lvl3pPr>
+            <a:lvl4pPr marL="1371600" indent="0">
+              <a:buNone/>
+              <a:defRPr sz="1400">
+                <a:solidFill>
+                  <a:schemeClr val="tx1">
+                    <a:tint val="75000"/>
+                  </a:schemeClr>
+                </a:solidFill>
+              </a:defRPr>
+            </a:lvl4pPr>
+            <a:lvl5pPr marL="1828800" indent="0">
+              <a:buNone/>
+              <a:defRPr sz="1400">
+                <a:solidFill>
+                  <a:schemeClr val="tx1">
+                    <a:tint val="75000"/>
+                  </a:schemeClr>
+                </a:solidFill>
+              </a:defRPr>
+            </a:lvl5pPr>
+            <a:lvl6pPr marL="2286000" indent="0">
+              <a:buNone/>
+              <a:defRPr sz="1400">
+                <a:solidFill>
+                  <a:schemeClr val="tx1">
+                    <a:tint val="75000"/>
+                  </a:schemeClr>
+                </a:solidFill>
+              </a:defRPr>
+            </a:lvl6pPr>
+            <a:lvl7pPr marL="2743200" indent="0">
+              <a:buNone/>
+              <a:defRPr sz="1400">
+                <a:solidFill>
+                  <a:schemeClr val="tx1">
+                    <a:tint val="75000"/>
+                  </a:schemeClr>
+                </a:solidFill>
+              </a:defRPr>
+            </a:lvl7pPr>
+            <a:lvl8pPr marL="3200400" indent="0">
+              <a:buNone/>
+              <a:defRPr sz="1400">
+                <a:solidFill>
+                  <a:schemeClr val="tx1">
+                    <a:tint val="75000"/>
+                  </a:schemeClr>
+                </a:solidFill>
+              </a:defRPr>
+            </a:lvl8pPr>
+            <a:lvl9pPr marL="3657600" indent="0">
+              <a:buNone/>
+              <a:defRPr sz="1400">
+                <a:solidFill>
+                  <a:schemeClr val="tx1">
+                    <a:tint val="75000"/>
+                  </a:schemeClr>
+                </a:solidFill>
+              </a:defRPr>
+            </a:lvl9pPr>
+          </a:lstStyle>
+          <a:p>
+            <a:pPr lvl="0"/>
+            <a:r>
+              <a:rPr lang="en-US"/>
+              <a:t>Click to edit Master text styles</a:t>
+            </a:r>
+          </a:p>
+        </p:txBody>
+      </p:sp>
+      <p:sp>
+        <p:nvSpPr>
+          <p:cNvPr id="4" name="Date Placeholder 3"/>
+          <p:cNvSpPr>
+            <a:spLocks noGrp="1"/>
+          </p:cNvSpPr>
+          <p:nvPr>
+            <p:ph type="dt" sz="half" idx="10"/>
+          </p:nvPr>
+        </p:nvSpPr>
+        <p:spPr/>
+        <p:txBody>
+          <a:bodyPr/>
+          <a:lstStyle/>
+          <a:p>
+            <a:fld id="{F6FA2B21-3FCD-4721-B95C-427943F61125}" type="datetime1">
+              <a:rPr lang="en-US" smtClean="0"/>
+              <a:t>10/24/2019</a:t>
+            </a:fld>
+            <a:endParaRPr lang="en-US"/>
+          </a:p>
+        </p:txBody>
+      </p:sp>
+      <p:sp>
+        <p:nvSpPr>
+          <p:cNvPr id="5" name="Footer Placeholder 4"/>
+          <p:cNvSpPr>
+            <a:spLocks noGrp="1"/>
+          </p:cNvSpPr>
+          <p:nvPr>
+            <p:ph type="ftr" sz="quarter" idx="11"/>
+          </p:nvPr>
+        </p:nvSpPr>
+        <p:spPr/>
+        <p:txBody>
+          <a:bodyPr/>
+          <a:lstStyle/>
+          <a:p>
+            <a:endParaRPr lang="en-US" dirty="0"/>
+          </a:p>
+        </p:txBody>
+      </p:sp>
+      <p:sp>
+        <p:nvSpPr>
+          <p:cNvPr id="6" name="Slide Number Placeholder 5"/>
+          <p:cNvSpPr>
+            <a:spLocks noGrp="1"/>
+          </p:cNvSpPr>
+          <p:nvPr>
+            <p:ph type="sldNum" sz="quarter" idx="12"/>
+          </p:nvPr>
+        </p:nvSpPr>
+        <p:spPr/>
+        <p:txBody>
+          <a:bodyPr/>
+          <a:lstStyle/>
+          <a:p>
+            <a:fld id="{34B7E4EF-A1BD-40F4-AB7B-04F084DD991D}" type="slidenum">
+              <a:rPr lang="en-US" smtClean="0"/>
+              <a:t>‹#›</a:t>
+            </a:fld>
+            <a:endParaRPr lang="en-US"/>
+          </a:p>
+        </p:txBody>
+      </p:sp>
+      <p:sp>
+        <p:nvSpPr>
+          <p:cNvPr id="24" name="TextBox 23"/>
+          <p:cNvSpPr txBox="1"/>
+          <p:nvPr/>
+        </p:nvSpPr>
+        <p:spPr>
+          <a:xfrm>
+            <a:off x="541870" y="790378"/>
+            <a:ext cx="609600" cy="584776"/>
+          </a:xfrm>
+          <a:prstGeom prst="rect">
+            <a:avLst/>
+          </a:prstGeom>
+        </p:spPr>
+        <p:txBody>
+          <a:bodyPr vert="horz" lIns="91440" tIns="45720" rIns="91440" bIns="45720" rtlCol="0" anchor="ctr">
+            <a:noAutofit/>
+          </a:bodyPr>
+          <a:lstStyle/>
+          <a:p>
+            <a:pPr lvl="0"/>
+            <a:r>
+              <a:rPr lang="en-US" sz="8000" baseline="0" dirty="0">
+                <a:ln w="3175" cmpd="sng">
+                  <a:noFill/>
+                </a:ln>
+                <a:solidFill>
+                  <a:schemeClr val="accent1"/>
+                </a:solidFill>
+                <a:effectLst/>
+                <a:latin typeface="Arial"/>
+              </a:rPr>
+              <a:t>“</a:t>
+            </a:r>
+          </a:p>
+        </p:txBody>
+      </p:sp>
+      <p:sp>
+        <p:nvSpPr>
+          <p:cNvPr id="25" name="TextBox 24"/>
+          <p:cNvSpPr txBox="1"/>
+          <p:nvPr/>
+        </p:nvSpPr>
+        <p:spPr>
+          <a:xfrm>
+            <a:off x="8893011" y="2886556"/>
+            <a:ext cx="609600" cy="584776"/>
+          </a:xfrm>
+          <a:prstGeom prst="rect">
+            <a:avLst/>
+          </a:prstGeom>
+        </p:spPr>
+        <p:txBody>
+          <a:bodyPr vert="horz" lIns="91440" tIns="45720" rIns="91440" bIns="45720" rtlCol="0" anchor="ctr">
+            <a:noAutofit/>
+          </a:bodyPr>
+          <a:lstStyle/>
+          <a:p>
+            <a:pPr lvl="0"/>
+            <a:r>
+              <a:rPr lang="en-US" sz="8000" baseline="0" dirty="0">
+                <a:ln w="3175" cmpd="sng">
+                  <a:noFill/>
+                </a:ln>
+                <a:solidFill>
+                  <a:schemeClr val="accent1"/>
+                </a:solidFill>
+                <a:effectLst/>
+                <a:latin typeface="Arial"/>
+              </a:rPr>
+              <a:t>”</a:t>
+            </a:r>
+          </a:p>
+        </p:txBody>
+      </p:sp>
+    </p:spTree>
+    <p:extLst>
+      <p:ext uri="{BB962C8B-B14F-4D97-AF65-F5344CB8AC3E}">
+        <p14:creationId xmlns:p14="http://schemas.microsoft.com/office/powerpoint/2010/main" val="2471821783"/>
+      </p:ext>
+    </p:extLst>
+  </p:cSld>
+  <p:clrMapOvr>
+    <a:masterClrMapping/>
+  </p:clrMapOvr>
+  <p:hf sldNum="0" hdr="0" ftr="0" dt="0"/>
+</p:sldLayout>
+</file>
+
+<file path=ppt/slideLayouts/slideLayout14.xml><?xml version="1.0" encoding="utf-8"?>
+<p:sldLayout xmlns:a="http://schemas.openxmlformats.org/drawingml/2006/main" xmlns:r="http://schemas.openxmlformats.org/officeDocument/2006/relationships" xmlns:p="http://schemas.openxmlformats.org/presentationml/2006/main" preserve="1">
+  <p:cSld name="True or False">
+    <p:spTree>
+      <p:nvGrpSpPr>
+        <p:cNvPr id="1" name=""/>
+        <p:cNvGrpSpPr/>
+        <p:nvPr/>
+      </p:nvGrpSpPr>
+      <p:grpSpPr>
+        <a:xfrm>
+          <a:off x="0" y="0"/>
+          <a:ext cx="0" cy="0"/>
+          <a:chOff x="0" y="0"/>
+          <a:chExt cx="0" cy="0"/>
+        </a:xfrm>
+      </p:grpSpPr>
+      <p:sp>
+        <p:nvSpPr>
+          <p:cNvPr id="2" name="Title 1"/>
+          <p:cNvSpPr>
+            <a:spLocks noGrp="1"/>
+          </p:cNvSpPr>
+          <p:nvPr>
+            <p:ph type="title"/>
+          </p:nvPr>
+        </p:nvSpPr>
+        <p:spPr>
+          <a:xfrm>
+            <a:off x="685799" y="609600"/>
+            <a:ext cx="8588203" cy="3022600"/>
+          </a:xfrm>
+        </p:spPr>
+        <p:txBody>
+          <a:bodyPr anchor="ctr">
+            <a:normAutofit/>
+          </a:bodyPr>
+          <a:lstStyle>
+            <a:lvl1pPr algn="l">
+              <a:defRPr sz="4400" b="0" cap="none"/>
+            </a:lvl1pPr>
+          </a:lstStyle>
+          <a:p>
+            <a:r>
+              <a:rPr lang="en-US"/>
+              <a:t>Click to edit Master title style</a:t>
+            </a:r>
+            <a:endParaRPr lang="en-US" dirty="0"/>
+          </a:p>
+        </p:txBody>
+      </p:sp>
+      <p:sp>
+        <p:nvSpPr>
+          <p:cNvPr id="23" name="Text Placeholder 9"/>
+          <p:cNvSpPr>
+            <a:spLocks noGrp="1"/>
+          </p:cNvSpPr>
+          <p:nvPr>
+            <p:ph type="body" sz="quarter" idx="13"/>
+          </p:nvPr>
+        </p:nvSpPr>
+        <p:spPr>
+          <a:xfrm>
+            <a:off x="677332" y="4013200"/>
+            <a:ext cx="8596669" cy="514248"/>
+          </a:xfrm>
+        </p:spPr>
+        <p:txBody>
+          <a:bodyPr anchor="b">
+            <a:noAutofit/>
+          </a:bodyPr>
+          <a:lstStyle>
+            <a:lvl1pPr marL="0" indent="0">
+              <a:buFontTx/>
+              <a:buNone/>
+              <a:defRPr sz="2400">
+                <a:solidFill>
+                  <a:schemeClr val="accent1"/>
+                </a:solidFill>
+              </a:defRPr>
+            </a:lvl1pPr>
+            <a:lvl2pPr marL="457200" indent="0">
+              <a:buFontTx/>
+              <a:buNone/>
+              <a:defRPr/>
+            </a:lvl2pPr>
+            <a:lvl3pPr marL="914400" indent="0">
+              <a:buFontTx/>
+              <a:buNone/>
+              <a:defRPr/>
+            </a:lvl3pPr>
+            <a:lvl4pPr marL="1371600" indent="0">
+              <a:buFontTx/>
+              <a:buNone/>
+              <a:defRPr/>
+            </a:lvl4pPr>
+            <a:lvl5pPr marL="1828800" indent="0">
+              <a:buFontTx/>
+              <a:buNone/>
+              <a:defRPr/>
+            </a:lvl5pPr>
+          </a:lstStyle>
+          <a:p>
+            <a:pPr lvl="0"/>
+            <a:r>
+              <a:rPr lang="en-US"/>
+              <a:t>Click to edit Master text styles</a:t>
+            </a:r>
+          </a:p>
+        </p:txBody>
+      </p:sp>
+      <p:sp>
+        <p:nvSpPr>
+          <p:cNvPr id="3" name="Text Placeholder 2"/>
+          <p:cNvSpPr>
+            <a:spLocks noGrp="1"/>
+          </p:cNvSpPr>
+          <p:nvPr>
+            <p:ph type="body" idx="1"/>
+          </p:nvPr>
+        </p:nvSpPr>
+        <p:spPr>
+          <a:xfrm>
+            <a:off x="677335" y="4527448"/>
+            <a:ext cx="8596668" cy="1513914"/>
+          </a:xfrm>
+        </p:spPr>
+        <p:txBody>
+          <a:bodyPr anchor="t">
+            <a:normAutofit/>
+          </a:bodyPr>
+          <a:lstStyle>
+            <a:lvl1pPr marL="0" indent="0" algn="l">
+              <a:buNone/>
+              <a:defRPr sz="1800">
+                <a:solidFill>
+                  <a:schemeClr val="tx1">
+                    <a:lumMod val="50000"/>
+                    <a:lumOff val="50000"/>
+                  </a:schemeClr>
+                </a:solidFill>
+              </a:defRPr>
+            </a:lvl1pPr>
+            <a:lvl2pPr marL="457200" indent="0">
+              <a:buNone/>
+              <a:defRPr sz="1800">
+                <a:solidFill>
+                  <a:schemeClr val="tx1">
+                    <a:tint val="75000"/>
+                  </a:schemeClr>
+                </a:solidFill>
+              </a:defRPr>
+            </a:lvl2pPr>
+            <a:lvl3pPr marL="914400" indent="0">
+              <a:buNone/>
+              <a:defRPr sz="1600">
+                <a:solidFill>
+                  <a:schemeClr val="tx1">
+                    <a:tint val="75000"/>
+                  </a:schemeClr>
+                </a:solidFill>
+              </a:defRPr>
+            </a:lvl3pPr>
+            <a:lvl4pPr marL="1371600" indent="0">
+              <a:buNone/>
+              <a:defRPr sz="1400">
+                <a:solidFill>
+                  <a:schemeClr val="tx1">
+                    <a:tint val="75000"/>
+                  </a:schemeClr>
+                </a:solidFill>
+              </a:defRPr>
+            </a:lvl4pPr>
+            <a:lvl5pPr marL="1828800" indent="0">
+              <a:buNone/>
+              <a:defRPr sz="1400">
+                <a:solidFill>
+                  <a:schemeClr val="tx1">
+                    <a:tint val="75000"/>
+                  </a:schemeClr>
+                </a:solidFill>
+              </a:defRPr>
+            </a:lvl5pPr>
+            <a:lvl6pPr marL="2286000" indent="0">
+              <a:buNone/>
+              <a:defRPr sz="1400">
+                <a:solidFill>
+                  <a:schemeClr val="tx1">
+                    <a:tint val="75000"/>
+                  </a:schemeClr>
+                </a:solidFill>
+              </a:defRPr>
+            </a:lvl6pPr>
+            <a:lvl7pPr marL="2743200" indent="0">
+              <a:buNone/>
+              <a:defRPr sz="1400">
+                <a:solidFill>
+                  <a:schemeClr val="tx1">
+                    <a:tint val="75000"/>
+                  </a:schemeClr>
+                </a:solidFill>
+              </a:defRPr>
+            </a:lvl7pPr>
+            <a:lvl8pPr marL="3200400" indent="0">
+              <a:buNone/>
+              <a:defRPr sz="1400">
+                <a:solidFill>
+                  <a:schemeClr val="tx1">
+                    <a:tint val="75000"/>
+                  </a:schemeClr>
+                </a:solidFill>
+              </a:defRPr>
+            </a:lvl8pPr>
+            <a:lvl9pPr marL="3657600" indent="0">
+              <a:buNone/>
+              <a:defRPr sz="1400">
+                <a:solidFill>
+                  <a:schemeClr val="tx1">
+                    <a:tint val="75000"/>
+                  </a:schemeClr>
+                </a:solidFill>
+              </a:defRPr>
+            </a:lvl9pPr>
+          </a:lstStyle>
+          <a:p>
+            <a:pPr lvl="0"/>
+            <a:r>
+              <a:rPr lang="en-US"/>
+              <a:t>Click to edit Master text styles</a:t>
+            </a:r>
+          </a:p>
+        </p:txBody>
+      </p:sp>
+      <p:sp>
+        <p:nvSpPr>
+          <p:cNvPr id="4" name="Date Placeholder 3"/>
+          <p:cNvSpPr>
+            <a:spLocks noGrp="1"/>
+          </p:cNvSpPr>
+          <p:nvPr>
+            <p:ph type="dt" sz="half" idx="10"/>
+          </p:nvPr>
+        </p:nvSpPr>
+        <p:spPr/>
+        <p:txBody>
+          <a:bodyPr/>
+          <a:lstStyle/>
+          <a:p>
+            <a:fld id="{F6FA2B21-3FCD-4721-B95C-427943F61125}" type="datetime1">
+              <a:rPr lang="en-US" smtClean="0"/>
+              <a:t>10/24/2019</a:t>
+            </a:fld>
+            <a:endParaRPr lang="en-US"/>
+          </a:p>
+        </p:txBody>
+      </p:sp>
+      <p:sp>
+        <p:nvSpPr>
+          <p:cNvPr id="5" name="Footer Placeholder 4"/>
+          <p:cNvSpPr>
+            <a:spLocks noGrp="1"/>
+          </p:cNvSpPr>
+          <p:nvPr>
+            <p:ph type="ftr" sz="quarter" idx="11"/>
+          </p:nvPr>
+        </p:nvSpPr>
+        <p:spPr/>
+        <p:txBody>
+          <a:bodyPr/>
+          <a:lstStyle/>
+          <a:p>
+            <a:endParaRPr lang="en-US" dirty="0"/>
+          </a:p>
+        </p:txBody>
+      </p:sp>
+      <p:sp>
+        <p:nvSpPr>
+          <p:cNvPr id="6" name="Slide Number Placeholder 5"/>
+          <p:cNvSpPr>
+            <a:spLocks noGrp="1"/>
+          </p:cNvSpPr>
+          <p:nvPr>
+            <p:ph type="sldNum" sz="quarter" idx="12"/>
+          </p:nvPr>
+        </p:nvSpPr>
+        <p:spPr/>
+        <p:txBody>
+          <a:bodyPr/>
+          <a:lstStyle/>
+          <a:p>
+            <a:fld id="{34B7E4EF-A1BD-40F4-AB7B-04F084DD991D}" type="slidenum">
+              <a:rPr lang="en-US" smtClean="0"/>
+              <a:t>‹#›</a:t>
+            </a:fld>
+            <a:endParaRPr lang="en-US"/>
+          </a:p>
+        </p:txBody>
+      </p:sp>
+    </p:spTree>
+    <p:extLst>
+      <p:ext uri="{BB962C8B-B14F-4D97-AF65-F5344CB8AC3E}">
+        <p14:creationId xmlns:p14="http://schemas.microsoft.com/office/powerpoint/2010/main" val="3766141123"/>
+      </p:ext>
+    </p:extLst>
+  </p:cSld>
+  <p:clrMapOvr>
+    <a:masterClrMapping/>
+  </p:clrMapOvr>
+  <p:hf sldNum="0" hdr="0" ftr="0" dt="0"/>
+</p:sldLayout>
+</file>
+
+<file path=ppt/slideLayouts/slideLayout15.xml><?xml version="1.0" encoding="utf-8"?>
 <p:sldLayout xmlns:a="http://schemas.openxmlformats.org/drawingml/2006/main" xmlns:r="http://schemas.openxmlformats.org/officeDocument/2006/relationships" xmlns:p="http://schemas.openxmlformats.org/presentationml/2006/main" type="vertTx" preserve="1">
   <p:cSld name="Title and Vertical Text">
     <p:spTree>
@@ -889,7 +2712,7 @@
     </p:spTree>
     <p:extLst>
       <p:ext uri="{BB962C8B-B14F-4D97-AF65-F5344CB8AC3E}">
-        <p14:creationId xmlns:p14="http://schemas.microsoft.com/office/powerpoint/2010/main" val="588538074"/>
+        <p14:creationId xmlns:p14="http://schemas.microsoft.com/office/powerpoint/2010/main" val="3597401845"/>
       </p:ext>
     </p:extLst>
   </p:cSld>
@@ -899,7 +2722,7 @@
 </p:sldLayout>
 </file>
 
-<file path=ppt/slideLayouts/slideLayout11.xml><?xml version="1.0" encoding="utf-8"?>
+<file path=ppt/slideLayouts/slideLayout16.xml><?xml version="1.0" encoding="utf-8"?>
 <p:sldLayout xmlns:a="http://schemas.openxmlformats.org/drawingml/2006/main" xmlns:r="http://schemas.openxmlformats.org/officeDocument/2006/relationships" xmlns:p="http://schemas.openxmlformats.org/presentationml/2006/main" type="vertTitleAndTx" preserve="1">
   <p:cSld name="Vertical Title and Text">
     <p:spTree>
@@ -928,12 +2751,12 @@
         </p:nvSpPr>
         <p:spPr>
           <a:xfrm>
-            <a:off x="8991600" y="762000"/>
-            <a:ext cx="2362200" cy="5257800"/>
+            <a:off x="7967673" y="609599"/>
+            <a:ext cx="1304743" cy="5251451"/>
           </a:xfrm>
         </p:spPr>
         <p:txBody>
-          <a:bodyPr vert="eaVert"/>
+          <a:bodyPr vert="eaVert" anchor="ctr"/>
           <a:lstStyle/>
           <a:p>
             <a:r>
@@ -956,8 +2779,8 @@
         </p:nvSpPr>
         <p:spPr>
           <a:xfrm>
-            <a:off x="838200" y="762000"/>
-            <a:ext cx="8077200" cy="5257800"/>
+            <a:off x="677335" y="609600"/>
+            <a:ext cx="7060150" cy="5251450"/>
           </a:xfrm>
         </p:spPr>
         <p:txBody>
@@ -1069,7 +2892,7 @@
     </p:spTree>
     <p:extLst>
       <p:ext uri="{BB962C8B-B14F-4D97-AF65-F5344CB8AC3E}">
-        <p14:creationId xmlns:p14="http://schemas.microsoft.com/office/powerpoint/2010/main" val="2006036897"/>
+        <p14:creationId xmlns:p14="http://schemas.microsoft.com/office/powerpoint/2010/main" val="1682943443"/>
       </p:ext>
     </p:extLst>
   </p:cSld>
@@ -1239,7 +3062,7 @@
     </p:spTree>
     <p:extLst>
       <p:ext uri="{BB962C8B-B14F-4D97-AF65-F5344CB8AC3E}">
-        <p14:creationId xmlns:p14="http://schemas.microsoft.com/office/powerpoint/2010/main" val="688642713"/>
+        <p14:creationId xmlns:p14="http://schemas.microsoft.com/office/powerpoint/2010/main" val="756441983"/>
       </p:ext>
     </p:extLst>
   </p:cSld>
@@ -1250,7 +3073,7 @@
 </file>
 
 <file path=ppt/slideLayouts/slideLayout3.xml><?xml version="1.0" encoding="utf-8"?>
-<p:sldLayout xmlns:a="http://schemas.openxmlformats.org/drawingml/2006/main" xmlns:r="http://schemas.openxmlformats.org/officeDocument/2006/relationships" xmlns:p="http://schemas.openxmlformats.org/presentationml/2006/main" showMasterSp="0" type="secHead" preserve="1">
+<p:sldLayout xmlns:a="http://schemas.openxmlformats.org/drawingml/2006/main" xmlns:r="http://schemas.openxmlformats.org/officeDocument/2006/relationships" xmlns:p="http://schemas.openxmlformats.org/presentationml/2006/main" type="secHead" preserve="1">
   <p:cSld name="Section Header">
     <p:spTree>
       <p:nvGrpSpPr>
@@ -1268,405 +3091,69 @@
       </p:grpSpPr>
       <p:sp>
         <p:nvSpPr>
-          <p:cNvPr id="15" name="Rectangle 14">
-            <a:extLst>
-              <a:ext uri="{FF2B5EF4-FFF2-40B4-BE49-F238E27FC236}">
-                <a16:creationId xmlns:a16="http://schemas.microsoft.com/office/drawing/2014/main" id="{0A4A1889-E37C-4EC3-9E41-9DAD221CF389}"/>
-              </a:ext>
-            </a:extLst>
-          </p:cNvPr>
-          <p:cNvSpPr/>
-          <p:nvPr/>
+          <p:cNvPr id="2" name="Title 1"/>
+          <p:cNvSpPr>
+            <a:spLocks noGrp="1"/>
+          </p:cNvSpPr>
+          <p:nvPr>
+            <p:ph type="title"/>
+          </p:nvPr>
         </p:nvSpPr>
         <p:spPr>
           <a:xfrm>
-            <a:off x="0" y="0"/>
-            <a:ext cx="12192000" cy="6858000"/>
+            <a:off x="677335" y="2700867"/>
+            <a:ext cx="8596668" cy="1826581"/>
           </a:xfrm>
-          <a:prstGeom prst="rect">
-            <a:avLst/>
-          </a:prstGeom>
-          <a:solidFill>
-            <a:schemeClr val="tx1">
-              <a:lumMod val="65000"/>
-              <a:lumOff val="35000"/>
-            </a:schemeClr>
-          </a:solidFill>
-          <a:ln>
-            <a:noFill/>
-          </a:ln>
         </p:spPr>
-        <p:style>
-          <a:lnRef idx="2">
-            <a:schemeClr val="accent1">
-              <a:shade val="50000"/>
-            </a:schemeClr>
-          </a:lnRef>
-          <a:fillRef idx="1">
-            <a:schemeClr val="accent1"/>
-          </a:fillRef>
-          <a:effectRef idx="0">
-            <a:schemeClr val="accent1"/>
-          </a:effectRef>
-          <a:fontRef idx="minor">
-            <a:schemeClr val="lt1"/>
-          </a:fontRef>
-        </p:style>
-        <p:txBody>
-          <a:bodyPr rtlCol="0" anchor="ctr"/>
-          <a:lstStyle/>
-          <a:p>
-            <a:pPr algn="ctr"/>
-            <a:endParaRPr lang="en-US"/>
-          </a:p>
-        </p:txBody>
-      </p:sp>
-      <p:sp useBgFill="1">
-        <p:nvSpPr>
-          <p:cNvPr id="23" name="Rectangle 22"/>
-          <p:cNvSpPr/>
-          <p:nvPr/>
+        <p:txBody>
+          <a:bodyPr anchor="b"/>
+          <a:lstStyle>
+            <a:lvl1pPr algn="l">
+              <a:defRPr sz="4000" b="0" cap="none"/>
+            </a:lvl1pPr>
+          </a:lstStyle>
+          <a:p>
+            <a:r>
+              <a:rPr lang="en-US"/>
+              <a:t>Click to edit Master title style</a:t>
+            </a:r>
+            <a:endParaRPr lang="en-US" dirty="0"/>
+          </a:p>
+        </p:txBody>
+      </p:sp>
+      <p:sp>
+        <p:nvSpPr>
+          <p:cNvPr id="3" name="Text Placeholder 2"/>
+          <p:cNvSpPr>
+            <a:spLocks noGrp="1"/>
+          </p:cNvSpPr>
+          <p:nvPr>
+            <p:ph type="body" idx="1"/>
+          </p:nvPr>
         </p:nvSpPr>
         <p:spPr>
           <a:xfrm>
-            <a:off x="1307870" y="1267730"/>
-            <a:ext cx="9576262" cy="4307950"/>
-          </a:xfrm>
-          <a:prstGeom prst="rect">
-            <a:avLst/>
-          </a:prstGeom>
-          <a:ln w="6350" cap="flat" cmpd="sng" algn="ctr">
-            <a:noFill/>
-            <a:prstDash val="solid"/>
-          </a:ln>
-          <a:effectLst>
-            <a:outerShdw blurRad="50800" algn="ctr" rotWithShape="0">
-              <a:prstClr val="black">
-                <a:alpha val="66000"/>
-              </a:prstClr>
-            </a:outerShdw>
-            <a:softEdge rad="0"/>
-          </a:effectLst>
-        </p:spPr>
-      </p:sp>
-      <p:sp>
-        <p:nvSpPr>
-          <p:cNvPr id="24" name="Rectangle 23"/>
-          <p:cNvSpPr/>
-          <p:nvPr/>
-        </p:nvSpPr>
-        <p:spPr>
-          <a:xfrm>
-            <a:off x="1447801" y="1411615"/>
-            <a:ext cx="9296400" cy="4034770"/>
-          </a:xfrm>
-          <a:prstGeom prst="rect">
-            <a:avLst/>
-          </a:prstGeom>
-          <a:noFill/>
-          <a:ln w="6350" cap="sq" cmpd="sng" algn="ctr">
-            <a:solidFill>
-              <a:schemeClr val="tx1">
-                <a:lumMod val="75000"/>
-                <a:lumOff val="25000"/>
-              </a:schemeClr>
-            </a:solidFill>
-            <a:prstDash val="solid"/>
-            <a:miter lim="800000"/>
-          </a:ln>
-          <a:effectLst/>
-        </p:spPr>
-      </p:sp>
-      <p:sp>
-        <p:nvSpPr>
-          <p:cNvPr id="30" name="Rectangle 29"/>
-          <p:cNvSpPr/>
-          <p:nvPr/>
-        </p:nvSpPr>
-        <p:spPr>
-          <a:xfrm>
-            <a:off x="5135880" y="1267730"/>
-            <a:ext cx="1920240" cy="731520"/>
-          </a:xfrm>
-          <a:prstGeom prst="rect">
-            <a:avLst/>
-          </a:prstGeom>
-          <a:solidFill>
-            <a:schemeClr val="accent2"/>
-          </a:solidFill>
-          <a:ln>
-            <a:noFill/>
-          </a:ln>
-        </p:spPr>
-        <p:style>
-          <a:lnRef idx="2">
-            <a:schemeClr val="accent1">
-              <a:shade val="50000"/>
-            </a:schemeClr>
-          </a:lnRef>
-          <a:fillRef idx="1">
-            <a:schemeClr val="accent1"/>
-          </a:fillRef>
-          <a:effectRef idx="0">
-            <a:schemeClr val="accent1"/>
-          </a:effectRef>
-          <a:fontRef idx="minor">
-            <a:schemeClr val="lt1"/>
-          </a:fontRef>
-        </p:style>
-      </p:sp>
-      <p:sp>
-        <p:nvSpPr>
-          <p:cNvPr id="2" name="Title 1"/>
-          <p:cNvSpPr>
-            <a:spLocks noGrp="1"/>
-          </p:cNvSpPr>
-          <p:nvPr>
-            <p:ph type="title"/>
-          </p:nvPr>
-        </p:nvSpPr>
-        <p:spPr>
-          <a:xfrm>
-            <a:off x="1629156" y="2275165"/>
-            <a:ext cx="8933688" cy="2406895"/>
+            <a:off x="677335" y="4527448"/>
+            <a:ext cx="8596668" cy="860400"/>
           </a:xfrm>
         </p:spPr>
         <p:txBody>
-          <a:bodyPr anchor="ctr">
-            <a:normAutofit/>
-          </a:bodyPr>
+          <a:bodyPr anchor="t"/>
           <a:lstStyle>
-            <a:lvl1pPr algn="ctr">
-              <a:lnSpc>
-                <a:spcPct val="83000"/>
-              </a:lnSpc>
-              <a:defRPr lang="en-US" sz="6800" kern="1200" cap="none" spc="-100" baseline="0" dirty="0">
+            <a:lvl1pPr marL="0" indent="0" algn="l">
+              <a:buNone/>
+              <a:defRPr sz="2000">
                 <a:solidFill>
                   <a:schemeClr val="tx1">
-                    <a:lumMod val="85000"/>
-                    <a:lumOff val="15000"/>
+                    <a:lumMod val="50000"/>
+                    <a:lumOff val="50000"/>
                   </a:schemeClr>
                 </a:solidFill>
-                <a:effectLst/>
-                <a:latin typeface="+mj-lt"/>
-                <a:ea typeface="+mn-ea"/>
-                <a:cs typeface="+mn-cs"/>
-              </a:defRPr>
-            </a:lvl1pPr>
-          </a:lstStyle>
-          <a:p>
-            <a:r>
-              <a:rPr lang="en-US"/>
-              <a:t>Click to edit Master title style</a:t>
-            </a:r>
-            <a:endParaRPr lang="en-US" dirty="0"/>
-          </a:p>
-        </p:txBody>
-      </p:sp>
-      <p:grpSp>
-        <p:nvGrpSpPr>
-          <p:cNvPr id="16" name="Group 15">
-            <a:extLst>
-              <a:ext uri="{FF2B5EF4-FFF2-40B4-BE49-F238E27FC236}">
-                <a16:creationId xmlns:a16="http://schemas.microsoft.com/office/drawing/2014/main" id="{1683EB04-C23E-490C-A1A6-030CF79D23C8}"/>
-              </a:ext>
-            </a:extLst>
-          </p:cNvPr>
-          <p:cNvGrpSpPr/>
-          <p:nvPr/>
-        </p:nvGrpSpPr>
-        <p:grpSpPr>
-          <a:xfrm>
-            <a:off x="5250180" y="1267730"/>
-            <a:ext cx="1691640" cy="615934"/>
-            <a:chOff x="5250180" y="1267730"/>
-            <a:chExt cx="1691640" cy="615934"/>
-          </a:xfrm>
-        </p:grpSpPr>
-        <p:cxnSp>
-          <p:nvCxnSpPr>
-            <p:cNvPr id="17" name="Straight Connector 16">
-              <a:extLst>
-                <a:ext uri="{FF2B5EF4-FFF2-40B4-BE49-F238E27FC236}">
-                  <a16:creationId xmlns:a16="http://schemas.microsoft.com/office/drawing/2014/main" id="{F8A84C03-E1CA-4A4E-81D6-9BB0C335B7A0}"/>
-                </a:ext>
-              </a:extLst>
-            </p:cNvPr>
-            <p:cNvCxnSpPr/>
-            <p:nvPr/>
-          </p:nvCxnSpPr>
-          <p:spPr>
-            <a:xfrm>
-              <a:off x="5250180" y="1267730"/>
-              <a:ext cx="0" cy="612648"/>
-            </a:xfrm>
-            <a:prstGeom prst="line">
-              <a:avLst/>
-            </a:prstGeom>
-            <a:solidFill>
-              <a:schemeClr val="tx1">
-                <a:lumMod val="85000"/>
-                <a:lumOff val="15000"/>
-              </a:schemeClr>
-            </a:solidFill>
-            <a:ln>
-              <a:solidFill>
-                <a:srgbClr val="FFFFFF"/>
-              </a:solidFill>
-              <a:miter lim="800000"/>
-            </a:ln>
-          </p:spPr>
-          <p:style>
-            <a:lnRef idx="1">
-              <a:schemeClr val="accent1"/>
-            </a:lnRef>
-            <a:fillRef idx="0">
-              <a:schemeClr val="accent1"/>
-            </a:fillRef>
-            <a:effectRef idx="0">
-              <a:schemeClr val="accent1"/>
-            </a:effectRef>
-            <a:fontRef idx="minor">
-              <a:schemeClr val="tx1"/>
-            </a:fontRef>
-          </p:style>
-        </p:cxnSp>
-        <p:cxnSp>
-          <p:nvCxnSpPr>
-            <p:cNvPr id="18" name="Straight Connector 17">
-              <a:extLst>
-                <a:ext uri="{FF2B5EF4-FFF2-40B4-BE49-F238E27FC236}">
-                  <a16:creationId xmlns:a16="http://schemas.microsoft.com/office/drawing/2014/main" id="{4A26FB5A-D5D1-4DAB-AC43-7F51A7F2D197}"/>
-                </a:ext>
-              </a:extLst>
-            </p:cNvPr>
-            <p:cNvCxnSpPr/>
-            <p:nvPr/>
-          </p:nvCxnSpPr>
-          <p:spPr>
-            <a:xfrm>
-              <a:off x="6941820" y="1267730"/>
-              <a:ext cx="0" cy="612648"/>
-            </a:xfrm>
-            <a:prstGeom prst="line">
-              <a:avLst/>
-            </a:prstGeom>
-            <a:solidFill>
-              <a:schemeClr val="tx1">
-                <a:lumMod val="85000"/>
-                <a:lumOff val="15000"/>
-              </a:schemeClr>
-            </a:solidFill>
-            <a:ln>
-              <a:solidFill>
-                <a:srgbClr val="FFFFFF"/>
-              </a:solidFill>
-              <a:miter lim="800000"/>
-            </a:ln>
-          </p:spPr>
-          <p:style>
-            <a:lnRef idx="1">
-              <a:schemeClr val="accent1"/>
-            </a:lnRef>
-            <a:fillRef idx="0">
-              <a:schemeClr val="accent1"/>
-            </a:fillRef>
-            <a:effectRef idx="0">
-              <a:schemeClr val="accent1"/>
-            </a:effectRef>
-            <a:fontRef idx="minor">
-              <a:schemeClr val="tx1"/>
-            </a:fontRef>
-          </p:style>
-        </p:cxnSp>
-        <p:cxnSp>
-          <p:nvCxnSpPr>
-            <p:cNvPr id="19" name="Straight Connector 18">
-              <a:extLst>
-                <a:ext uri="{FF2B5EF4-FFF2-40B4-BE49-F238E27FC236}">
-                  <a16:creationId xmlns:a16="http://schemas.microsoft.com/office/drawing/2014/main" id="{49303F14-E560-4C02-94F4-B4695FE26813}"/>
-                </a:ext>
-              </a:extLst>
-            </p:cNvPr>
-            <p:cNvCxnSpPr/>
-            <p:nvPr/>
-          </p:nvCxnSpPr>
-          <p:spPr>
-            <a:xfrm>
-              <a:off x="5250180" y="1883664"/>
-              <a:ext cx="1691640" cy="0"/>
-            </a:xfrm>
-            <a:prstGeom prst="line">
-              <a:avLst/>
-            </a:prstGeom>
-            <a:solidFill>
-              <a:schemeClr val="tx1">
-                <a:lumMod val="85000"/>
-                <a:lumOff val="15000"/>
-              </a:schemeClr>
-            </a:solidFill>
-            <a:ln>
-              <a:solidFill>
-                <a:srgbClr val="FFFFFF"/>
-              </a:solidFill>
-              <a:miter lim="800000"/>
-            </a:ln>
-          </p:spPr>
-          <p:style>
-            <a:lnRef idx="1">
-              <a:schemeClr val="accent1"/>
-            </a:lnRef>
-            <a:fillRef idx="0">
-              <a:schemeClr val="accent1"/>
-            </a:fillRef>
-            <a:effectRef idx="0">
-              <a:schemeClr val="accent1"/>
-            </a:effectRef>
-            <a:fontRef idx="minor">
-              <a:schemeClr val="tx1"/>
-            </a:fontRef>
-          </p:style>
-        </p:cxnSp>
-      </p:grpSp>
-      <p:sp>
-        <p:nvSpPr>
-          <p:cNvPr id="3" name="Text Placeholder 2"/>
-          <p:cNvSpPr>
-            <a:spLocks noGrp="1"/>
-          </p:cNvSpPr>
-          <p:nvPr>
-            <p:ph type="body" idx="1"/>
-          </p:nvPr>
-        </p:nvSpPr>
-        <p:spPr>
-          <a:xfrm>
-            <a:off x="1629156" y="4682062"/>
-            <a:ext cx="8939784" cy="457200"/>
-          </a:xfrm>
-        </p:spPr>
-        <p:txBody>
-          <a:bodyPr anchor="t">
-            <a:normAutofit/>
-          </a:bodyPr>
-          <a:lstStyle>
-            <a:lvl1pPr marL="0" indent="0" algn="ctr">
-              <a:buNone/>
-              <a:tabLst>
-                <a:tab pos="2633663" algn="l"/>
-              </a:tabLst>
-              <a:defRPr sz="1800">
-                <a:solidFill>
-                  <a:schemeClr val="tx1">
-                    <a:lumMod val="95000"/>
-                    <a:lumOff val="5000"/>
-                  </a:schemeClr>
-                </a:solidFill>
-                <a:effectLst/>
               </a:defRPr>
             </a:lvl1pPr>
             <a:lvl2pPr marL="457200" indent="0">
               <a:buNone/>
-              <a:defRPr sz="1600">
+              <a:defRPr sz="1800">
                 <a:solidFill>
                   <a:schemeClr val="tx1">
                     <a:tint val="75000"/>
@@ -1764,26 +3251,10 @@
             <p:ph type="dt" sz="half" idx="10"/>
           </p:nvPr>
         </p:nvSpPr>
-        <p:spPr>
-          <a:xfrm>
-            <a:off x="5318760" y="1344502"/>
-            <a:ext cx="1554480" cy="498781"/>
-          </a:xfrm>
-        </p:spPr>
+        <p:spPr/>
         <p:txBody>
           <a:bodyPr/>
-          <a:lstStyle>
-            <a:lvl1pPr algn="ctr">
-              <a:defRPr lang="en-US" sz="1300" kern="1200" spc="0" baseline="0">
-                <a:solidFill>
-                  <a:srgbClr val="FFFFFF"/>
-                </a:solidFill>
-                <a:latin typeface="+mn-lt"/>
-                <a:ea typeface="+mn-ea"/>
-                <a:cs typeface="+mn-cs"/>
-              </a:defRPr>
-            </a:lvl1pPr>
-          </a:lstStyle>
+          <a:lstStyle/>
           <a:p>
             <a:fld id="{D9C646AA-F36E-4540-911D-FFFC0A0EF24A}" type="datetime1">
               <a:rPr lang="en-US" smtClean="0"/>
@@ -1803,26 +3274,10 @@
             <p:ph type="ftr" sz="quarter" idx="11"/>
           </p:nvPr>
         </p:nvSpPr>
-        <p:spPr>
-          <a:xfrm>
-            <a:off x="1629157" y="5177408"/>
-            <a:ext cx="5660134" cy="228600"/>
-          </a:xfrm>
-        </p:spPr>
+        <p:spPr/>
         <p:txBody>
           <a:bodyPr/>
-          <a:lstStyle>
-            <a:lvl1pPr algn="l">
-              <a:defRPr>
-                <a:solidFill>
-                  <a:schemeClr val="tx1">
-                    <a:lumMod val="85000"/>
-                    <a:lumOff val="15000"/>
-                  </a:schemeClr>
-                </a:solidFill>
-              </a:defRPr>
-            </a:lvl1pPr>
-          </a:lstStyle>
+          <a:lstStyle/>
           <a:p>
             <a:endParaRPr lang="en-US" dirty="0"/>
           </a:p>
@@ -1838,26 +3293,10 @@
             <p:ph type="sldNum" sz="quarter" idx="12"/>
           </p:nvPr>
         </p:nvSpPr>
-        <p:spPr>
-          <a:xfrm>
-            <a:off x="8604504" y="5177408"/>
-            <a:ext cx="1958339" cy="228600"/>
-          </a:xfrm>
-        </p:spPr>
+        <p:spPr/>
         <p:txBody>
           <a:bodyPr/>
-          <a:lstStyle>
-            <a:lvl1pPr>
-              <a:defRPr>
-                <a:solidFill>
-                  <a:schemeClr val="tx1">
-                    <a:lumMod val="85000"/>
-                    <a:lumOff val="15000"/>
-                  </a:schemeClr>
-                </a:solidFill>
-              </a:defRPr>
-            </a:lvl1pPr>
-          </a:lstStyle>
+          <a:lstStyle/>
           <a:p>
             <a:fld id="{34B7E4EF-A1BD-40F4-AB7B-04F084DD991D}" type="slidenum">
               <a:rPr lang="en-US" smtClean="0"/>
@@ -1870,7 +3309,7 @@
     </p:spTree>
     <p:extLst>
       <p:ext uri="{BB962C8B-B14F-4D97-AF65-F5344CB8AC3E}">
-        <p14:creationId xmlns:p14="http://schemas.microsoft.com/office/powerpoint/2010/main" val="3908052948"/>
+        <p14:creationId xmlns:p14="http://schemas.microsoft.com/office/powerpoint/2010/main" val="2212055626"/>
       </p:ext>
     </p:extLst>
   </p:cSld>
@@ -1899,7 +3338,7 @@
       </p:grpSpPr>
       <p:sp>
         <p:nvSpPr>
-          <p:cNvPr id="8" name="Title 7"/>
+          <p:cNvPr id="2" name="Title 1"/>
           <p:cNvSpPr>
             <a:spLocks noGrp="1"/>
           </p:cNvSpPr>
@@ -1932,41 +3371,13 @@
         </p:nvSpPr>
         <p:spPr>
           <a:xfrm>
-            <a:off x="1066800" y="2103120"/>
-            <a:ext cx="4663440" cy="3749040"/>
+            <a:off x="677334" y="2160589"/>
+            <a:ext cx="4184035" cy="3880772"/>
           </a:xfrm>
         </p:spPr>
         <p:txBody>
           <a:bodyPr/>
-          <a:lstStyle>
-            <a:lvl1pPr>
-              <a:defRPr sz="1800"/>
-            </a:lvl1pPr>
-            <a:lvl2pPr>
-              <a:defRPr sz="1600"/>
-            </a:lvl2pPr>
-            <a:lvl3pPr>
-              <a:defRPr sz="1400"/>
-            </a:lvl3pPr>
-            <a:lvl4pPr>
-              <a:defRPr sz="1400"/>
-            </a:lvl4pPr>
-            <a:lvl5pPr>
-              <a:defRPr sz="1400"/>
-            </a:lvl5pPr>
-            <a:lvl6pPr>
-              <a:defRPr sz="1400"/>
-            </a:lvl6pPr>
-            <a:lvl7pPr>
-              <a:defRPr sz="1400"/>
-            </a:lvl7pPr>
-            <a:lvl8pPr>
-              <a:defRPr sz="1400"/>
-            </a:lvl8pPr>
-            <a:lvl9pPr>
-              <a:defRPr sz="1400"/>
-            </a:lvl9pPr>
-          </a:lstStyle>
+          <a:lstStyle/>
           <a:p>
             <a:pPr lvl="0"/>
             <a:r>
@@ -2017,41 +3428,13 @@
         </p:nvSpPr>
         <p:spPr>
           <a:xfrm>
-            <a:off x="6461760" y="2103120"/>
-            <a:ext cx="4663440" cy="3749040"/>
+            <a:off x="5089970" y="2160589"/>
+            <a:ext cx="4184034" cy="3880773"/>
           </a:xfrm>
         </p:spPr>
         <p:txBody>
           <a:bodyPr/>
-          <a:lstStyle>
-            <a:lvl1pPr>
-              <a:defRPr sz="1800"/>
-            </a:lvl1pPr>
-            <a:lvl2pPr>
-              <a:defRPr sz="1600"/>
-            </a:lvl2pPr>
-            <a:lvl3pPr>
-              <a:defRPr sz="1400"/>
-            </a:lvl3pPr>
-            <a:lvl4pPr>
-              <a:defRPr sz="1400"/>
-            </a:lvl4pPr>
-            <a:lvl5pPr>
-              <a:defRPr sz="1400"/>
-            </a:lvl5pPr>
-            <a:lvl6pPr>
-              <a:defRPr sz="1400"/>
-            </a:lvl6pPr>
-            <a:lvl7pPr>
-              <a:defRPr sz="1400"/>
-            </a:lvl7pPr>
-            <a:lvl8pPr>
-              <a:defRPr sz="1400"/>
-            </a:lvl8pPr>
-            <a:lvl9pPr>
-              <a:defRPr sz="1400"/>
-            </a:lvl9pPr>
-          </a:lstStyle>
+          <a:lstStyle/>
           <a:p>
             <a:pPr lvl="0"/>
             <a:r>
@@ -2158,7 +3541,7 @@
     </p:spTree>
     <p:extLst>
       <p:ext uri="{BB962C8B-B14F-4D97-AF65-F5344CB8AC3E}">
-        <p14:creationId xmlns:p14="http://schemas.microsoft.com/office/powerpoint/2010/main" val="2968876919"/>
+        <p14:creationId xmlns:p14="http://schemas.microsoft.com/office/powerpoint/2010/main" val="3202373529"/>
       </p:ext>
     </p:extLst>
   </p:cSld>
@@ -2198,7 +3581,11 @@
         <p:spPr/>
         <p:txBody>
           <a:bodyPr/>
-          <a:lstStyle/>
+          <a:lstStyle>
+            <a:lvl1pPr>
+              <a:defRPr/>
+            </a:lvl1pPr>
+          </a:lstStyle>
           <a:p>
             <a:r>
               <a:rPr lang="en-US"/>
@@ -2220,30 +3607,22 @@
         </p:nvSpPr>
         <p:spPr>
           <a:xfrm>
-            <a:off x="1069848" y="2074334"/>
-            <a:ext cx="4663440" cy="640080"/>
+            <a:off x="675745" y="2160983"/>
+            <a:ext cx="4185623" cy="576262"/>
           </a:xfrm>
         </p:spPr>
         <p:txBody>
-          <a:bodyPr anchor="ctr">
-            <a:normAutofit/>
+          <a:bodyPr anchor="b">
+            <a:noAutofit/>
           </a:bodyPr>
           <a:lstStyle>
-            <a:lvl1pPr marL="0" indent="0" algn="l">
-              <a:spcBef>
-                <a:spcPts val="0"/>
-              </a:spcBef>
-              <a:buNone/>
-              <a:defRPr sz="1900" b="1" i="0">
-                <a:solidFill>
-                  <a:schemeClr val="tx1"/>
-                </a:solidFill>
-                <a:latin typeface="+mn-lt"/>
-              </a:defRPr>
+            <a:lvl1pPr marL="0" indent="0">
+              <a:buNone/>
+              <a:defRPr sz="2400" b="0"/>
             </a:lvl1pPr>
             <a:lvl2pPr marL="457200" indent="0">
               <a:buNone/>
-              <a:defRPr sz="1800" b="1"/>
+              <a:defRPr sz="2000" b="1"/>
             </a:lvl2pPr>
             <a:lvl3pPr marL="914400" indent="0">
               <a:buNone/>
@@ -2277,7 +3656,7 @@
           <a:p>
             <a:pPr lvl="0"/>
             <a:r>
-              <a:rPr lang="en-US" dirty="0"/>
+              <a:rPr lang="en-US"/>
               <a:t>Click to edit Master text styles</a:t>
             </a:r>
           </a:p>
@@ -2295,75 +3674,50 @@
         </p:nvSpPr>
         <p:spPr>
           <a:xfrm>
-            <a:off x="1069848" y="2792472"/>
-            <a:ext cx="4663440" cy="3163825"/>
+            <a:off x="675745" y="2737245"/>
+            <a:ext cx="4185623" cy="3304117"/>
           </a:xfrm>
         </p:spPr>
         <p:txBody>
-          <a:bodyPr/>
-          <a:lstStyle>
-            <a:lvl1pPr>
-              <a:defRPr sz="1800"/>
-            </a:lvl1pPr>
-            <a:lvl2pPr>
-              <a:defRPr sz="1600"/>
-            </a:lvl2pPr>
-            <a:lvl3pPr>
-              <a:defRPr sz="1400"/>
-            </a:lvl3pPr>
-            <a:lvl4pPr>
-              <a:defRPr sz="1400"/>
-            </a:lvl4pPr>
-            <a:lvl5pPr>
-              <a:defRPr sz="1400"/>
-            </a:lvl5pPr>
-            <a:lvl6pPr>
-              <a:defRPr sz="1400"/>
-            </a:lvl6pPr>
-            <a:lvl7pPr>
-              <a:defRPr sz="1400"/>
-            </a:lvl7pPr>
-            <a:lvl8pPr>
-              <a:defRPr sz="1400"/>
-            </a:lvl8pPr>
-            <a:lvl9pPr>
-              <a:defRPr sz="1400"/>
-            </a:lvl9pPr>
-          </a:lstStyle>
+          <a:bodyPr>
+            <a:normAutofit/>
+          </a:bodyPr>
+          <a:lstStyle/>
           <a:p>
             <a:pPr lvl="0"/>
             <a:r>
-              <a:rPr lang="en-US" dirty="0"/>
+              <a:rPr lang="en-US"/>
               <a:t>Click to edit Master text styles</a:t>
             </a:r>
           </a:p>
           <a:p>
             <a:pPr lvl="1"/>
             <a:r>
-              <a:rPr lang="en-US" dirty="0"/>
+              <a:rPr lang="en-US"/>
               <a:t>Second level</a:t>
             </a:r>
           </a:p>
           <a:p>
             <a:pPr lvl="2"/>
             <a:r>
-              <a:rPr lang="en-US" dirty="0"/>
+              <a:rPr lang="en-US"/>
               <a:t>Third level</a:t>
             </a:r>
           </a:p>
           <a:p>
             <a:pPr lvl="3"/>
             <a:r>
-              <a:rPr lang="en-US" dirty="0"/>
+              <a:rPr lang="en-US"/>
               <a:t>Fourth level</a:t>
             </a:r>
           </a:p>
           <a:p>
             <a:pPr lvl="4"/>
             <a:r>
-              <a:rPr lang="en-US" dirty="0"/>
+              <a:rPr lang="en-US"/>
               <a:t>Fifth level</a:t>
             </a:r>
+            <a:endParaRPr lang="en-US" dirty="0"/>
           </a:p>
         </p:txBody>
       </p:sp>
@@ -2379,29 +3733,22 @@
         </p:nvSpPr>
         <p:spPr>
           <a:xfrm>
-            <a:off x="6458712" y="2074334"/>
-            <a:ext cx="4663440" cy="640080"/>
+            <a:off x="5088383" y="2160983"/>
+            <a:ext cx="4185618" cy="576262"/>
           </a:xfrm>
         </p:spPr>
         <p:txBody>
-          <a:bodyPr anchor="ctr">
-            <a:normAutofit/>
+          <a:bodyPr anchor="b">
+            <a:noAutofit/>
           </a:bodyPr>
           <a:lstStyle>
-            <a:lvl1pPr marL="0" indent="0" algn="l">
-              <a:spcBef>
-                <a:spcPts val="0"/>
-              </a:spcBef>
-              <a:buNone/>
-              <a:defRPr sz="1900" b="1">
-                <a:solidFill>
-                  <a:schemeClr val="tx1"/>
-                </a:solidFill>
-              </a:defRPr>
+            <a:lvl1pPr marL="0" indent="0">
+              <a:buNone/>
+              <a:defRPr sz="2400" b="0"/>
             </a:lvl1pPr>
             <a:lvl2pPr marL="457200" indent="0">
               <a:buNone/>
-              <a:defRPr sz="1800" b="1"/>
+              <a:defRPr sz="2000" b="1"/>
             </a:lvl2pPr>
             <a:lvl3pPr marL="914400" indent="0">
               <a:buNone/>
@@ -2435,7 +3782,7 @@
           <a:p>
             <a:pPr lvl="0"/>
             <a:r>
-              <a:rPr lang="en-US" dirty="0"/>
+              <a:rPr lang="en-US"/>
               <a:t>Click to edit Master text styles</a:t>
             </a:r>
           </a:p>
@@ -2453,75 +3800,50 @@
         </p:nvSpPr>
         <p:spPr>
           <a:xfrm>
-            <a:off x="6458712" y="2792471"/>
-            <a:ext cx="4663440" cy="3164509"/>
+            <a:off x="5088384" y="2737245"/>
+            <a:ext cx="4185617" cy="3304117"/>
           </a:xfrm>
         </p:spPr>
         <p:txBody>
-          <a:bodyPr/>
-          <a:lstStyle>
-            <a:lvl1pPr>
-              <a:defRPr sz="1800"/>
-            </a:lvl1pPr>
-            <a:lvl2pPr>
-              <a:defRPr sz="1600"/>
-            </a:lvl2pPr>
-            <a:lvl3pPr>
-              <a:defRPr sz="1400"/>
-            </a:lvl3pPr>
-            <a:lvl4pPr>
-              <a:defRPr sz="1400"/>
-            </a:lvl4pPr>
-            <a:lvl5pPr>
-              <a:defRPr sz="1400"/>
-            </a:lvl5pPr>
-            <a:lvl6pPr>
-              <a:defRPr sz="1400"/>
-            </a:lvl6pPr>
-            <a:lvl7pPr>
-              <a:defRPr sz="1400"/>
-            </a:lvl7pPr>
-            <a:lvl8pPr>
-              <a:defRPr sz="1400"/>
-            </a:lvl8pPr>
-            <a:lvl9pPr>
-              <a:defRPr sz="1400"/>
-            </a:lvl9pPr>
-          </a:lstStyle>
+          <a:bodyPr>
+            <a:normAutofit/>
+          </a:bodyPr>
+          <a:lstStyle/>
           <a:p>
             <a:pPr lvl="0"/>
             <a:r>
-              <a:rPr lang="en-US" dirty="0"/>
+              <a:rPr lang="en-US"/>
               <a:t>Click to edit Master text styles</a:t>
             </a:r>
           </a:p>
           <a:p>
             <a:pPr lvl="1"/>
             <a:r>
-              <a:rPr lang="en-US" dirty="0"/>
+              <a:rPr lang="en-US"/>
               <a:t>Second level</a:t>
             </a:r>
           </a:p>
           <a:p>
             <a:pPr lvl="2"/>
             <a:r>
-              <a:rPr lang="en-US" dirty="0"/>
+              <a:rPr lang="en-US"/>
               <a:t>Third level</a:t>
             </a:r>
           </a:p>
           <a:p>
             <a:pPr lvl="3"/>
             <a:r>
-              <a:rPr lang="en-US" dirty="0"/>
+              <a:rPr lang="en-US"/>
               <a:t>Fourth level</a:t>
             </a:r>
           </a:p>
           <a:p>
             <a:pPr lvl="4"/>
             <a:r>
-              <a:rPr lang="en-US" dirty="0"/>
+              <a:rPr lang="en-US"/>
               <a:t>Fifth level</a:t>
             </a:r>
+            <a:endParaRPr lang="en-US" dirty="0"/>
           </a:p>
         </p:txBody>
       </p:sp>
@@ -2593,7 +3915,7 @@
     </p:spTree>
     <p:extLst>
       <p:ext uri="{BB962C8B-B14F-4D97-AF65-F5344CB8AC3E}">
-        <p14:creationId xmlns:p14="http://schemas.microsoft.com/office/powerpoint/2010/main" val="652520803"/>
+        <p14:creationId xmlns:p14="http://schemas.microsoft.com/office/powerpoint/2010/main" val="1742103208"/>
       </p:ext>
     </p:extLst>
   </p:cSld>
@@ -2630,7 +3952,12 @@
             <p:ph type="title"/>
           </p:nvPr>
         </p:nvSpPr>
-        <p:spPr/>
+        <p:spPr>
+          <a:xfrm>
+            <a:off x="677334" y="609600"/>
+            <a:ext cx="8596668" cy="1320800"/>
+          </a:xfrm>
+        </p:spPr>
         <p:txBody>
           <a:bodyPr/>
           <a:lstStyle/>
@@ -2711,7 +4038,7 @@
     </p:spTree>
     <p:extLst>
       <p:ext uri="{BB962C8B-B14F-4D97-AF65-F5344CB8AC3E}">
-        <p14:creationId xmlns:p14="http://schemas.microsoft.com/office/powerpoint/2010/main" val="151410567"/>
+        <p14:creationId xmlns:p14="http://schemas.microsoft.com/office/powerpoint/2010/main" val="842204103"/>
       </p:ext>
     </p:extLst>
   </p:cSld>
@@ -2806,7 +4133,7 @@
     </p:spTree>
     <p:extLst>
       <p:ext uri="{BB962C8B-B14F-4D97-AF65-F5344CB8AC3E}">
-        <p14:creationId xmlns:p14="http://schemas.microsoft.com/office/powerpoint/2010/main" val="485668528"/>
+        <p14:creationId xmlns:p14="http://schemas.microsoft.com/office/powerpoint/2010/main" val="3489244527"/>
       </p:ext>
     </p:extLst>
   </p:cSld>
@@ -2817,7 +4144,7 @@
 </file>
 
 <file path=ppt/slideLayouts/slideLayout8.xml><?xml version="1.0" encoding="utf-8"?>
-<p:sldLayout xmlns:a="http://schemas.openxmlformats.org/drawingml/2006/main" xmlns:r="http://schemas.openxmlformats.org/officeDocument/2006/relationships" xmlns:p="http://schemas.openxmlformats.org/presentationml/2006/main" showMasterSp="0" type="objTx" preserve="1">
+<p:sldLayout xmlns:a="http://schemas.openxmlformats.org/drawingml/2006/main" xmlns:r="http://schemas.openxmlformats.org/officeDocument/2006/relationships" xmlns:p="http://schemas.openxmlformats.org/presentationml/2006/main" type="objTx" preserve="1">
   <p:cSld name="Content with Caption">
     <p:spTree>
       <p:nvGrpSpPr>
@@ -2835,113 +4162,18 @@
       </p:grpSpPr>
       <p:sp>
         <p:nvSpPr>
-          <p:cNvPr id="10" name="Rectangle 9">
-            <a:extLst>
-              <a:ext uri="{FF2B5EF4-FFF2-40B4-BE49-F238E27FC236}">
-                <a16:creationId xmlns:a16="http://schemas.microsoft.com/office/drawing/2014/main" id="{D5E1BBF9-8BEF-4353-BA68-30AAF9EBD8D8}"/>
-              </a:ext>
-            </a:extLst>
-          </p:cNvPr>
-          <p:cNvSpPr/>
-          <p:nvPr/>
+          <p:cNvPr id="2" name="Title 1"/>
+          <p:cNvSpPr>
+            <a:spLocks noGrp="1"/>
+          </p:cNvSpPr>
+          <p:nvPr>
+            <p:ph type="title"/>
+          </p:nvPr>
         </p:nvSpPr>
         <p:spPr>
           <a:xfrm>
-            <a:off x="8119870" y="237744"/>
-            <a:ext cx="3826596" cy="6382512"/>
-          </a:xfrm>
-          <a:prstGeom prst="rect">
-            <a:avLst/>
-          </a:prstGeom>
-          <a:solidFill>
-            <a:schemeClr val="bg1">
-              <a:lumMod val="85000"/>
-              <a:alpha val="60000"/>
-            </a:schemeClr>
-          </a:solidFill>
-          <a:ln>
-            <a:noFill/>
-          </a:ln>
-        </p:spPr>
-        <p:style>
-          <a:lnRef idx="2">
-            <a:schemeClr val="accent1">
-              <a:shade val="50000"/>
-            </a:schemeClr>
-          </a:lnRef>
-          <a:fillRef idx="1">
-            <a:schemeClr val="accent1"/>
-          </a:fillRef>
-          <a:effectRef idx="0">
-            <a:schemeClr val="accent1"/>
-          </a:effectRef>
-          <a:fontRef idx="minor">
-            <a:schemeClr val="lt1"/>
-          </a:fontRef>
-        </p:style>
-      </p:sp>
-      <p:sp>
-        <p:nvSpPr>
-          <p:cNvPr id="13" name="Rectangle 12">
-            <a:extLst>
-              <a:ext uri="{FF2B5EF4-FFF2-40B4-BE49-F238E27FC236}">
-                <a16:creationId xmlns:a16="http://schemas.microsoft.com/office/drawing/2014/main" id="{5B941C21-2A5D-4912-AB06-1BB0C0EB6AE1}"/>
-              </a:ext>
-            </a:extLst>
-          </p:cNvPr>
-          <p:cNvSpPr/>
-          <p:nvPr/>
-        </p:nvSpPr>
-        <p:spPr>
-          <a:xfrm>
-            <a:off x="8254660" y="374904"/>
-            <a:ext cx="3557016" cy="6108192"/>
-          </a:xfrm>
-          <a:prstGeom prst="rect">
-            <a:avLst/>
-          </a:prstGeom>
-          <a:noFill/>
-          <a:ln w="6350" cap="sq">
-            <a:solidFill>
-              <a:schemeClr val="tx1">
-                <a:lumMod val="75000"/>
-                <a:lumOff val="25000"/>
-              </a:schemeClr>
-            </a:solidFill>
-            <a:miter lim="800000"/>
-          </a:ln>
-        </p:spPr>
-        <p:style>
-          <a:lnRef idx="2">
-            <a:schemeClr val="accent1">
-              <a:shade val="50000"/>
-            </a:schemeClr>
-          </a:lnRef>
-          <a:fillRef idx="1">
-            <a:schemeClr val="accent1"/>
-          </a:fillRef>
-          <a:effectRef idx="0">
-            <a:schemeClr val="accent1"/>
-          </a:effectRef>
-          <a:fontRef idx="minor">
-            <a:schemeClr val="lt1"/>
-          </a:fontRef>
-        </p:style>
-      </p:sp>
-      <p:sp>
-        <p:nvSpPr>
-          <p:cNvPr id="2" name="Title 1"/>
-          <p:cNvSpPr>
-            <a:spLocks noGrp="1"/>
-          </p:cNvSpPr>
-          <p:nvPr>
-            <p:ph type="title"/>
-          </p:nvPr>
-        </p:nvSpPr>
-        <p:spPr>
-          <a:xfrm>
-            <a:off x="8458200" y="607392"/>
-            <a:ext cx="3161963" cy="1645920"/>
+            <a:off x="677334" y="1498604"/>
+            <a:ext cx="3854528" cy="1278466"/>
           </a:xfrm>
         </p:spPr>
         <p:txBody>
@@ -2949,23 +4181,8 @@
             <a:normAutofit/>
           </a:bodyPr>
           <a:lstStyle>
-            <a:lvl1pPr algn="l" defTabSz="914400" rtl="0" eaLnBrk="1" latinLnBrk="0" hangingPunct="1">
-              <a:lnSpc>
-                <a:spcPct val="100000"/>
-              </a:lnSpc>
-              <a:spcBef>
-                <a:spcPct val="0"/>
-              </a:spcBef>
-              <a:buNone/>
-              <a:defRPr lang="en-US" sz="3200" b="0" kern="1200" cap="none" spc="0" baseline="0" dirty="0">
-                <a:solidFill>
-                  <a:schemeClr val="tx1"/>
-                </a:solidFill>
-                <a:effectLst/>
-                <a:latin typeface="+mj-lt"/>
-                <a:ea typeface="+mn-ea"/>
-                <a:cs typeface="+mn-cs"/>
-              </a:defRPr>
+            <a:lvl1pPr>
+              <a:defRPr sz="2000"/>
             </a:lvl1pPr>
           </a:lstStyle>
           <a:p>
@@ -2989,41 +4206,15 @@
         </p:nvSpPr>
         <p:spPr>
           <a:xfrm>
-            <a:off x="685800" y="609600"/>
-            <a:ext cx="6858000" cy="5334000"/>
+            <a:off x="4760461" y="514924"/>
+            <a:ext cx="4513541" cy="5526437"/>
           </a:xfrm>
         </p:spPr>
         <p:txBody>
-          <a:bodyPr/>
-          <a:lstStyle>
-            <a:lvl1pPr>
-              <a:defRPr sz="1900"/>
-            </a:lvl1pPr>
-            <a:lvl2pPr>
-              <a:defRPr sz="1600"/>
-            </a:lvl2pPr>
-            <a:lvl3pPr>
-              <a:defRPr sz="1400"/>
-            </a:lvl3pPr>
-            <a:lvl4pPr>
-              <a:defRPr sz="1400"/>
-            </a:lvl4pPr>
-            <a:lvl5pPr>
-              <a:defRPr sz="1400"/>
-            </a:lvl5pPr>
-            <a:lvl6pPr>
-              <a:defRPr sz="1400"/>
-            </a:lvl6pPr>
-            <a:lvl7pPr>
-              <a:defRPr sz="1400"/>
-            </a:lvl7pPr>
-            <a:lvl8pPr>
-              <a:defRPr sz="1400"/>
-            </a:lvl8pPr>
-            <a:lvl9pPr>
-              <a:defRPr sz="1400"/>
-            </a:lvl9pPr>
-          </a:lstStyle>
+          <a:bodyPr>
+            <a:normAutofit/>
+          </a:bodyPr>
+          <a:lstStyle/>
           <a:p>
             <a:pPr lvl="0"/>
             <a:r>
@@ -3074,8 +4265,8 @@
         </p:nvSpPr>
         <p:spPr>
           <a:xfrm>
-            <a:off x="8458200" y="2336800"/>
-            <a:ext cx="3161963" cy="3606800"/>
+            <a:off x="677334" y="2777069"/>
+            <a:ext cx="3854528" cy="2584449"/>
           </a:xfrm>
         </p:spPr>
         <p:txBody>
@@ -3084,50 +4275,40 @@
           </a:bodyPr>
           <a:lstStyle>
             <a:lvl1pPr marL="0" indent="0">
-              <a:lnSpc>
-                <a:spcPct val="110000"/>
-              </a:lnSpc>
-              <a:spcBef>
-                <a:spcPts val="800"/>
-              </a:spcBef>
-              <a:buNone/>
-              <a:defRPr sz="1800">
-                <a:solidFill>
-                  <a:schemeClr val="tx1"/>
-                </a:solidFill>
-              </a:defRPr>
+              <a:buNone/>
+              <a:defRPr sz="1400"/>
             </a:lvl1pPr>
-            <a:lvl2pPr marL="457200" indent="0">
+            <a:lvl2pPr marL="457063" indent="0">
+              <a:buNone/>
+              <a:defRPr sz="1400"/>
+            </a:lvl2pPr>
+            <a:lvl3pPr marL="914126" indent="0">
               <a:buNone/>
               <a:defRPr sz="1200"/>
-            </a:lvl2pPr>
-            <a:lvl3pPr marL="914400" indent="0">
+            </a:lvl3pPr>
+            <a:lvl4pPr marL="1371189" indent="0">
               <a:buNone/>
               <a:defRPr sz="1000"/>
-            </a:lvl3pPr>
-            <a:lvl4pPr marL="1371600" indent="0">
-              <a:buNone/>
-              <a:defRPr sz="900"/>
             </a:lvl4pPr>
-            <a:lvl5pPr marL="1828800" indent="0">
-              <a:buNone/>
-              <a:defRPr sz="900"/>
+            <a:lvl5pPr marL="1828251" indent="0">
+              <a:buNone/>
+              <a:defRPr sz="1000"/>
             </a:lvl5pPr>
-            <a:lvl6pPr marL="2286000" indent="0">
-              <a:buNone/>
-              <a:defRPr sz="900"/>
+            <a:lvl6pPr marL="2285314" indent="0">
+              <a:buNone/>
+              <a:defRPr sz="1000"/>
             </a:lvl6pPr>
-            <a:lvl7pPr marL="2743200" indent="0">
-              <a:buNone/>
-              <a:defRPr sz="900"/>
+            <a:lvl7pPr marL="2742377" indent="0">
+              <a:buNone/>
+              <a:defRPr sz="1000"/>
             </a:lvl7pPr>
-            <a:lvl8pPr marL="3200400" indent="0">
-              <a:buNone/>
-              <a:defRPr sz="900"/>
+            <a:lvl8pPr marL="3199440" indent="0">
+              <a:buNone/>
+              <a:defRPr sz="1000"/>
             </a:lvl8pPr>
-            <a:lvl9pPr marL="3657600" indent="0">
-              <a:buNone/>
-              <a:defRPr sz="900"/>
+            <a:lvl9pPr marL="3656503" indent="0">
+              <a:buNone/>
+              <a:defRPr sz="1000"/>
             </a:lvl9pPr>
           </a:lstStyle>
           <a:p>
@@ -3141,7 +4322,7 @@
       </p:sp>
       <p:sp>
         <p:nvSpPr>
-          <p:cNvPr id="8" name="Date Placeholder 7"/>
+          <p:cNvPr id="5" name="Date Placeholder 4"/>
           <p:cNvSpPr>
             <a:spLocks noGrp="1"/>
           </p:cNvSpPr>
@@ -3149,26 +4330,10 @@
             <p:ph type="dt" sz="half" idx="10"/>
           </p:nvPr>
         </p:nvSpPr>
-        <p:spPr>
-          <a:xfrm>
-            <a:off x="5588000" y="6035040"/>
-            <a:ext cx="1955800" cy="365760"/>
-          </a:xfrm>
-        </p:spPr>
+        <p:spPr/>
         <p:txBody>
           <a:bodyPr/>
-          <a:lstStyle>
-            <a:lvl1pPr>
-              <a:defRPr>
-                <a:solidFill>
-                  <a:schemeClr val="tx1">
-                    <a:lumMod val="85000"/>
-                    <a:lumOff val="15000"/>
-                  </a:schemeClr>
-                </a:solidFill>
-              </a:defRPr>
-            </a:lvl1pPr>
-          </a:lstStyle>
+          <a:lstStyle/>
           <a:p>
             <a:fld id="{7E8D12A6-918A-48BD-8CB9-CA713993B0EA}" type="datetime1">
               <a:rPr lang="en-US" smtClean="0"/>
@@ -3180,7 +4345,7 @@
       </p:sp>
       <p:sp>
         <p:nvSpPr>
-          <p:cNvPr id="9" name="Footer Placeholder 8"/>
+          <p:cNvPr id="6" name="Footer Placeholder 5"/>
           <p:cNvSpPr>
             <a:spLocks noGrp="1"/>
           </p:cNvSpPr>
@@ -3188,19 +4353,10 @@
             <p:ph type="ftr" sz="quarter" idx="11"/>
           </p:nvPr>
         </p:nvSpPr>
-        <p:spPr>
-          <a:xfrm>
-            <a:off x="685801" y="6035040"/>
-            <a:ext cx="4584700" cy="365760"/>
-          </a:xfrm>
-        </p:spPr>
+        <p:spPr/>
         <p:txBody>
           <a:bodyPr/>
-          <a:lstStyle>
-            <a:lvl1pPr algn="l">
-              <a:defRPr/>
-            </a:lvl1pPr>
-          </a:lstStyle>
+          <a:lstStyle/>
           <a:p>
             <a:endParaRPr lang="en-US"/>
           </a:p>
@@ -3208,7 +4364,7 @@
       </p:sp>
       <p:sp>
         <p:nvSpPr>
-          <p:cNvPr id="11" name="Slide Number Placeholder 10"/>
+          <p:cNvPr id="7" name="Slide Number Placeholder 6"/>
           <p:cNvSpPr>
             <a:spLocks noGrp="1"/>
           </p:cNvSpPr>
@@ -3216,26 +4372,10 @@
             <p:ph type="sldNum" sz="quarter" idx="12"/>
           </p:nvPr>
         </p:nvSpPr>
-        <p:spPr>
-          <a:xfrm>
-            <a:off x="10396728" y="6035040"/>
-            <a:ext cx="1223435" cy="365760"/>
-          </a:xfrm>
-        </p:spPr>
+        <p:spPr/>
         <p:txBody>
           <a:bodyPr/>
-          <a:lstStyle>
-            <a:lvl1pPr>
-              <a:defRPr>
-                <a:solidFill>
-                  <a:schemeClr val="tx1">
-                    <a:lumMod val="85000"/>
-                    <a:lumOff val="15000"/>
-                  </a:schemeClr>
-                </a:solidFill>
-              </a:defRPr>
-            </a:lvl1pPr>
-          </a:lstStyle>
+          <a:lstStyle/>
           <a:p>
             <a:fld id="{34B7E4EF-A1BD-40F4-AB7B-04F084DD991D}" type="slidenum">
               <a:rPr lang="en-US" smtClean="0"/>
@@ -3248,7 +4388,7 @@
     </p:spTree>
     <p:extLst>
       <p:ext uri="{BB962C8B-B14F-4D97-AF65-F5344CB8AC3E}">
-        <p14:creationId xmlns:p14="http://schemas.microsoft.com/office/powerpoint/2010/main" val="675706497"/>
+        <p14:creationId xmlns:p14="http://schemas.microsoft.com/office/powerpoint/2010/main" val="618540506"/>
       </p:ext>
     </p:extLst>
   </p:cSld>
@@ -3259,7 +4399,7 @@
 </file>
 
 <file path=ppt/slideLayouts/slideLayout9.xml><?xml version="1.0" encoding="utf-8"?>
-<p:sldLayout xmlns:a="http://schemas.openxmlformats.org/drawingml/2006/main" xmlns:r="http://schemas.openxmlformats.org/officeDocument/2006/relationships" xmlns:p="http://schemas.openxmlformats.org/presentationml/2006/main" showMasterSp="0" type="picTx" preserve="1">
+<p:sldLayout xmlns:a="http://schemas.openxmlformats.org/drawingml/2006/main" xmlns:r="http://schemas.openxmlformats.org/officeDocument/2006/relationships" xmlns:p="http://schemas.openxmlformats.org/presentationml/2006/main" type="picTx" preserve="1">
   <p:cSld name="Picture with Caption">
     <p:spTree>
       <p:nvGrpSpPr>
@@ -3277,50 +4417,37 @@
       </p:grpSpPr>
       <p:sp>
         <p:nvSpPr>
-          <p:cNvPr id="11" name="Rectangle 10">
-            <a:extLst>
-              <a:ext uri="{FF2B5EF4-FFF2-40B4-BE49-F238E27FC236}">
-                <a16:creationId xmlns:a16="http://schemas.microsoft.com/office/drawing/2014/main" id="{E687CA98-D9C7-497F-A1DA-7D22F8753BCE}"/>
-              </a:ext>
-            </a:extLst>
-          </p:cNvPr>
-          <p:cNvSpPr/>
-          <p:nvPr/>
+          <p:cNvPr id="2" name="Title 1"/>
+          <p:cNvSpPr>
+            <a:spLocks noGrp="1"/>
+          </p:cNvSpPr>
+          <p:nvPr>
+            <p:ph type="title"/>
+          </p:nvPr>
         </p:nvSpPr>
         <p:spPr>
           <a:xfrm>
-            <a:off x="8119870" y="237744"/>
-            <a:ext cx="3826596" cy="6382512"/>
+            <a:off x="677334" y="4800600"/>
+            <a:ext cx="8596667" cy="566738"/>
           </a:xfrm>
-          <a:prstGeom prst="rect">
-            <a:avLst/>
-          </a:prstGeom>
-          <a:solidFill>
-            <a:schemeClr val="bg1">
-              <a:lumMod val="85000"/>
-              <a:alpha val="60000"/>
-            </a:schemeClr>
-          </a:solidFill>
-          <a:ln>
-            <a:noFill/>
-          </a:ln>
         </p:spPr>
-        <p:style>
-          <a:lnRef idx="2">
-            <a:schemeClr val="accent1">
-              <a:shade val="50000"/>
-            </a:schemeClr>
-          </a:lnRef>
-          <a:fillRef idx="1">
-            <a:schemeClr val="accent1"/>
-          </a:fillRef>
-          <a:effectRef idx="0">
-            <a:schemeClr val="accent1"/>
-          </a:effectRef>
-          <a:fontRef idx="minor">
-            <a:schemeClr val="lt1"/>
-          </a:fontRef>
-        </p:style>
+        <p:txBody>
+          <a:bodyPr anchor="b">
+            <a:normAutofit/>
+          </a:bodyPr>
+          <a:lstStyle>
+            <a:lvl1pPr algn="l">
+              <a:defRPr sz="2400" b="0"/>
+            </a:lvl1pPr>
+          </a:lstStyle>
+          <a:p>
+            <a:r>
+              <a:rPr lang="en-US"/>
+              <a:t>Click to edit Master title style</a:t>
+            </a:r>
+            <a:endParaRPr lang="en-US" dirty="0"/>
+          </a:p>
+        </p:txBody>
       </p:sp>
       <p:sp>
         <p:nvSpPr>
@@ -3334,65 +4461,125 @@
         </p:nvSpPr>
         <p:spPr>
           <a:xfrm>
-            <a:off x="228599" y="237744"/>
-            <a:ext cx="7696201" cy="6382512"/>
+            <a:off x="677334" y="609600"/>
+            <a:ext cx="8596668" cy="3845718"/>
           </a:xfrm>
-          <a:solidFill>
-            <a:schemeClr val="accent1">
-              <a:lumMod val="60000"/>
-              <a:lumOff val="40000"/>
-            </a:schemeClr>
-          </a:solidFill>
-          <a:ln>
-            <a:noFill/>
-          </a:ln>
         </p:spPr>
         <p:txBody>
-          <a:bodyPr anchor="t"/>
+          <a:bodyPr anchor="t">
+            <a:normAutofit/>
+          </a:bodyPr>
+          <a:lstStyle>
+            <a:lvl1pPr marL="0" indent="0" algn="ctr">
+              <a:buNone/>
+              <a:defRPr sz="1600"/>
+            </a:lvl1pPr>
+            <a:lvl2pPr marL="457200" indent="0">
+              <a:buNone/>
+              <a:defRPr sz="1600"/>
+            </a:lvl2pPr>
+            <a:lvl3pPr marL="914400" indent="0">
+              <a:buNone/>
+              <a:defRPr sz="1600"/>
+            </a:lvl3pPr>
+            <a:lvl4pPr marL="1371600" indent="0">
+              <a:buNone/>
+              <a:defRPr sz="1600"/>
+            </a:lvl4pPr>
+            <a:lvl5pPr marL="1828800" indent="0">
+              <a:buNone/>
+              <a:defRPr sz="1600"/>
+            </a:lvl5pPr>
+            <a:lvl6pPr marL="2286000" indent="0">
+              <a:buNone/>
+              <a:defRPr sz="1600"/>
+            </a:lvl6pPr>
+            <a:lvl7pPr marL="2743200" indent="0">
+              <a:buNone/>
+              <a:defRPr sz="1600"/>
+            </a:lvl7pPr>
+            <a:lvl8pPr marL="3200400" indent="0">
+              <a:buNone/>
+              <a:defRPr sz="1600"/>
+            </a:lvl8pPr>
+            <a:lvl9pPr marL="3657600" indent="0">
+              <a:buNone/>
+              <a:defRPr sz="1600"/>
+            </a:lvl9pPr>
+          </a:lstStyle>
+          <a:p>
+            <a:r>
+              <a:rPr lang="en-US"/>
+              <a:t>Click icon to add picture</a:t>
+            </a:r>
+            <a:endParaRPr lang="en-US" dirty="0"/>
+          </a:p>
+        </p:txBody>
+      </p:sp>
+      <p:sp>
+        <p:nvSpPr>
+          <p:cNvPr id="4" name="Text Placeholder 3"/>
+          <p:cNvSpPr>
+            <a:spLocks noGrp="1"/>
+          </p:cNvSpPr>
+          <p:nvPr>
+            <p:ph type="body" sz="half" idx="2"/>
+          </p:nvPr>
+        </p:nvSpPr>
+        <p:spPr>
+          <a:xfrm>
+            <a:off x="677334" y="5367338"/>
+            <a:ext cx="8596667" cy="674024"/>
+          </a:xfrm>
+        </p:spPr>
+        <p:txBody>
+          <a:bodyPr>
+            <a:normAutofit/>
+          </a:bodyPr>
           <a:lstStyle>
             <a:lvl1pPr marL="0" indent="0">
               <a:buNone/>
-              <a:defRPr sz="3200"/>
+              <a:defRPr sz="1200"/>
             </a:lvl1pPr>
             <a:lvl2pPr marL="457200" indent="0">
               <a:buNone/>
-              <a:defRPr sz="2800"/>
+              <a:defRPr sz="1200"/>
             </a:lvl2pPr>
             <a:lvl3pPr marL="914400" indent="0">
               <a:buNone/>
-              <a:defRPr sz="2400"/>
+              <a:defRPr sz="1000"/>
             </a:lvl3pPr>
             <a:lvl4pPr marL="1371600" indent="0">
               <a:buNone/>
-              <a:defRPr sz="2000"/>
+              <a:defRPr sz="900"/>
             </a:lvl4pPr>
             <a:lvl5pPr marL="1828800" indent="0">
               <a:buNone/>
-              <a:defRPr sz="2000"/>
+              <a:defRPr sz="900"/>
             </a:lvl5pPr>
             <a:lvl6pPr marL="2286000" indent="0">
               <a:buNone/>
-              <a:defRPr sz="2000"/>
+              <a:defRPr sz="900"/>
             </a:lvl6pPr>
             <a:lvl7pPr marL="2743200" indent="0">
               <a:buNone/>
-              <a:defRPr sz="2000"/>
+              <a:defRPr sz="900"/>
             </a:lvl7pPr>
             <a:lvl8pPr marL="3200400" indent="0">
               <a:buNone/>
-              <a:defRPr sz="2000"/>
+              <a:defRPr sz="900"/>
             </a:lvl8pPr>
             <a:lvl9pPr marL="3657600" indent="0">
               <a:buNone/>
-              <a:defRPr sz="2000"/>
+              <a:defRPr sz="900"/>
             </a:lvl9pPr>
           </a:lstStyle>
           <a:p>
+            <a:pPr lvl="0"/>
             <a:r>
               <a:rPr lang="en-US"/>
-              <a:t>Click icon to add picture</a:t>
-            </a:r>
-            <a:endParaRPr lang="en-US" dirty="0"/>
+              <a:t>Click to edit Master text styles</a:t>
+            </a:r>
           </a:p>
         </p:txBody>
       </p:sp>
@@ -3406,30 +4593,10 @@
             <p:ph type="dt" sz="half" idx="10"/>
           </p:nvPr>
         </p:nvSpPr>
-        <p:spPr>
-          <a:xfrm>
-            <a:off x="5662337" y="6035040"/>
-            <a:ext cx="2071963" cy="365760"/>
-          </a:xfrm>
-        </p:spPr>
+        <p:spPr/>
         <p:txBody>
           <a:bodyPr/>
-          <a:lstStyle>
-            <a:lvl1pPr>
-              <a:defRPr b="1">
-                <a:solidFill>
-                  <a:srgbClr val="FFFFFF"/>
-                </a:solidFill>
-                <a:effectLst>
-                  <a:outerShdw blurRad="19050" dist="6350" dir="2700000" algn="tl" rotWithShape="0">
-                    <a:prstClr val="black">
-                      <a:alpha val="40000"/>
-                    </a:prstClr>
-                  </a:outerShdw>
-                </a:effectLst>
-              </a:defRPr>
-            </a:lvl1pPr>
-          </a:lstStyle>
+          <a:lstStyle/>
           <a:p>
             <a:fld id="{E778CE86-875F-4587-BCF6-FA054AFC0D53}" type="datetime1">
               <a:rPr lang="en-US" smtClean="0"/>
@@ -3450,33 +4617,10 @@
             <p:ph type="ftr" sz="quarter" idx="11"/>
           </p:nvPr>
         </p:nvSpPr>
-        <p:spPr>
-          <a:xfrm>
-            <a:off x="612648" y="6035040"/>
-            <a:ext cx="4588002" cy="365760"/>
-          </a:xfrm>
-        </p:spPr>
+        <p:spPr/>
         <p:txBody>
           <a:bodyPr/>
-          <a:lstStyle>
-            <a:lvl1pPr marL="0" algn="r" defTabSz="914400" rtl="0" eaLnBrk="1" latinLnBrk="0" hangingPunct="1">
-              <a:defRPr lang="en-US" sz="1000" b="1" kern="1200" dirty="0">
-                <a:solidFill>
-                  <a:srgbClr val="FFFFFF"/>
-                </a:solidFill>
-                <a:effectLst>
-                  <a:outerShdw blurRad="19050" dist="6350" dir="2700000" algn="tl" rotWithShape="0">
-                    <a:prstClr val="black">
-                      <a:alpha val="40000"/>
-                    </a:prstClr>
-                  </a:outerShdw>
-                </a:effectLst>
-                <a:latin typeface="+mn-lt"/>
-                <a:ea typeface="+mn-ea"/>
-                <a:cs typeface="+mn-cs"/>
-              </a:defRPr>
-            </a:lvl1pPr>
-          </a:lstStyle>
+          <a:lstStyle/>
           <a:p>
             <a:pPr algn="l"/>
             <a:endParaRPr lang="en-US" dirty="0"/>
@@ -3493,12 +4637,7 @@
             <p:ph type="sldNum" sz="quarter" idx="12"/>
           </p:nvPr>
         </p:nvSpPr>
-        <p:spPr>
-          <a:xfrm>
-            <a:off x="10396728" y="6035040"/>
-            <a:ext cx="1225296" cy="365760"/>
-          </a:xfrm>
-        </p:spPr>
+        <p:spPr/>
         <p:txBody>
           <a:bodyPr/>
           <a:lstStyle/>
@@ -3511,177 +4650,10 @@
           </a:p>
         </p:txBody>
       </p:sp>
-      <p:sp>
-        <p:nvSpPr>
-          <p:cNvPr id="12" name="Rectangle 11">
-            <a:extLst>
-              <a:ext uri="{FF2B5EF4-FFF2-40B4-BE49-F238E27FC236}">
-                <a16:creationId xmlns:a16="http://schemas.microsoft.com/office/drawing/2014/main" id="{F8B3D8CC-BB13-41A5-8F34-B8E84A4F9534}"/>
-              </a:ext>
-            </a:extLst>
-          </p:cNvPr>
-          <p:cNvSpPr/>
-          <p:nvPr/>
-        </p:nvSpPr>
-        <p:spPr>
-          <a:xfrm>
-            <a:off x="8254660" y="374904"/>
-            <a:ext cx="3557016" cy="6108192"/>
-          </a:xfrm>
-          <a:prstGeom prst="rect">
-            <a:avLst/>
-          </a:prstGeom>
-          <a:noFill/>
-          <a:ln w="6350" cap="sq">
-            <a:solidFill>
-              <a:schemeClr val="tx1">
-                <a:lumMod val="75000"/>
-                <a:lumOff val="25000"/>
-              </a:schemeClr>
-            </a:solidFill>
-            <a:miter lim="800000"/>
-          </a:ln>
-        </p:spPr>
-        <p:style>
-          <a:lnRef idx="2">
-            <a:schemeClr val="accent1">
-              <a:shade val="50000"/>
-            </a:schemeClr>
-          </a:lnRef>
-          <a:fillRef idx="1">
-            <a:schemeClr val="accent1"/>
-          </a:fillRef>
-          <a:effectRef idx="0">
-            <a:schemeClr val="accent1"/>
-          </a:effectRef>
-          <a:fontRef idx="minor">
-            <a:schemeClr val="lt1"/>
-          </a:fontRef>
-        </p:style>
-      </p:sp>
-      <p:sp>
-        <p:nvSpPr>
-          <p:cNvPr id="2" name="Title 1"/>
-          <p:cNvSpPr>
-            <a:spLocks noGrp="1"/>
-          </p:cNvSpPr>
-          <p:nvPr>
-            <p:ph type="title"/>
-          </p:nvPr>
-        </p:nvSpPr>
-        <p:spPr>
-          <a:xfrm>
-            <a:off x="8477250" y="603504"/>
-            <a:ext cx="3144774" cy="1645920"/>
-          </a:xfrm>
-        </p:spPr>
-        <p:txBody>
-          <a:bodyPr anchor="b">
-            <a:noAutofit/>
-          </a:bodyPr>
-          <a:lstStyle>
-            <a:lvl1pPr algn="l">
-              <a:lnSpc>
-                <a:spcPct val="100000"/>
-              </a:lnSpc>
-              <a:defRPr sz="3200" b="0">
-                <a:solidFill>
-                  <a:schemeClr val="tx1"/>
-                </a:solidFill>
-                <a:latin typeface="+mj-lt"/>
-              </a:defRPr>
-            </a:lvl1pPr>
-          </a:lstStyle>
-          <a:p>
-            <a:r>
-              <a:rPr lang="en-US"/>
-              <a:t>Click to edit Master title style</a:t>
-            </a:r>
-            <a:endParaRPr lang="en-US" dirty="0"/>
-          </a:p>
-        </p:txBody>
-      </p:sp>
-      <p:sp>
-        <p:nvSpPr>
-          <p:cNvPr id="4" name="Text Placeholder 3"/>
-          <p:cNvSpPr>
-            <a:spLocks noGrp="1"/>
-          </p:cNvSpPr>
-          <p:nvPr>
-            <p:ph type="body" sz="half" idx="2"/>
-          </p:nvPr>
-        </p:nvSpPr>
-        <p:spPr>
-          <a:xfrm>
-            <a:off x="8477250" y="2386584"/>
-            <a:ext cx="3144774" cy="3511296"/>
-          </a:xfrm>
-        </p:spPr>
-        <p:txBody>
-          <a:bodyPr>
-            <a:normAutofit/>
-          </a:bodyPr>
-          <a:lstStyle>
-            <a:lvl1pPr marL="0" indent="0" algn="l">
-              <a:lnSpc>
-                <a:spcPct val="110000"/>
-              </a:lnSpc>
-              <a:spcBef>
-                <a:spcPts val="800"/>
-              </a:spcBef>
-              <a:buNone/>
-              <a:defRPr sz="1800">
-                <a:solidFill>
-                  <a:schemeClr val="tx1"/>
-                </a:solidFill>
-              </a:defRPr>
-            </a:lvl1pPr>
-            <a:lvl2pPr marL="457200" indent="0">
-              <a:buNone/>
-              <a:defRPr sz="1200"/>
-            </a:lvl2pPr>
-            <a:lvl3pPr marL="914400" indent="0">
-              <a:buNone/>
-              <a:defRPr sz="1000"/>
-            </a:lvl3pPr>
-            <a:lvl4pPr marL="1371600" indent="0">
-              <a:buNone/>
-              <a:defRPr sz="900"/>
-            </a:lvl4pPr>
-            <a:lvl5pPr marL="1828800" indent="0">
-              <a:buNone/>
-              <a:defRPr sz="900"/>
-            </a:lvl5pPr>
-            <a:lvl6pPr marL="2286000" indent="0">
-              <a:buNone/>
-              <a:defRPr sz="900"/>
-            </a:lvl6pPr>
-            <a:lvl7pPr marL="2743200" indent="0">
-              <a:buNone/>
-              <a:defRPr sz="900"/>
-            </a:lvl7pPr>
-            <a:lvl8pPr marL="3200400" indent="0">
-              <a:buNone/>
-              <a:defRPr sz="900"/>
-            </a:lvl8pPr>
-            <a:lvl9pPr marL="3657600" indent="0">
-              <a:buNone/>
-              <a:defRPr sz="900"/>
-            </a:lvl9pPr>
-          </a:lstStyle>
-          <a:p>
-            <a:pPr lvl="0"/>
-            <a:r>
-              <a:rPr lang="en-US"/>
-              <a:t>Click to edit Master text styles</a:t>
-            </a:r>
-          </a:p>
-        </p:txBody>
-      </p:sp>
     </p:spTree>
     <p:extLst>
       <p:ext uri="{BB962C8B-B14F-4D97-AF65-F5344CB8AC3E}">
-        <p14:creationId xmlns:p14="http://schemas.microsoft.com/office/powerpoint/2010/main" val="1943508903"/>
+        <p14:creationId xmlns:p14="http://schemas.microsoft.com/office/powerpoint/2010/main" val="4054742716"/>
       </p:ext>
     </p:extLst>
   </p:cSld>
@@ -3713,133 +4685,559 @@
           <a:chExt cx="0" cy="0"/>
         </a:xfrm>
       </p:grpSpPr>
-      <p:sp useBgFill="1">
-        <p:nvSpPr>
-          <p:cNvPr id="9" name="Rectangle 8">
-            <a:extLst>
-              <a:ext uri="{FF2B5EF4-FFF2-40B4-BE49-F238E27FC236}">
-                <a16:creationId xmlns:a16="http://schemas.microsoft.com/office/drawing/2014/main" id="{1E94681D-2A4C-4A8D-B9B5-31D440D0328D}"/>
-              </a:ext>
-            </a:extLst>
-          </p:cNvPr>
-          <p:cNvSpPr/>
+      <p:grpSp>
+        <p:nvGrpSpPr>
+          <p:cNvPr id="29" name="Group 28"/>
+          <p:cNvGrpSpPr/>
           <p:nvPr/>
+        </p:nvGrpSpPr>
+        <p:grpSpPr>
+          <a:xfrm>
+            <a:off x="0" y="-8467"/>
+            <a:ext cx="12192000" cy="6866467"/>
+            <a:chOff x="0" y="-8467"/>
+            <a:chExt cx="12192000" cy="6866467"/>
+          </a:xfrm>
+        </p:grpSpPr>
+        <p:cxnSp>
+          <p:nvCxnSpPr>
+            <p:cNvPr id="19" name="Straight Connector 18"/>
+            <p:cNvCxnSpPr/>
+            <p:nvPr/>
+          </p:nvCxnSpPr>
+          <p:spPr>
+            <a:xfrm>
+              <a:off x="9371012" y="0"/>
+              <a:ext cx="1219200" cy="6858000"/>
+            </a:xfrm>
+            <a:prstGeom prst="line">
+              <a:avLst/>
+            </a:prstGeom>
+            <a:ln w="9525">
+              <a:solidFill>
+                <a:schemeClr val="accent1">
+                  <a:alpha val="70000"/>
+                </a:schemeClr>
+              </a:solidFill>
+            </a:ln>
+          </p:spPr>
+          <p:style>
+            <a:lnRef idx="2">
+              <a:schemeClr val="accent1"/>
+            </a:lnRef>
+            <a:fillRef idx="0">
+              <a:schemeClr val="accent1"/>
+            </a:fillRef>
+            <a:effectRef idx="1">
+              <a:schemeClr val="accent1"/>
+            </a:effectRef>
+            <a:fontRef idx="minor">
+              <a:schemeClr val="tx1"/>
+            </a:fontRef>
+          </p:style>
+        </p:cxnSp>
+        <p:cxnSp>
+          <p:nvCxnSpPr>
+            <p:cNvPr id="20" name="Straight Connector 19"/>
+            <p:cNvCxnSpPr/>
+            <p:nvPr/>
+          </p:nvCxnSpPr>
+          <p:spPr>
+            <a:xfrm flipH="1">
+              <a:off x="7425267" y="3681413"/>
+              <a:ext cx="4763558" cy="3176587"/>
+            </a:xfrm>
+            <a:prstGeom prst="line">
+              <a:avLst/>
+            </a:prstGeom>
+            <a:ln w="9525">
+              <a:solidFill>
+                <a:schemeClr val="accent1">
+                  <a:alpha val="70000"/>
+                </a:schemeClr>
+              </a:solidFill>
+            </a:ln>
+          </p:spPr>
+          <p:style>
+            <a:lnRef idx="2">
+              <a:schemeClr val="accent1"/>
+            </a:lnRef>
+            <a:fillRef idx="0">
+              <a:schemeClr val="accent1"/>
+            </a:fillRef>
+            <a:effectRef idx="1">
+              <a:schemeClr val="accent1"/>
+            </a:effectRef>
+            <a:fontRef idx="minor">
+              <a:schemeClr val="tx1"/>
+            </a:fontRef>
+          </p:style>
+        </p:cxnSp>
+        <p:sp>
+          <p:nvSpPr>
+            <p:cNvPr id="21" name="Rectangle 23"/>
+            <p:cNvSpPr/>
+            <p:nvPr/>
+          </p:nvSpPr>
+          <p:spPr>
+            <a:xfrm>
+              <a:off x="9181476" y="-8467"/>
+              <a:ext cx="3007349" cy="6866467"/>
+            </a:xfrm>
+            <a:custGeom>
+              <a:avLst/>
+              <a:gdLst/>
+              <a:ahLst/>
+              <a:cxnLst/>
+              <a:rect l="l" t="t" r="r" b="b"/>
+              <a:pathLst>
+                <a:path w="3007349" h="6866467">
+                  <a:moveTo>
+                    <a:pt x="2045532" y="0"/>
+                  </a:moveTo>
+                  <a:lnTo>
+                    <a:pt x="3007349" y="0"/>
+                  </a:lnTo>
+                  <a:lnTo>
+                    <a:pt x="3007349" y="6866467"/>
+                  </a:lnTo>
+                  <a:lnTo>
+                    <a:pt x="0" y="6866467"/>
+                  </a:lnTo>
+                  <a:lnTo>
+                    <a:pt x="2045532" y="0"/>
+                  </a:lnTo>
+                  <a:close/>
+                </a:path>
+              </a:pathLst>
+            </a:custGeom>
+            <a:solidFill>
+              <a:schemeClr val="accent1">
+                <a:alpha val="36000"/>
+              </a:schemeClr>
+            </a:solidFill>
+            <a:ln>
+              <a:noFill/>
+            </a:ln>
+            <a:effectLst/>
+          </p:spPr>
+          <p:style>
+            <a:lnRef idx="1">
+              <a:schemeClr val="accent1"/>
+            </a:lnRef>
+            <a:fillRef idx="3">
+              <a:schemeClr val="accent1"/>
+            </a:fillRef>
+            <a:effectRef idx="2">
+              <a:schemeClr val="accent1"/>
+            </a:effectRef>
+            <a:fontRef idx="minor">
+              <a:schemeClr val="lt1"/>
+            </a:fontRef>
+          </p:style>
+        </p:sp>
+        <p:sp>
+          <p:nvSpPr>
+            <p:cNvPr id="22" name="Rectangle 25"/>
+            <p:cNvSpPr/>
+            <p:nvPr/>
+          </p:nvSpPr>
+          <p:spPr>
+            <a:xfrm>
+              <a:off x="9603442" y="-8467"/>
+              <a:ext cx="2588558" cy="6866467"/>
+            </a:xfrm>
+            <a:custGeom>
+              <a:avLst/>
+              <a:gdLst/>
+              <a:ahLst/>
+              <a:cxnLst/>
+              <a:rect l="l" t="t" r="r" b="b"/>
+              <a:pathLst>
+                <a:path w="2573311" h="6866467">
+                  <a:moveTo>
+                    <a:pt x="0" y="0"/>
+                  </a:moveTo>
+                  <a:lnTo>
+                    <a:pt x="2573311" y="0"/>
+                  </a:lnTo>
+                  <a:lnTo>
+                    <a:pt x="2573311" y="6866467"/>
+                  </a:lnTo>
+                  <a:lnTo>
+                    <a:pt x="1202336" y="6866467"/>
+                  </a:lnTo>
+                  <a:lnTo>
+                    <a:pt x="0" y="0"/>
+                  </a:lnTo>
+                  <a:close/>
+                </a:path>
+              </a:pathLst>
+            </a:custGeom>
+            <a:solidFill>
+              <a:schemeClr val="accent1">
+                <a:alpha val="20000"/>
+              </a:schemeClr>
+            </a:solidFill>
+            <a:ln>
+              <a:noFill/>
+            </a:ln>
+            <a:effectLst/>
+          </p:spPr>
+          <p:style>
+            <a:lnRef idx="1">
+              <a:schemeClr val="accent1"/>
+            </a:lnRef>
+            <a:fillRef idx="3">
+              <a:schemeClr val="accent1"/>
+            </a:fillRef>
+            <a:effectRef idx="2">
+              <a:schemeClr val="accent1"/>
+            </a:effectRef>
+            <a:fontRef idx="minor">
+              <a:schemeClr val="lt1"/>
+            </a:fontRef>
+          </p:style>
+        </p:sp>
+        <p:sp>
+          <p:nvSpPr>
+            <p:cNvPr id="23" name="Isosceles Triangle 22"/>
+            <p:cNvSpPr/>
+            <p:nvPr/>
+          </p:nvSpPr>
+          <p:spPr>
+            <a:xfrm>
+              <a:off x="8932333" y="3048000"/>
+              <a:ext cx="3259667" cy="3810000"/>
+            </a:xfrm>
+            <a:prstGeom prst="triangle">
+              <a:avLst>
+                <a:gd name="adj" fmla="val 100000"/>
+              </a:avLst>
+            </a:prstGeom>
+            <a:solidFill>
+              <a:schemeClr val="accent1">
+                <a:alpha val="72000"/>
+              </a:schemeClr>
+            </a:solidFill>
+            <a:ln>
+              <a:noFill/>
+            </a:ln>
+            <a:effectLst/>
+          </p:spPr>
+          <p:style>
+            <a:lnRef idx="1">
+              <a:schemeClr val="accent1"/>
+            </a:lnRef>
+            <a:fillRef idx="3">
+              <a:schemeClr val="accent1"/>
+            </a:fillRef>
+            <a:effectRef idx="2">
+              <a:schemeClr val="accent1"/>
+            </a:effectRef>
+            <a:fontRef idx="minor">
+              <a:schemeClr val="lt1"/>
+            </a:fontRef>
+          </p:style>
+        </p:sp>
+        <p:sp>
+          <p:nvSpPr>
+            <p:cNvPr id="24" name="Rectangle 27"/>
+            <p:cNvSpPr/>
+            <p:nvPr/>
+          </p:nvSpPr>
+          <p:spPr>
+            <a:xfrm>
+              <a:off x="9334500" y="-8467"/>
+              <a:ext cx="2854326" cy="6866467"/>
+            </a:xfrm>
+            <a:custGeom>
+              <a:avLst/>
+              <a:gdLst/>
+              <a:ahLst/>
+              <a:cxnLst/>
+              <a:rect l="l" t="t" r="r" b="b"/>
+              <a:pathLst>
+                <a:path w="2858013" h="6866467">
+                  <a:moveTo>
+                    <a:pt x="0" y="0"/>
+                  </a:moveTo>
+                  <a:lnTo>
+                    <a:pt x="2858013" y="0"/>
+                  </a:lnTo>
+                  <a:lnTo>
+                    <a:pt x="2858013" y="6866467"/>
+                  </a:lnTo>
+                  <a:lnTo>
+                    <a:pt x="2473942" y="6866467"/>
+                  </a:lnTo>
+                  <a:lnTo>
+                    <a:pt x="0" y="0"/>
+                  </a:lnTo>
+                  <a:close/>
+                </a:path>
+              </a:pathLst>
+            </a:custGeom>
+            <a:solidFill>
+              <a:schemeClr val="accent1">
+                <a:lumMod val="75000"/>
+                <a:alpha val="50000"/>
+              </a:schemeClr>
+            </a:solidFill>
+            <a:ln>
+              <a:noFill/>
+            </a:ln>
+            <a:effectLst/>
+          </p:spPr>
+          <p:style>
+            <a:lnRef idx="1">
+              <a:schemeClr val="accent1"/>
+            </a:lnRef>
+            <a:fillRef idx="3">
+              <a:schemeClr val="accent1"/>
+            </a:fillRef>
+            <a:effectRef idx="2">
+              <a:schemeClr val="accent1"/>
+            </a:effectRef>
+            <a:fontRef idx="minor">
+              <a:schemeClr val="lt1"/>
+            </a:fontRef>
+          </p:style>
+        </p:sp>
+        <p:sp>
+          <p:nvSpPr>
+            <p:cNvPr id="25" name="Rectangle 28"/>
+            <p:cNvSpPr/>
+            <p:nvPr/>
+          </p:nvSpPr>
+          <p:spPr>
+            <a:xfrm>
+              <a:off x="10898730" y="-8467"/>
+              <a:ext cx="1290094" cy="6866467"/>
+            </a:xfrm>
+            <a:custGeom>
+              <a:avLst/>
+              <a:gdLst/>
+              <a:ahLst/>
+              <a:cxnLst/>
+              <a:rect l="l" t="t" r="r" b="b"/>
+              <a:pathLst>
+                <a:path w="1290094" h="6858000">
+                  <a:moveTo>
+                    <a:pt x="1019735" y="0"/>
+                  </a:moveTo>
+                  <a:lnTo>
+                    <a:pt x="1290094" y="0"/>
+                  </a:lnTo>
+                  <a:lnTo>
+                    <a:pt x="1290094" y="6858000"/>
+                  </a:lnTo>
+                  <a:lnTo>
+                    <a:pt x="0" y="6858000"/>
+                  </a:lnTo>
+                  <a:lnTo>
+                    <a:pt x="1019735" y="0"/>
+                  </a:lnTo>
+                  <a:close/>
+                </a:path>
+              </a:pathLst>
+            </a:custGeom>
+            <a:solidFill>
+              <a:schemeClr val="accent1">
+                <a:lumMod val="75000"/>
+                <a:alpha val="70000"/>
+              </a:schemeClr>
+            </a:solidFill>
+            <a:ln>
+              <a:noFill/>
+            </a:ln>
+            <a:effectLst/>
+          </p:spPr>
+          <p:style>
+            <a:lnRef idx="1">
+              <a:schemeClr val="accent1"/>
+            </a:lnRef>
+            <a:fillRef idx="3">
+              <a:schemeClr val="accent1"/>
+            </a:fillRef>
+            <a:effectRef idx="2">
+              <a:schemeClr val="accent1"/>
+            </a:effectRef>
+            <a:fontRef idx="minor">
+              <a:schemeClr val="lt1"/>
+            </a:fontRef>
+          </p:style>
+        </p:sp>
+        <p:sp>
+          <p:nvSpPr>
+            <p:cNvPr id="26" name="Rectangle 29"/>
+            <p:cNvSpPr/>
+            <p:nvPr/>
+          </p:nvSpPr>
+          <p:spPr>
+            <a:xfrm>
+              <a:off x="10938999" y="-8467"/>
+              <a:ext cx="1249825" cy="6866467"/>
+            </a:xfrm>
+            <a:custGeom>
+              <a:avLst/>
+              <a:gdLst/>
+              <a:ahLst/>
+              <a:cxnLst/>
+              <a:rect l="l" t="t" r="r" b="b"/>
+              <a:pathLst>
+                <a:path w="1249825" h="6858000">
+                  <a:moveTo>
+                    <a:pt x="0" y="0"/>
+                  </a:moveTo>
+                  <a:lnTo>
+                    <a:pt x="1249825" y="0"/>
+                  </a:lnTo>
+                  <a:lnTo>
+                    <a:pt x="1249825" y="6858000"/>
+                  </a:lnTo>
+                  <a:lnTo>
+                    <a:pt x="1109382" y="6858000"/>
+                  </a:lnTo>
+                  <a:lnTo>
+                    <a:pt x="0" y="0"/>
+                  </a:lnTo>
+                  <a:close/>
+                </a:path>
+              </a:pathLst>
+            </a:custGeom>
+            <a:solidFill>
+              <a:schemeClr val="accent1">
+                <a:lumMod val="50000"/>
+                <a:alpha val="80000"/>
+              </a:schemeClr>
+            </a:solidFill>
+            <a:ln>
+              <a:noFill/>
+            </a:ln>
+            <a:effectLst/>
+          </p:spPr>
+          <p:style>
+            <a:lnRef idx="1">
+              <a:schemeClr val="accent1"/>
+            </a:lnRef>
+            <a:fillRef idx="3">
+              <a:schemeClr val="accent1"/>
+            </a:fillRef>
+            <a:effectRef idx="2">
+              <a:schemeClr val="accent1"/>
+            </a:effectRef>
+            <a:fontRef idx="minor">
+              <a:schemeClr val="lt1"/>
+            </a:fontRef>
+          </p:style>
+        </p:sp>
+        <p:sp>
+          <p:nvSpPr>
+            <p:cNvPr id="27" name="Isosceles Triangle 26"/>
+            <p:cNvSpPr/>
+            <p:nvPr/>
+          </p:nvSpPr>
+          <p:spPr>
+            <a:xfrm>
+              <a:off x="10371666" y="3589867"/>
+              <a:ext cx="1817159" cy="3268133"/>
+            </a:xfrm>
+            <a:prstGeom prst="triangle">
+              <a:avLst>
+                <a:gd name="adj" fmla="val 100000"/>
+              </a:avLst>
+            </a:prstGeom>
+            <a:solidFill>
+              <a:schemeClr val="accent1">
+                <a:lumMod val="50000"/>
+                <a:alpha val="66000"/>
+              </a:schemeClr>
+            </a:solidFill>
+            <a:ln>
+              <a:noFill/>
+            </a:ln>
+            <a:effectLst/>
+          </p:spPr>
+          <p:style>
+            <a:lnRef idx="1">
+              <a:schemeClr val="accent1"/>
+            </a:lnRef>
+            <a:fillRef idx="3">
+              <a:schemeClr val="accent1"/>
+            </a:fillRef>
+            <a:effectRef idx="2">
+              <a:schemeClr val="accent1"/>
+            </a:effectRef>
+            <a:fontRef idx="minor">
+              <a:schemeClr val="lt1"/>
+            </a:fontRef>
+          </p:style>
+        </p:sp>
+        <p:sp>
+          <p:nvSpPr>
+            <p:cNvPr id="28" name="Isosceles Triangle 27"/>
+            <p:cNvSpPr/>
+            <p:nvPr/>
+          </p:nvSpPr>
+          <p:spPr>
+            <a:xfrm>
+              <a:off x="0" y="4013200"/>
+              <a:ext cx="448733" cy="2844800"/>
+            </a:xfrm>
+            <a:prstGeom prst="triangle">
+              <a:avLst>
+                <a:gd name="adj" fmla="val 0"/>
+              </a:avLst>
+            </a:prstGeom>
+            <a:solidFill>
+              <a:schemeClr val="accent1">
+                <a:lumMod val="75000"/>
+                <a:alpha val="70000"/>
+              </a:schemeClr>
+            </a:solidFill>
+            <a:ln>
+              <a:noFill/>
+            </a:ln>
+            <a:effectLst/>
+          </p:spPr>
+          <p:style>
+            <a:lnRef idx="1">
+              <a:schemeClr val="accent1"/>
+            </a:lnRef>
+            <a:fillRef idx="3">
+              <a:schemeClr val="accent1"/>
+            </a:fillRef>
+            <a:effectRef idx="2">
+              <a:schemeClr val="accent1"/>
+            </a:effectRef>
+            <a:fontRef idx="minor">
+              <a:schemeClr val="lt1"/>
+            </a:fontRef>
+          </p:style>
+        </p:sp>
+      </p:grpSp>
+      <p:sp>
+        <p:nvSpPr>
+          <p:cNvPr id="2" name="Title Placeholder 1"/>
+          <p:cNvSpPr>
+            <a:spLocks noGrp="1"/>
+          </p:cNvSpPr>
+          <p:nvPr>
+            <p:ph type="title"/>
+          </p:nvPr>
         </p:nvSpPr>
         <p:spPr>
           <a:xfrm>
-            <a:off x="0" y="0"/>
-            <a:ext cx="12192000" cy="6858000"/>
-          </a:xfrm>
-          <a:prstGeom prst="rect">
-            <a:avLst/>
-          </a:prstGeom>
-          <a:ln>
-            <a:noFill/>
-          </a:ln>
-        </p:spPr>
-        <p:style>
-          <a:lnRef idx="2">
-            <a:schemeClr val="accent1">
-              <a:shade val="50000"/>
-            </a:schemeClr>
-          </a:lnRef>
-          <a:fillRef idx="1">
-            <a:schemeClr val="accent1"/>
-          </a:fillRef>
-          <a:effectRef idx="0">
-            <a:schemeClr val="accent1"/>
-          </a:effectRef>
-          <a:fontRef idx="minor">
-            <a:schemeClr val="lt1"/>
-          </a:fontRef>
-        </p:style>
-        <p:txBody>
-          <a:bodyPr rtlCol="0" anchor="ctr"/>
-          <a:lstStyle/>
-          <a:p>
-            <a:pPr algn="ctr"/>
-            <a:endParaRPr lang="en-US"/>
-          </a:p>
-        </p:txBody>
-      </p:sp>
-      <p:sp>
-        <p:nvSpPr>
-          <p:cNvPr id="7" name="Rectangle 6"/>
-          <p:cNvSpPr/>
-          <p:nvPr/>
-        </p:nvSpPr>
-        <p:spPr>
-          <a:xfrm>
-            <a:off x="234696" y="237744"/>
-            <a:ext cx="11722608" cy="6382512"/>
-          </a:xfrm>
-          <a:prstGeom prst="rect">
-            <a:avLst/>
-          </a:prstGeom>
-          <a:solidFill>
-            <a:schemeClr val="bg1">
-              <a:lumMod val="75000"/>
-              <a:alpha val="60000"/>
-            </a:schemeClr>
-          </a:solidFill>
-          <a:ln w="6350" cap="flat" cmpd="sng" algn="ctr">
-            <a:noFill/>
-            <a:prstDash val="solid"/>
-          </a:ln>
-          <a:effectLst>
-            <a:softEdge rad="0"/>
-          </a:effectLst>
-        </p:spPr>
-      </p:sp>
-      <p:sp>
-        <p:nvSpPr>
-          <p:cNvPr id="8" name="Rectangle 7"/>
-          <p:cNvSpPr/>
-          <p:nvPr/>
-        </p:nvSpPr>
-        <p:spPr>
-          <a:xfrm>
-            <a:off x="371856" y="374904"/>
-            <a:ext cx="11448288" cy="6108192"/>
-          </a:xfrm>
-          <a:prstGeom prst="rect">
-            <a:avLst/>
-          </a:prstGeom>
-          <a:noFill/>
-          <a:ln w="6350" cap="sq" cmpd="sng" algn="ctr">
-            <a:solidFill>
-              <a:schemeClr val="tx1">
-                <a:lumMod val="85000"/>
-                <a:lumOff val="15000"/>
-              </a:schemeClr>
-            </a:solidFill>
-            <a:prstDash val="solid"/>
-            <a:miter lim="800000"/>
-          </a:ln>
-          <a:effectLst/>
-        </p:spPr>
-      </p:sp>
-      <p:sp>
-        <p:nvSpPr>
-          <p:cNvPr id="2" name="Title Placeholder 1"/>
-          <p:cNvSpPr>
-            <a:spLocks noGrp="1"/>
-          </p:cNvSpPr>
-          <p:nvPr>
-            <p:ph type="title"/>
-          </p:nvPr>
-        </p:nvSpPr>
-        <p:spPr>
-          <a:xfrm>
-            <a:off x="1066800" y="642594"/>
-            <a:ext cx="10058400" cy="1371600"/>
+            <a:off x="677334" y="609600"/>
+            <a:ext cx="8596668" cy="1320800"/>
           </a:xfrm>
           <a:prstGeom prst="rect">
             <a:avLst/>
           </a:prstGeom>
         </p:spPr>
         <p:txBody>
-          <a:bodyPr vert="horz" lIns="91440" tIns="45720" rIns="91440" bIns="45720" rtlCol="0" anchor="ctr">
+          <a:bodyPr vert="horz" lIns="91440" tIns="45720" rIns="91440" bIns="45720" rtlCol="0" anchor="t">
             <a:normAutofit/>
           </a:bodyPr>
           <a:lstStyle/>
@@ -3864,8 +5262,8 @@
         </p:nvSpPr>
         <p:spPr>
           <a:xfrm>
-            <a:off x="1066800" y="2103120"/>
-            <a:ext cx="10058400" cy="3849624"/>
+            <a:off x="677334" y="2160589"/>
+            <a:ext cx="8596668" cy="3880773"/>
           </a:xfrm>
           <a:prstGeom prst="rect">
             <a:avLst/>
@@ -3926,22 +5324,21 @@
         </p:nvSpPr>
         <p:spPr>
           <a:xfrm>
-            <a:off x="7256794" y="6035040"/>
-            <a:ext cx="2893045" cy="365760"/>
+            <a:off x="7205133" y="6041362"/>
+            <a:ext cx="911939" cy="365125"/>
           </a:xfrm>
           <a:prstGeom prst="rect">
             <a:avLst/>
           </a:prstGeom>
         </p:spPr>
         <p:txBody>
-          <a:bodyPr vert="horz" lIns="91440" tIns="45720" rIns="91440" bIns="45720" rtlCol="0" anchor="b"/>
+          <a:bodyPr vert="horz" lIns="91440" tIns="45720" rIns="91440" bIns="45720" rtlCol="0" anchor="ctr"/>
           <a:lstStyle>
             <a:lvl1pPr algn="r">
-              <a:defRPr sz="1000">
+              <a:defRPr sz="900">
                 <a:solidFill>
                   <a:schemeClr val="tx1">
-                    <a:lumMod val="75000"/>
-                    <a:lumOff val="25000"/>
+                    <a:tint val="75000"/>
                   </a:schemeClr>
                 </a:solidFill>
               </a:defRPr>
@@ -3968,22 +5365,21 @@
         </p:nvSpPr>
         <p:spPr>
           <a:xfrm>
-            <a:off x="1066800" y="6035040"/>
-            <a:ext cx="5816600" cy="365760"/>
+            <a:off x="677334" y="6041362"/>
+            <a:ext cx="6297612" cy="365125"/>
           </a:xfrm>
           <a:prstGeom prst="rect">
             <a:avLst/>
           </a:prstGeom>
         </p:spPr>
         <p:txBody>
-          <a:bodyPr vert="horz" lIns="91440" tIns="45720" rIns="91440" bIns="45720" rtlCol="0" anchor="b"/>
+          <a:bodyPr vert="horz" lIns="91440" tIns="45720" rIns="91440" bIns="45720" rtlCol="0" anchor="ctr"/>
           <a:lstStyle>
             <a:lvl1pPr algn="l">
-              <a:defRPr sz="1000">
+              <a:defRPr sz="900">
                 <a:solidFill>
                   <a:schemeClr val="tx1">
-                    <a:lumMod val="85000"/>
-                    <a:lumOff val="15000"/>
+                    <a:tint val="75000"/>
                   </a:schemeClr>
                 </a:solidFill>
               </a:defRPr>
@@ -4006,22 +5402,21 @@
         </p:nvSpPr>
         <p:spPr>
           <a:xfrm>
-            <a:off x="10287000" y="6035040"/>
-            <a:ext cx="838200" cy="365760"/>
+            <a:off x="8590663" y="6041362"/>
+            <a:ext cx="683339" cy="365125"/>
           </a:xfrm>
           <a:prstGeom prst="rect">
             <a:avLst/>
           </a:prstGeom>
         </p:spPr>
         <p:txBody>
-          <a:bodyPr vert="horz" lIns="91440" tIns="45720" rIns="91440" bIns="45720" rtlCol="0" anchor="b"/>
+          <a:bodyPr vert="horz" lIns="91440" tIns="45720" rIns="91440" bIns="45720" rtlCol="0" anchor="ctr"/>
           <a:lstStyle>
             <a:lvl1pPr algn="r">
-              <a:defRPr sz="1000">
+              <a:defRPr sz="900">
                 <a:solidFill>
-                  <a:schemeClr val="tx1">
+                  <a:schemeClr val="accent1">
                     <a:lumMod val="75000"/>
-                    <a:lumOff val="25000"/>
                   </a:schemeClr>
                 </a:solidFill>
               </a:defRPr>
@@ -4039,263 +5434,343 @@
     </p:spTree>
     <p:extLst>
       <p:ext uri="{BB962C8B-B14F-4D97-AF65-F5344CB8AC3E}">
-        <p14:creationId xmlns:p14="http://schemas.microsoft.com/office/powerpoint/2010/main" val="1320578080"/>
+        <p14:creationId xmlns:p14="http://schemas.microsoft.com/office/powerpoint/2010/main" val="4179946202"/>
       </p:ext>
     </p:extLst>
   </p:cSld>
   <p:clrMap bg1="lt1" tx1="dk1" bg2="lt2" tx2="dk2" accent1="accent1" accent2="accent2" accent3="accent3" accent4="accent4" accent5="accent5" accent6="accent6" hlink="hlink" folHlink="folHlink"/>
   <p:sldLayoutIdLst>
-    <p:sldLayoutId id="2147483686" r:id="rId1"/>
-    <p:sldLayoutId id="2147483687" r:id="rId2"/>
-    <p:sldLayoutId id="2147483688" r:id="rId3"/>
-    <p:sldLayoutId id="2147483689" r:id="rId4"/>
-    <p:sldLayoutId id="2147483684" r:id="rId5"/>
-    <p:sldLayoutId id="2147483690" r:id="rId6"/>
-    <p:sldLayoutId id="2147483691" r:id="rId7"/>
-    <p:sldLayoutId id="2147483681" r:id="rId8"/>
-    <p:sldLayoutId id="2147483682" r:id="rId9"/>
-    <p:sldLayoutId id="2147483683" r:id="rId10"/>
-    <p:sldLayoutId id="2147483685" r:id="rId11"/>
+    <p:sldLayoutId id="2147483711" r:id="rId1"/>
+    <p:sldLayoutId id="2147483712" r:id="rId2"/>
+    <p:sldLayoutId id="2147483713" r:id="rId3"/>
+    <p:sldLayoutId id="2147483714" r:id="rId4"/>
+    <p:sldLayoutId id="2147483715" r:id="rId5"/>
+    <p:sldLayoutId id="2147483716" r:id="rId6"/>
+    <p:sldLayoutId id="2147483717" r:id="rId7"/>
+    <p:sldLayoutId id="2147483718" r:id="rId8"/>
+    <p:sldLayoutId id="2147483719" r:id="rId9"/>
+    <p:sldLayoutId id="2147483720" r:id="rId10"/>
+    <p:sldLayoutId id="2147483721" r:id="rId11"/>
+    <p:sldLayoutId id="2147483722" r:id="rId12"/>
+    <p:sldLayoutId id="2147483723" r:id="rId13"/>
+    <p:sldLayoutId id="2147483724" r:id="rId14"/>
+    <p:sldLayoutId id="2147483725" r:id="rId15"/>
+    <p:sldLayoutId id="2147483726" r:id="rId16"/>
   </p:sldLayoutIdLst>
   <p:hf sldNum="0" hdr="0" ftr="0" dt="0"/>
   <p:txStyles>
     <p:titleStyle>
-      <a:lvl1pPr algn="l" defTabSz="914400" rtl="0" eaLnBrk="1" latinLnBrk="0" hangingPunct="1">
-        <a:lnSpc>
-          <a:spcPct val="90000"/>
-        </a:lnSpc>
+      <a:lvl1pPr algn="l" defTabSz="457200" rtl="0" eaLnBrk="1" latinLnBrk="0" hangingPunct="1">
         <a:spcBef>
           <a:spcPct val="0"/>
         </a:spcBef>
         <a:buNone/>
-        <a:defRPr lang="en-US" sz="3600" i="0" kern="1200" cap="none" spc="-70" baseline="0" dirty="0">
+        <a:defRPr sz="3600" kern="1200">
           <a:solidFill>
-            <a:schemeClr val="tx1">
-              <a:lumMod val="85000"/>
-              <a:lumOff val="15000"/>
+            <a:schemeClr val="accent1">
+              <a:lumMod val="75000"/>
             </a:schemeClr>
           </a:solidFill>
-          <a:effectLst/>
           <a:latin typeface="+mj-lt"/>
-          <a:ea typeface="+mn-ea"/>
-          <a:cs typeface="+mn-cs"/>
+          <a:ea typeface="+mj-ea"/>
+          <a:cs typeface="+mj-cs"/>
         </a:defRPr>
       </a:lvl1pPr>
+      <a:lvl2pPr eaLnBrk="1" hangingPunct="1">
+        <a:defRPr>
+          <a:solidFill>
+            <a:schemeClr val="tx2"/>
+          </a:solidFill>
+        </a:defRPr>
+      </a:lvl2pPr>
+      <a:lvl3pPr eaLnBrk="1" hangingPunct="1">
+        <a:defRPr>
+          <a:solidFill>
+            <a:schemeClr val="tx2"/>
+          </a:solidFill>
+        </a:defRPr>
+      </a:lvl3pPr>
+      <a:lvl4pPr eaLnBrk="1" hangingPunct="1">
+        <a:defRPr>
+          <a:solidFill>
+            <a:schemeClr val="tx2"/>
+          </a:solidFill>
+        </a:defRPr>
+      </a:lvl4pPr>
+      <a:lvl5pPr eaLnBrk="1" hangingPunct="1">
+        <a:defRPr>
+          <a:solidFill>
+            <a:schemeClr val="tx2"/>
+          </a:solidFill>
+        </a:defRPr>
+      </a:lvl5pPr>
+      <a:lvl6pPr eaLnBrk="1" hangingPunct="1">
+        <a:defRPr>
+          <a:solidFill>
+            <a:schemeClr val="tx2"/>
+          </a:solidFill>
+        </a:defRPr>
+      </a:lvl6pPr>
+      <a:lvl7pPr eaLnBrk="1" hangingPunct="1">
+        <a:defRPr>
+          <a:solidFill>
+            <a:schemeClr val="tx2"/>
+          </a:solidFill>
+        </a:defRPr>
+      </a:lvl7pPr>
+      <a:lvl8pPr eaLnBrk="1" hangingPunct="1">
+        <a:defRPr>
+          <a:solidFill>
+            <a:schemeClr val="tx2"/>
+          </a:solidFill>
+        </a:defRPr>
+      </a:lvl8pPr>
+      <a:lvl9pPr eaLnBrk="1" hangingPunct="1">
+        <a:defRPr>
+          <a:solidFill>
+            <a:schemeClr val="tx2"/>
+          </a:solidFill>
+        </a:defRPr>
+      </a:lvl9pPr>
     </p:titleStyle>
     <p:bodyStyle>
-      <a:lvl1pPr marL="182880" indent="-182880" algn="l" defTabSz="914400" rtl="0" eaLnBrk="1" latinLnBrk="0" hangingPunct="1">
-        <a:lnSpc>
-          <a:spcPct val="100000"/>
-        </a:lnSpc>
+      <a:lvl1pPr marL="342900" indent="-342900" algn="l" defTabSz="457200" rtl="0" eaLnBrk="1" latinLnBrk="0" hangingPunct="1">
         <a:spcBef>
-          <a:spcPts val="900"/>
+          <a:spcPts val="1000"/>
         </a:spcBef>
         <a:spcAft>
           <a:spcPts val="0"/>
         </a:spcAft>
         <a:buClr>
-          <a:schemeClr val="tx1">
-            <a:lumMod val="85000"/>
-            <a:lumOff val="15000"/>
+          <a:schemeClr val="accent1">
+            <a:lumMod val="75000"/>
           </a:schemeClr>
         </a:buClr>
-        <a:buFont typeface="Garamond" pitchFamily="18" charset="0"/>
-        <a:buChar char="◦"/>
+        <a:buSzPct val="80000"/>
+        <a:buFont typeface="Wingdings 3" charset="2"/>
+        <a:buChar char=""/>
         <a:defRPr sz="1800" kern="1200">
           <a:solidFill>
-            <a:schemeClr val="tx1"/>
+            <a:schemeClr val="tx1">
+              <a:lumMod val="75000"/>
+              <a:lumOff val="25000"/>
+            </a:schemeClr>
           </a:solidFill>
           <a:latin typeface="+mn-lt"/>
           <a:ea typeface="+mn-ea"/>
           <a:cs typeface="+mn-cs"/>
         </a:defRPr>
       </a:lvl1pPr>
-      <a:lvl2pPr marL="457200" indent="-182880" algn="l" defTabSz="914400" rtl="0" eaLnBrk="1" latinLnBrk="0" hangingPunct="1">
-        <a:lnSpc>
-          <a:spcPct val="100000"/>
-        </a:lnSpc>
+      <a:lvl2pPr marL="742950" indent="-285750" algn="l" defTabSz="457200" rtl="0" eaLnBrk="1" latinLnBrk="0" hangingPunct="1">
         <a:spcBef>
-          <a:spcPts val="500"/>
+          <a:spcPts val="1000"/>
         </a:spcBef>
+        <a:spcAft>
+          <a:spcPts val="0"/>
+        </a:spcAft>
         <a:buClr>
-          <a:schemeClr val="tx1">
-            <a:lumMod val="85000"/>
-            <a:lumOff val="15000"/>
+          <a:schemeClr val="accent1">
+            <a:lumMod val="75000"/>
           </a:schemeClr>
         </a:buClr>
-        <a:buFont typeface="Garamond" pitchFamily="18" charset="0"/>
-        <a:buChar char="◦"/>
+        <a:buSzPct val="80000"/>
+        <a:buFont typeface="Wingdings 3" charset="2"/>
+        <a:buChar char=""/>
         <a:defRPr sz="1600" kern="1200">
           <a:solidFill>
-            <a:schemeClr val="tx1"/>
+            <a:schemeClr val="tx1">
+              <a:lumMod val="75000"/>
+              <a:lumOff val="25000"/>
+            </a:schemeClr>
           </a:solidFill>
           <a:latin typeface="+mn-lt"/>
           <a:ea typeface="+mn-ea"/>
           <a:cs typeface="+mn-cs"/>
         </a:defRPr>
       </a:lvl2pPr>
-      <a:lvl3pPr marL="731520" indent="-182880" algn="l" defTabSz="914400" rtl="0" eaLnBrk="1" latinLnBrk="0" hangingPunct="1">
-        <a:lnSpc>
-          <a:spcPct val="100000"/>
-        </a:lnSpc>
+      <a:lvl3pPr marL="1143000" indent="-228600" algn="l" defTabSz="457200" rtl="0" eaLnBrk="1" latinLnBrk="0" hangingPunct="1">
         <a:spcBef>
-          <a:spcPts val="500"/>
+          <a:spcPts val="1000"/>
         </a:spcBef>
+        <a:spcAft>
+          <a:spcPts val="0"/>
+        </a:spcAft>
         <a:buClr>
-          <a:schemeClr val="tx1">
-            <a:lumMod val="85000"/>
-            <a:lumOff val="15000"/>
+          <a:schemeClr val="accent1">
+            <a:lumMod val="75000"/>
           </a:schemeClr>
         </a:buClr>
-        <a:buFont typeface="Garamond" pitchFamily="18" charset="0"/>
-        <a:buChar char="◦"/>
+        <a:buSzPct val="80000"/>
+        <a:buFont typeface="Wingdings 3" charset="2"/>
+        <a:buChar char=""/>
         <a:defRPr sz="1400" kern="1200">
           <a:solidFill>
-            <a:schemeClr val="tx1"/>
+            <a:schemeClr val="tx1">
+              <a:lumMod val="75000"/>
+              <a:lumOff val="25000"/>
+            </a:schemeClr>
           </a:solidFill>
           <a:latin typeface="+mn-lt"/>
           <a:ea typeface="+mn-ea"/>
           <a:cs typeface="+mn-cs"/>
         </a:defRPr>
       </a:lvl3pPr>
-      <a:lvl4pPr marL="1005840" indent="-182880" algn="l" defTabSz="914400" rtl="0" eaLnBrk="1" latinLnBrk="0" hangingPunct="1">
-        <a:lnSpc>
-          <a:spcPct val="100000"/>
-        </a:lnSpc>
+      <a:lvl4pPr marL="1600200" indent="-228600" algn="l" defTabSz="457200" rtl="0" eaLnBrk="1" latinLnBrk="0" hangingPunct="1">
         <a:spcBef>
-          <a:spcPts val="500"/>
+          <a:spcPts val="1000"/>
         </a:spcBef>
+        <a:spcAft>
+          <a:spcPts val="0"/>
+        </a:spcAft>
         <a:buClr>
-          <a:schemeClr val="tx1">
-            <a:lumMod val="85000"/>
-            <a:lumOff val="15000"/>
+          <a:schemeClr val="accent1">
+            <a:lumMod val="75000"/>
           </a:schemeClr>
         </a:buClr>
-        <a:buFont typeface="Garamond" pitchFamily="18" charset="0"/>
-        <a:buChar char="◦"/>
-        <a:defRPr sz="1400" kern="1200">
+        <a:buSzPct val="80000"/>
+        <a:buFont typeface="Wingdings 3" charset="2"/>
+        <a:buChar char=""/>
+        <a:defRPr sz="1200" kern="1200">
           <a:solidFill>
-            <a:schemeClr val="tx1"/>
+            <a:schemeClr val="tx1">
+              <a:lumMod val="75000"/>
+              <a:lumOff val="25000"/>
+            </a:schemeClr>
           </a:solidFill>
           <a:latin typeface="+mn-lt"/>
           <a:ea typeface="+mn-ea"/>
           <a:cs typeface="+mn-cs"/>
         </a:defRPr>
       </a:lvl4pPr>
-      <a:lvl5pPr marL="1280160" indent="-182880" algn="l" defTabSz="914400" rtl="0" eaLnBrk="1" latinLnBrk="0" hangingPunct="1">
-        <a:lnSpc>
-          <a:spcPct val="100000"/>
-        </a:lnSpc>
+      <a:lvl5pPr marL="2057400" indent="-228600" algn="l" defTabSz="457200" rtl="0" eaLnBrk="1" latinLnBrk="0" hangingPunct="1">
         <a:spcBef>
-          <a:spcPts val="500"/>
+          <a:spcPts val="1000"/>
         </a:spcBef>
+        <a:spcAft>
+          <a:spcPts val="0"/>
+        </a:spcAft>
         <a:buClr>
-          <a:schemeClr val="tx1">
-            <a:lumMod val="85000"/>
-            <a:lumOff val="15000"/>
+          <a:schemeClr val="accent1">
+            <a:lumMod val="75000"/>
           </a:schemeClr>
         </a:buClr>
-        <a:buFont typeface="Garamond" pitchFamily="18" charset="0"/>
-        <a:buChar char="◦"/>
-        <a:defRPr sz="1400" kern="1200">
+        <a:buSzPct val="80000"/>
+        <a:buFont typeface="Wingdings 3" charset="2"/>
+        <a:buChar char=""/>
+        <a:defRPr sz="1200" kern="1200">
           <a:solidFill>
-            <a:schemeClr val="tx1"/>
+            <a:schemeClr val="tx1">
+              <a:lumMod val="75000"/>
+              <a:lumOff val="25000"/>
+            </a:schemeClr>
           </a:solidFill>
           <a:latin typeface="+mn-lt"/>
           <a:ea typeface="+mn-ea"/>
           <a:cs typeface="+mn-cs"/>
         </a:defRPr>
       </a:lvl5pPr>
-      <a:lvl6pPr marL="1600000" indent="-228600" algn="l" defTabSz="914400" rtl="0" eaLnBrk="1" latinLnBrk="0" hangingPunct="1">
-        <a:lnSpc>
-          <a:spcPct val="100000"/>
-        </a:lnSpc>
+      <a:lvl6pPr marL="2514600" indent="-228600" algn="l" defTabSz="457200" rtl="0" eaLnBrk="1" latinLnBrk="0" hangingPunct="1">
         <a:spcBef>
-          <a:spcPts val="500"/>
+          <a:spcPts val="1000"/>
         </a:spcBef>
+        <a:spcAft>
+          <a:spcPts val="0"/>
+        </a:spcAft>
         <a:buClr>
-          <a:schemeClr val="tx1">
-            <a:lumMod val="85000"/>
-            <a:lumOff val="15000"/>
+          <a:schemeClr val="accent1">
+            <a:lumMod val="75000"/>
           </a:schemeClr>
         </a:buClr>
-        <a:buFont typeface="Garamond" pitchFamily="18" charset="0"/>
-        <a:buChar char="◦"/>
-        <a:defRPr sz="1400" kern="1200">
+        <a:buSzPct val="80000"/>
+        <a:buFont typeface="Wingdings 3" charset="2"/>
+        <a:buChar char=""/>
+        <a:defRPr sz="1200" kern="1200">
           <a:solidFill>
-            <a:schemeClr val="tx1"/>
+            <a:schemeClr val="tx1">
+              <a:lumMod val="75000"/>
+              <a:lumOff val="25000"/>
+            </a:schemeClr>
           </a:solidFill>
           <a:latin typeface="+mn-lt"/>
           <a:ea typeface="+mn-ea"/>
           <a:cs typeface="+mn-cs"/>
         </a:defRPr>
       </a:lvl6pPr>
-      <a:lvl7pPr marL="1900000" indent="-228600" algn="l" defTabSz="914400" rtl="0" eaLnBrk="1" latinLnBrk="0" hangingPunct="1">
-        <a:lnSpc>
-          <a:spcPct val="100000"/>
-        </a:lnSpc>
+      <a:lvl7pPr marL="2971800" indent="-228600" algn="l" defTabSz="457200" rtl="0" eaLnBrk="1" latinLnBrk="0" hangingPunct="1">
         <a:spcBef>
-          <a:spcPts val="500"/>
+          <a:spcPts val="1000"/>
         </a:spcBef>
+        <a:spcAft>
+          <a:spcPts val="0"/>
+        </a:spcAft>
         <a:buClr>
-          <a:schemeClr val="tx1">
-            <a:lumMod val="85000"/>
-            <a:lumOff val="15000"/>
+          <a:schemeClr val="accent1">
+            <a:lumMod val="75000"/>
           </a:schemeClr>
         </a:buClr>
-        <a:buFont typeface="Garamond" pitchFamily="18" charset="0"/>
-        <a:buChar char="◦"/>
-        <a:defRPr sz="1400" kern="1200">
+        <a:buSzPct val="80000"/>
+        <a:buFont typeface="Wingdings 3" charset="2"/>
+        <a:buChar char=""/>
+        <a:defRPr sz="1200" kern="1200">
           <a:solidFill>
-            <a:schemeClr val="tx1"/>
+            <a:schemeClr val="tx1">
+              <a:lumMod val="75000"/>
+              <a:lumOff val="25000"/>
+            </a:schemeClr>
           </a:solidFill>
           <a:latin typeface="+mn-lt"/>
           <a:ea typeface="+mn-ea"/>
           <a:cs typeface="+mn-cs"/>
         </a:defRPr>
       </a:lvl7pPr>
-      <a:lvl8pPr marL="2200000" indent="-228600" algn="l" defTabSz="914400" rtl="0" eaLnBrk="1" latinLnBrk="0" hangingPunct="1">
-        <a:lnSpc>
-          <a:spcPct val="100000"/>
-        </a:lnSpc>
+      <a:lvl8pPr marL="3429000" indent="-228600" algn="l" defTabSz="457200" rtl="0" eaLnBrk="1" latinLnBrk="0" hangingPunct="1">
         <a:spcBef>
-          <a:spcPts val="500"/>
+          <a:spcPts val="1000"/>
         </a:spcBef>
+        <a:spcAft>
+          <a:spcPts val="0"/>
+        </a:spcAft>
         <a:buClr>
-          <a:schemeClr val="tx1">
-            <a:lumMod val="85000"/>
-            <a:lumOff val="15000"/>
+          <a:schemeClr val="accent1">
+            <a:lumMod val="75000"/>
           </a:schemeClr>
         </a:buClr>
-        <a:buFont typeface="Garamond" pitchFamily="18" charset="0"/>
-        <a:buChar char="◦"/>
-        <a:defRPr sz="1400" kern="1200">
+        <a:buSzPct val="80000"/>
+        <a:buFont typeface="Wingdings 3" charset="2"/>
+        <a:buChar char=""/>
+        <a:defRPr sz="1200" kern="1200">
           <a:solidFill>
-            <a:schemeClr val="tx1"/>
+            <a:schemeClr val="tx1">
+              <a:lumMod val="75000"/>
+              <a:lumOff val="25000"/>
+            </a:schemeClr>
           </a:solidFill>
           <a:latin typeface="+mn-lt"/>
           <a:ea typeface="+mn-ea"/>
           <a:cs typeface="+mn-cs"/>
         </a:defRPr>
       </a:lvl8pPr>
-      <a:lvl9pPr marL="2500000" indent="-228600" algn="l" defTabSz="914400" rtl="0" eaLnBrk="1" latinLnBrk="0" hangingPunct="1">
-        <a:lnSpc>
-          <a:spcPct val="100000"/>
-        </a:lnSpc>
+      <a:lvl9pPr marL="3886200" indent="-228600" algn="l" defTabSz="457200" rtl="0" eaLnBrk="1" latinLnBrk="0" hangingPunct="1">
         <a:spcBef>
-          <a:spcPts val="500"/>
+          <a:spcPts val="1000"/>
         </a:spcBef>
+        <a:spcAft>
+          <a:spcPts val="0"/>
+        </a:spcAft>
         <a:buClr>
-          <a:schemeClr val="tx1">
-            <a:lumMod val="85000"/>
-            <a:lumOff val="15000"/>
+          <a:schemeClr val="accent1">
+            <a:lumMod val="75000"/>
           </a:schemeClr>
         </a:buClr>
-        <a:buFont typeface="Garamond" pitchFamily="18" charset="0"/>
-        <a:buChar char="◦"/>
-        <a:defRPr sz="1400" kern="1200">
+        <a:buSzPct val="80000"/>
+        <a:buFont typeface="Wingdings 3" charset="2"/>
+        <a:buChar char=""/>
+        <a:defRPr sz="1200" kern="1200">
           <a:solidFill>
-            <a:schemeClr val="tx1"/>
+            <a:schemeClr val="tx1">
+              <a:lumMod val="75000"/>
+              <a:lumOff val="25000"/>
+            </a:schemeClr>
           </a:solidFill>
           <a:latin typeface="+mn-lt"/>
           <a:ea typeface="+mn-ea"/>
@@ -4307,7 +5782,7 @@
       <a:defPPr>
         <a:defRPr lang="en-US"/>
       </a:defPPr>
-      <a:lvl1pPr marL="0" algn="l" defTabSz="914400" rtl="0" eaLnBrk="1" latinLnBrk="0" hangingPunct="1">
+      <a:lvl1pPr marL="0" algn="l" defTabSz="457200" rtl="0" eaLnBrk="1" latinLnBrk="0" hangingPunct="1">
         <a:defRPr sz="1800" kern="1200">
           <a:solidFill>
             <a:schemeClr val="tx1"/>
@@ -4317,7 +5792,7 @@
           <a:cs typeface="+mn-cs"/>
         </a:defRPr>
       </a:lvl1pPr>
-      <a:lvl2pPr marL="457200" algn="l" defTabSz="914400" rtl="0" eaLnBrk="1" latinLnBrk="0" hangingPunct="1">
+      <a:lvl2pPr marL="457200" algn="l" defTabSz="457200" rtl="0" eaLnBrk="1" latinLnBrk="0" hangingPunct="1">
         <a:defRPr sz="1800" kern="1200">
           <a:solidFill>
             <a:schemeClr val="tx1"/>
@@ -4327,7 +5802,7 @@
           <a:cs typeface="+mn-cs"/>
         </a:defRPr>
       </a:lvl2pPr>
-      <a:lvl3pPr marL="914400" algn="l" defTabSz="914400" rtl="0" eaLnBrk="1" latinLnBrk="0" hangingPunct="1">
+      <a:lvl3pPr marL="914400" algn="l" defTabSz="457200" rtl="0" eaLnBrk="1" latinLnBrk="0" hangingPunct="1">
         <a:defRPr sz="1800" kern="1200">
           <a:solidFill>
             <a:schemeClr val="tx1"/>
@@ -4337,7 +5812,7 @@
           <a:cs typeface="+mn-cs"/>
         </a:defRPr>
       </a:lvl3pPr>
-      <a:lvl4pPr marL="1371600" algn="l" defTabSz="914400" rtl="0" eaLnBrk="1" latinLnBrk="0" hangingPunct="1">
+      <a:lvl4pPr marL="1371600" algn="l" defTabSz="457200" rtl="0" eaLnBrk="1" latinLnBrk="0" hangingPunct="1">
         <a:defRPr sz="1800" kern="1200">
           <a:solidFill>
             <a:schemeClr val="tx1"/>
@@ -4347,7 +5822,7 @@
           <a:cs typeface="+mn-cs"/>
         </a:defRPr>
       </a:lvl4pPr>
-      <a:lvl5pPr marL="1828800" algn="l" defTabSz="914400" rtl="0" eaLnBrk="1" latinLnBrk="0" hangingPunct="1">
+      <a:lvl5pPr marL="1828800" algn="l" defTabSz="457200" rtl="0" eaLnBrk="1" latinLnBrk="0" hangingPunct="1">
         <a:defRPr sz="1800" kern="1200">
           <a:solidFill>
             <a:schemeClr val="tx1"/>
@@ -4357,7 +5832,7 @@
           <a:cs typeface="+mn-cs"/>
         </a:defRPr>
       </a:lvl5pPr>
-      <a:lvl6pPr marL="2286000" algn="l" defTabSz="914400" rtl="0" eaLnBrk="1" latinLnBrk="0" hangingPunct="1">
+      <a:lvl6pPr marL="2286000" algn="l" defTabSz="457200" rtl="0" eaLnBrk="1" latinLnBrk="0" hangingPunct="1">
         <a:defRPr sz="1800" kern="1200">
           <a:solidFill>
             <a:schemeClr val="tx1"/>
@@ -4367,7 +5842,7 @@
           <a:cs typeface="+mn-cs"/>
         </a:defRPr>
       </a:lvl6pPr>
-      <a:lvl7pPr marL="2743200" algn="l" defTabSz="914400" rtl="0" eaLnBrk="1" latinLnBrk="0" hangingPunct="1">
+      <a:lvl7pPr marL="2743200" algn="l" defTabSz="457200" rtl="0" eaLnBrk="1" latinLnBrk="0" hangingPunct="1">
         <a:defRPr sz="1800" kern="1200">
           <a:solidFill>
             <a:schemeClr val="tx1"/>
@@ -4377,7 +5852,7 @@
           <a:cs typeface="+mn-cs"/>
         </a:defRPr>
       </a:lvl7pPr>
-      <a:lvl8pPr marL="3200400" algn="l" defTabSz="914400" rtl="0" eaLnBrk="1" latinLnBrk="0" hangingPunct="1">
+      <a:lvl8pPr marL="3200400" algn="l" defTabSz="457200" rtl="0" eaLnBrk="1" latinLnBrk="0" hangingPunct="1">
         <a:defRPr sz="1800" kern="1200">
           <a:solidFill>
             <a:schemeClr val="tx1"/>
@@ -4387,7 +5862,7 @@
           <a:cs typeface="+mn-cs"/>
         </a:defRPr>
       </a:lvl8pPr>
-      <a:lvl9pPr marL="3657600" algn="l" defTabSz="914400" rtl="0" eaLnBrk="1" latinLnBrk="0" hangingPunct="1">
+      <a:lvl9pPr marL="3657600" algn="l" defTabSz="457200" rtl="0" eaLnBrk="1" latinLnBrk="0" hangingPunct="1">
         <a:defRPr sz="1800" kern="1200">
           <a:solidFill>
             <a:schemeClr val="tx1"/>
@@ -4456,96 +5931,6 @@
           </a:prstGeom>
         </p:spPr>
       </p:pic>
-      <p:sp useBgFill="1">
-        <p:nvSpPr>
-          <p:cNvPr id="9" name="Rectangle 8">
-            <a:extLst>
-              <a:ext uri="{FF2B5EF4-FFF2-40B4-BE49-F238E27FC236}">
-                <a16:creationId xmlns:a16="http://schemas.microsoft.com/office/drawing/2014/main" id="{BF9FFE17-DE95-4821-ACC1-B90C95449294}"/>
-              </a:ext>
-              <a:ext uri="{C183D7F6-B498-43B3-948B-1728B52AA6E4}">
-                <adec:decorative xmlns:adec="http://schemas.microsoft.com/office/drawing/2017/decorative" val="1"/>
-              </a:ext>
-            </a:extLst>
-          </p:cNvPr>
-          <p:cNvSpPr>
-            <a:spLocks noGrp="1" noRot="1" noChangeAspect="1" noMove="1" noResize="1" noEditPoints="1" noAdjustHandles="1" noChangeArrowheads="1" noChangeShapeType="1" noTextEdit="1"/>
-          </p:cNvSpPr>
-          <p:nvPr>
-            <p:extLst>
-              <p:ext uri="{386F3935-93C4-4BCD-93E2-E3B085C9AB24}">
-                <p16:designElem xmlns:p16="http://schemas.microsoft.com/office/powerpoint/2015/main" val="1"/>
-              </p:ext>
-            </p:extLst>
-          </p:nvPr>
-        </p:nvSpPr>
-        <p:spPr>
-          <a:xfrm>
-            <a:off x="1307870" y="1267730"/>
-            <a:ext cx="9576262" cy="4307950"/>
-          </a:xfrm>
-          <a:prstGeom prst="rect">
-            <a:avLst/>
-          </a:prstGeom>
-          <a:ln w="6350" cap="flat" cmpd="sng" algn="ctr">
-            <a:noFill/>
-            <a:prstDash val="solid"/>
-          </a:ln>
-          <a:effectLst>
-            <a:outerShdw blurRad="50800" algn="ctr" rotWithShape="0">
-              <a:prstClr val="black">
-                <a:alpha val="66000"/>
-              </a:prstClr>
-            </a:outerShdw>
-            <a:softEdge rad="0"/>
-          </a:effectLst>
-        </p:spPr>
-      </p:sp>
-      <p:sp>
-        <p:nvSpPr>
-          <p:cNvPr id="11" name="Rectangle 10">
-            <a:extLst>
-              <a:ext uri="{FF2B5EF4-FFF2-40B4-BE49-F238E27FC236}">
-                <a16:creationId xmlns:a16="http://schemas.microsoft.com/office/drawing/2014/main" id="{03CF76AF-FF72-4430-A772-05840329020B}"/>
-              </a:ext>
-              <a:ext uri="{C183D7F6-B498-43B3-948B-1728B52AA6E4}">
-                <adec:decorative xmlns:adec="http://schemas.microsoft.com/office/drawing/2017/decorative" val="1"/>
-              </a:ext>
-            </a:extLst>
-          </p:cNvPr>
-          <p:cNvSpPr>
-            <a:spLocks noGrp="1" noRot="1" noChangeAspect="1" noMove="1" noResize="1" noEditPoints="1" noAdjustHandles="1" noChangeArrowheads="1" noChangeShapeType="1" noTextEdit="1"/>
-          </p:cNvSpPr>
-          <p:nvPr>
-            <p:extLst>
-              <p:ext uri="{386F3935-93C4-4BCD-93E2-E3B085C9AB24}">
-                <p16:designElem xmlns:p16="http://schemas.microsoft.com/office/powerpoint/2015/main" val="1"/>
-              </p:ext>
-            </p:extLst>
-          </p:nvPr>
-        </p:nvSpPr>
-        <p:spPr>
-          <a:xfrm>
-            <a:off x="1447801" y="1411615"/>
-            <a:ext cx="9296400" cy="4034770"/>
-          </a:xfrm>
-          <a:prstGeom prst="rect">
-            <a:avLst/>
-          </a:prstGeom>
-          <a:noFill/>
-          <a:ln w="6350" cap="sq" cmpd="sng" algn="ctr">
-            <a:solidFill>
-              <a:schemeClr val="tx1">
-                <a:lumMod val="75000"/>
-                <a:lumOff val="25000"/>
-              </a:schemeClr>
-            </a:solidFill>
-            <a:prstDash val="solid"/>
-            <a:miter lim="800000"/>
-          </a:ln>
-          <a:effectLst/>
-        </p:spPr>
-      </p:sp>
       <p:sp>
         <p:nvSpPr>
           <p:cNvPr id="2" name="Title 1">
@@ -4624,238 +6009,6 @@
           </a:p>
         </p:txBody>
       </p:sp>
-      <p:sp>
-        <p:nvSpPr>
-          <p:cNvPr id="13" name="Rectangle 12">
-            <a:extLst>
-              <a:ext uri="{FF2B5EF4-FFF2-40B4-BE49-F238E27FC236}">
-                <a16:creationId xmlns:a16="http://schemas.microsoft.com/office/drawing/2014/main" id="{0B1C8180-2FDD-4202-8C45-4057CB1AB26F}"/>
-              </a:ext>
-              <a:ext uri="{C183D7F6-B498-43B3-948B-1728B52AA6E4}">
-                <adec:decorative xmlns:adec="http://schemas.microsoft.com/office/drawing/2017/decorative" val="1"/>
-              </a:ext>
-            </a:extLst>
-          </p:cNvPr>
-          <p:cNvSpPr>
-            <a:spLocks noGrp="1" noRot="1" noChangeAspect="1" noMove="1" noResize="1" noEditPoints="1" noAdjustHandles="1" noChangeArrowheads="1" noChangeShapeType="1" noTextEdit="1"/>
-          </p:cNvSpPr>
-          <p:nvPr>
-            <p:extLst>
-              <p:ext uri="{386F3935-93C4-4BCD-93E2-E3B085C9AB24}">
-                <p16:designElem xmlns:p16="http://schemas.microsoft.com/office/powerpoint/2015/main" val="1"/>
-              </p:ext>
-            </p:extLst>
-          </p:nvPr>
-        </p:nvSpPr>
-        <p:spPr>
-          <a:xfrm>
-            <a:off x="5135880" y="1267730"/>
-            <a:ext cx="1920240" cy="731520"/>
-          </a:xfrm>
-          <a:prstGeom prst="rect">
-            <a:avLst/>
-          </a:prstGeom>
-          <a:solidFill>
-            <a:schemeClr val="accent1"/>
-          </a:solidFill>
-          <a:ln>
-            <a:noFill/>
-          </a:ln>
-        </p:spPr>
-        <p:style>
-          <a:lnRef idx="2">
-            <a:schemeClr val="accent1">
-              <a:shade val="50000"/>
-            </a:schemeClr>
-          </a:lnRef>
-          <a:fillRef idx="1">
-            <a:schemeClr val="accent1"/>
-          </a:fillRef>
-          <a:effectRef idx="0">
-            <a:schemeClr val="accent1"/>
-          </a:effectRef>
-          <a:fontRef idx="minor">
-            <a:schemeClr val="lt1"/>
-          </a:fontRef>
-        </p:style>
-      </p:sp>
-      <p:cxnSp>
-        <p:nvCxnSpPr>
-          <p:cNvPr id="15" name="Straight Connector 14">
-            <a:extLst>
-              <a:ext uri="{FF2B5EF4-FFF2-40B4-BE49-F238E27FC236}">
-                <a16:creationId xmlns:a16="http://schemas.microsoft.com/office/drawing/2014/main" id="{D6E86CC6-13EA-4A88-86AD-CF27BF52CC95}"/>
-              </a:ext>
-              <a:ext uri="{C183D7F6-B498-43B3-948B-1728B52AA6E4}">
-                <adec:decorative xmlns:adec="http://schemas.microsoft.com/office/drawing/2017/decorative" val="1"/>
-              </a:ext>
-            </a:extLst>
-          </p:cNvPr>
-          <p:cNvCxnSpPr>
-            <a:cxnSpLocks noGrp="1" noRot="1" noChangeAspect="1" noMove="1" noResize="1" noEditPoints="1" noAdjustHandles="1" noChangeArrowheads="1" noChangeShapeType="1"/>
-          </p:cNvCxnSpPr>
-          <p:nvPr>
-            <p:extLst>
-              <p:ext uri="{386F3935-93C4-4BCD-93E2-E3B085C9AB24}">
-                <p16:designElem xmlns:p16="http://schemas.microsoft.com/office/powerpoint/2015/main" val="1"/>
-              </p:ext>
-            </p:extLst>
-          </p:nvPr>
-        </p:nvCxnSpPr>
-        <p:spPr>
-          <a:xfrm>
-            <a:off x="5250180" y="1267730"/>
-            <a:ext cx="0" cy="640080"/>
-          </a:xfrm>
-          <a:prstGeom prst="line">
-            <a:avLst/>
-          </a:prstGeom>
-          <a:solidFill>
-            <a:schemeClr val="tx1">
-              <a:lumMod val="85000"/>
-              <a:lumOff val="15000"/>
-            </a:schemeClr>
-          </a:solidFill>
-          <a:ln>
-            <a:solidFill>
-              <a:srgbClr val="FFFFFF"/>
-            </a:solidFill>
-            <a:miter lim="800000"/>
-          </a:ln>
-        </p:spPr>
-        <p:style>
-          <a:lnRef idx="1">
-            <a:schemeClr val="accent1"/>
-          </a:lnRef>
-          <a:fillRef idx="0">
-            <a:schemeClr val="accent1"/>
-          </a:fillRef>
-          <a:effectRef idx="0">
-            <a:schemeClr val="accent1"/>
-          </a:effectRef>
-          <a:fontRef idx="minor">
-            <a:schemeClr val="tx1"/>
-          </a:fontRef>
-        </p:style>
-      </p:cxnSp>
-      <p:cxnSp>
-        <p:nvCxnSpPr>
-          <p:cNvPr id="17" name="Straight Connector 16">
-            <a:extLst>
-              <a:ext uri="{FF2B5EF4-FFF2-40B4-BE49-F238E27FC236}">
-                <a16:creationId xmlns:a16="http://schemas.microsoft.com/office/drawing/2014/main" id="{3F80B441-4F7D-4B40-8A13-FED03A1F3A16}"/>
-              </a:ext>
-              <a:ext uri="{C183D7F6-B498-43B3-948B-1728B52AA6E4}">
-                <adec:decorative xmlns:adec="http://schemas.microsoft.com/office/drawing/2017/decorative" val="1"/>
-              </a:ext>
-            </a:extLst>
-          </p:cNvPr>
-          <p:cNvCxnSpPr>
-            <a:cxnSpLocks noGrp="1" noRot="1" noChangeAspect="1" noMove="1" noResize="1" noEditPoints="1" noAdjustHandles="1" noChangeArrowheads="1" noChangeShapeType="1"/>
-          </p:cNvCxnSpPr>
-          <p:nvPr>
-            <p:extLst>
-              <p:ext uri="{386F3935-93C4-4BCD-93E2-E3B085C9AB24}">
-                <p16:designElem xmlns:p16="http://schemas.microsoft.com/office/powerpoint/2015/main" val="1"/>
-              </p:ext>
-            </p:extLst>
-          </p:nvPr>
-        </p:nvCxnSpPr>
-        <p:spPr>
-          <a:xfrm>
-            <a:off x="6941820" y="1267730"/>
-            <a:ext cx="0" cy="640080"/>
-          </a:xfrm>
-          <a:prstGeom prst="line">
-            <a:avLst/>
-          </a:prstGeom>
-          <a:solidFill>
-            <a:schemeClr val="tx1">
-              <a:lumMod val="85000"/>
-              <a:lumOff val="15000"/>
-            </a:schemeClr>
-          </a:solidFill>
-          <a:ln>
-            <a:solidFill>
-              <a:srgbClr val="FFFFFF"/>
-            </a:solidFill>
-            <a:miter lim="800000"/>
-          </a:ln>
-        </p:spPr>
-        <p:style>
-          <a:lnRef idx="1">
-            <a:schemeClr val="accent1"/>
-          </a:lnRef>
-          <a:fillRef idx="0">
-            <a:schemeClr val="accent1"/>
-          </a:fillRef>
-          <a:effectRef idx="0">
-            <a:schemeClr val="accent1"/>
-          </a:effectRef>
-          <a:fontRef idx="minor">
-            <a:schemeClr val="tx1"/>
-          </a:fontRef>
-        </p:style>
-      </p:cxnSp>
-      <p:cxnSp>
-        <p:nvCxnSpPr>
-          <p:cNvPr id="19" name="Straight Connector 18">
-            <a:extLst>
-              <a:ext uri="{FF2B5EF4-FFF2-40B4-BE49-F238E27FC236}">
-                <a16:creationId xmlns:a16="http://schemas.microsoft.com/office/drawing/2014/main" id="{70C7FD1A-44B1-4E4C-B0C9-A8103DCCDCC2}"/>
-              </a:ext>
-              <a:ext uri="{C183D7F6-B498-43B3-948B-1728B52AA6E4}">
-                <adec:decorative xmlns:adec="http://schemas.microsoft.com/office/drawing/2017/decorative" val="1"/>
-              </a:ext>
-            </a:extLst>
-          </p:cNvPr>
-          <p:cNvCxnSpPr>
-            <a:cxnSpLocks noGrp="1" noRot="1" noChangeAspect="1" noMove="1" noResize="1" noEditPoints="1" noAdjustHandles="1" noChangeArrowheads="1" noChangeShapeType="1"/>
-          </p:cNvCxnSpPr>
-          <p:nvPr>
-            <p:extLst>
-              <p:ext uri="{386F3935-93C4-4BCD-93E2-E3B085C9AB24}">
-                <p16:designElem xmlns:p16="http://schemas.microsoft.com/office/powerpoint/2015/main" val="1"/>
-              </p:ext>
-            </p:extLst>
-          </p:nvPr>
-        </p:nvCxnSpPr>
-        <p:spPr>
-          <a:xfrm>
-            <a:off x="5250180" y="1913025"/>
-            <a:ext cx="1691640" cy="0"/>
-          </a:xfrm>
-          <a:prstGeom prst="line">
-            <a:avLst/>
-          </a:prstGeom>
-          <a:solidFill>
-            <a:schemeClr val="tx1">
-              <a:lumMod val="85000"/>
-              <a:lumOff val="15000"/>
-            </a:schemeClr>
-          </a:solidFill>
-          <a:ln>
-            <a:solidFill>
-              <a:srgbClr val="FFFFFF"/>
-            </a:solidFill>
-            <a:miter lim="800000"/>
-          </a:ln>
-        </p:spPr>
-        <p:style>
-          <a:lnRef idx="1">
-            <a:schemeClr val="accent1"/>
-          </a:lnRef>
-          <a:fillRef idx="0">
-            <a:schemeClr val="accent1"/>
-          </a:fillRef>
-          <a:effectRef idx="0">
-            <a:schemeClr val="accent1"/>
-          </a:effectRef>
-          <a:fontRef idx="minor">
-            <a:schemeClr val="tx1"/>
-          </a:fontRef>
-        </p:style>
-      </p:cxnSp>
     </p:spTree>
     <p:extLst>
       <p:ext uri="{BB962C8B-B14F-4D97-AF65-F5344CB8AC3E}">
@@ -4962,6 +6115,14 @@
 <file path=ppt/slides/slide11.xml><?xml version="1.0" encoding="utf-8"?>
 <p:sld xmlns:a="http://schemas.openxmlformats.org/drawingml/2006/main" xmlns:r="http://schemas.openxmlformats.org/officeDocument/2006/relationships" xmlns:p="http://schemas.openxmlformats.org/presentationml/2006/main">
   <p:cSld>
+    <p:bg>
+      <p:bgPr>
+        <a:solidFill>
+          <a:schemeClr val="bg2"/>
+        </a:solidFill>
+        <a:effectLst/>
+      </p:bgPr>
+    </p:bg>
     <p:spTree>
       <p:nvGrpSpPr>
         <p:cNvPr id="1" name=""/>
@@ -4976,6 +6137,727 @@
           <a:chExt cx="0" cy="0"/>
         </a:xfrm>
       </p:grpSpPr>
+      <p:sp useBgFill="1">
+        <p:nvSpPr>
+          <p:cNvPr id="8" name="Rectangle 7">
+            <a:extLst>
+              <a:ext uri="{FF2B5EF4-FFF2-40B4-BE49-F238E27FC236}">
+                <a16:creationId xmlns:a16="http://schemas.microsoft.com/office/drawing/2014/main" id="{A65AC7D1-EAA9-48F5-B509-60A7F50BF703}"/>
+              </a:ext>
+              <a:ext uri="{C183D7F6-B498-43B3-948B-1728B52AA6E4}">
+                <adec:decorative xmlns:adec="http://schemas.microsoft.com/office/drawing/2017/decorative" val="1"/>
+              </a:ext>
+            </a:extLst>
+          </p:cNvPr>
+          <p:cNvSpPr>
+            <a:spLocks noGrp="1" noRot="1" noChangeAspect="1" noMove="1" noResize="1" noEditPoints="1" noAdjustHandles="1" noChangeArrowheads="1" noChangeShapeType="1" noTextEdit="1"/>
+          </p:cNvSpPr>
+          <p:nvPr>
+            <p:extLst>
+              <p:ext uri="{386F3935-93C4-4BCD-93E2-E3B085C9AB24}">
+                <p16:designElem xmlns:p16="http://schemas.microsoft.com/office/powerpoint/2015/main" val="1"/>
+              </p:ext>
+            </p:extLst>
+          </p:nvPr>
+        </p:nvSpPr>
+        <p:spPr>
+          <a:xfrm>
+            <a:off x="0" y="0"/>
+            <a:ext cx="12192000" cy="6858000"/>
+          </a:xfrm>
+          <a:prstGeom prst="rect">
+            <a:avLst/>
+          </a:prstGeom>
+          <a:ln>
+            <a:noFill/>
+          </a:ln>
+        </p:spPr>
+        <p:style>
+          <a:lnRef idx="2">
+            <a:schemeClr val="accent1">
+              <a:shade val="50000"/>
+            </a:schemeClr>
+          </a:lnRef>
+          <a:fillRef idx="1">
+            <a:schemeClr val="accent1"/>
+          </a:fillRef>
+          <a:effectRef idx="0">
+            <a:schemeClr val="accent1"/>
+          </a:effectRef>
+          <a:fontRef idx="minor">
+            <a:schemeClr val="lt1"/>
+          </a:fontRef>
+        </p:style>
+        <p:txBody>
+          <a:bodyPr rtlCol="0" anchor="ctr"/>
+          <a:lstStyle/>
+          <a:p>
+            <a:pPr algn="ctr"/>
+            <a:endParaRPr lang="en-US" dirty="0"/>
+          </a:p>
+        </p:txBody>
+      </p:sp>
+      <p:sp useBgFill="1">
+        <p:nvSpPr>
+          <p:cNvPr id="10" name="Rectangle 9">
+            <a:extLst>
+              <a:ext uri="{FF2B5EF4-FFF2-40B4-BE49-F238E27FC236}">
+                <a16:creationId xmlns:a16="http://schemas.microsoft.com/office/drawing/2014/main" id="{D6320AF9-619A-4175-865B-5663E1AEF4C5}"/>
+              </a:ext>
+              <a:ext uri="{C183D7F6-B498-43B3-948B-1728B52AA6E4}">
+                <adec:decorative xmlns:adec="http://schemas.microsoft.com/office/drawing/2017/decorative" val="1"/>
+              </a:ext>
+            </a:extLst>
+          </p:cNvPr>
+          <p:cNvSpPr>
+            <a:spLocks noGrp="1" noRot="1" noChangeAspect="1" noMove="1" noResize="1" noEditPoints="1" noAdjustHandles="1" noChangeArrowheads="1" noChangeShapeType="1" noTextEdit="1"/>
+          </p:cNvSpPr>
+          <p:nvPr>
+            <p:extLst>
+              <p:ext uri="{386F3935-93C4-4BCD-93E2-E3B085C9AB24}">
+                <p16:designElem xmlns:p16="http://schemas.microsoft.com/office/powerpoint/2015/main" val="1"/>
+              </p:ext>
+            </p:extLst>
+          </p:nvPr>
+        </p:nvSpPr>
+        <p:spPr>
+          <a:xfrm>
+            <a:off x="0" y="0"/>
+            <a:ext cx="12192000" cy="6858000"/>
+          </a:xfrm>
+          <a:prstGeom prst="rect">
+            <a:avLst/>
+          </a:prstGeom>
+          <a:ln>
+            <a:noFill/>
+          </a:ln>
+        </p:spPr>
+        <p:style>
+          <a:lnRef idx="2">
+            <a:schemeClr val="accent1">
+              <a:shade val="50000"/>
+            </a:schemeClr>
+          </a:lnRef>
+          <a:fillRef idx="1">
+            <a:schemeClr val="accent1"/>
+          </a:fillRef>
+          <a:effectRef idx="0">
+            <a:schemeClr val="accent1"/>
+          </a:effectRef>
+          <a:fontRef idx="minor">
+            <a:schemeClr val="lt1"/>
+          </a:fontRef>
+        </p:style>
+        <p:txBody>
+          <a:bodyPr rtlCol="0" anchor="ctr"/>
+          <a:lstStyle/>
+          <a:p>
+            <a:pPr algn="ctr"/>
+            <a:endParaRPr lang="en-US"/>
+          </a:p>
+        </p:txBody>
+      </p:sp>
+      <p:cxnSp>
+        <p:nvCxnSpPr>
+          <p:cNvPr id="12" name="Straight Connector 11">
+            <a:extLst>
+              <a:ext uri="{FF2B5EF4-FFF2-40B4-BE49-F238E27FC236}">
+                <a16:creationId xmlns:a16="http://schemas.microsoft.com/office/drawing/2014/main" id="{063B6EC6-D752-4EE7-908B-F8F19E8C7FEA}"/>
+              </a:ext>
+              <a:ext uri="{C183D7F6-B498-43B3-948B-1728B52AA6E4}">
+                <adec:decorative xmlns:adec="http://schemas.microsoft.com/office/drawing/2017/decorative" val="1"/>
+              </a:ext>
+            </a:extLst>
+          </p:cNvPr>
+          <p:cNvCxnSpPr>
+            <a:cxnSpLocks noGrp="1" noRot="1" noChangeAspect="1" noMove="1" noResize="1" noEditPoints="1" noAdjustHandles="1" noChangeArrowheads="1" noChangeShapeType="1"/>
+          </p:cNvCxnSpPr>
+          <p:nvPr>
+            <p:extLst>
+              <p:ext uri="{386F3935-93C4-4BCD-93E2-E3B085C9AB24}">
+                <p16:designElem xmlns:p16="http://schemas.microsoft.com/office/powerpoint/2015/main" val="1"/>
+              </p:ext>
+            </p:extLst>
+          </p:nvPr>
+        </p:nvCxnSpPr>
+        <p:spPr>
+          <a:xfrm>
+            <a:off x="3953376" y="0"/>
+            <a:ext cx="1219200" cy="6858000"/>
+          </a:xfrm>
+          <a:prstGeom prst="line">
+            <a:avLst/>
+          </a:prstGeom>
+          <a:ln w="9525">
+            <a:solidFill>
+              <a:schemeClr val="accent1">
+                <a:lumMod val="75000"/>
+              </a:schemeClr>
+            </a:solidFill>
+          </a:ln>
+        </p:spPr>
+        <p:style>
+          <a:lnRef idx="2">
+            <a:schemeClr val="accent1"/>
+          </a:lnRef>
+          <a:fillRef idx="0">
+            <a:schemeClr val="accent1"/>
+          </a:fillRef>
+          <a:effectRef idx="1">
+            <a:schemeClr val="accent1"/>
+          </a:effectRef>
+          <a:fontRef idx="minor">
+            <a:schemeClr val="tx1"/>
+          </a:fontRef>
+        </p:style>
+      </p:cxnSp>
+      <p:cxnSp>
+        <p:nvCxnSpPr>
+          <p:cNvPr id="14" name="Straight Connector 13">
+            <a:extLst>
+              <a:ext uri="{FF2B5EF4-FFF2-40B4-BE49-F238E27FC236}">
+                <a16:creationId xmlns:a16="http://schemas.microsoft.com/office/drawing/2014/main" id="{EFECD4E8-AD3E-4228-82A2-9461958EA94D}"/>
+              </a:ext>
+              <a:ext uri="{C183D7F6-B498-43B3-948B-1728B52AA6E4}">
+                <adec:decorative xmlns:adec="http://schemas.microsoft.com/office/drawing/2017/decorative" val="1"/>
+              </a:ext>
+            </a:extLst>
+          </p:cNvPr>
+          <p:cNvCxnSpPr>
+            <a:cxnSpLocks noGrp="1" noRot="1" noChangeAspect="1" noMove="1" noResize="1" noEditPoints="1" noAdjustHandles="1" noChangeArrowheads="1" noChangeShapeType="1"/>
+          </p:cNvCxnSpPr>
+          <p:nvPr>
+            <p:extLst>
+              <p:ext uri="{386F3935-93C4-4BCD-93E2-E3B085C9AB24}">
+                <p16:designElem xmlns:p16="http://schemas.microsoft.com/office/powerpoint/2015/main" val="1"/>
+              </p:ext>
+            </p:extLst>
+          </p:nvPr>
+        </p:nvCxnSpPr>
+        <p:spPr>
+          <a:xfrm flipH="1">
+            <a:off x="2133042" y="3681413"/>
+            <a:ext cx="4763558" cy="3176587"/>
+          </a:xfrm>
+          <a:prstGeom prst="line">
+            <a:avLst/>
+          </a:prstGeom>
+          <a:ln w="9525">
+            <a:solidFill>
+              <a:schemeClr val="tx1">
+                <a:lumMod val="50000"/>
+                <a:lumOff val="50000"/>
+                <a:alpha val="80000"/>
+              </a:schemeClr>
+            </a:solidFill>
+          </a:ln>
+        </p:spPr>
+        <p:style>
+          <a:lnRef idx="2">
+            <a:schemeClr val="accent1"/>
+          </a:lnRef>
+          <a:fillRef idx="0">
+            <a:schemeClr val="accent1"/>
+          </a:fillRef>
+          <a:effectRef idx="1">
+            <a:schemeClr val="accent1"/>
+          </a:effectRef>
+          <a:fontRef idx="minor">
+            <a:schemeClr val="tx1"/>
+          </a:fontRef>
+        </p:style>
+      </p:cxnSp>
+      <p:sp>
+        <p:nvSpPr>
+          <p:cNvPr id="16" name="Rectangle 23">
+            <a:extLst>
+              <a:ext uri="{FF2B5EF4-FFF2-40B4-BE49-F238E27FC236}">
+                <a16:creationId xmlns:a16="http://schemas.microsoft.com/office/drawing/2014/main" id="{7E018740-5C2B-4A41-AC1A-7E68D1EC1954}"/>
+              </a:ext>
+              <a:ext uri="{C183D7F6-B498-43B3-948B-1728B52AA6E4}">
+                <adec:decorative xmlns:adec="http://schemas.microsoft.com/office/drawing/2017/decorative" val="1"/>
+              </a:ext>
+            </a:extLst>
+          </p:cNvPr>
+          <p:cNvSpPr>
+            <a:spLocks noGrp="1" noRot="1" noChangeAspect="1" noMove="1" noResize="1" noEditPoints="1" noAdjustHandles="1" noChangeArrowheads="1" noChangeShapeType="1" noTextEdit="1"/>
+          </p:cNvSpPr>
+          <p:nvPr>
+            <p:extLst>
+              <p:ext uri="{386F3935-93C4-4BCD-93E2-E3B085C9AB24}">
+                <p16:designElem xmlns:p16="http://schemas.microsoft.com/office/powerpoint/2015/main" val="1"/>
+              </p:ext>
+            </p:extLst>
+          </p:nvPr>
+        </p:nvSpPr>
+        <p:spPr>
+          <a:xfrm>
+            <a:off x="3324631" y="-8467"/>
+            <a:ext cx="3007349" cy="6866467"/>
+          </a:xfrm>
+          <a:custGeom>
+            <a:avLst/>
+            <a:gdLst/>
+            <a:ahLst/>
+            <a:cxnLst/>
+            <a:rect l="l" t="t" r="r" b="b"/>
+            <a:pathLst>
+              <a:path w="3007349" h="6866467">
+                <a:moveTo>
+                  <a:pt x="2045532" y="0"/>
+                </a:moveTo>
+                <a:lnTo>
+                  <a:pt x="3007349" y="0"/>
+                </a:lnTo>
+                <a:lnTo>
+                  <a:pt x="3007349" y="6866467"/>
+                </a:lnTo>
+                <a:lnTo>
+                  <a:pt x="0" y="6866467"/>
+                </a:lnTo>
+                <a:lnTo>
+                  <a:pt x="2045532" y="0"/>
+                </a:lnTo>
+                <a:close/>
+              </a:path>
+            </a:pathLst>
+          </a:custGeom>
+          <a:solidFill>
+            <a:schemeClr val="accent1">
+              <a:alpha val="30000"/>
+            </a:schemeClr>
+          </a:solidFill>
+          <a:ln>
+            <a:noFill/>
+          </a:ln>
+          <a:effectLst/>
+        </p:spPr>
+        <p:style>
+          <a:lnRef idx="1">
+            <a:schemeClr val="accent1"/>
+          </a:lnRef>
+          <a:fillRef idx="3">
+            <a:schemeClr val="accent1"/>
+          </a:fillRef>
+          <a:effectRef idx="2">
+            <a:schemeClr val="accent1"/>
+          </a:effectRef>
+          <a:fontRef idx="minor">
+            <a:schemeClr val="lt1"/>
+          </a:fontRef>
+        </p:style>
+      </p:sp>
+      <p:sp>
+        <p:nvSpPr>
+          <p:cNvPr id="18" name="Rectangle 25">
+            <a:extLst>
+              <a:ext uri="{FF2B5EF4-FFF2-40B4-BE49-F238E27FC236}">
+                <a16:creationId xmlns:a16="http://schemas.microsoft.com/office/drawing/2014/main" id="{166F75A4-C475-4941-8EE2-B80A06A2C1BB}"/>
+              </a:ext>
+              <a:ext uri="{C183D7F6-B498-43B3-948B-1728B52AA6E4}">
+                <adec:decorative xmlns:adec="http://schemas.microsoft.com/office/drawing/2017/decorative" val="1"/>
+              </a:ext>
+            </a:extLst>
+          </p:cNvPr>
+          <p:cNvSpPr>
+            <a:spLocks noGrp="1" noRot="1" noChangeAspect="1" noMove="1" noResize="1" noEditPoints="1" noAdjustHandles="1" noChangeArrowheads="1" noChangeShapeType="1" noTextEdit="1"/>
+          </p:cNvSpPr>
+          <p:nvPr>
+            <p:extLst>
+              <p:ext uri="{386F3935-93C4-4BCD-93E2-E3B085C9AB24}">
+                <p16:designElem xmlns:p16="http://schemas.microsoft.com/office/powerpoint/2015/main" val="1"/>
+              </p:ext>
+            </p:extLst>
+          </p:nvPr>
+        </p:nvSpPr>
+        <p:spPr>
+          <a:xfrm>
+            <a:off x="3746597" y="-8467"/>
+            <a:ext cx="2588558" cy="6866467"/>
+          </a:xfrm>
+          <a:custGeom>
+            <a:avLst/>
+            <a:gdLst/>
+            <a:ahLst/>
+            <a:cxnLst/>
+            <a:rect l="l" t="t" r="r" b="b"/>
+            <a:pathLst>
+              <a:path w="2573311" h="6866467">
+                <a:moveTo>
+                  <a:pt x="0" y="0"/>
+                </a:moveTo>
+                <a:lnTo>
+                  <a:pt x="2573311" y="0"/>
+                </a:lnTo>
+                <a:lnTo>
+                  <a:pt x="2573311" y="6866467"/>
+                </a:lnTo>
+                <a:lnTo>
+                  <a:pt x="1202336" y="6866467"/>
+                </a:lnTo>
+                <a:lnTo>
+                  <a:pt x="0" y="0"/>
+                </a:lnTo>
+                <a:close/>
+              </a:path>
+            </a:pathLst>
+          </a:custGeom>
+          <a:solidFill>
+            <a:schemeClr val="accent1">
+              <a:alpha val="20000"/>
+            </a:schemeClr>
+          </a:solidFill>
+          <a:ln>
+            <a:noFill/>
+          </a:ln>
+          <a:effectLst/>
+        </p:spPr>
+        <p:style>
+          <a:lnRef idx="1">
+            <a:schemeClr val="accent1"/>
+          </a:lnRef>
+          <a:fillRef idx="3">
+            <a:schemeClr val="accent1"/>
+          </a:fillRef>
+          <a:effectRef idx="2">
+            <a:schemeClr val="accent1"/>
+          </a:effectRef>
+          <a:fontRef idx="minor">
+            <a:schemeClr val="lt1"/>
+          </a:fontRef>
+        </p:style>
+      </p:sp>
+      <p:sp>
+        <p:nvSpPr>
+          <p:cNvPr id="20" name="Isosceles Triangle 19">
+            <a:extLst>
+              <a:ext uri="{FF2B5EF4-FFF2-40B4-BE49-F238E27FC236}">
+                <a16:creationId xmlns:a16="http://schemas.microsoft.com/office/drawing/2014/main" id="{A032553A-72E8-4B0D-8405-FF9771C9AF05}"/>
+              </a:ext>
+              <a:ext uri="{C183D7F6-B498-43B3-948B-1728B52AA6E4}">
+                <adec:decorative xmlns:adec="http://schemas.microsoft.com/office/drawing/2017/decorative" val="1"/>
+              </a:ext>
+            </a:extLst>
+          </p:cNvPr>
+          <p:cNvSpPr>
+            <a:spLocks noGrp="1" noRot="1" noChangeAspect="1" noMove="1" noResize="1" noEditPoints="1" noAdjustHandles="1" noChangeArrowheads="1" noChangeShapeType="1" noTextEdit="1"/>
+          </p:cNvSpPr>
+          <p:nvPr>
+            <p:extLst>
+              <p:ext uri="{386F3935-93C4-4BCD-93E2-E3B085C9AB24}">
+                <p16:designElem xmlns:p16="http://schemas.microsoft.com/office/powerpoint/2015/main" val="1"/>
+              </p:ext>
+            </p:extLst>
+          </p:nvPr>
+        </p:nvSpPr>
+        <p:spPr>
+          <a:xfrm>
+            <a:off x="3075488" y="3048000"/>
+            <a:ext cx="3259667" cy="3810000"/>
+          </a:xfrm>
+          <a:prstGeom prst="triangle">
+            <a:avLst>
+              <a:gd name="adj" fmla="val 100000"/>
+            </a:avLst>
+          </a:prstGeom>
+          <a:solidFill>
+            <a:schemeClr val="accent2">
+              <a:alpha val="72000"/>
+            </a:schemeClr>
+          </a:solidFill>
+          <a:ln>
+            <a:noFill/>
+          </a:ln>
+          <a:effectLst/>
+        </p:spPr>
+        <p:style>
+          <a:lnRef idx="1">
+            <a:schemeClr val="accent1"/>
+          </a:lnRef>
+          <a:fillRef idx="3">
+            <a:schemeClr val="accent1"/>
+          </a:fillRef>
+          <a:effectRef idx="2">
+            <a:schemeClr val="accent1"/>
+          </a:effectRef>
+          <a:fontRef idx="minor">
+            <a:schemeClr val="lt1"/>
+          </a:fontRef>
+        </p:style>
+      </p:sp>
+      <p:sp>
+        <p:nvSpPr>
+          <p:cNvPr id="22" name="Rectangle 27">
+            <a:extLst>
+              <a:ext uri="{FF2B5EF4-FFF2-40B4-BE49-F238E27FC236}">
+                <a16:creationId xmlns:a16="http://schemas.microsoft.com/office/drawing/2014/main" id="{765800AC-C3B9-498E-87BC-29FAE4C76B21}"/>
+              </a:ext>
+              <a:ext uri="{C183D7F6-B498-43B3-948B-1728B52AA6E4}">
+                <adec:decorative xmlns:adec="http://schemas.microsoft.com/office/drawing/2017/decorative" val="1"/>
+              </a:ext>
+            </a:extLst>
+          </p:cNvPr>
+          <p:cNvSpPr>
+            <a:spLocks noGrp="1" noRot="1" noChangeAspect="1" noMove="1" noResize="1" noEditPoints="1" noAdjustHandles="1" noChangeArrowheads="1" noChangeShapeType="1" noTextEdit="1"/>
+          </p:cNvSpPr>
+          <p:nvPr>
+            <p:extLst>
+              <p:ext uri="{386F3935-93C4-4BCD-93E2-E3B085C9AB24}">
+                <p16:designElem xmlns:p16="http://schemas.microsoft.com/office/powerpoint/2015/main" val="1"/>
+              </p:ext>
+            </p:extLst>
+          </p:nvPr>
+        </p:nvSpPr>
+        <p:spPr>
+          <a:xfrm>
+            <a:off x="3477655" y="-8467"/>
+            <a:ext cx="2854326" cy="6866467"/>
+          </a:xfrm>
+          <a:custGeom>
+            <a:avLst/>
+            <a:gdLst/>
+            <a:ahLst/>
+            <a:cxnLst/>
+            <a:rect l="l" t="t" r="r" b="b"/>
+            <a:pathLst>
+              <a:path w="2858013" h="6866467">
+                <a:moveTo>
+                  <a:pt x="0" y="0"/>
+                </a:moveTo>
+                <a:lnTo>
+                  <a:pt x="2858013" y="0"/>
+                </a:lnTo>
+                <a:lnTo>
+                  <a:pt x="2858013" y="6866467"/>
+                </a:lnTo>
+                <a:lnTo>
+                  <a:pt x="2473942" y="6866467"/>
+                </a:lnTo>
+                <a:lnTo>
+                  <a:pt x="0" y="0"/>
+                </a:lnTo>
+                <a:close/>
+              </a:path>
+            </a:pathLst>
+          </a:custGeom>
+          <a:solidFill>
+            <a:schemeClr val="accent2">
+              <a:lumMod val="75000"/>
+              <a:alpha val="70000"/>
+            </a:schemeClr>
+          </a:solidFill>
+          <a:ln>
+            <a:noFill/>
+          </a:ln>
+          <a:effectLst/>
+        </p:spPr>
+        <p:style>
+          <a:lnRef idx="1">
+            <a:schemeClr val="accent1"/>
+          </a:lnRef>
+          <a:fillRef idx="3">
+            <a:schemeClr val="accent1"/>
+          </a:fillRef>
+          <a:effectRef idx="2">
+            <a:schemeClr val="accent1"/>
+          </a:effectRef>
+          <a:fontRef idx="minor">
+            <a:schemeClr val="lt1"/>
+          </a:fontRef>
+        </p:style>
+      </p:sp>
+      <p:sp>
+        <p:nvSpPr>
+          <p:cNvPr id="24" name="Isosceles Triangle 23">
+            <a:extLst>
+              <a:ext uri="{FF2B5EF4-FFF2-40B4-BE49-F238E27FC236}">
+                <a16:creationId xmlns:a16="http://schemas.microsoft.com/office/drawing/2014/main" id="{1F9D6ACB-2FF4-49F9-978A-E0D5327FC635}"/>
+              </a:ext>
+              <a:ext uri="{C183D7F6-B498-43B3-948B-1728B52AA6E4}">
+                <adec:decorative xmlns:adec="http://schemas.microsoft.com/office/drawing/2017/decorative" val="1"/>
+              </a:ext>
+            </a:extLst>
+          </p:cNvPr>
+          <p:cNvSpPr>
+            <a:spLocks noGrp="1" noRot="1" noChangeAspect="1" noMove="1" noResize="1" noEditPoints="1" noAdjustHandles="1" noChangeArrowheads="1" noChangeShapeType="1" noTextEdit="1"/>
+          </p:cNvSpPr>
+          <p:nvPr>
+            <p:extLst>
+              <p:ext uri="{386F3935-93C4-4BCD-93E2-E3B085C9AB24}">
+                <p16:designElem xmlns:p16="http://schemas.microsoft.com/office/powerpoint/2015/main" val="1"/>
+              </p:ext>
+            </p:extLst>
+          </p:nvPr>
+        </p:nvSpPr>
+        <p:spPr>
+          <a:xfrm>
+            <a:off x="4514821" y="3589867"/>
+            <a:ext cx="1817159" cy="3268133"/>
+          </a:xfrm>
+          <a:prstGeom prst="triangle">
+            <a:avLst>
+              <a:gd name="adj" fmla="val 100000"/>
+            </a:avLst>
+          </a:prstGeom>
+          <a:solidFill>
+            <a:schemeClr val="accent1">
+              <a:alpha val="80000"/>
+            </a:schemeClr>
+          </a:solidFill>
+          <a:ln>
+            <a:noFill/>
+          </a:ln>
+          <a:effectLst/>
+        </p:spPr>
+        <p:style>
+          <a:lnRef idx="1">
+            <a:schemeClr val="accent1"/>
+          </a:lnRef>
+          <a:fillRef idx="3">
+            <a:schemeClr val="accent1"/>
+          </a:fillRef>
+          <a:effectRef idx="2">
+            <a:schemeClr val="accent1"/>
+          </a:effectRef>
+          <a:fontRef idx="minor">
+            <a:schemeClr val="lt1"/>
+          </a:fontRef>
+        </p:style>
+      </p:sp>
+      <p:sp>
+        <p:nvSpPr>
+          <p:cNvPr id="26" name="Freeform: Shape 25">
+            <a:extLst>
+              <a:ext uri="{FF2B5EF4-FFF2-40B4-BE49-F238E27FC236}">
+                <a16:creationId xmlns:a16="http://schemas.microsoft.com/office/drawing/2014/main" id="{142BFA2A-77A0-4F60-A32A-685681C84889}"/>
+              </a:ext>
+              <a:ext uri="{C183D7F6-B498-43B3-948B-1728B52AA6E4}">
+                <adec:decorative xmlns:adec="http://schemas.microsoft.com/office/drawing/2017/decorative" val="1"/>
+              </a:ext>
+            </a:extLst>
+          </p:cNvPr>
+          <p:cNvSpPr>
+            <a:spLocks noGrp="1" noRot="1" noChangeAspect="1" noMove="1" noResize="1" noEditPoints="1" noAdjustHandles="1" noChangeArrowheads="1" noChangeShapeType="1" noTextEdit="1"/>
+          </p:cNvSpPr>
+          <p:nvPr>
+            <p:extLst>
+              <p:ext uri="{386F3935-93C4-4BCD-93E2-E3B085C9AB24}">
+                <p16:designElem xmlns:p16="http://schemas.microsoft.com/office/powerpoint/2015/main" val="1"/>
+              </p:ext>
+            </p:extLst>
+          </p:nvPr>
+        </p:nvSpPr>
+        <p:spPr>
+          <a:xfrm>
+            <a:off x="5082154" y="-8467"/>
+            <a:ext cx="7109846" cy="6866467"/>
+          </a:xfrm>
+          <a:custGeom>
+            <a:avLst/>
+            <a:gdLst>
+              <a:gd name="connsiteX0" fmla="*/ 0 w 7109846"/>
+              <a:gd name="connsiteY0" fmla="*/ 0 h 6866467"/>
+              <a:gd name="connsiteX1" fmla="*/ 1249825 w 7109846"/>
+              <a:gd name="connsiteY1" fmla="*/ 0 h 6866467"/>
+              <a:gd name="connsiteX2" fmla="*/ 1249825 w 7109846"/>
+              <a:gd name="connsiteY2" fmla="*/ 8467 h 6866467"/>
+              <a:gd name="connsiteX3" fmla="*/ 7109846 w 7109846"/>
+              <a:gd name="connsiteY3" fmla="*/ 8467 h 6866467"/>
+              <a:gd name="connsiteX4" fmla="*/ 7109846 w 7109846"/>
+              <a:gd name="connsiteY4" fmla="*/ 6866467 h 6866467"/>
+              <a:gd name="connsiteX5" fmla="*/ 1249825 w 7109846"/>
+              <a:gd name="connsiteY5" fmla="*/ 6866467 h 6866467"/>
+              <a:gd name="connsiteX6" fmla="*/ 1109382 w 7109846"/>
+              <a:gd name="connsiteY6" fmla="*/ 6866467 h 6866467"/>
+            </a:gdLst>
+            <a:ahLst/>
+            <a:cxnLst>
+              <a:cxn ang="0">
+                <a:pos x="connsiteX0" y="connsiteY0"/>
+              </a:cxn>
+              <a:cxn ang="0">
+                <a:pos x="connsiteX1" y="connsiteY1"/>
+              </a:cxn>
+              <a:cxn ang="0">
+                <a:pos x="connsiteX2" y="connsiteY2"/>
+              </a:cxn>
+              <a:cxn ang="0">
+                <a:pos x="connsiteX3" y="connsiteY3"/>
+              </a:cxn>
+              <a:cxn ang="0">
+                <a:pos x="connsiteX4" y="connsiteY4"/>
+              </a:cxn>
+              <a:cxn ang="0">
+                <a:pos x="connsiteX5" y="connsiteY5"/>
+              </a:cxn>
+              <a:cxn ang="0">
+                <a:pos x="connsiteX6" y="connsiteY6"/>
+              </a:cxn>
+            </a:cxnLst>
+            <a:rect l="l" t="t" r="r" b="b"/>
+            <a:pathLst>
+              <a:path w="7109846" h="6866467">
+                <a:moveTo>
+                  <a:pt x="0" y="0"/>
+                </a:moveTo>
+                <a:lnTo>
+                  <a:pt x="1249825" y="0"/>
+                </a:lnTo>
+                <a:lnTo>
+                  <a:pt x="1249825" y="8467"/>
+                </a:lnTo>
+                <a:lnTo>
+                  <a:pt x="7109846" y="8467"/>
+                </a:lnTo>
+                <a:lnTo>
+                  <a:pt x="7109846" y="6866467"/>
+                </a:lnTo>
+                <a:lnTo>
+                  <a:pt x="1249825" y="6866467"/>
+                </a:lnTo>
+                <a:lnTo>
+                  <a:pt x="1109382" y="6866467"/>
+                </a:lnTo>
+                <a:close/>
+              </a:path>
+            </a:pathLst>
+          </a:custGeom>
+          <a:solidFill>
+            <a:schemeClr val="accent1">
+              <a:lumMod val="75000"/>
+            </a:schemeClr>
+          </a:solidFill>
+          <a:ln>
+            <a:noFill/>
+          </a:ln>
+        </p:spPr>
+        <p:style>
+          <a:lnRef idx="2">
+            <a:schemeClr val="accent1">
+              <a:shade val="50000"/>
+            </a:schemeClr>
+          </a:lnRef>
+          <a:fillRef idx="1">
+            <a:schemeClr val="accent1"/>
+          </a:fillRef>
+          <a:effectRef idx="0">
+            <a:schemeClr val="accent1"/>
+          </a:effectRef>
+          <a:fontRef idx="minor">
+            <a:schemeClr val="lt1"/>
+          </a:fontRef>
+        </p:style>
+        <p:txBody>
+          <a:bodyPr wrap="square" rtlCol="0" anchor="ctr">
+            <a:noAutofit/>
+          </a:bodyPr>
+          <a:lstStyle/>
+          <a:p>
+            <a:pPr algn="ctr"/>
+            <a:endParaRPr lang="en-US"/>
+          </a:p>
+        </p:txBody>
+      </p:sp>
       <p:sp>
         <p:nvSpPr>
           <p:cNvPr id="2" name="Title 1">
@@ -4992,13 +6874,27 @@
             <p:ph type="title"/>
           </p:nvPr>
         </p:nvSpPr>
-        <p:spPr/>
-        <p:txBody>
-          <a:bodyPr/>
-          <a:lstStyle/>
-          <a:p>
-            <a:r>
-              <a:rPr lang="en-US" dirty="0"/>
+        <p:spPr>
+          <a:xfrm>
+            <a:off x="677334" y="609599"/>
+            <a:ext cx="3843375" cy="5545667"/>
+          </a:xfrm>
+        </p:spPr>
+        <p:txBody>
+          <a:bodyPr anchor="ctr">
+            <a:normAutofit/>
+          </a:bodyPr>
+          <a:lstStyle/>
+          <a:p>
+            <a:r>
+              <a:rPr lang="en-US" sz="3600">
+                <a:solidFill>
+                  <a:schemeClr val="tx1">
+                    <a:lumMod val="85000"/>
+                    <a:lumOff val="15000"/>
+                  </a:schemeClr>
+                </a:solidFill>
+              </a:rPr>
               <a:t>Challenges – Visual Novel</a:t>
             </a:r>
           </a:p>
@@ -5020,39 +6916,106 @@
             <p:ph idx="1"/>
           </p:nvPr>
         </p:nvSpPr>
-        <p:spPr/>
-        <p:txBody>
-          <a:bodyPr/>
-          <a:lstStyle/>
-          <a:p>
-            <a:r>
-              <a:rPr lang="en-US" dirty="0"/>
-              <a:t>The game will include a visual novel element. </a:t>
+        <p:spPr>
+          <a:xfrm>
+            <a:off x="6116084" y="609600"/>
+            <a:ext cx="5511296" cy="5545667"/>
+          </a:xfrm>
+        </p:spPr>
+        <p:txBody>
+          <a:bodyPr anchor="ctr">
+            <a:normAutofit/>
+          </a:bodyPr>
+          <a:lstStyle/>
+          <a:p>
+            <a:r>
+              <a:rPr lang="en-US">
+                <a:solidFill>
+                  <a:srgbClr val="FFFFFF"/>
+                </a:solidFill>
+              </a:rPr>
+              <a:t>Smoothly combining with dress-up game</a:t>
             </a:r>
           </a:p>
           <a:p>
             <a:pPr lvl="1"/>
             <a:r>
-              <a:rPr lang="en-US" dirty="0"/>
-              <a:t>Display the story text, possibly from an outside file</a:t>
+              <a:rPr lang="en-US">
+                <a:solidFill>
+                  <a:srgbClr val="FFFFFF"/>
+                </a:solidFill>
+              </a:rPr>
+              <a:t>There may be branching story repercussions based on the score in the minigame</a:t>
             </a:r>
           </a:p>
           <a:p>
             <a:pPr lvl="1"/>
             <a:r>
-              <a:rPr lang="en-US" dirty="0"/>
-              <a:t>Method time images to match text</a:t>
+              <a:rPr lang="en-US">
+                <a:solidFill>
+                  <a:srgbClr val="FFFFFF"/>
+                </a:solidFill>
+              </a:rPr>
+              <a:t>The outfit the main character is wearing may change based on it</a:t>
             </a:r>
           </a:p>
           <a:p>
             <a:pPr lvl="1"/>
-            <a:r>
-              <a:rPr lang="en-US" dirty="0"/>
-              <a:t>Give user ability to select branching stories</a:t>
-            </a:r>
-          </a:p>
-          <a:p>
-            <a:endParaRPr lang="en-US" dirty="0"/>
+            <a:endParaRPr lang="en-US">
+              <a:solidFill>
+                <a:srgbClr val="FFFFFF"/>
+              </a:solidFill>
+            </a:endParaRPr>
+          </a:p>
+          <a:p>
+            <a:pPr lvl="1"/>
+            <a:r>
+              <a:rPr lang="en-US">
+                <a:solidFill>
+                  <a:srgbClr val="FFFFFF"/>
+                </a:solidFill>
+              </a:rPr>
+              <a:t>The Windows Forms App in Visual Studio is ultimately not ideal for this project</a:t>
+            </a:r>
+          </a:p>
+          <a:p>
+            <a:pPr lvl="2"/>
+            <a:r>
+              <a:rPr lang="en-US">
+                <a:solidFill>
+                  <a:srgbClr val="FFFFFF"/>
+                </a:solidFill>
+              </a:rPr>
+              <a:t>The method I’m familiar with was for making forms with multiple windows, this project should all be out of one windows</a:t>
+            </a:r>
+          </a:p>
+          <a:p>
+            <a:pPr lvl="2"/>
+            <a:r>
+              <a:rPr lang="en-US">
+                <a:solidFill>
+                  <a:srgbClr val="FFFFFF"/>
+                </a:solidFill>
+              </a:rPr>
+              <a:t>We have decided to switch to Udemy, but as none of us are overly familiar with it that will include a higher learning curve.</a:t>
+            </a:r>
+          </a:p>
+          <a:p>
+            <a:pPr marL="0" indent="0">
+              <a:buNone/>
+            </a:pPr>
+            <a:endParaRPr lang="en-US">
+              <a:solidFill>
+                <a:srgbClr val="FFFFFF"/>
+              </a:solidFill>
+            </a:endParaRPr>
+          </a:p>
+          <a:p>
+            <a:endParaRPr lang="en-US">
+              <a:solidFill>
+                <a:srgbClr val="FFFFFF"/>
+              </a:solidFill>
+            </a:endParaRPr>
           </a:p>
         </p:txBody>
       </p:sp>
@@ -5064,7 +7027,7 @@
     </p:extLst>
   </p:cSld>
   <p:clrMapOvr>
-    <a:masterClrMapping/>
+    <a:overrideClrMapping bg1="dk1" tx1="lt1" bg2="dk2" tx2="lt2" accent1="accent1" accent2="accent2" accent3="accent3" accent4="accent4" accent5="accent5" accent6="accent6" hlink="hlink" folHlink="folHlink"/>
   </p:clrMapOvr>
 </p:sld>
 </file>
@@ -5736,12 +7699,12 @@
           <a:chExt cx="0" cy="0"/>
         </a:xfrm>
       </p:grpSpPr>
-      <p:sp>
-        <p:nvSpPr>
-          <p:cNvPr id="12" name="Rectangle 11">
+      <p:sp useBgFill="1">
+        <p:nvSpPr>
+          <p:cNvPr id="43" name="Rectangle 13">
             <a:extLst>
               <a:ext uri="{FF2B5EF4-FFF2-40B4-BE49-F238E27FC236}">
-                <a16:creationId xmlns:a16="http://schemas.microsoft.com/office/drawing/2014/main" id="{B6EE7E08-B389-43E5-B019-1B0A8ACBBD93}"/>
+                <a16:creationId xmlns:a16="http://schemas.microsoft.com/office/drawing/2014/main" id="{A65AC7D1-EAA9-48F5-B509-60A7F50BF703}"/>
               </a:ext>
               <a:ext uri="{C183D7F6-B498-43B3-948B-1728B52AA6E4}">
                 <adec:decorative xmlns:adec="http://schemas.microsoft.com/office/drawing/2017/decorative" val="1"/>
@@ -5761,14 +7724,668 @@
         </p:nvSpPr>
         <p:spPr>
           <a:xfrm>
-            <a:off x="-1" y="0"/>
-            <a:ext cx="12192001" cy="6858000"/>
+            <a:off x="0" y="0"/>
+            <a:ext cx="12192000" cy="6858000"/>
           </a:xfrm>
           <a:prstGeom prst="rect">
             <a:avLst/>
           </a:prstGeom>
+          <a:ln>
+            <a:noFill/>
+          </a:ln>
+        </p:spPr>
+        <p:style>
+          <a:lnRef idx="2">
+            <a:schemeClr val="accent1">
+              <a:shade val="50000"/>
+            </a:schemeClr>
+          </a:lnRef>
+          <a:fillRef idx="1">
+            <a:schemeClr val="accent1"/>
+          </a:fillRef>
+          <a:effectRef idx="0">
+            <a:schemeClr val="accent1"/>
+          </a:effectRef>
+          <a:fontRef idx="minor">
+            <a:schemeClr val="lt1"/>
+          </a:fontRef>
+        </p:style>
+        <p:txBody>
+          <a:bodyPr rtlCol="0" anchor="ctr"/>
+          <a:lstStyle/>
+          <a:p>
+            <a:pPr algn="ctr"/>
+            <a:endParaRPr lang="en-US" dirty="0"/>
+          </a:p>
+        </p:txBody>
+      </p:sp>
+      <p:sp useBgFill="1">
+        <p:nvSpPr>
+          <p:cNvPr id="16" name="Rectangle 15">
+            <a:extLst>
+              <a:ext uri="{FF2B5EF4-FFF2-40B4-BE49-F238E27FC236}">
+                <a16:creationId xmlns:a16="http://schemas.microsoft.com/office/drawing/2014/main" id="{D6320AF9-619A-4175-865B-5663E1AEF4C5}"/>
+              </a:ext>
+              <a:ext uri="{C183D7F6-B498-43B3-948B-1728B52AA6E4}">
+                <adec:decorative xmlns:adec="http://schemas.microsoft.com/office/drawing/2017/decorative" val="1"/>
+              </a:ext>
+            </a:extLst>
+          </p:cNvPr>
+          <p:cNvSpPr>
+            <a:spLocks noGrp="1" noRot="1" noChangeAspect="1" noMove="1" noResize="1" noEditPoints="1" noAdjustHandles="1" noChangeArrowheads="1" noChangeShapeType="1" noTextEdit="1"/>
+          </p:cNvSpPr>
+          <p:nvPr>
+            <p:extLst>
+              <p:ext uri="{386F3935-93C4-4BCD-93E2-E3B085C9AB24}">
+                <p16:designElem xmlns:p16="http://schemas.microsoft.com/office/powerpoint/2015/main" val="1"/>
+              </p:ext>
+            </p:extLst>
+          </p:nvPr>
+        </p:nvSpPr>
+        <p:spPr>
+          <a:xfrm>
+            <a:off x="0" y="0"/>
+            <a:ext cx="12192000" cy="6858000"/>
+          </a:xfrm>
+          <a:prstGeom prst="rect">
+            <a:avLst/>
+          </a:prstGeom>
+          <a:ln>
+            <a:noFill/>
+          </a:ln>
+        </p:spPr>
+        <p:style>
+          <a:lnRef idx="2">
+            <a:schemeClr val="accent1">
+              <a:shade val="50000"/>
+            </a:schemeClr>
+          </a:lnRef>
+          <a:fillRef idx="1">
+            <a:schemeClr val="accent1"/>
+          </a:fillRef>
+          <a:effectRef idx="0">
+            <a:schemeClr val="accent1"/>
+          </a:effectRef>
+          <a:fontRef idx="minor">
+            <a:schemeClr val="lt1"/>
+          </a:fontRef>
+        </p:style>
+        <p:txBody>
+          <a:bodyPr rtlCol="0" anchor="ctr"/>
+          <a:lstStyle/>
+          <a:p>
+            <a:pPr algn="ctr"/>
+            <a:endParaRPr lang="en-US"/>
+          </a:p>
+        </p:txBody>
+      </p:sp>
+      <p:cxnSp>
+        <p:nvCxnSpPr>
+          <p:cNvPr id="18" name="Straight Connector 17">
+            <a:extLst>
+              <a:ext uri="{FF2B5EF4-FFF2-40B4-BE49-F238E27FC236}">
+                <a16:creationId xmlns:a16="http://schemas.microsoft.com/office/drawing/2014/main" id="{063B6EC6-D752-4EE7-908B-F8F19E8C7FEA}"/>
+              </a:ext>
+              <a:ext uri="{C183D7F6-B498-43B3-948B-1728B52AA6E4}">
+                <adec:decorative xmlns:adec="http://schemas.microsoft.com/office/drawing/2017/decorative" val="1"/>
+              </a:ext>
+            </a:extLst>
+          </p:cNvPr>
+          <p:cNvCxnSpPr>
+            <a:cxnSpLocks noGrp="1" noRot="1" noChangeAspect="1" noMove="1" noResize="1" noEditPoints="1" noAdjustHandles="1" noChangeArrowheads="1" noChangeShapeType="1"/>
+          </p:cNvCxnSpPr>
+          <p:nvPr>
+            <p:extLst>
+              <p:ext uri="{386F3935-93C4-4BCD-93E2-E3B085C9AB24}">
+                <p16:designElem xmlns:p16="http://schemas.microsoft.com/office/powerpoint/2015/main" val="1"/>
+              </p:ext>
+            </p:extLst>
+          </p:nvPr>
+        </p:nvCxnSpPr>
+        <p:spPr>
+          <a:xfrm>
+            <a:off x="5111313" y="0"/>
+            <a:ext cx="1219200" cy="6858000"/>
+          </a:xfrm>
+          <a:prstGeom prst="line">
+            <a:avLst/>
+          </a:prstGeom>
+          <a:ln w="9525">
+            <a:solidFill>
+              <a:schemeClr val="accent1">
+                <a:lumMod val="75000"/>
+              </a:schemeClr>
+            </a:solidFill>
+          </a:ln>
+        </p:spPr>
+        <p:style>
+          <a:lnRef idx="2">
+            <a:schemeClr val="accent1"/>
+          </a:lnRef>
+          <a:fillRef idx="0">
+            <a:schemeClr val="accent1"/>
+          </a:fillRef>
+          <a:effectRef idx="1">
+            <a:schemeClr val="accent1"/>
+          </a:effectRef>
+          <a:fontRef idx="minor">
+            <a:schemeClr val="tx1"/>
+          </a:fontRef>
+        </p:style>
+      </p:cxnSp>
+      <p:cxnSp>
+        <p:nvCxnSpPr>
+          <p:cNvPr id="20" name="Straight Connector 19">
+            <a:extLst>
+              <a:ext uri="{FF2B5EF4-FFF2-40B4-BE49-F238E27FC236}">
+                <a16:creationId xmlns:a16="http://schemas.microsoft.com/office/drawing/2014/main" id="{EFECD4E8-AD3E-4228-82A2-9461958EA94D}"/>
+              </a:ext>
+              <a:ext uri="{C183D7F6-B498-43B3-948B-1728B52AA6E4}">
+                <adec:decorative xmlns:adec="http://schemas.microsoft.com/office/drawing/2017/decorative" val="1"/>
+              </a:ext>
+            </a:extLst>
+          </p:cNvPr>
+          <p:cNvCxnSpPr>
+            <a:cxnSpLocks noGrp="1" noRot="1" noChangeAspect="1" noMove="1" noResize="1" noEditPoints="1" noAdjustHandles="1" noChangeArrowheads="1" noChangeShapeType="1"/>
+          </p:cNvCxnSpPr>
+          <p:nvPr>
+            <p:extLst>
+              <p:ext uri="{386F3935-93C4-4BCD-93E2-E3B085C9AB24}">
+                <p16:designElem xmlns:p16="http://schemas.microsoft.com/office/powerpoint/2015/main" val="1"/>
+              </p:ext>
+            </p:extLst>
+          </p:nvPr>
+        </p:nvCxnSpPr>
+        <p:spPr>
+          <a:xfrm flipH="1">
+            <a:off x="3290979" y="3681413"/>
+            <a:ext cx="4763558" cy="3176587"/>
+          </a:xfrm>
+          <a:prstGeom prst="line">
+            <a:avLst/>
+          </a:prstGeom>
+          <a:ln w="9525">
+            <a:solidFill>
+              <a:schemeClr val="tx1">
+                <a:lumMod val="50000"/>
+                <a:lumOff val="50000"/>
+                <a:alpha val="80000"/>
+              </a:schemeClr>
+            </a:solidFill>
+          </a:ln>
+        </p:spPr>
+        <p:style>
+          <a:lnRef idx="2">
+            <a:schemeClr val="accent1"/>
+          </a:lnRef>
+          <a:fillRef idx="0">
+            <a:schemeClr val="accent1"/>
+          </a:fillRef>
+          <a:effectRef idx="1">
+            <a:schemeClr val="accent1"/>
+          </a:effectRef>
+          <a:fontRef idx="minor">
+            <a:schemeClr val="tx1"/>
+          </a:fontRef>
+        </p:style>
+      </p:cxnSp>
+      <p:sp>
+        <p:nvSpPr>
+          <p:cNvPr id="22" name="Rectangle 23">
+            <a:extLst>
+              <a:ext uri="{FF2B5EF4-FFF2-40B4-BE49-F238E27FC236}">
+                <a16:creationId xmlns:a16="http://schemas.microsoft.com/office/drawing/2014/main" id="{7E018740-5C2B-4A41-AC1A-7E68D1EC1954}"/>
+              </a:ext>
+              <a:ext uri="{C183D7F6-B498-43B3-948B-1728B52AA6E4}">
+                <adec:decorative xmlns:adec="http://schemas.microsoft.com/office/drawing/2017/decorative" val="1"/>
+              </a:ext>
+            </a:extLst>
+          </p:cNvPr>
+          <p:cNvSpPr>
+            <a:spLocks noGrp="1" noRot="1" noChangeAspect="1" noMove="1" noResize="1" noEditPoints="1" noAdjustHandles="1" noChangeArrowheads="1" noChangeShapeType="1" noTextEdit="1"/>
+          </p:cNvSpPr>
+          <p:nvPr>
+            <p:extLst>
+              <p:ext uri="{386F3935-93C4-4BCD-93E2-E3B085C9AB24}">
+                <p16:designElem xmlns:p16="http://schemas.microsoft.com/office/powerpoint/2015/main" val="1"/>
+              </p:ext>
+            </p:extLst>
+          </p:nvPr>
+        </p:nvSpPr>
+        <p:spPr>
+          <a:xfrm>
+            <a:off x="4482568" y="-8467"/>
+            <a:ext cx="3007349" cy="6866467"/>
+          </a:xfrm>
+          <a:custGeom>
+            <a:avLst/>
+            <a:gdLst/>
+            <a:ahLst/>
+            <a:cxnLst/>
+            <a:rect l="l" t="t" r="r" b="b"/>
+            <a:pathLst>
+              <a:path w="3007349" h="6866467">
+                <a:moveTo>
+                  <a:pt x="2045532" y="0"/>
+                </a:moveTo>
+                <a:lnTo>
+                  <a:pt x="3007349" y="0"/>
+                </a:lnTo>
+                <a:lnTo>
+                  <a:pt x="3007349" y="6866467"/>
+                </a:lnTo>
+                <a:lnTo>
+                  <a:pt x="0" y="6866467"/>
+                </a:lnTo>
+                <a:lnTo>
+                  <a:pt x="2045532" y="0"/>
+                </a:lnTo>
+                <a:close/>
+              </a:path>
+            </a:pathLst>
+          </a:custGeom>
           <a:solidFill>
-            <a:srgbClr val="FFFFFF"/>
+            <a:schemeClr val="accent1">
+              <a:alpha val="30000"/>
+            </a:schemeClr>
+          </a:solidFill>
+          <a:ln>
+            <a:noFill/>
+          </a:ln>
+          <a:effectLst/>
+        </p:spPr>
+        <p:style>
+          <a:lnRef idx="1">
+            <a:schemeClr val="accent1"/>
+          </a:lnRef>
+          <a:fillRef idx="3">
+            <a:schemeClr val="accent1"/>
+          </a:fillRef>
+          <a:effectRef idx="2">
+            <a:schemeClr val="accent1"/>
+          </a:effectRef>
+          <a:fontRef idx="minor">
+            <a:schemeClr val="lt1"/>
+          </a:fontRef>
+        </p:style>
+      </p:sp>
+      <p:sp>
+        <p:nvSpPr>
+          <p:cNvPr id="24" name="Rectangle 25">
+            <a:extLst>
+              <a:ext uri="{FF2B5EF4-FFF2-40B4-BE49-F238E27FC236}">
+                <a16:creationId xmlns:a16="http://schemas.microsoft.com/office/drawing/2014/main" id="{166F75A4-C475-4941-8EE2-B80A06A2C1BB}"/>
+              </a:ext>
+              <a:ext uri="{C183D7F6-B498-43B3-948B-1728B52AA6E4}">
+                <adec:decorative xmlns:adec="http://schemas.microsoft.com/office/drawing/2017/decorative" val="1"/>
+              </a:ext>
+            </a:extLst>
+          </p:cNvPr>
+          <p:cNvSpPr>
+            <a:spLocks noGrp="1" noRot="1" noChangeAspect="1" noMove="1" noResize="1" noEditPoints="1" noAdjustHandles="1" noChangeArrowheads="1" noChangeShapeType="1" noTextEdit="1"/>
+          </p:cNvSpPr>
+          <p:nvPr>
+            <p:extLst>
+              <p:ext uri="{386F3935-93C4-4BCD-93E2-E3B085C9AB24}">
+                <p16:designElem xmlns:p16="http://schemas.microsoft.com/office/powerpoint/2015/main" val="1"/>
+              </p:ext>
+            </p:extLst>
+          </p:nvPr>
+        </p:nvSpPr>
+        <p:spPr>
+          <a:xfrm>
+            <a:off x="4904534" y="-8467"/>
+            <a:ext cx="2588558" cy="6866467"/>
+          </a:xfrm>
+          <a:custGeom>
+            <a:avLst/>
+            <a:gdLst/>
+            <a:ahLst/>
+            <a:cxnLst/>
+            <a:rect l="l" t="t" r="r" b="b"/>
+            <a:pathLst>
+              <a:path w="2573311" h="6866467">
+                <a:moveTo>
+                  <a:pt x="0" y="0"/>
+                </a:moveTo>
+                <a:lnTo>
+                  <a:pt x="2573311" y="0"/>
+                </a:lnTo>
+                <a:lnTo>
+                  <a:pt x="2573311" y="6866467"/>
+                </a:lnTo>
+                <a:lnTo>
+                  <a:pt x="1202336" y="6866467"/>
+                </a:lnTo>
+                <a:lnTo>
+                  <a:pt x="0" y="0"/>
+                </a:lnTo>
+                <a:close/>
+              </a:path>
+            </a:pathLst>
+          </a:custGeom>
+          <a:solidFill>
+            <a:schemeClr val="accent1">
+              <a:alpha val="20000"/>
+            </a:schemeClr>
+          </a:solidFill>
+          <a:ln>
+            <a:noFill/>
+          </a:ln>
+          <a:effectLst/>
+        </p:spPr>
+        <p:style>
+          <a:lnRef idx="1">
+            <a:schemeClr val="accent1"/>
+          </a:lnRef>
+          <a:fillRef idx="3">
+            <a:schemeClr val="accent1"/>
+          </a:fillRef>
+          <a:effectRef idx="2">
+            <a:schemeClr val="accent1"/>
+          </a:effectRef>
+          <a:fontRef idx="minor">
+            <a:schemeClr val="lt1"/>
+          </a:fontRef>
+        </p:style>
+      </p:sp>
+      <p:sp>
+        <p:nvSpPr>
+          <p:cNvPr id="26" name="Isosceles Triangle 25">
+            <a:extLst>
+              <a:ext uri="{FF2B5EF4-FFF2-40B4-BE49-F238E27FC236}">
+                <a16:creationId xmlns:a16="http://schemas.microsoft.com/office/drawing/2014/main" id="{A032553A-72E8-4B0D-8405-FF9771C9AF05}"/>
+              </a:ext>
+              <a:ext uri="{C183D7F6-B498-43B3-948B-1728B52AA6E4}">
+                <adec:decorative xmlns:adec="http://schemas.microsoft.com/office/drawing/2017/decorative" val="1"/>
+              </a:ext>
+            </a:extLst>
+          </p:cNvPr>
+          <p:cNvSpPr>
+            <a:spLocks noGrp="1" noRot="1" noChangeAspect="1" noMove="1" noResize="1" noEditPoints="1" noAdjustHandles="1" noChangeArrowheads="1" noChangeShapeType="1" noTextEdit="1"/>
+          </p:cNvSpPr>
+          <p:nvPr>
+            <p:extLst>
+              <p:ext uri="{386F3935-93C4-4BCD-93E2-E3B085C9AB24}">
+                <p16:designElem xmlns:p16="http://schemas.microsoft.com/office/powerpoint/2015/main" val="1"/>
+              </p:ext>
+            </p:extLst>
+          </p:nvPr>
+        </p:nvSpPr>
+        <p:spPr>
+          <a:xfrm>
+            <a:off x="4233425" y="3048000"/>
+            <a:ext cx="3259667" cy="3810000"/>
+          </a:xfrm>
+          <a:prstGeom prst="triangle">
+            <a:avLst>
+              <a:gd name="adj" fmla="val 100000"/>
+            </a:avLst>
+          </a:prstGeom>
+          <a:solidFill>
+            <a:schemeClr val="accent2">
+              <a:alpha val="72000"/>
+            </a:schemeClr>
+          </a:solidFill>
+          <a:ln>
+            <a:noFill/>
+          </a:ln>
+          <a:effectLst/>
+        </p:spPr>
+        <p:style>
+          <a:lnRef idx="1">
+            <a:schemeClr val="accent1"/>
+          </a:lnRef>
+          <a:fillRef idx="3">
+            <a:schemeClr val="accent1"/>
+          </a:fillRef>
+          <a:effectRef idx="2">
+            <a:schemeClr val="accent1"/>
+          </a:effectRef>
+          <a:fontRef idx="minor">
+            <a:schemeClr val="lt1"/>
+          </a:fontRef>
+        </p:style>
+      </p:sp>
+      <p:sp>
+        <p:nvSpPr>
+          <p:cNvPr id="28" name="Rectangle 27">
+            <a:extLst>
+              <a:ext uri="{FF2B5EF4-FFF2-40B4-BE49-F238E27FC236}">
+                <a16:creationId xmlns:a16="http://schemas.microsoft.com/office/drawing/2014/main" id="{765800AC-C3B9-498E-87BC-29FAE4C76B21}"/>
+              </a:ext>
+              <a:ext uri="{C183D7F6-B498-43B3-948B-1728B52AA6E4}">
+                <adec:decorative xmlns:adec="http://schemas.microsoft.com/office/drawing/2017/decorative" val="1"/>
+              </a:ext>
+            </a:extLst>
+          </p:cNvPr>
+          <p:cNvSpPr>
+            <a:spLocks noGrp="1" noRot="1" noChangeAspect="1" noMove="1" noResize="1" noEditPoints="1" noAdjustHandles="1" noChangeArrowheads="1" noChangeShapeType="1" noTextEdit="1"/>
+          </p:cNvSpPr>
+          <p:nvPr>
+            <p:extLst>
+              <p:ext uri="{386F3935-93C4-4BCD-93E2-E3B085C9AB24}">
+                <p16:designElem xmlns:p16="http://schemas.microsoft.com/office/powerpoint/2015/main" val="1"/>
+              </p:ext>
+            </p:extLst>
+          </p:nvPr>
+        </p:nvSpPr>
+        <p:spPr>
+          <a:xfrm>
+            <a:off x="4635592" y="-8467"/>
+            <a:ext cx="2854326" cy="6866467"/>
+          </a:xfrm>
+          <a:custGeom>
+            <a:avLst/>
+            <a:gdLst/>
+            <a:ahLst/>
+            <a:cxnLst/>
+            <a:rect l="l" t="t" r="r" b="b"/>
+            <a:pathLst>
+              <a:path w="2858013" h="6866467">
+                <a:moveTo>
+                  <a:pt x="0" y="0"/>
+                </a:moveTo>
+                <a:lnTo>
+                  <a:pt x="2858013" y="0"/>
+                </a:lnTo>
+                <a:lnTo>
+                  <a:pt x="2858013" y="6866467"/>
+                </a:lnTo>
+                <a:lnTo>
+                  <a:pt x="2473942" y="6866467"/>
+                </a:lnTo>
+                <a:lnTo>
+                  <a:pt x="0" y="0"/>
+                </a:lnTo>
+                <a:close/>
+              </a:path>
+            </a:pathLst>
+          </a:custGeom>
+          <a:solidFill>
+            <a:schemeClr val="accent2">
+              <a:lumMod val="75000"/>
+              <a:alpha val="70000"/>
+            </a:schemeClr>
+          </a:solidFill>
+          <a:ln>
+            <a:noFill/>
+          </a:ln>
+          <a:effectLst/>
+        </p:spPr>
+        <p:style>
+          <a:lnRef idx="1">
+            <a:schemeClr val="accent1"/>
+          </a:lnRef>
+          <a:fillRef idx="3">
+            <a:schemeClr val="accent1"/>
+          </a:fillRef>
+          <a:effectRef idx="2">
+            <a:schemeClr val="accent1"/>
+          </a:effectRef>
+          <a:fontRef idx="minor">
+            <a:schemeClr val="lt1"/>
+          </a:fontRef>
+        </p:style>
+      </p:sp>
+      <p:sp>
+        <p:nvSpPr>
+          <p:cNvPr id="30" name="Isosceles Triangle 29">
+            <a:extLst>
+              <a:ext uri="{FF2B5EF4-FFF2-40B4-BE49-F238E27FC236}">
+                <a16:creationId xmlns:a16="http://schemas.microsoft.com/office/drawing/2014/main" id="{1F9D6ACB-2FF4-49F9-978A-E0D5327FC635}"/>
+              </a:ext>
+              <a:ext uri="{C183D7F6-B498-43B3-948B-1728B52AA6E4}">
+                <adec:decorative xmlns:adec="http://schemas.microsoft.com/office/drawing/2017/decorative" val="1"/>
+              </a:ext>
+            </a:extLst>
+          </p:cNvPr>
+          <p:cNvSpPr>
+            <a:spLocks noGrp="1" noRot="1" noChangeAspect="1" noMove="1" noResize="1" noEditPoints="1" noAdjustHandles="1" noChangeArrowheads="1" noChangeShapeType="1" noTextEdit="1"/>
+          </p:cNvSpPr>
+          <p:nvPr>
+            <p:extLst>
+              <p:ext uri="{386F3935-93C4-4BCD-93E2-E3B085C9AB24}">
+                <p16:designElem xmlns:p16="http://schemas.microsoft.com/office/powerpoint/2015/main" val="1"/>
+              </p:ext>
+            </p:extLst>
+          </p:nvPr>
+        </p:nvSpPr>
+        <p:spPr>
+          <a:xfrm>
+            <a:off x="5672758" y="3589867"/>
+            <a:ext cx="1817159" cy="3268133"/>
+          </a:xfrm>
+          <a:prstGeom prst="triangle">
+            <a:avLst>
+              <a:gd name="adj" fmla="val 100000"/>
+            </a:avLst>
+          </a:prstGeom>
+          <a:solidFill>
+            <a:schemeClr val="accent1">
+              <a:alpha val="80000"/>
+            </a:schemeClr>
+          </a:solidFill>
+          <a:ln>
+            <a:noFill/>
+          </a:ln>
+          <a:effectLst/>
+        </p:spPr>
+        <p:style>
+          <a:lnRef idx="1">
+            <a:schemeClr val="accent1"/>
+          </a:lnRef>
+          <a:fillRef idx="3">
+            <a:schemeClr val="accent1"/>
+          </a:fillRef>
+          <a:effectRef idx="2">
+            <a:schemeClr val="accent1"/>
+          </a:effectRef>
+          <a:fontRef idx="minor">
+            <a:schemeClr val="lt1"/>
+          </a:fontRef>
+        </p:style>
+      </p:sp>
+      <p:sp>
+        <p:nvSpPr>
+          <p:cNvPr id="32" name="Freeform: Shape 31">
+            <a:extLst>
+              <a:ext uri="{FF2B5EF4-FFF2-40B4-BE49-F238E27FC236}">
+                <a16:creationId xmlns:a16="http://schemas.microsoft.com/office/drawing/2014/main" id="{A5EC319D-0FEA-4B95-A3EA-01E35672C95B}"/>
+              </a:ext>
+              <a:ext uri="{C183D7F6-B498-43B3-948B-1728B52AA6E4}">
+                <adec:decorative xmlns:adec="http://schemas.microsoft.com/office/drawing/2017/decorative" val="1"/>
+              </a:ext>
+            </a:extLst>
+          </p:cNvPr>
+          <p:cNvSpPr>
+            <a:spLocks noGrp="1" noRot="1" noChangeAspect="1" noMove="1" noResize="1" noEditPoints="1" noAdjustHandles="1" noChangeArrowheads="1" noChangeShapeType="1" noTextEdit="1"/>
+          </p:cNvSpPr>
+          <p:nvPr>
+            <p:extLst>
+              <p:ext uri="{386F3935-93C4-4BCD-93E2-E3B085C9AB24}">
+                <p16:designElem xmlns:p16="http://schemas.microsoft.com/office/powerpoint/2015/main" val="1"/>
+              </p:ext>
+            </p:extLst>
+          </p:nvPr>
+        </p:nvSpPr>
+        <p:spPr>
+          <a:xfrm>
+            <a:off x="6197631" y="-8467"/>
+            <a:ext cx="5994369" cy="6866467"/>
+          </a:xfrm>
+          <a:custGeom>
+            <a:avLst/>
+            <a:gdLst>
+              <a:gd name="connsiteX0" fmla="*/ 0 w 5994369"/>
+              <a:gd name="connsiteY0" fmla="*/ 0 h 6866467"/>
+              <a:gd name="connsiteX1" fmla="*/ 1249825 w 5994369"/>
+              <a:gd name="connsiteY1" fmla="*/ 0 h 6866467"/>
+              <a:gd name="connsiteX2" fmla="*/ 1249825 w 5994369"/>
+              <a:gd name="connsiteY2" fmla="*/ 8467 h 6866467"/>
+              <a:gd name="connsiteX3" fmla="*/ 5994369 w 5994369"/>
+              <a:gd name="connsiteY3" fmla="*/ 8467 h 6866467"/>
+              <a:gd name="connsiteX4" fmla="*/ 5994369 w 5994369"/>
+              <a:gd name="connsiteY4" fmla="*/ 6866467 h 6866467"/>
+              <a:gd name="connsiteX5" fmla="*/ 1249825 w 5994369"/>
+              <a:gd name="connsiteY5" fmla="*/ 6866467 h 6866467"/>
+              <a:gd name="connsiteX6" fmla="*/ 1109382 w 5994369"/>
+              <a:gd name="connsiteY6" fmla="*/ 6866467 h 6866467"/>
+            </a:gdLst>
+            <a:ahLst/>
+            <a:cxnLst>
+              <a:cxn ang="0">
+                <a:pos x="connsiteX0" y="connsiteY0"/>
+              </a:cxn>
+              <a:cxn ang="0">
+                <a:pos x="connsiteX1" y="connsiteY1"/>
+              </a:cxn>
+              <a:cxn ang="0">
+                <a:pos x="connsiteX2" y="connsiteY2"/>
+              </a:cxn>
+              <a:cxn ang="0">
+                <a:pos x="connsiteX3" y="connsiteY3"/>
+              </a:cxn>
+              <a:cxn ang="0">
+                <a:pos x="connsiteX4" y="connsiteY4"/>
+              </a:cxn>
+              <a:cxn ang="0">
+                <a:pos x="connsiteX5" y="connsiteY5"/>
+              </a:cxn>
+              <a:cxn ang="0">
+                <a:pos x="connsiteX6" y="connsiteY6"/>
+              </a:cxn>
+            </a:cxnLst>
+            <a:rect l="l" t="t" r="r" b="b"/>
+            <a:pathLst>
+              <a:path w="5994369" h="6866467">
+                <a:moveTo>
+                  <a:pt x="0" y="0"/>
+                </a:moveTo>
+                <a:lnTo>
+                  <a:pt x="1249825" y="0"/>
+                </a:lnTo>
+                <a:lnTo>
+                  <a:pt x="1249825" y="8467"/>
+                </a:lnTo>
+                <a:lnTo>
+                  <a:pt x="5994369" y="8467"/>
+                </a:lnTo>
+                <a:lnTo>
+                  <a:pt x="5994369" y="6866467"/>
+                </a:lnTo>
+                <a:lnTo>
+                  <a:pt x="1249825" y="6866467"/>
+                </a:lnTo>
+                <a:lnTo>
+                  <a:pt x="1109382" y="6866467"/>
+                </a:lnTo>
+                <a:close/>
+              </a:path>
+            </a:pathLst>
+          </a:custGeom>
+          <a:solidFill>
+            <a:schemeClr val="accent1"/>
           </a:solidFill>
           <a:ln>
             <a:noFill/>
@@ -5791,11 +8408,52 @@
           </a:fontRef>
         </p:style>
         <p:txBody>
-          <a:bodyPr rtlCol="0" anchor="ctr"/>
+          <a:bodyPr wrap="square" rtlCol="0" anchor="ctr">
+            <a:noAutofit/>
+          </a:bodyPr>
           <a:lstStyle/>
           <a:p>
             <a:pPr algn="ctr"/>
             <a:endParaRPr lang="en-US"/>
+          </a:p>
+        </p:txBody>
+      </p:sp>
+      <p:sp>
+        <p:nvSpPr>
+          <p:cNvPr id="2" name="Title 1">
+            <a:extLst>
+              <a:ext uri="{FF2B5EF4-FFF2-40B4-BE49-F238E27FC236}">
+                <a16:creationId xmlns:a16="http://schemas.microsoft.com/office/drawing/2014/main" id="{2C84BE9E-B52B-412C-9151-EE93B80E8EA7}"/>
+              </a:ext>
+            </a:extLst>
+          </p:cNvPr>
+          <p:cNvSpPr>
+            <a:spLocks noGrp="1"/>
+          </p:cNvSpPr>
+          <p:nvPr>
+            <p:ph type="title"/>
+          </p:nvPr>
+        </p:nvSpPr>
+        <p:spPr>
+          <a:xfrm>
+            <a:off x="7181723" y="609600"/>
+            <a:ext cx="4512989" cy="2227730"/>
+          </a:xfrm>
+        </p:spPr>
+        <p:txBody>
+          <a:bodyPr anchor="ctr">
+            <a:normAutofit/>
+          </a:bodyPr>
+          <a:lstStyle/>
+          <a:p>
+            <a:r>
+              <a:rPr lang="en-US" sz="3600">
+                <a:solidFill>
+                  <a:srgbClr val="FFFFFF"/>
+                </a:solidFill>
+              </a:rPr>
+              <a:t>Prototypes - Visual Novel</a:t>
+            </a:r>
           </a:p>
         </p:txBody>
       </p:sp>
@@ -5827,181 +8485,14 @@
         </p:blipFill>
         <p:spPr>
           <a:xfrm>
-            <a:off x="727654" y="832329"/>
-            <a:ext cx="5367165" cy="5206149"/>
+            <a:off x="757251" y="1602914"/>
+            <a:ext cx="3856774" cy="3741070"/>
           </a:xfrm>
           <a:prstGeom prst="rect">
             <a:avLst/>
           </a:prstGeom>
         </p:spPr>
       </p:pic>
-      <p:sp>
-        <p:nvSpPr>
-          <p:cNvPr id="14" name="Rectangle 13">
-            <a:extLst>
-              <a:ext uri="{FF2B5EF4-FFF2-40B4-BE49-F238E27FC236}">
-                <a16:creationId xmlns:a16="http://schemas.microsoft.com/office/drawing/2014/main" id="{E60D94A5-8A09-4BAB-8F7C-69BC34C54DDE}"/>
-              </a:ext>
-              <a:ext uri="{C183D7F6-B498-43B3-948B-1728B52AA6E4}">
-                <adec:decorative xmlns:adec="http://schemas.microsoft.com/office/drawing/2017/decorative" val="1"/>
-              </a:ext>
-            </a:extLst>
-          </p:cNvPr>
-          <p:cNvSpPr>
-            <a:spLocks noGrp="1" noRot="1" noChangeAspect="1" noMove="1" noResize="1" noEditPoints="1" noAdjustHandles="1" noChangeArrowheads="1" noChangeShapeType="1" noTextEdit="1"/>
-          </p:cNvSpPr>
-          <p:nvPr>
-            <p:extLst>
-              <p:ext uri="{386F3935-93C4-4BCD-93E2-E3B085C9AB24}">
-                <p16:designElem xmlns:p16="http://schemas.microsoft.com/office/powerpoint/2015/main" val="1"/>
-              </p:ext>
-            </p:extLst>
-          </p:nvPr>
-        </p:nvSpPr>
-        <p:spPr>
-          <a:xfrm>
-            <a:off x="6621267" y="255102"/>
-            <a:ext cx="5342133" cy="6361598"/>
-          </a:xfrm>
-          <a:prstGeom prst="rect">
-            <a:avLst/>
-          </a:prstGeom>
-          <a:solidFill>
-            <a:schemeClr val="bg1">
-              <a:lumMod val="85000"/>
-              <a:alpha val="60000"/>
-            </a:schemeClr>
-          </a:solidFill>
-          <a:ln>
-            <a:noFill/>
-          </a:ln>
-        </p:spPr>
-        <p:style>
-          <a:lnRef idx="2">
-            <a:schemeClr val="accent1">
-              <a:shade val="50000"/>
-            </a:schemeClr>
-          </a:lnRef>
-          <a:fillRef idx="1">
-            <a:schemeClr val="accent1"/>
-          </a:fillRef>
-          <a:effectRef idx="0">
-            <a:schemeClr val="accent1"/>
-          </a:effectRef>
-          <a:fontRef idx="minor">
-            <a:schemeClr val="lt1"/>
-          </a:fontRef>
-        </p:style>
-        <p:txBody>
-          <a:bodyPr rtlCol="0" anchor="ctr"/>
-          <a:lstStyle/>
-          <a:p>
-            <a:pPr algn="ctr"/>
-            <a:endParaRPr lang="en-US"/>
-          </a:p>
-        </p:txBody>
-      </p:sp>
-      <p:sp>
-        <p:nvSpPr>
-          <p:cNvPr id="16" name="Rectangle 15">
-            <a:extLst>
-              <a:ext uri="{FF2B5EF4-FFF2-40B4-BE49-F238E27FC236}">
-                <a16:creationId xmlns:a16="http://schemas.microsoft.com/office/drawing/2014/main" id="{7A1AE32B-3A6E-4C5E-8FEB-73861B9A26B5}"/>
-              </a:ext>
-              <a:ext uri="{C183D7F6-B498-43B3-948B-1728B52AA6E4}">
-                <adec:decorative xmlns:adec="http://schemas.microsoft.com/office/drawing/2017/decorative" val="1"/>
-              </a:ext>
-            </a:extLst>
-          </p:cNvPr>
-          <p:cNvSpPr>
-            <a:spLocks noGrp="1" noRot="1" noChangeAspect="1" noMove="1" noResize="1" noEditPoints="1" noAdjustHandles="1" noChangeArrowheads="1" noChangeShapeType="1" noTextEdit="1"/>
-          </p:cNvSpPr>
-          <p:nvPr>
-            <p:extLst>
-              <p:ext uri="{386F3935-93C4-4BCD-93E2-E3B085C9AB24}">
-                <p16:designElem xmlns:p16="http://schemas.microsoft.com/office/powerpoint/2015/main" val="1"/>
-              </p:ext>
-            </p:extLst>
-          </p:nvPr>
-        </p:nvSpPr>
-        <p:spPr>
-          <a:xfrm>
-            <a:off x="6769100" y="393365"/>
-            <a:ext cx="5018211" cy="6035547"/>
-          </a:xfrm>
-          <a:prstGeom prst="rect">
-            <a:avLst/>
-          </a:prstGeom>
-          <a:noFill/>
-          <a:ln w="6350">
-            <a:solidFill>
-              <a:schemeClr val="tx1">
-                <a:lumMod val="75000"/>
-                <a:lumOff val="25000"/>
-              </a:schemeClr>
-            </a:solidFill>
-          </a:ln>
-        </p:spPr>
-        <p:style>
-          <a:lnRef idx="2">
-            <a:schemeClr val="accent1">
-              <a:shade val="50000"/>
-            </a:schemeClr>
-          </a:lnRef>
-          <a:fillRef idx="1">
-            <a:schemeClr val="accent1"/>
-          </a:fillRef>
-          <a:effectRef idx="0">
-            <a:schemeClr val="accent1"/>
-          </a:effectRef>
-          <a:fontRef idx="minor">
-            <a:schemeClr val="lt1"/>
-          </a:fontRef>
-        </p:style>
-        <p:txBody>
-          <a:bodyPr rtlCol="0" anchor="ctr"/>
-          <a:lstStyle/>
-          <a:p>
-            <a:pPr algn="ctr"/>
-            <a:endParaRPr lang="en-US"/>
-          </a:p>
-        </p:txBody>
-      </p:sp>
-      <p:sp>
-        <p:nvSpPr>
-          <p:cNvPr id="2" name="Title 1">
-            <a:extLst>
-              <a:ext uri="{FF2B5EF4-FFF2-40B4-BE49-F238E27FC236}">
-                <a16:creationId xmlns:a16="http://schemas.microsoft.com/office/drawing/2014/main" id="{2C84BE9E-B52B-412C-9151-EE93B80E8EA7}"/>
-              </a:ext>
-            </a:extLst>
-          </p:cNvPr>
-          <p:cNvSpPr>
-            <a:spLocks noGrp="1"/>
-          </p:cNvSpPr>
-          <p:nvPr>
-            <p:ph type="title"/>
-          </p:nvPr>
-        </p:nvSpPr>
-        <p:spPr>
-          <a:xfrm>
-            <a:off x="7064082" y="642594"/>
-            <a:ext cx="4472921" cy="1643928"/>
-          </a:xfrm>
-        </p:spPr>
-        <p:txBody>
-          <a:bodyPr>
-            <a:normAutofit/>
-          </a:bodyPr>
-          <a:lstStyle/>
-          <a:p>
-            <a:r>
-              <a:rPr lang="en-US" sz="4400"/>
-              <a:t>Prototypes - Visual Novel</a:t>
-            </a:r>
-          </a:p>
-        </p:txBody>
-      </p:sp>
       <p:sp>
         <p:nvSpPr>
           <p:cNvPr id="9" name="Content Placeholder 8">
@@ -6020,42 +8511,87 @@
         </p:nvSpPr>
         <p:spPr>
           <a:xfrm>
-            <a:off x="7064082" y="2385390"/>
-            <a:ext cx="4472922" cy="3649649"/>
+            <a:off x="7181725" y="2837329"/>
+            <a:ext cx="4512988" cy="3317938"/>
           </a:xfrm>
         </p:spPr>
         <p:txBody>
-          <a:bodyPr>
+          <a:bodyPr anchor="t">
             <a:normAutofit/>
           </a:bodyPr>
           <a:lstStyle/>
           <a:p>
-            <a:r>
-              <a:rPr lang="en-US" dirty="0"/>
+            <a:pPr>
+              <a:lnSpc>
+                <a:spcPct val="90000"/>
+              </a:lnSpc>
+            </a:pPr>
+            <a:r>
+              <a:rPr lang="en-US" sz="1500">
+                <a:solidFill>
+                  <a:srgbClr val="FFFFFF"/>
+                </a:solidFill>
+              </a:rPr>
               <a:t>First draft attempt done in Visual studio in C#.</a:t>
             </a:r>
           </a:p>
           <a:p>
-            <a:r>
-              <a:rPr lang="en-US" dirty="0"/>
+            <a:pPr>
+              <a:lnSpc>
+                <a:spcPct val="90000"/>
+              </a:lnSpc>
+            </a:pPr>
+            <a:r>
+              <a:rPr lang="en-US" sz="1500">
+                <a:solidFill>
+                  <a:srgbClr val="FFFFFF"/>
+                </a:solidFill>
+              </a:rPr>
               <a:t>The text is piped in from a text file, and there is currently an autogenerated number that allows for timing images correctly based on text location in array</a:t>
             </a:r>
           </a:p>
           <a:p>
-            <a:r>
-              <a:rPr lang="en-US" dirty="0"/>
+            <a:pPr>
+              <a:lnSpc>
+                <a:spcPct val="90000"/>
+              </a:lnSpc>
+            </a:pPr>
+            <a:r>
+              <a:rPr lang="en-US" sz="1500">
+                <a:solidFill>
+                  <a:srgbClr val="FFFFFF"/>
+                </a:solidFill>
+              </a:rPr>
               <a:t>Background image is set to stay until changed, foreground is set to vanish unless specified</a:t>
             </a:r>
           </a:p>
           <a:p>
-            <a:r>
-              <a:rPr lang="en-US" dirty="0"/>
+            <a:pPr>
+              <a:lnSpc>
+                <a:spcPct val="90000"/>
+              </a:lnSpc>
+            </a:pPr>
+            <a:r>
+              <a:rPr lang="en-US" sz="1500">
+                <a:solidFill>
+                  <a:srgbClr val="FFFFFF"/>
+                </a:solidFill>
+              </a:rPr>
               <a:t>Next button, and previous button in place</a:t>
             </a:r>
           </a:p>
           <a:p>
-            <a:r>
-              <a:rPr lang="en-US" dirty="0"/>
+            <a:pPr>
+              <a:lnSpc>
+                <a:spcPct val="90000"/>
+              </a:lnSpc>
+            </a:pPr>
+            <a:r>
+              <a:rPr lang="en-US" sz="1500">
+                <a:solidFill>
+                  <a:srgbClr val="FFFFFF"/>
+                </a:solidFill>
+              </a:rPr>
               <a:t>Currently has branching story abilities</a:t>
             </a:r>
           </a:p>
@@ -6099,124 +8635,6 @@
           <a:chExt cx="0" cy="0"/>
         </a:xfrm>
       </p:grpSpPr>
-      <p:sp useBgFill="1">
-        <p:nvSpPr>
-          <p:cNvPr id="14" name="Rectangle 13">
-            <a:extLst>
-              <a:ext uri="{FF2B5EF4-FFF2-40B4-BE49-F238E27FC236}">
-                <a16:creationId xmlns:a16="http://schemas.microsoft.com/office/drawing/2014/main" id="{23EBFBD2-DA69-40F0-9B41-6AA12C08FC85}"/>
-              </a:ext>
-              <a:ext uri="{C183D7F6-B498-43B3-948B-1728B52AA6E4}">
-                <adec:decorative xmlns:adec="http://schemas.microsoft.com/office/drawing/2017/decorative" val="1"/>
-              </a:ext>
-            </a:extLst>
-          </p:cNvPr>
-          <p:cNvSpPr>
-            <a:spLocks noGrp="1" noRot="1" noChangeAspect="1" noMove="1" noResize="1" noEditPoints="1" noAdjustHandles="1" noChangeArrowheads="1" noChangeShapeType="1" noTextEdit="1"/>
-          </p:cNvSpPr>
-          <p:nvPr>
-            <p:extLst>
-              <p:ext uri="{386F3935-93C4-4BCD-93E2-E3B085C9AB24}">
-                <p16:designElem xmlns:p16="http://schemas.microsoft.com/office/powerpoint/2015/main" val="1"/>
-              </p:ext>
-            </p:extLst>
-          </p:nvPr>
-        </p:nvSpPr>
-        <p:spPr>
-          <a:xfrm>
-            <a:off x="0" y="0"/>
-            <a:ext cx="12192000" cy="6858000"/>
-          </a:xfrm>
-          <a:prstGeom prst="rect">
-            <a:avLst/>
-          </a:prstGeom>
-          <a:ln>
-            <a:noFill/>
-          </a:ln>
-        </p:spPr>
-        <p:style>
-          <a:lnRef idx="2">
-            <a:schemeClr val="accent1">
-              <a:shade val="50000"/>
-            </a:schemeClr>
-          </a:lnRef>
-          <a:fillRef idx="1">
-            <a:schemeClr val="accent1"/>
-          </a:fillRef>
-          <a:effectRef idx="0">
-            <a:schemeClr val="accent1"/>
-          </a:effectRef>
-          <a:fontRef idx="minor">
-            <a:schemeClr val="lt1"/>
-          </a:fontRef>
-        </p:style>
-        <p:txBody>
-          <a:bodyPr rtlCol="0" anchor="ctr"/>
-          <a:lstStyle/>
-          <a:p>
-            <a:pPr algn="ctr"/>
-            <a:endParaRPr lang="en-US"/>
-          </a:p>
-        </p:txBody>
-      </p:sp>
-      <p:sp>
-        <p:nvSpPr>
-          <p:cNvPr id="21" name="Rectangle 15">
-            <a:extLst>
-              <a:ext uri="{FF2B5EF4-FFF2-40B4-BE49-F238E27FC236}">
-                <a16:creationId xmlns:a16="http://schemas.microsoft.com/office/drawing/2014/main" id="{66E085B8-E6D9-4530-9AE3-4C2B79CE418B}"/>
-              </a:ext>
-              <a:ext uri="{C183D7F6-B498-43B3-948B-1728B52AA6E4}">
-                <adec:decorative xmlns:adec="http://schemas.microsoft.com/office/drawing/2017/decorative" val="1"/>
-              </a:ext>
-            </a:extLst>
-          </p:cNvPr>
-          <p:cNvSpPr>
-            <a:spLocks noGrp="1" noRot="1" noChangeAspect="1" noMove="1" noResize="1" noEditPoints="1" noAdjustHandles="1" noChangeArrowheads="1" noChangeShapeType="1" noTextEdit="1"/>
-          </p:cNvSpPr>
-          <p:nvPr>
-            <p:extLst>
-              <p:ext uri="{386F3935-93C4-4BCD-93E2-E3B085C9AB24}">
-                <p16:designElem xmlns:p16="http://schemas.microsoft.com/office/powerpoint/2015/main" val="1"/>
-              </p:ext>
-            </p:extLst>
-          </p:nvPr>
-        </p:nvSpPr>
-        <p:spPr>
-          <a:xfrm>
-            <a:off x="4301279" y="237744"/>
-            <a:ext cx="7652977" cy="6382512"/>
-          </a:xfrm>
-          <a:prstGeom prst="rect">
-            <a:avLst/>
-          </a:prstGeom>
-          <a:solidFill>
-            <a:schemeClr val="bg1">
-              <a:lumMod val="75000"/>
-              <a:alpha val="60000"/>
-            </a:schemeClr>
-          </a:solidFill>
-          <a:ln>
-            <a:noFill/>
-          </a:ln>
-        </p:spPr>
-        <p:style>
-          <a:lnRef idx="2">
-            <a:schemeClr val="accent1">
-              <a:shade val="50000"/>
-            </a:schemeClr>
-          </a:lnRef>
-          <a:fillRef idx="1">
-            <a:schemeClr val="accent1"/>
-          </a:fillRef>
-          <a:effectRef idx="0">
-            <a:schemeClr val="accent1"/>
-          </a:effectRef>
-          <a:fontRef idx="minor">
-            <a:schemeClr val="lt1"/>
-          </a:fontRef>
-        </p:style>
-      </p:sp>
       <p:sp>
         <p:nvSpPr>
           <p:cNvPr id="2" name="Title 1">
@@ -6249,6 +8667,38 @@
               <a:rPr lang="en-US" sz="3600"/>
               <a:t>Prototypes – Mobile Game</a:t>
             </a:r>
+          </a:p>
+        </p:txBody>
+      </p:sp>
+      <p:sp>
+        <p:nvSpPr>
+          <p:cNvPr id="11" name="Content Placeholder 10">
+            <a:extLst>
+              <a:ext uri="{FF2B5EF4-FFF2-40B4-BE49-F238E27FC236}">
+                <a16:creationId xmlns:a16="http://schemas.microsoft.com/office/drawing/2014/main" id="{CEC00062-CAA1-49C3-AE92-7EA1F4EE2B50}"/>
+              </a:ext>
+            </a:extLst>
+          </p:cNvPr>
+          <p:cNvSpPr>
+            <a:spLocks noGrp="1"/>
+          </p:cNvSpPr>
+          <p:nvPr>
+            <p:ph idx="1"/>
+          </p:nvPr>
+        </p:nvSpPr>
+        <p:spPr>
+          <a:xfrm>
+            <a:off x="4834965" y="2386584"/>
+            <a:ext cx="6608101" cy="3648456"/>
+          </a:xfrm>
+        </p:spPr>
+        <p:txBody>
+          <a:bodyPr>
+            <a:normAutofit/>
+          </a:bodyPr>
+          <a:lstStyle/>
+          <a:p>
+            <a:endParaRPr lang="en-US"/>
           </a:p>
         </p:txBody>
       </p:sp>
@@ -6324,83 +8774,6 @@
           </a:prstGeom>
         </p:spPr>
       </p:pic>
-      <p:sp>
-        <p:nvSpPr>
-          <p:cNvPr id="11" name="Content Placeholder 10">
-            <a:extLst>
-              <a:ext uri="{FF2B5EF4-FFF2-40B4-BE49-F238E27FC236}">
-                <a16:creationId xmlns:a16="http://schemas.microsoft.com/office/drawing/2014/main" id="{CEC00062-CAA1-49C3-AE92-7EA1F4EE2B50}"/>
-              </a:ext>
-            </a:extLst>
-          </p:cNvPr>
-          <p:cNvSpPr>
-            <a:spLocks noGrp="1"/>
-          </p:cNvSpPr>
-          <p:nvPr>
-            <p:ph idx="1"/>
-          </p:nvPr>
-        </p:nvSpPr>
-        <p:spPr>
-          <a:xfrm>
-            <a:off x="4834965" y="2386584"/>
-            <a:ext cx="6608101" cy="3648456"/>
-          </a:xfrm>
-        </p:spPr>
-        <p:txBody>
-          <a:bodyPr>
-            <a:normAutofit/>
-          </a:bodyPr>
-          <a:lstStyle/>
-          <a:p>
-            <a:endParaRPr lang="en-US"/>
-          </a:p>
-        </p:txBody>
-      </p:sp>
-      <p:sp>
-        <p:nvSpPr>
-          <p:cNvPr id="22" name="Rectangle 17">
-            <a:extLst>
-              <a:ext uri="{FF2B5EF4-FFF2-40B4-BE49-F238E27FC236}">
-                <a16:creationId xmlns:a16="http://schemas.microsoft.com/office/drawing/2014/main" id="{4F2304C2-1AD0-4AFD-93A0-BB1D998E0F97}"/>
-              </a:ext>
-              <a:ext uri="{C183D7F6-B498-43B3-948B-1728B52AA6E4}">
-                <adec:decorative xmlns:adec="http://schemas.microsoft.com/office/drawing/2017/decorative" val="1"/>
-              </a:ext>
-            </a:extLst>
-          </p:cNvPr>
-          <p:cNvSpPr>
-            <a:spLocks noGrp="1" noRot="1" noChangeAspect="1" noMove="1" noResize="1" noEditPoints="1" noAdjustHandles="1" noChangeArrowheads="1" noChangeShapeType="1" noTextEdit="1"/>
-          </p:cNvSpPr>
-          <p:nvPr>
-            <p:extLst>
-              <p:ext uri="{386F3935-93C4-4BCD-93E2-E3B085C9AB24}">
-                <p16:designElem xmlns:p16="http://schemas.microsoft.com/office/powerpoint/2015/main" val="1"/>
-              </p:ext>
-            </p:extLst>
-          </p:nvPr>
-        </p:nvSpPr>
-        <p:spPr>
-          <a:xfrm>
-            <a:off x="4441371" y="374904"/>
-            <a:ext cx="7378773" cy="6108192"/>
-          </a:xfrm>
-          <a:prstGeom prst="rect">
-            <a:avLst/>
-          </a:prstGeom>
-          <a:noFill/>
-          <a:ln w="6350" cap="sq" cmpd="sng" algn="ctr">
-            <a:solidFill>
-              <a:schemeClr val="tx1">
-                <a:lumMod val="75000"/>
-                <a:lumOff val="25000"/>
-              </a:schemeClr>
-            </a:solidFill>
-            <a:prstDash val="solid"/>
-            <a:miter lim="800000"/>
-          </a:ln>
-          <a:effectLst/>
-        </p:spPr>
-      </p:sp>
     </p:spTree>
     <p:extLst>
       <p:ext uri="{BB962C8B-B14F-4D97-AF65-F5344CB8AC3E}">
@@ -6439,108 +8812,6 @@
           <a:chExt cx="0" cy="0"/>
         </a:xfrm>
       </p:grpSpPr>
-      <p:sp>
-        <p:nvSpPr>
-          <p:cNvPr id="12" name="Rectangle 11">
-            <a:extLst>
-              <a:ext uri="{FF2B5EF4-FFF2-40B4-BE49-F238E27FC236}">
-                <a16:creationId xmlns:a16="http://schemas.microsoft.com/office/drawing/2014/main" id="{282E2A95-1A08-4118-83C6-B1CA5648E075}"/>
-              </a:ext>
-              <a:ext uri="{C183D7F6-B498-43B3-948B-1728B52AA6E4}">
-                <adec:decorative xmlns:adec="http://schemas.microsoft.com/office/drawing/2017/decorative" val="1"/>
-              </a:ext>
-            </a:extLst>
-          </p:cNvPr>
-          <p:cNvSpPr>
-            <a:spLocks noGrp="1" noRot="1" noChangeAspect="1" noMove="1" noResize="1" noEditPoints="1" noAdjustHandles="1" noChangeArrowheads="1" noChangeShapeType="1" noTextEdit="1"/>
-          </p:cNvSpPr>
-          <p:nvPr>
-            <p:extLst>
-              <p:ext uri="{386F3935-93C4-4BCD-93E2-E3B085C9AB24}">
-                <p16:designElem xmlns:p16="http://schemas.microsoft.com/office/powerpoint/2015/main" val="1"/>
-              </p:ext>
-            </p:extLst>
-          </p:nvPr>
-        </p:nvSpPr>
-        <p:spPr>
-          <a:xfrm>
-            <a:off x="0" y="0"/>
-            <a:ext cx="12192000" cy="6858000"/>
-          </a:xfrm>
-          <a:prstGeom prst="rect">
-            <a:avLst/>
-          </a:prstGeom>
-          <a:ln>
-            <a:noFill/>
-          </a:ln>
-        </p:spPr>
-        <p:style>
-          <a:lnRef idx="2">
-            <a:schemeClr val="accent1">
-              <a:shade val="50000"/>
-            </a:schemeClr>
-          </a:lnRef>
-          <a:fillRef idx="1001">
-            <a:schemeClr val="lt1"/>
-          </a:fillRef>
-          <a:effectRef idx="0">
-            <a:schemeClr val="accent1"/>
-          </a:effectRef>
-          <a:fontRef idx="minor">
-            <a:schemeClr val="lt1"/>
-          </a:fontRef>
-        </p:style>
-        <p:txBody>
-          <a:bodyPr rtlCol="0" anchor="ctr"/>
-          <a:lstStyle/>
-          <a:p>
-            <a:pPr algn="ctr"/>
-            <a:endParaRPr lang="en-US"/>
-          </a:p>
-        </p:txBody>
-      </p:sp>
-      <p:sp>
-        <p:nvSpPr>
-          <p:cNvPr id="14" name="Rectangle 13">
-            <a:extLst>
-              <a:ext uri="{FF2B5EF4-FFF2-40B4-BE49-F238E27FC236}">
-                <a16:creationId xmlns:a16="http://schemas.microsoft.com/office/drawing/2014/main" id="{68DC0EC7-60EA-4BD3-BC04-D547DE1B2891}"/>
-              </a:ext>
-              <a:ext uri="{C183D7F6-B498-43B3-948B-1728B52AA6E4}">
-                <adec:decorative xmlns:adec="http://schemas.microsoft.com/office/drawing/2017/decorative" val="1"/>
-              </a:ext>
-            </a:extLst>
-          </p:cNvPr>
-          <p:cNvSpPr>
-            <a:spLocks noGrp="1" noRot="1" noChangeAspect="1" noMove="1" noResize="1" noEditPoints="1" noAdjustHandles="1" noChangeArrowheads="1" noChangeShapeType="1" noTextEdit="1"/>
-          </p:cNvSpPr>
-          <p:nvPr>
-            <p:extLst>
-              <p:ext uri="{386F3935-93C4-4BCD-93E2-E3B085C9AB24}">
-                <p16:designElem xmlns:p16="http://schemas.microsoft.com/office/powerpoint/2015/main" val="1"/>
-              </p:ext>
-            </p:extLst>
-          </p:nvPr>
-        </p:nvSpPr>
-        <p:spPr>
-          <a:xfrm>
-            <a:off x="410122" y="413053"/>
-            <a:ext cx="8212114" cy="6064596"/>
-          </a:xfrm>
-          <a:prstGeom prst="rect">
-            <a:avLst/>
-          </a:prstGeom>
-          <a:noFill/>
-          <a:ln w="6350" cap="sq" cmpd="sng" algn="ctr">
-            <a:solidFill>
-              <a:srgbClr val="404040"/>
-            </a:solidFill>
-            <a:prstDash val="solid"/>
-            <a:miter lim="800000"/>
-          </a:ln>
-          <a:effectLst/>
-        </p:spPr>
-      </p:sp>
       <p:pic>
         <p:nvPicPr>
           <p:cNvPr id="5" name="Content Placeholder 4" descr="A close up of text on a whiteboard&#10;&#10;Description automatically generated">
@@ -6578,130 +8849,6 @@
       </p:pic>
       <p:sp>
         <p:nvSpPr>
-          <p:cNvPr id="16" name="Rectangle 15">
-            <a:extLst>
-              <a:ext uri="{FF2B5EF4-FFF2-40B4-BE49-F238E27FC236}">
-                <a16:creationId xmlns:a16="http://schemas.microsoft.com/office/drawing/2014/main" id="{2FFEFC7E-85EE-4AC9-A351-FBEB13A1D622}"/>
-              </a:ext>
-              <a:ext uri="{C183D7F6-B498-43B3-948B-1728B52AA6E4}">
-                <adec:decorative xmlns:adec="http://schemas.microsoft.com/office/drawing/2017/decorative" val="1"/>
-              </a:ext>
-            </a:extLst>
-          </p:cNvPr>
-          <p:cNvSpPr>
-            <a:spLocks noGrp="1" noRot="1" noChangeAspect="1" noMove="1" noResize="1" noEditPoints="1" noAdjustHandles="1" noChangeArrowheads="1" noChangeShapeType="1" noTextEdit="1"/>
-          </p:cNvSpPr>
-          <p:nvPr>
-            <p:extLst>
-              <p:ext uri="{386F3935-93C4-4BCD-93E2-E3B085C9AB24}">
-                <p16:designElem xmlns:p16="http://schemas.microsoft.com/office/powerpoint/2015/main" val="1"/>
-              </p:ext>
-            </p:extLst>
-          </p:nvPr>
-        </p:nvSpPr>
-        <p:spPr>
-          <a:xfrm>
-            <a:off x="9020386" y="237744"/>
-            <a:ext cx="2926080" cy="6382512"/>
-          </a:xfrm>
-          <a:prstGeom prst="rect">
-            <a:avLst/>
-          </a:prstGeom>
-          <a:solidFill>
-            <a:schemeClr val="bg1">
-              <a:lumMod val="75000"/>
-              <a:alpha val="60000"/>
-            </a:schemeClr>
-          </a:solidFill>
-          <a:ln>
-            <a:noFill/>
-          </a:ln>
-        </p:spPr>
-        <p:style>
-          <a:lnRef idx="2">
-            <a:schemeClr val="accent1">
-              <a:shade val="50000"/>
-            </a:schemeClr>
-          </a:lnRef>
-          <a:fillRef idx="1">
-            <a:schemeClr val="accent1"/>
-          </a:fillRef>
-          <a:effectRef idx="0">
-            <a:schemeClr val="accent1"/>
-          </a:effectRef>
-          <a:fontRef idx="minor">
-            <a:schemeClr val="lt1"/>
-          </a:fontRef>
-        </p:style>
-      </p:sp>
-      <p:sp>
-        <p:nvSpPr>
-          <p:cNvPr id="18" name="Rectangle 17">
-            <a:extLst>
-              <a:ext uri="{FF2B5EF4-FFF2-40B4-BE49-F238E27FC236}">
-                <a16:creationId xmlns:a16="http://schemas.microsoft.com/office/drawing/2014/main" id="{CB2511BB-FC4C-45F3-94EB-661D6806C942}"/>
-              </a:ext>
-              <a:ext uri="{C183D7F6-B498-43B3-948B-1728B52AA6E4}">
-                <adec:decorative xmlns:adec="http://schemas.microsoft.com/office/drawing/2017/decorative" val="1"/>
-              </a:ext>
-            </a:extLst>
-          </p:cNvPr>
-          <p:cNvSpPr>
-            <a:spLocks noGrp="1" noRot="1" noChangeAspect="1" noMove="1" noResize="1" noEditPoints="1" noAdjustHandles="1" noChangeArrowheads="1" noChangeShapeType="1" noTextEdit="1"/>
-          </p:cNvSpPr>
-          <p:nvPr>
-            <p:extLst>
-              <p:ext uri="{386F3935-93C4-4BCD-93E2-E3B085C9AB24}">
-                <p16:designElem xmlns:p16="http://schemas.microsoft.com/office/powerpoint/2015/main" val="1"/>
-              </p:ext>
-            </p:extLst>
-          </p:nvPr>
-        </p:nvSpPr>
-        <p:spPr>
-          <a:xfrm>
-            <a:off x="9156699" y="413053"/>
-            <a:ext cx="2616201" cy="6064596"/>
-          </a:xfrm>
-          <a:prstGeom prst="rect">
-            <a:avLst/>
-          </a:prstGeom>
-          <a:noFill/>
-          <a:ln w="6350">
-            <a:solidFill>
-              <a:schemeClr val="tx1">
-                <a:lumMod val="75000"/>
-                <a:lumOff val="25000"/>
-              </a:schemeClr>
-            </a:solidFill>
-          </a:ln>
-        </p:spPr>
-        <p:style>
-          <a:lnRef idx="2">
-            <a:schemeClr val="accent1">
-              <a:shade val="50000"/>
-            </a:schemeClr>
-          </a:lnRef>
-          <a:fillRef idx="1">
-            <a:schemeClr val="accent1"/>
-          </a:fillRef>
-          <a:effectRef idx="0">
-            <a:schemeClr val="accent1"/>
-          </a:effectRef>
-          <a:fontRef idx="minor">
-            <a:schemeClr val="lt1"/>
-          </a:fontRef>
-        </p:style>
-        <p:txBody>
-          <a:bodyPr rtlCol="0" anchor="ctr"/>
-          <a:lstStyle/>
-          <a:p>
-            <a:pPr algn="ctr"/>
-            <a:endParaRPr lang="en-US"/>
-          </a:p>
-        </p:txBody>
-      </p:sp>
-      <p:sp>
-        <p:nvSpPr>
           <p:cNvPr id="2" name="Title 1">
             <a:extLst>
               <a:ext uri="{FF2B5EF4-FFF2-40B4-BE49-F238E27FC236}">
@@ -6790,6 +8937,14 @@
 <file path=ppt/slides/slide8.xml><?xml version="1.0" encoding="utf-8"?>
 <p:sld xmlns:a="http://schemas.openxmlformats.org/drawingml/2006/main" xmlns:r="http://schemas.openxmlformats.org/officeDocument/2006/relationships" xmlns:p="http://schemas.openxmlformats.org/presentationml/2006/main">
   <p:cSld>
+    <p:bg>
+      <p:bgPr>
+        <a:solidFill>
+          <a:schemeClr val="bg1"/>
+        </a:solidFill>
+        <a:effectLst/>
+      </p:bgPr>
+    </p:bg>
     <p:spTree>
       <p:nvGrpSpPr>
         <p:cNvPr id="1" name=""/>
@@ -6820,19 +8975,26 @@
             <p:ph type="title"/>
           </p:nvPr>
         </p:nvSpPr>
-        <p:spPr/>
-        <p:txBody>
-          <a:bodyPr/>
-          <a:lstStyle/>
-          <a:p>
-            <a:r>
-              <a:rPr lang="en-US" dirty="0"/>
+        <p:spPr>
+          <a:xfrm>
+            <a:off x="868680" y="642593"/>
+            <a:ext cx="6281928" cy="1744183"/>
+          </a:xfrm>
+        </p:spPr>
+        <p:txBody>
+          <a:bodyPr>
+            <a:normAutofit/>
+          </a:bodyPr>
+          <a:lstStyle/>
+          <a:p>
+            <a:r>
+              <a:rPr lang="en-US" sz="3600"/>
               <a:t>Design Rationale - Visual Novel</a:t>
             </a:r>
             <a:br>
-              <a:rPr lang="en-US" dirty="0"/>
+              <a:rPr lang="en-US" sz="3600"/>
             </a:br>
-            <a:endParaRPr lang="en-US" dirty="0"/>
+            <a:endParaRPr lang="en-US" sz="3600"/>
           </a:p>
         </p:txBody>
       </p:sp>
@@ -6852,40 +9014,91 @@
             <p:ph idx="1"/>
           </p:nvPr>
         </p:nvSpPr>
-        <p:spPr/>
-        <p:txBody>
-          <a:bodyPr/>
+        <p:spPr>
+          <a:xfrm>
+            <a:off x="868680" y="2386584"/>
+            <a:ext cx="6281928" cy="3648456"/>
+          </a:xfrm>
+        </p:spPr>
+        <p:txBody>
+          <a:bodyPr>
+            <a:normAutofit/>
+          </a:bodyPr>
           <a:lstStyle/>
           <a:p>
             <a:pPr lvl="1"/>
             <a:r>
+              <a:rPr lang="en-US" sz="1600" dirty="0"/>
+              <a:t>Images are a major part of the immersive exercise and therefore take up the lion’s share of the screen</a:t>
+            </a:r>
+          </a:p>
+          <a:p>
+            <a:pPr lvl="1"/>
+            <a:r>
+              <a:rPr lang="en-US" sz="1600" dirty="0"/>
+              <a:t>Text is also imperative to tell the story, but does not need as much room as the image, it therefore takes the second most amount of space</a:t>
+            </a:r>
+          </a:p>
+          <a:p>
+            <a:pPr lvl="1"/>
+            <a:r>
+              <a:rPr lang="en-US" sz="1600" dirty="0"/>
+              <a:t>User may want to review previous story point, particularly if a decision needs to be made, ergo both forward and backwards buttons are present</a:t>
+            </a:r>
+          </a:p>
+          <a:p>
+            <a:pPr lvl="1"/>
+            <a:r>
+              <a:rPr lang="en-US" sz="1600" dirty="0"/>
+              <a:t>When selecting a branch the user should see the text that’s prompting the choice, ergo the image gets covered</a:t>
+            </a:r>
+          </a:p>
+          <a:p>
+            <a:pPr lvl="1"/>
+            <a:r>
               <a:rPr lang="en-US" dirty="0"/>
-              <a:t>Images are a major part of the immersive exercise and therefore take up the lion’s share of the screen</a:t>
-            </a:r>
-          </a:p>
-          <a:p>
-            <a:pPr lvl="1"/>
-            <a:r>
-              <a:rPr lang="en-US" dirty="0"/>
-              <a:t>Text is also imperative to tell the story, but does not need as much room as the image, it therefore takes the second most amount of space</a:t>
-            </a:r>
-          </a:p>
-          <a:p>
-            <a:pPr lvl="1"/>
-            <a:r>
-              <a:rPr lang="en-US" dirty="0"/>
-              <a:t>User may want to review previous story point, particularly if a decision needs to be made, ergo both forward and backwards buttons are present</a:t>
-            </a:r>
-          </a:p>
-          <a:p>
-            <a:pPr lvl="1"/>
-            <a:r>
-              <a:rPr lang="en-US" dirty="0"/>
-              <a:t>When selecting a branch the user should see the text that’s prompting the choice, ergo the image gets covered</a:t>
-            </a:r>
-          </a:p>
-        </p:txBody>
-      </p:sp>
+              <a:t>User should not be overwhelmed, therefor limit choices to three at most</a:t>
+            </a:r>
+            <a:endParaRPr lang="en-US" sz="1600" dirty="0"/>
+          </a:p>
+        </p:txBody>
+      </p:sp>
+      <p:pic>
+        <p:nvPicPr>
+          <p:cNvPr id="5" name="Picture 4" descr="A screenshot of a cell phone&#10;&#10;Description automatically generated">
+            <a:extLst>
+              <a:ext uri="{FF2B5EF4-FFF2-40B4-BE49-F238E27FC236}">
+                <a16:creationId xmlns:a16="http://schemas.microsoft.com/office/drawing/2014/main" id="{79709396-40CB-4F97-8B6A-A31676C2FDDE}"/>
+              </a:ext>
+            </a:extLst>
+          </p:cNvPr>
+          <p:cNvPicPr>
+            <a:picLocks noChangeAspect="1"/>
+          </p:cNvPicPr>
+          <p:nvPr/>
+        </p:nvPicPr>
+        <p:blipFill>
+          <a:blip r:embed="rId2">
+            <a:extLst>
+              <a:ext uri="{28A0092B-C50C-407E-A947-70E740481C1C}">
+                <a14:useLocalDpi xmlns:a14="http://schemas.microsoft.com/office/drawing/2010/main" val="0"/>
+              </a:ext>
+            </a:extLst>
+          </a:blip>
+          <a:stretch>
+            <a:fillRect/>
+          </a:stretch>
+        </p:blipFill>
+        <p:spPr>
+          <a:xfrm>
+            <a:off x="8316242" y="1818366"/>
+            <a:ext cx="3322121" cy="3222457"/>
+          </a:xfrm>
+          <a:prstGeom prst="rect">
+            <a:avLst/>
+          </a:prstGeom>
+        </p:spPr>
+      </p:pic>
     </p:spTree>
     <p:extLst>
       <p:ext uri="{BB962C8B-B14F-4D97-AF65-F5344CB8AC3E}">
@@ -6894,7 +9107,7 @@
     </p:extLst>
   </p:cSld>
   <p:clrMapOvr>
-    <a:masterClrMapping/>
+    <a:overrideClrMapping bg1="dk1" tx1="lt1" bg2="dk2" tx2="lt2" accent1="accent1" accent2="accent2" accent3="accent3" accent4="accent4" accent5="accent5" accent6="accent6" hlink="hlink" folHlink="folHlink"/>
   </p:clrMapOvr>
 </p:sld>
 </file>
@@ -7007,58 +9220,58 @@
 </file>
 
 <file path=ppt/theme/theme1.xml><?xml version="1.0" encoding="utf-8"?>
-<a:theme xmlns:a="http://schemas.openxmlformats.org/drawingml/2006/main" name="SavonVTI">
+<a:theme xmlns:a="http://schemas.openxmlformats.org/drawingml/2006/main" name="Facet">
   <a:themeElements>
-    <a:clrScheme name="">
+    <a:clrScheme name="Facet">
       <a:dk1>
-        <a:srgbClr val="000000"/>
+        <a:sysClr val="windowText" lastClr="000000"/>
       </a:dk1>
       <a:lt1>
-        <a:srgbClr val="FFFFFF"/>
+        <a:sysClr val="window" lastClr="FFFFFF"/>
       </a:lt1>
       <a:dk2>
-        <a:srgbClr val="412432"/>
+        <a:srgbClr val="2C3C43"/>
       </a:dk2>
       <a:lt2>
-        <a:srgbClr val="E2E3E8"/>
+        <a:srgbClr val="EBEBEB"/>
       </a:lt2>
       <a:accent1>
-        <a:srgbClr val="C19E34"/>
+        <a:srgbClr val="F496CB"/>
       </a:accent1>
       <a:accent2>
-        <a:srgbClr val="EB834E"/>
+        <a:srgbClr val="BC356F"/>
       </a:accent2>
       <a:accent3>
-        <a:srgbClr val="EE6E78"/>
+        <a:srgbClr val="E65331"/>
       </a:accent3>
       <a:accent4>
-        <a:srgbClr val="EB4E9C"/>
+        <a:srgbClr val="F27E19"/>
       </a:accent4>
       <a:accent5>
-        <a:srgbClr val="EE6EE3"/>
+        <a:srgbClr val="F2AC19"/>
       </a:accent5>
       <a:accent6>
-        <a:srgbClr val="B74EEB"/>
+        <a:srgbClr val="BC80E0"/>
       </a:accent6>
       <a:hlink>
-        <a:srgbClr val="697AAE"/>
+        <a:srgbClr val="EF5285"/>
       </a:hlink>
       <a:folHlink>
-        <a:srgbClr val="7F7F7F"/>
+        <a:srgbClr val="F77F90"/>
       </a:folHlink>
     </a:clrScheme>
-    <a:fontScheme name="Savon">
+    <a:fontScheme name="Facet">
       <a:majorFont>
-        <a:latin typeface="Century Gothic" panose="02020404030301010803"/>
+        <a:latin typeface="Trebuchet MS" panose="020B0603020202020204"/>
         <a:ea typeface=""/>
         <a:cs typeface=""/>
-        <a:font script="Jpan" typeface="ＭＳ ゴシック"/>
+        <a:font script="Jpan" typeface="メイリオ"/>
         <a:font script="Hang" typeface="맑은 고딕"/>
-        <a:font script="Hans" typeface="宋体"/>
-        <a:font script="Hant" typeface="新細明體"/>
+        <a:font script="Hans" typeface="方正姚体"/>
+        <a:font script="Hant" typeface="微軟正黑體"/>
         <a:font script="Arab" typeface="Tahoma"/>
-        <a:font script="Hebr" typeface="Gisha"/>
-        <a:font script="Thai" typeface="DilleniaUPC"/>
+        <a:font script="Hebr" typeface="Arial"/>
+        <a:font script="Thai" typeface="Cordia New"/>
         <a:font script="Ethi" typeface="Nyala"/>
         <a:font script="Beng" typeface="Vrinda"/>
         <a:font script="Gujr" typeface="Shruti"/>
@@ -7084,16 +9297,16 @@
         <a:font script="Geor" typeface="Sylfaen"/>
       </a:majorFont>
       <a:minorFont>
-        <a:latin typeface="Gill Sans MT" panose="02020404030301010803"/>
+        <a:latin typeface="Trebuchet MS" panose="020B0603020202020204"/>
         <a:ea typeface=""/>
         <a:cs typeface=""/>
-        <a:font script="Jpan" typeface="ＭＳ ゴシック"/>
-        <a:font script="Hang" typeface="맑은 고딕"/>
-        <a:font script="Hans" typeface="宋体"/>
-        <a:font script="Hant" typeface="新細明體"/>
+        <a:font script="Jpan" typeface="メイリオ"/>
+        <a:font script="Hang" typeface="HY그래픽M"/>
+        <a:font script="Hans" typeface="华文新魏"/>
+        <a:font script="Hant" typeface="微軟正黑體"/>
         <a:font script="Arab" typeface="Tahoma"/>
         <a:font script="Hebr" typeface="Gisha"/>
-        <a:font script="Thai" typeface="DilleniaUPC"/>
+        <a:font script="Thai" typeface="IrisUPC"/>
         <a:font script="Ethi" typeface="Nyala"/>
         <a:font script="Beng" typeface="Vrinda"/>
         <a:font script="Gujr" typeface="Shruti"/>
@@ -7114,12 +9327,12 @@
         <a:font script="Laoo" typeface="DokChampa"/>
         <a:font script="Sinh" typeface="Iskoola Pota"/>
         <a:font script="Mong" typeface="Mongolian Baiti"/>
-        <a:font script="Viet" typeface="Verdana"/>
+        <a:font script="Viet" typeface="Arial"/>
         <a:font script="Uigh" typeface="Microsoft Uighur"/>
         <a:font script="Geor" typeface="Sylfaen"/>
       </a:minorFont>
     </a:fontScheme>
-    <a:fmtScheme name="Savon">
+    <a:fmtScheme name="Facet">
       <a:fillStyleLst>
         <a:solidFill>
           <a:schemeClr val="phClr"/>
@@ -7128,23 +9341,13 @@
           <a:gsLst>
             <a:gs pos="0">
               <a:schemeClr val="phClr">
-                <a:tint val="60000"/>
-                <a:satMod val="105000"/>
-                <a:lumMod val="105000"/>
+                <a:tint val="65000"/>
+                <a:lumMod val="110000"/>
               </a:schemeClr>
             </a:gs>
-            <a:gs pos="100000">
+            <a:gs pos="88000">
               <a:schemeClr val="phClr">
-                <a:tint val="65000"/>
-                <a:satMod val="100000"/>
-                <a:lumMod val="100000"/>
-              </a:schemeClr>
-            </a:gs>
-            <a:gs pos="100000">
-              <a:schemeClr val="phClr">
-                <a:tint val="70000"/>
-                <a:satMod val="100000"/>
-                <a:lumMod val="100000"/>
+                <a:tint val="90000"/>
               </a:schemeClr>
             </a:gs>
           </a:gsLst>
@@ -7154,22 +9357,14 @@
           <a:gsLst>
             <a:gs pos="0">
               <a:schemeClr val="phClr">
-                <a:satMod val="100000"/>
+                <a:tint val="96000"/>
                 <a:lumMod val="100000"/>
               </a:schemeClr>
             </a:gs>
-            <a:gs pos="50000">
+            <a:gs pos="78000">
               <a:schemeClr val="phClr">
-                <a:shade val="99000"/>
-                <a:satMod val="105000"/>
-                <a:lumMod val="100000"/>
-              </a:schemeClr>
-            </a:gs>
-            <a:gs pos="100000">
-              <a:schemeClr val="phClr">
-                <a:shade val="98000"/>
-                <a:satMod val="105000"/>
-                <a:lumMod val="100000"/>
+                <a:shade val="94000"/>
+                <a:lumMod val="94000"/>
               </a:schemeClr>
             </a:gs>
           </a:gsLst>
@@ -7177,19 +9372,19 @@
         </a:gradFill>
       </a:fillStyleLst>
       <a:lnStyleLst>
-        <a:ln w="6350" cap="flat" cmpd="sng" algn="ctr">
+        <a:ln w="12700" cap="rnd" cmpd="sng" algn="ctr">
           <a:solidFill>
             <a:schemeClr val="phClr"/>
           </a:solidFill>
           <a:prstDash val="solid"/>
         </a:ln>
-        <a:ln w="12700" cap="flat" cmpd="sng" algn="ctr">
+        <a:ln w="19050" cap="rnd" cmpd="sng" algn="ctr">
           <a:solidFill>
             <a:schemeClr val="phClr"/>
           </a:solidFill>
           <a:prstDash val="solid"/>
         </a:ln>
-        <a:ln w="19050" cap="flat" cmpd="sng" algn="ctr">
+        <a:ln w="25400" cap="rnd" cmpd="sng" algn="ctr">
           <a:solidFill>
             <a:schemeClr val="phClr"/>
           </a:solidFill>
@@ -7202,18 +9397,18 @@
         </a:effectStyle>
         <a:effectStyle>
           <a:effectLst>
-            <a:outerShdw blurRad="38100" dist="12700" dir="5400000" algn="ctr" rotWithShape="0">
+            <a:outerShdw blurRad="38100" dist="25400" dir="5400000" rotWithShape="0">
               <a:srgbClr val="000000">
-                <a:alpha val="63000"/>
+                <a:alpha val="35000"/>
               </a:srgbClr>
             </a:outerShdw>
           </a:effectLst>
         </a:effectStyle>
         <a:effectStyle>
           <a:effectLst>
-            <a:outerShdw blurRad="57150" dist="19050" dir="5400000" algn="ctr" rotWithShape="0">
+            <a:outerShdw blurRad="50800" dist="38100" dir="5400000" rotWithShape="0">
               <a:srgbClr val="000000">
-                <a:alpha val="63000"/>
+                <a:alpha val="35000"/>
               </a:srgbClr>
             </a:outerShdw>
           </a:effectLst>
@@ -7221,12 +9416,10 @@
             <a:camera prst="orthographicFront">
               <a:rot lat="0" lon="0" rev="0"/>
             </a:camera>
-            <a:lightRig rig="flat" dir="tl">
-              <a:rot lat="0" lon="0" rev="4200000"/>
-            </a:lightRig>
+            <a:lightRig rig="threePt" dir="tl"/>
           </a:scene3d>
-          <a:sp3d prstMaterial="flat">
-            <a:bevelT w="50800" h="63500" prst="riblet"/>
+          <a:sp3d prstMaterial="plastic">
+            <a:bevelT w="0" h="0"/>
           </a:sp3d>
         </a:effectStyle>
       </a:effectStyleLst>
@@ -7238,37 +9431,38 @@
           <a:gsLst>
             <a:gs pos="0">
               <a:schemeClr val="phClr">
-                <a:tint val="80000"/>
-                <a:shade val="100000"/>
-                <a:satMod val="300000"/>
+                <a:tint val="90000"/>
+                <a:lumMod val="104000"/>
+              </a:schemeClr>
+            </a:gs>
+            <a:gs pos="94000">
+              <a:schemeClr val="phClr">
+                <a:shade val="96000"/>
+                <a:lumMod val="82000"/>
+              </a:schemeClr>
+            </a:gs>
+          </a:gsLst>
+          <a:lin ang="5400000" scaled="0"/>
+        </a:gradFill>
+        <a:gradFill rotWithShape="1">
+          <a:gsLst>
+            <a:gs pos="0">
+              <a:schemeClr val="phClr">
+                <a:tint val="90000"/>
+                <a:lumMod val="110000"/>
               </a:schemeClr>
             </a:gs>
             <a:gs pos="100000">
               <a:schemeClr val="phClr">
-                <a:tint val="100000"/>
-                <a:shade val="30000"/>
-                <a:satMod val="200000"/>
+                <a:shade val="94000"/>
+                <a:lumMod val="96000"/>
               </a:schemeClr>
             </a:gs>
           </a:gsLst>
           <a:path path="circle">
-            <a:fillToRect l="50000" t="50000" r="50000" b="50000"/>
+            <a:fillToRect l="50000" t="50000" r="100000" b="100000"/>
           </a:path>
         </a:gradFill>
-        <a:blipFill rotWithShape="1">
-          <a:blip xmlns:r="http://schemas.openxmlformats.org/officeDocument/2006/relationships" r:embed="rId1">
-            <a:duotone>
-              <a:schemeClr val="phClr">
-                <a:tint val="95000"/>
-              </a:schemeClr>
-              <a:schemeClr val="phClr">
-                <a:shade val="92000"/>
-                <a:satMod val="115000"/>
-              </a:schemeClr>
-            </a:duotone>
-          </a:blip>
-          <a:tile tx="0" ty="0" sx="60000" sy="60000" flip="none" algn="tl"/>
-        </a:blipFill>
       </a:bgFillStyleLst>
     </a:fmtScheme>
   </a:themeElements>
@@ -7276,7 +9470,7 @@
   <a:extraClrSchemeLst/>
   <a:extLst>
     <a:ext uri="{05A4C25C-085E-4340-85A3-A5531E510DB2}">
-      <thm15:themeFamily xmlns:thm15="http://schemas.microsoft.com/office/thememl/2012/main" name="SavonVTI" id="{A72E8C35-66DD-49F8-AF66-813F19B983AE}" vid="{93CCBC76-B7A1-4C3D-93EA-5CE34C4670F9}"/>
+      <thm15:themeFamily xmlns:thm15="http://schemas.microsoft.com/office/thememl/2012/main" name="Facet" id="{C0C680CD-088A-49FC-A102-D699147F32B2}" vid="{23659B44-6E34-4CE8-8F0D-387DA7996826}"/>
     </a:ext>
   </a:extLst>
 </a:theme>

--- a/SchoolReport/Mobile Wizard Dress-Up Game.pptx
+++ b/SchoolReport/Mobile Wizard Dress-Up Game.pptx
@@ -893,7 +893,7 @@
           <a:p>
             <a:fld id="{EA0C0817-A112-4847-8014-A94B7D2A4EA3}" type="datetime1">
               <a:rPr lang="en-US" smtClean="0"/>
-              <a:t>10/24/2019</a:t>
+              <a:t>10/25/2019</a:t>
             </a:fld>
             <a:endParaRPr lang="en-US" dirty="0"/>
           </a:p>
@@ -1144,7 +1144,7 @@
           <a:p>
             <a:fld id="{F6FA2B21-3FCD-4721-B95C-427943F61125}" type="datetime1">
               <a:rPr lang="en-US" smtClean="0"/>
-              <a:t>10/24/2019</a:t>
+              <a:t>10/25/2019</a:t>
             </a:fld>
             <a:endParaRPr lang="en-US"/>
           </a:p>
@@ -1459,7 +1459,7 @@
           <a:p>
             <a:fld id="{F6FA2B21-3FCD-4721-B95C-427943F61125}" type="datetime1">
               <a:rPr lang="en-US" smtClean="0"/>
-              <a:t>10/24/2019</a:t>
+              <a:t>10/25/2019</a:t>
             </a:fld>
             <a:endParaRPr lang="en-US"/>
           </a:p>
@@ -1787,7 +1787,7 @@
           <a:p>
             <a:fld id="{F6FA2B21-3FCD-4721-B95C-427943F61125}" type="datetime1">
               <a:rPr lang="en-US" smtClean="0"/>
-              <a:t>10/24/2019</a:t>
+              <a:t>10/25/2019</a:t>
             </a:fld>
             <a:endParaRPr lang="en-US"/>
           </a:p>
@@ -2102,7 +2102,7 @@
           <a:p>
             <a:fld id="{F6FA2B21-3FCD-4721-B95C-427943F61125}" type="datetime1">
               <a:rPr lang="en-US" smtClean="0"/>
-              <a:t>10/24/2019</a:t>
+              <a:t>10/25/2019</a:t>
             </a:fld>
             <a:endParaRPr lang="en-US"/>
           </a:p>
@@ -2490,7 +2490,7 @@
           <a:p>
             <a:fld id="{F6FA2B21-3FCD-4721-B95C-427943F61125}" type="datetime1">
               <a:rPr lang="en-US" smtClean="0"/>
-              <a:t>10/24/2019</a:t>
+              <a:t>10/25/2019</a:t>
             </a:fld>
             <a:endParaRPr lang="en-US"/>
           </a:p>
@@ -2661,7 +2661,7 @@
           <a:p>
             <a:fld id="{134F40B7-36AB-4376-BE14-EF7004D79BB9}" type="datetime1">
               <a:rPr lang="en-US" smtClean="0"/>
-              <a:t>10/24/2019</a:t>
+              <a:t>10/25/2019</a:t>
             </a:fld>
             <a:endParaRPr lang="en-US"/>
           </a:p>
@@ -2841,7 +2841,7 @@
           <a:p>
             <a:fld id="{FF87CAB8-DCAE-46A5-AADA-B3FAD11A54E0}" type="datetime1">
               <a:rPr lang="en-US" smtClean="0"/>
-              <a:t>10/24/2019</a:t>
+              <a:t>10/25/2019</a:t>
             </a:fld>
             <a:endParaRPr lang="en-US"/>
           </a:p>
@@ -3011,7 +3011,7 @@
           <a:p>
             <a:fld id="{7332B432-ACDA-4023-A761-2BAB76577B62}" type="datetime1">
               <a:rPr lang="en-US" smtClean="0"/>
-              <a:t>10/24/2019</a:t>
+              <a:t>10/25/2019</a:t>
             </a:fld>
             <a:endParaRPr lang="en-US"/>
           </a:p>
@@ -3258,7 +3258,7 @@
           <a:p>
             <a:fld id="{D9C646AA-F36E-4540-911D-FFFC0A0EF24A}" type="datetime1">
               <a:rPr lang="en-US" smtClean="0"/>
-              <a:t>10/24/2019</a:t>
+              <a:t>10/25/2019</a:t>
             </a:fld>
             <a:endParaRPr lang="en-US" dirty="0"/>
           </a:p>
@@ -3490,7 +3490,7 @@
           <a:p>
             <a:fld id="{69186D26-FA5F-4637-B602-B7C2DC34CFD4}" type="datetime1">
               <a:rPr lang="en-US" smtClean="0"/>
-              <a:t>10/24/2019</a:t>
+              <a:t>10/25/2019</a:t>
             </a:fld>
             <a:endParaRPr lang="en-US"/>
           </a:p>
@@ -3864,7 +3864,7 @@
           <a:p>
             <a:fld id="{8A7F15D8-96D1-4781-BC50-CA8A088B2FE4}" type="datetime1">
               <a:rPr lang="en-US" smtClean="0"/>
-              <a:t>10/24/2019</a:t>
+              <a:t>10/25/2019</a:t>
             </a:fld>
             <a:endParaRPr lang="en-US"/>
           </a:p>
@@ -3987,7 +3987,7 @@
           <a:p>
             <a:fld id="{F9A96C99-B8F8-4528-BD05-0E16E943DC09}" type="datetime1">
               <a:rPr lang="en-US" smtClean="0"/>
-              <a:t>10/24/2019</a:t>
+              <a:t>10/25/2019</a:t>
             </a:fld>
             <a:endParaRPr lang="en-US"/>
           </a:p>
@@ -4082,7 +4082,7 @@
           <a:p>
             <a:fld id="{03636942-C211-4B28-8DBD-C953E00AF71B}" type="datetime1">
               <a:rPr lang="en-US" smtClean="0"/>
-              <a:t>10/24/2019</a:t>
+              <a:t>10/25/2019</a:t>
             </a:fld>
             <a:endParaRPr lang="en-US"/>
           </a:p>
@@ -4337,7 +4337,7 @@
           <a:p>
             <a:fld id="{7E8D12A6-918A-48BD-8CB9-CA713993B0EA}" type="datetime1">
               <a:rPr lang="en-US" smtClean="0"/>
-              <a:t>10/24/2019</a:t>
+              <a:t>10/25/2019</a:t>
             </a:fld>
             <a:endParaRPr lang="en-US"/>
           </a:p>
@@ -4601,7 +4601,7 @@
             <a:fld id="{E778CE86-875F-4587-BCF6-FA054AFC0D53}" type="datetime1">
               <a:rPr lang="en-US" smtClean="0"/>
               <a:pPr/>
-              <a:t>10/24/2019</a:t>
+              <a:t>10/25/2019</a:t>
             </a:fld>
             <a:endParaRPr lang="en-US" dirty="0"/>
           </a:p>
@@ -5347,7 +5347,7 @@
           <a:p>
             <a:fld id="{F6FA2B21-3FCD-4721-B95C-427943F61125}" type="datetime1">
               <a:rPr lang="en-US" smtClean="0"/>
-              <a:t>10/24/2019</a:t>
+              <a:t>10/25/2019</a:t>
             </a:fld>
             <a:endParaRPr lang="en-US"/>
           </a:p>
@@ -5923,7 +5923,7 @@
         </p:blipFill>
         <p:spPr>
           <a:xfrm>
-            <a:off x="20" y="-839"/>
+            <a:off x="20" y="28036"/>
             <a:ext cx="12191980" cy="6858000"/>
           </a:xfrm>
           <a:prstGeom prst="rect">
@@ -5960,7 +5960,7 @@
           <a:lstStyle/>
           <a:p>
             <a:r>
-              <a:rPr lang="en-US" sz="6800"/>
+              <a:rPr lang="en-US" sz="6800" dirty="0"/>
               <a:t>Mobile Wizard Dress-Up Game</a:t>
             </a:r>
           </a:p>
@@ -6091,6 +6091,27 @@
         <p:txBody>
           <a:bodyPr/>
           <a:lstStyle/>
+          <a:p>
+            <a:r>
+              <a:rPr lang="en-US" dirty="0"/>
+              <a:t>Ability to tell story by dressing the character in the story</a:t>
+            </a:r>
+          </a:p>
+          <a:p>
+            <a:r>
+              <a:rPr lang="en-US" dirty="0"/>
+              <a:t>Ability to involved the user in the game</a:t>
+            </a:r>
+          </a:p>
+          <a:p>
+            <a:r>
+              <a:rPr lang="en-US" dirty="0"/>
+              <a:t>Enables the user to be creative in dressing up for different scenarios in the story. </a:t>
+            </a:r>
+          </a:p>
+          <a:p>
+            <a:endParaRPr lang="en-US" dirty="0"/>
+          </a:p>
           <a:p>
             <a:pPr marL="0" indent="0">
               <a:buNone/>
@@ -7115,15 +7136,7 @@
             <a:pPr lvl="2"/>
             <a:r>
               <a:rPr lang="en-US" dirty="0"/>
-              <a:t>Needs to </a:t>
-            </a:r>
-            <a:r>
-              <a:rPr lang="en-US" dirty="0" err="1"/>
-              <a:t>resond</a:t>
-            </a:r>
-            <a:r>
-              <a:rPr lang="en-US" dirty="0"/>
-              <a:t> to touch</a:t>
+              <a:t>Needs to respond to touch</a:t>
             </a:r>
           </a:p>
           <a:p>
@@ -7486,6 +7499,12 @@
             </a:r>
           </a:p>
           <a:p>
+            <a:pPr marL="914400" lvl="2" indent="0">
+              <a:buNone/>
+            </a:pPr>
+            <a:endParaRPr lang="en-US" dirty="0"/>
+          </a:p>
+          <a:p>
             <a:pPr lvl="2"/>
             <a:endParaRPr lang="en-US" dirty="0"/>
           </a:p>
@@ -7574,7 +7593,13 @@
           <a:bodyPr/>
           <a:lstStyle/>
           <a:p>
-            <a:endParaRPr lang="en-US"/>
+            <a:pPr marL="0" indent="0">
+              <a:buNone/>
+            </a:pPr>
+            <a:r>
+              <a:rPr lang="en-US" dirty="0"/>
+              <a:t>	</a:t>
+            </a:r>
           </a:p>
         </p:txBody>
       </p:sp>
@@ -7654,10 +7679,72 @@
         </p:nvSpPr>
         <p:spPr/>
         <p:txBody>
-          <a:bodyPr/>
-          <a:lstStyle/>
-          <a:p>
-            <a:endParaRPr lang="en-US"/>
+          <a:bodyPr>
+            <a:normAutofit/>
+          </a:bodyPr>
+          <a:lstStyle/>
+          <a:p>
+            <a:pPr marL="457200" lvl="1" indent="0">
+              <a:buNone/>
+            </a:pPr>
+            <a:endParaRPr lang="en-US" dirty="0"/>
+          </a:p>
+          <a:p>
+            <a:pPr lvl="1"/>
+            <a:r>
+              <a:rPr lang="en-US" dirty="0"/>
+              <a:t>Allows the user to select clothing of their choice in ward rope</a:t>
+            </a:r>
+          </a:p>
+          <a:p>
+            <a:pPr lvl="1"/>
+            <a:r>
+              <a:rPr lang="en-US" dirty="0"/>
+              <a:t>Allows the user to get involved in the story by choosing what to wear for the day, what story to follow.</a:t>
+            </a:r>
+          </a:p>
+          <a:p>
+            <a:pPr lvl="1"/>
+            <a:r>
+              <a:rPr lang="en-US" dirty="0"/>
+              <a:t>Allows the user to interact and communicate with the character.</a:t>
+            </a:r>
+          </a:p>
+          <a:p>
+            <a:pPr lvl="1"/>
+            <a:r>
+              <a:rPr lang="en-US" dirty="0"/>
+              <a:t>Allows the user to explore all ways of dressing up, thus developing interest in the game</a:t>
+            </a:r>
+          </a:p>
+          <a:p>
+            <a:pPr lvl="1"/>
+            <a:r>
+              <a:rPr lang="en-US" dirty="0"/>
+              <a:t>Allows the user be creative in dressing-up especially that involves competition in the story</a:t>
+            </a:r>
+          </a:p>
+          <a:p>
+            <a:pPr lvl="1"/>
+            <a:endParaRPr lang="en-US" dirty="0"/>
+          </a:p>
+          <a:p>
+            <a:pPr marL="457200" lvl="1" indent="0">
+              <a:buNone/>
+            </a:pPr>
+            <a:endParaRPr lang="en-US" dirty="0"/>
+          </a:p>
+          <a:p>
+            <a:endParaRPr lang="en-US" dirty="0"/>
+          </a:p>
+          <a:p>
+            <a:endParaRPr lang="en-US" dirty="0"/>
+          </a:p>
+          <a:p>
+            <a:pPr marL="0" indent="0">
+              <a:buNone/>
+            </a:pPr>
+            <a:endParaRPr lang="en-US" dirty="0"/>
           </a:p>
         </p:txBody>
       </p:sp>
@@ -8812,12 +8899,47 @@
           <a:chExt cx="0" cy="0"/>
         </a:xfrm>
       </p:grpSpPr>
+      <p:sp>
+        <p:nvSpPr>
+          <p:cNvPr id="2" name="Title 1">
+            <a:extLst>
+              <a:ext uri="{FF2B5EF4-FFF2-40B4-BE49-F238E27FC236}">
+                <a16:creationId xmlns:a16="http://schemas.microsoft.com/office/drawing/2014/main" id="{E1E1C5E2-CDA7-46A7-A635-8E83E8D91066}"/>
+              </a:ext>
+            </a:extLst>
+          </p:cNvPr>
+          <p:cNvSpPr>
+            <a:spLocks noGrp="1"/>
+          </p:cNvSpPr>
+          <p:nvPr>
+            <p:ph type="title"/>
+          </p:nvPr>
+        </p:nvSpPr>
+        <p:spPr>
+          <a:xfrm>
+            <a:off x="4997309" y="609600"/>
+            <a:ext cx="4276692" cy="1320800"/>
+          </a:xfrm>
+        </p:spPr>
+        <p:txBody>
+          <a:bodyPr anchor="ctr">
+            <a:normAutofit/>
+          </a:bodyPr>
+          <a:lstStyle/>
+          <a:p>
+            <a:r>
+              <a:rPr lang="en-US" sz="3600" dirty="0"/>
+              <a:t>Prototypes – Dress Up</a:t>
+            </a:r>
+          </a:p>
+        </p:txBody>
+      </p:sp>
       <p:pic>
         <p:nvPicPr>
-          <p:cNvPr id="5" name="Content Placeholder 4" descr="A close up of text on a whiteboard&#10;&#10;Description automatically generated">
+          <p:cNvPr id="27" name="Picture 26">
             <a:extLst>
               <a:ext uri="{FF2B5EF4-FFF2-40B4-BE49-F238E27FC236}">
-                <a16:creationId xmlns:a16="http://schemas.microsoft.com/office/drawing/2014/main" id="{0F847119-45F2-438A-A5F5-DB9B082976E6}"/>
+                <a16:creationId xmlns:a16="http://schemas.microsoft.com/office/drawing/2014/main" id="{BD8998D7-5ACA-4110-B3EE-C60BA5ECE582}"/>
               </a:ext>
             </a:extLst>
           </p:cNvPr>
@@ -8826,62 +8948,22 @@
           </p:cNvPicPr>
           <p:nvPr/>
         </p:nvPicPr>
-        <p:blipFill rotWithShape="1">
-          <a:blip r:embed="rId2">
-            <a:extLst>
-              <a:ext uri="{28A0092B-C50C-407E-A947-70E740481C1C}">
-                <a14:useLocalDpi xmlns:a14="http://schemas.microsoft.com/office/drawing/2010/main" val="0"/>
-              </a:ext>
-            </a:extLst>
-          </a:blip>
-          <a:srcRect l="14432" t="22142" r="13690" b="20409"/>
-          <a:stretch/>
+        <p:blipFill>
+          <a:blip r:embed="rId2"/>
+          <a:stretch>
+            <a:fillRect/>
+          </a:stretch>
         </p:blipFill>
         <p:spPr>
           <a:xfrm>
-            <a:off x="1109231" y="882398"/>
-            <a:ext cx="6828816" cy="5121612"/>
+            <a:off x="878583" y="804672"/>
+            <a:ext cx="3712494" cy="5085609"/>
           </a:xfrm>
           <a:prstGeom prst="rect">
             <a:avLst/>
           </a:prstGeom>
         </p:spPr>
       </p:pic>
-      <p:sp>
-        <p:nvSpPr>
-          <p:cNvPr id="2" name="Title 1">
-            <a:extLst>
-              <a:ext uri="{FF2B5EF4-FFF2-40B4-BE49-F238E27FC236}">
-                <a16:creationId xmlns:a16="http://schemas.microsoft.com/office/drawing/2014/main" id="{E1E1C5E2-CDA7-46A7-A635-8E83E8D91066}"/>
-              </a:ext>
-            </a:extLst>
-          </p:cNvPr>
-          <p:cNvSpPr>
-            <a:spLocks noGrp="1"/>
-          </p:cNvSpPr>
-          <p:nvPr>
-            <p:ph type="title"/>
-          </p:nvPr>
-        </p:nvSpPr>
-        <p:spPr>
-          <a:xfrm>
-            <a:off x="9321801" y="612843"/>
-            <a:ext cx="2312480" cy="1499738"/>
-          </a:xfrm>
-        </p:spPr>
-        <p:txBody>
-          <a:bodyPr anchor="b">
-            <a:normAutofit/>
-          </a:bodyPr>
-          <a:lstStyle/>
-          <a:p>
-            <a:r>
-              <a:rPr lang="en-US" sz="2800"/>
-              <a:t>Prototypes – Dress Up</a:t>
-            </a:r>
-          </a:p>
-        </p:txBody>
-      </p:sp>
       <p:sp>
         <p:nvSpPr>
           <p:cNvPr id="9" name="Content Placeholder 8">
@@ -8900,8 +8982,8 @@
         </p:nvSpPr>
         <p:spPr>
           <a:xfrm>
-            <a:off x="9321801" y="2149813"/>
-            <a:ext cx="2312479" cy="3854197"/>
+            <a:off x="4985823" y="2160589"/>
+            <a:ext cx="4285176" cy="3768573"/>
           </a:xfrm>
         </p:spPr>
         <p:txBody>
@@ -8910,14 +8992,63 @@
           </a:bodyPr>
           <a:lstStyle/>
           <a:p>
-            <a:endParaRPr lang="en-US" sz="1400">
-              <a:solidFill>
-                <a:schemeClr val="tx1">
-                  <a:lumMod val="85000"/>
-                  <a:lumOff val="15000"/>
-                </a:schemeClr>
-              </a:solidFill>
-            </a:endParaRPr>
+            <a:r>
+              <a:rPr lang="en-US" dirty="0"/>
+              <a:t>User may want to change clothing style and color based on parts of the story or the current emotions:</a:t>
+            </a:r>
+          </a:p>
+          <a:p>
+            <a:pPr lvl="1"/>
+            <a:r>
+              <a:rPr lang="en-US" dirty="0"/>
+              <a:t>Shirts</a:t>
+            </a:r>
+          </a:p>
+          <a:p>
+            <a:pPr lvl="1"/>
+            <a:r>
+              <a:rPr lang="en-US" dirty="0"/>
+              <a:t>Pants</a:t>
+            </a:r>
+          </a:p>
+          <a:p>
+            <a:pPr lvl="1"/>
+            <a:r>
+              <a:rPr lang="en-US" dirty="0"/>
+              <a:t>Shoes</a:t>
+            </a:r>
+          </a:p>
+          <a:p>
+            <a:pPr lvl="1"/>
+            <a:r>
+              <a:rPr lang="en-US" dirty="0"/>
+              <a:t>Eyeglasses</a:t>
+            </a:r>
+          </a:p>
+          <a:p>
+            <a:pPr lvl="1"/>
+            <a:r>
+              <a:rPr lang="en-US" dirty="0"/>
+              <a:t>scarfs</a:t>
+            </a:r>
+          </a:p>
+          <a:p>
+            <a:pPr lvl="1"/>
+            <a:r>
+              <a:rPr lang="en-US" dirty="0"/>
+              <a:t>Hair</a:t>
+            </a:r>
+          </a:p>
+          <a:p>
+            <a:pPr lvl="1"/>
+            <a:r>
+              <a:rPr lang="en-US" dirty="0"/>
+              <a:t>Dresses </a:t>
+            </a:r>
+          </a:p>
+          <a:p>
+            <a:pPr lvl="1"/>
+            <a:endParaRPr lang="en-US" dirty="0"/>
           </a:p>
         </p:txBody>
       </p:sp>
@@ -9191,7 +9322,7 @@
             <a:pPr lvl="1"/>
             <a:r>
               <a:rPr lang="en-US" dirty="0"/>
-              <a:t>We need to keep everything on a relatively small screen with comparatively large text</a:t>
+              <a:t>We need to keep everything on a relatively small screen with comparatively large context</a:t>
             </a:r>
           </a:p>
           <a:p>
@@ -9202,7 +9333,27 @@
             </a:r>
           </a:p>
           <a:p>
+            <a:pPr lvl="1"/>
             <a:endParaRPr lang="en-US" dirty="0"/>
+          </a:p>
+          <a:p>
+            <a:pPr marL="457200" lvl="1" indent="0">
+              <a:buNone/>
+            </a:pPr>
+            <a:endParaRPr lang="en-US" dirty="0"/>
+          </a:p>
+          <a:p>
+            <a:pPr lvl="1"/>
+            <a:endParaRPr lang="en-US" dirty="0"/>
+          </a:p>
+          <a:p>
+            <a:pPr marL="0" indent="0">
+              <a:buNone/>
+            </a:pPr>
+            <a:r>
+              <a:rPr lang="en-US" dirty="0"/>
+              <a:t>	</a:t>
+            </a:r>
           </a:p>
         </p:txBody>
       </p:sp>

--- a/SchoolReport/Mobile Wizard Dress-Up Game.pptx
+++ b/SchoolReport/Mobile Wizard Dress-Up Game.pptx
@@ -165,6 +165,271 @@
     </p:ext>
   </p:extLst>
 </p:presentation>
+</file>
+
+<file path=ppt/revisionInfo.xml><?xml version="1.0" encoding="utf-8"?>
+<p1510:revInfo xmlns:a="http://schemas.openxmlformats.org/drawingml/2006/main" xmlns:r="http://schemas.openxmlformats.org/officeDocument/2006/relationships" xmlns:p1510="http://schemas.microsoft.com/office/powerpoint/2015/10/main">
+  <p1510:revLst>
+    <p1510:client id="{63D32000-ECDD-492C-B26E-C9B13285B088}" v="4" dt="2019-10-26T02:28:15.011"/>
+  </p1510:revLst>
+</p1510:revInfo>
+</file>
+
+<file path=ppt/changesInfos/changesInfo1.xml><?xml version="1.0" encoding="utf-8"?>
+<pc:chgInfo xmlns:a="http://schemas.openxmlformats.org/drawingml/2006/main" xmlns:r="http://schemas.openxmlformats.org/officeDocument/2006/relationships" xmlns:ac="http://schemas.microsoft.com/office/drawing/2013/main/command" xmlns:pc="http://schemas.microsoft.com/office/powerpoint/2013/main/command">
+  <pc:docChgLst>
+    <pc:chgData name="Allie Burress" userId="2f55098d3171d9f8" providerId="LiveId" clId="{63D32000-ECDD-492C-B26E-C9B13285B088}"/>
+    <pc:docChg chg="undo custSel modSld">
+      <pc:chgData name="Allie Burress" userId="2f55098d3171d9f8" providerId="LiveId" clId="{63D32000-ECDD-492C-B26E-C9B13285B088}" dt="2019-10-26T03:04:06.401" v="1236" actId="20577"/>
+      <pc:docMkLst>
+        <pc:docMk/>
+      </pc:docMkLst>
+      <pc:sldChg chg="modSp">
+        <pc:chgData name="Allie Burress" userId="2f55098d3171d9f8" providerId="LiveId" clId="{63D32000-ECDD-492C-B26E-C9B13285B088}" dt="2019-10-26T02:08:32.921" v="7" actId="403"/>
+        <pc:sldMkLst>
+          <pc:docMk/>
+          <pc:sldMk cId="2108165467" sldId="257"/>
+        </pc:sldMkLst>
+        <pc:spChg chg="mod">
+          <ac:chgData name="Allie Burress" userId="2f55098d3171d9f8" providerId="LiveId" clId="{63D32000-ECDD-492C-B26E-C9B13285B088}" dt="2019-10-26T02:08:32.921" v="7" actId="403"/>
+          <ac:spMkLst>
+            <pc:docMk/>
+            <pc:sldMk cId="2108165467" sldId="257"/>
+            <ac:spMk id="3" creationId="{C5A1CC11-F2B6-4F3C-B9E6-09E27AFE8738}"/>
+          </ac:spMkLst>
+        </pc:spChg>
+      </pc:sldChg>
+      <pc:sldChg chg="modSp">
+        <pc:chgData name="Allie Burress" userId="2f55098d3171d9f8" providerId="LiveId" clId="{63D32000-ECDD-492C-B26E-C9B13285B088}" dt="2019-10-26T02:09:20.469" v="30" actId="27636"/>
+        <pc:sldMkLst>
+          <pc:docMk/>
+          <pc:sldMk cId="409912786" sldId="258"/>
+        </pc:sldMkLst>
+        <pc:spChg chg="mod">
+          <ac:chgData name="Allie Burress" userId="2f55098d3171d9f8" providerId="LiveId" clId="{63D32000-ECDD-492C-B26E-C9B13285B088}" dt="2019-10-26T02:09:20.469" v="30" actId="27636"/>
+          <ac:spMkLst>
+            <pc:docMk/>
+            <pc:sldMk cId="409912786" sldId="258"/>
+            <ac:spMk id="9" creationId="{F8105A1C-3107-4F81-9481-DDA235852348}"/>
+          </ac:spMkLst>
+        </pc:spChg>
+      </pc:sldChg>
+      <pc:sldChg chg="modSp">
+        <pc:chgData name="Allie Burress" userId="2f55098d3171d9f8" providerId="LiveId" clId="{63D32000-ECDD-492C-B26E-C9B13285B088}" dt="2019-10-26T02:09:44.871" v="36" actId="1076"/>
+        <pc:sldMkLst>
+          <pc:docMk/>
+          <pc:sldMk cId="4152880690" sldId="260"/>
+        </pc:sldMkLst>
+        <pc:spChg chg="mod">
+          <ac:chgData name="Allie Burress" userId="2f55098d3171d9f8" providerId="LiveId" clId="{63D32000-ECDD-492C-B26E-C9B13285B088}" dt="2019-10-26T02:09:37.609" v="34" actId="27636"/>
+          <ac:spMkLst>
+            <pc:docMk/>
+            <pc:sldMk cId="4152880690" sldId="260"/>
+            <ac:spMk id="3" creationId="{701F2B63-E0AE-4BF8-94C0-501D4C963245}"/>
+          </ac:spMkLst>
+        </pc:spChg>
+        <pc:picChg chg="mod">
+          <ac:chgData name="Allie Burress" userId="2f55098d3171d9f8" providerId="LiveId" clId="{63D32000-ECDD-492C-B26E-C9B13285B088}" dt="2019-10-26T02:09:44.871" v="36" actId="1076"/>
+          <ac:picMkLst>
+            <pc:docMk/>
+            <pc:sldMk cId="4152880690" sldId="260"/>
+            <ac:picMk id="5" creationId="{79709396-40CB-4F97-8B6A-A31676C2FDDE}"/>
+          </ac:picMkLst>
+        </pc:picChg>
+      </pc:sldChg>
+      <pc:sldChg chg="modSp">
+        <pc:chgData name="Allie Burress" userId="2f55098d3171d9f8" providerId="LiveId" clId="{63D32000-ECDD-492C-B26E-C9B13285B088}" dt="2019-10-26T03:04:06.401" v="1236" actId="20577"/>
+        <pc:sldMkLst>
+          <pc:docMk/>
+          <pc:sldMk cId="2453177725" sldId="261"/>
+        </pc:sldMkLst>
+        <pc:spChg chg="mod">
+          <ac:chgData name="Allie Burress" userId="2f55098d3171d9f8" providerId="LiveId" clId="{63D32000-ECDD-492C-B26E-C9B13285B088}" dt="2019-10-26T03:04:06.401" v="1236" actId="20577"/>
+          <ac:spMkLst>
+            <pc:docMk/>
+            <pc:sldMk cId="2453177725" sldId="261"/>
+            <ac:spMk id="3" creationId="{05FF4F6D-AB97-4E62-A064-77C84531370B}"/>
+          </ac:spMkLst>
+        </pc:spChg>
+      </pc:sldChg>
+      <pc:sldChg chg="modSp">
+        <pc:chgData name="Allie Burress" userId="2f55098d3171d9f8" providerId="LiveId" clId="{63D32000-ECDD-492C-B26E-C9B13285B088}" dt="2019-10-26T02:31:46.301" v="1220" actId="1076"/>
+        <pc:sldMkLst>
+          <pc:docMk/>
+          <pc:sldMk cId="1461893502" sldId="262"/>
+        </pc:sldMkLst>
+        <pc:spChg chg="mod">
+          <ac:chgData name="Allie Burress" userId="2f55098d3171d9f8" providerId="LiveId" clId="{63D32000-ECDD-492C-B26E-C9B13285B088}" dt="2019-10-26T02:31:46.301" v="1220" actId="1076"/>
+          <ac:spMkLst>
+            <pc:docMk/>
+            <pc:sldMk cId="1461893502" sldId="262"/>
+            <ac:spMk id="3" creationId="{16E7C33F-8388-45F5-A1DB-DC606F59FC6B}"/>
+          </ac:spMkLst>
+        </pc:spChg>
+      </pc:sldChg>
+      <pc:sldChg chg="modSp">
+        <pc:chgData name="Allie Burress" userId="2f55098d3171d9f8" providerId="LiveId" clId="{63D32000-ECDD-492C-B26E-C9B13285B088}" dt="2019-10-26T02:10:28.458" v="48" actId="403"/>
+        <pc:sldMkLst>
+          <pc:docMk/>
+          <pc:sldMk cId="2987874976" sldId="263"/>
+        </pc:sldMkLst>
+        <pc:spChg chg="mod">
+          <ac:chgData name="Allie Burress" userId="2f55098d3171d9f8" providerId="LiveId" clId="{63D32000-ECDD-492C-B26E-C9B13285B088}" dt="2019-10-26T02:10:28.458" v="48" actId="403"/>
+          <ac:spMkLst>
+            <pc:docMk/>
+            <pc:sldMk cId="2987874976" sldId="263"/>
+            <ac:spMk id="3" creationId="{C7B641A5-64C9-42AE-8C77-9DF2AF934D75}"/>
+          </ac:spMkLst>
+        </pc:spChg>
+      </pc:sldChg>
+      <pc:sldChg chg="modSp">
+        <pc:chgData name="Allie Burress" userId="2f55098d3171d9f8" providerId="LiveId" clId="{63D32000-ECDD-492C-B26E-C9B13285B088}" dt="2019-10-26T02:31:58.023" v="1225" actId="27636"/>
+        <pc:sldMkLst>
+          <pc:docMk/>
+          <pc:sldMk cId="2002018725" sldId="264"/>
+        </pc:sldMkLst>
+        <pc:spChg chg="mod">
+          <ac:chgData name="Allie Burress" userId="2f55098d3171d9f8" providerId="LiveId" clId="{63D32000-ECDD-492C-B26E-C9B13285B088}" dt="2019-10-26T02:31:58.023" v="1225" actId="27636"/>
+          <ac:spMkLst>
+            <pc:docMk/>
+            <pc:sldMk cId="2002018725" sldId="264"/>
+            <ac:spMk id="3" creationId="{B5DB21BF-CE04-4144-8F11-D6CC658FCD12}"/>
+          </ac:spMkLst>
+        </pc:spChg>
+      </pc:sldChg>
+      <pc:sldChg chg="modSp">
+        <pc:chgData name="Allie Burress" userId="2f55098d3171d9f8" providerId="LiveId" clId="{63D32000-ECDD-492C-B26E-C9B13285B088}" dt="2019-10-26T02:26:08.586" v="800" actId="20577"/>
+        <pc:sldMkLst>
+          <pc:docMk/>
+          <pc:sldMk cId="1973647165" sldId="265"/>
+        </pc:sldMkLst>
+        <pc:spChg chg="mod">
+          <ac:chgData name="Allie Burress" userId="2f55098d3171d9f8" providerId="LiveId" clId="{63D32000-ECDD-492C-B26E-C9B13285B088}" dt="2019-10-26T02:26:08.586" v="800" actId="20577"/>
+          <ac:spMkLst>
+            <pc:docMk/>
+            <pc:sldMk cId="1973647165" sldId="265"/>
+            <ac:spMk id="3" creationId="{911B3AED-AB0B-4262-9AF0-B8B139E3D7C5}"/>
+          </ac:spMkLst>
+        </pc:spChg>
+      </pc:sldChg>
+      <pc:sldChg chg="modSp">
+        <pc:chgData name="Allie Burress" userId="2f55098d3171d9f8" providerId="LiveId" clId="{63D32000-ECDD-492C-B26E-C9B13285B088}" dt="2019-10-26T02:54:21.892" v="1228" actId="20577"/>
+        <pc:sldMkLst>
+          <pc:docMk/>
+          <pc:sldMk cId="1364638662" sldId="266"/>
+        </pc:sldMkLst>
+        <pc:spChg chg="mod">
+          <ac:chgData name="Allie Burress" userId="2f55098d3171d9f8" providerId="LiveId" clId="{63D32000-ECDD-492C-B26E-C9B13285B088}" dt="2019-10-26T02:54:21.892" v="1228" actId="20577"/>
+          <ac:spMkLst>
+            <pc:docMk/>
+            <pc:sldMk cId="1364638662" sldId="266"/>
+            <ac:spMk id="3" creationId="{C5C7FFC6-ABFC-4308-860B-A43640A2E8A8}"/>
+          </ac:spMkLst>
+        </pc:spChg>
+      </pc:sldChg>
+      <pc:sldChg chg="addSp modSp">
+        <pc:chgData name="Allie Burress" userId="2f55098d3171d9f8" providerId="LiveId" clId="{63D32000-ECDD-492C-B26E-C9B13285B088}" dt="2019-10-26T02:29:59.093" v="988" actId="1076"/>
+        <pc:sldMkLst>
+          <pc:docMk/>
+          <pc:sldMk cId="3114144912" sldId="267"/>
+        </pc:sldMkLst>
+        <pc:spChg chg="mod">
+          <ac:chgData name="Allie Burress" userId="2f55098d3171d9f8" providerId="LiveId" clId="{63D32000-ECDD-492C-B26E-C9B13285B088}" dt="2019-10-26T02:26:28.653" v="804" actId="1076"/>
+          <ac:spMkLst>
+            <pc:docMk/>
+            <pc:sldMk cId="3114144912" sldId="267"/>
+            <ac:spMk id="2" creationId="{658EA430-6BF3-4FCF-9496-0B39D0C2F408}"/>
+          </ac:spMkLst>
+        </pc:spChg>
+        <pc:spChg chg="add mod">
+          <ac:chgData name="Allie Burress" userId="2f55098d3171d9f8" providerId="LiveId" clId="{63D32000-ECDD-492C-B26E-C9B13285B088}" dt="2019-10-26T02:28:37.885" v="873" actId="1076"/>
+          <ac:spMkLst>
+            <pc:docMk/>
+            <pc:sldMk cId="3114144912" sldId="267"/>
+            <ac:spMk id="9" creationId="{B53DC905-BCC0-47DD-A362-3BFE7A664E47}"/>
+          </ac:spMkLst>
+        </pc:spChg>
+        <pc:spChg chg="mod">
+          <ac:chgData name="Allie Burress" userId="2f55098d3171d9f8" providerId="LiveId" clId="{63D32000-ECDD-492C-B26E-C9B13285B088}" dt="2019-10-26T02:29:59.093" v="988" actId="1076"/>
+          <ac:spMkLst>
+            <pc:docMk/>
+            <pc:sldMk cId="3114144912" sldId="267"/>
+            <ac:spMk id="11" creationId="{CEC00062-CAA1-49C3-AE92-7EA1F4EE2B50}"/>
+          </ac:spMkLst>
+        </pc:spChg>
+        <pc:picChg chg="mod">
+          <ac:chgData name="Allie Burress" userId="2f55098d3171d9f8" providerId="LiveId" clId="{63D32000-ECDD-492C-B26E-C9B13285B088}" dt="2019-10-26T02:26:35.973" v="806" actId="14100"/>
+          <ac:picMkLst>
+            <pc:docMk/>
+            <pc:sldMk cId="3114144912" sldId="267"/>
+            <ac:picMk id="5" creationId="{E440038B-4748-4307-BD0E-990492DD817E}"/>
+          </ac:picMkLst>
+        </pc:picChg>
+        <pc:picChg chg="mod ord">
+          <ac:chgData name="Allie Burress" userId="2f55098d3171d9f8" providerId="LiveId" clId="{63D32000-ECDD-492C-B26E-C9B13285B088}" dt="2019-10-26T02:26:47.349" v="810" actId="14100"/>
+          <ac:picMkLst>
+            <pc:docMk/>
+            <pc:sldMk cId="3114144912" sldId="267"/>
+            <ac:picMk id="7" creationId="{BFE6D0E9-172F-4B87-8E41-35F15FBAA1C7}"/>
+          </ac:picMkLst>
+        </pc:picChg>
+        <pc:cxnChg chg="add mod">
+          <ac:chgData name="Allie Burress" userId="2f55098d3171d9f8" providerId="LiveId" clId="{63D32000-ECDD-492C-B26E-C9B13285B088}" dt="2019-10-26T02:28:05.146" v="818" actId="1582"/>
+          <ac:cxnSpMkLst>
+            <pc:docMk/>
+            <pc:sldMk cId="3114144912" sldId="267"/>
+            <ac:cxnSpMk id="4" creationId="{5D595B10-5D75-4AED-A2FD-F09F7DBF66A8}"/>
+          </ac:cxnSpMkLst>
+        </pc:cxnChg>
+      </pc:sldChg>
+      <pc:sldChg chg="modSp">
+        <pc:chgData name="Allie Burress" userId="2f55098d3171d9f8" providerId="LiveId" clId="{63D32000-ECDD-492C-B26E-C9B13285B088}" dt="2019-10-26T02:09:30.232" v="32" actId="27636"/>
+        <pc:sldMkLst>
+          <pc:docMk/>
+          <pc:sldMk cId="2469586204" sldId="268"/>
+        </pc:sldMkLst>
+        <pc:spChg chg="mod">
+          <ac:chgData name="Allie Burress" userId="2f55098d3171d9f8" providerId="LiveId" clId="{63D32000-ECDD-492C-B26E-C9B13285B088}" dt="2019-10-26T02:09:30.232" v="32" actId="27636"/>
+          <ac:spMkLst>
+            <pc:docMk/>
+            <pc:sldMk cId="2469586204" sldId="268"/>
+            <ac:spMk id="9" creationId="{C65AAE04-1564-4D27-A7F2-C32E5EB4EA06}"/>
+          </ac:spMkLst>
+        </pc:spChg>
+      </pc:sldChg>
+      <pc:sldChg chg="modSp">
+        <pc:chgData name="Allie Burress" userId="2f55098d3171d9f8" providerId="LiveId" clId="{63D32000-ECDD-492C-B26E-C9B13285B088}" dt="2019-10-26T02:30:45.539" v="1095" actId="403"/>
+        <pc:sldMkLst>
+          <pc:docMk/>
+          <pc:sldMk cId="3643122354" sldId="269"/>
+        </pc:sldMkLst>
+        <pc:spChg chg="mod">
+          <ac:chgData name="Allie Burress" userId="2f55098d3171d9f8" providerId="LiveId" clId="{63D32000-ECDD-492C-B26E-C9B13285B088}" dt="2019-10-26T02:30:45.539" v="1095" actId="403"/>
+          <ac:spMkLst>
+            <pc:docMk/>
+            <pc:sldMk cId="3643122354" sldId="269"/>
+            <ac:spMk id="3" creationId="{A5195C66-0B3C-49A1-918E-23B46FA16ABC}"/>
+          </ac:spMkLst>
+        </pc:spChg>
+      </pc:sldChg>
+      <pc:sldChg chg="modSp">
+        <pc:chgData name="Allie Burress" userId="2f55098d3171d9f8" providerId="LiveId" clId="{63D32000-ECDD-492C-B26E-C9B13285B088}" dt="2019-10-26T02:10:06.056" v="41" actId="1076"/>
+        <pc:sldMkLst>
+          <pc:docMk/>
+          <pc:sldMk cId="1777125588" sldId="270"/>
+        </pc:sldMkLst>
+        <pc:spChg chg="mod">
+          <ac:chgData name="Allie Burress" userId="2f55098d3171d9f8" providerId="LiveId" clId="{63D32000-ECDD-492C-B26E-C9B13285B088}" dt="2019-10-26T02:10:06.056" v="41" actId="1076"/>
+          <ac:spMkLst>
+            <pc:docMk/>
+            <pc:sldMk cId="1777125588" sldId="270"/>
+            <ac:spMk id="3" creationId="{59C10FF9-40C1-4FDF-A5E8-4C8E607EC540}"/>
+          </ac:spMkLst>
+        </pc:spChg>
+      </pc:sldChg>
+    </pc:docChg>
+  </pc:docChgLst>
+</pc:chgInfo>
 </file>
 
 <file path=ppt/slideLayouts/slideLayout1.xml><?xml version="1.0" encoding="utf-8"?>
@@ -6087,36 +6352,43 @@
             <p:ph idx="1"/>
           </p:nvPr>
         </p:nvSpPr>
-        <p:spPr/>
-        <p:txBody>
-          <a:bodyPr/>
-          <a:lstStyle/>
-          <a:p>
-            <a:r>
-              <a:rPr lang="en-US" dirty="0"/>
+        <p:spPr>
+          <a:xfrm>
+            <a:off x="677334" y="2120833"/>
+            <a:ext cx="8596668" cy="3880773"/>
+          </a:xfrm>
+        </p:spPr>
+        <p:txBody>
+          <a:bodyPr>
+            <a:normAutofit/>
+          </a:bodyPr>
+          <a:lstStyle/>
+          <a:p>
+            <a:r>
+              <a:rPr lang="en-US" sz="3200" dirty="0"/>
               <a:t>Ability to tell story by dressing the character in the story</a:t>
             </a:r>
           </a:p>
           <a:p>
             <a:r>
-              <a:rPr lang="en-US" dirty="0"/>
+              <a:rPr lang="en-US" sz="3200" dirty="0"/>
               <a:t>Ability to involved the user in the game</a:t>
             </a:r>
           </a:p>
           <a:p>
             <a:r>
-              <a:rPr lang="en-US" dirty="0"/>
+              <a:rPr lang="en-US" sz="3200" dirty="0"/>
               <a:t>Enables the user to be creative in dressing up for different scenarios in the story. </a:t>
             </a:r>
           </a:p>
           <a:p>
-            <a:endParaRPr lang="en-US" dirty="0"/>
+            <a:endParaRPr lang="en-US" sz="3200" dirty="0"/>
           </a:p>
           <a:p>
             <a:pPr marL="0" indent="0">
               <a:buNone/>
             </a:pPr>
-            <a:endParaRPr lang="en-US" dirty="0"/>
+            <a:endParaRPr lang="en-US" sz="3200" dirty="0"/>
           </a:p>
         </p:txBody>
       </p:sp>
@@ -6945,12 +7217,12 @@
         </p:spPr>
         <p:txBody>
           <a:bodyPr anchor="ctr">
-            <a:normAutofit/>
+            <a:normAutofit fontScale="92500"/>
           </a:bodyPr>
           <a:lstStyle/>
           <a:p>
             <a:r>
-              <a:rPr lang="en-US">
+              <a:rPr lang="en-US" sz="2400" dirty="0">
                 <a:solidFill>
                   <a:srgbClr val="FFFFFF"/>
                 </a:solidFill>
@@ -6961,7 +7233,7 @@
           <a:p>
             <a:pPr lvl="1"/>
             <a:r>
-              <a:rPr lang="en-US">
+              <a:rPr lang="en-US" sz="2000" dirty="0">
                 <a:solidFill>
                   <a:srgbClr val="FFFFFF"/>
                 </a:solidFill>
@@ -6972,7 +7244,7 @@
           <a:p>
             <a:pPr lvl="1"/>
             <a:r>
-              <a:rPr lang="en-US">
+              <a:rPr lang="en-US" sz="2000" dirty="0">
                 <a:solidFill>
                   <a:srgbClr val="FFFFFF"/>
                 </a:solidFill>
@@ -6982,7 +7254,7 @@
           </a:p>
           <a:p>
             <a:pPr lvl="1"/>
-            <a:endParaRPr lang="en-US">
+            <a:endParaRPr lang="en-US" sz="2000" dirty="0">
               <a:solidFill>
                 <a:srgbClr val="FFFFFF"/>
               </a:solidFill>
@@ -6991,7 +7263,7 @@
           <a:p>
             <a:pPr lvl="1"/>
             <a:r>
-              <a:rPr lang="en-US">
+              <a:rPr lang="en-US" sz="2000" dirty="0">
                 <a:solidFill>
                   <a:srgbClr val="FFFFFF"/>
                 </a:solidFill>
@@ -7002,7 +7274,7 @@
           <a:p>
             <a:pPr lvl="2"/>
             <a:r>
-              <a:rPr lang="en-US">
+              <a:rPr lang="en-US" sz="1800" dirty="0">
                 <a:solidFill>
                   <a:srgbClr val="FFFFFF"/>
                 </a:solidFill>
@@ -7013,30 +7285,29 @@
           <a:p>
             <a:pPr lvl="2"/>
             <a:r>
-              <a:rPr lang="en-US">
+              <a:rPr lang="en-US" sz="1800" dirty="0">
                 <a:solidFill>
                   <a:srgbClr val="FFFFFF"/>
                 </a:solidFill>
               </a:rPr>
-              <a:t>We have decided to switch to Udemy, but as none of us are overly familiar with it that will include a higher learning curve.</a:t>
-            </a:r>
-          </a:p>
-          <a:p>
-            <a:pPr marL="0" indent="0">
-              <a:buNone/>
-            </a:pPr>
-            <a:endParaRPr lang="en-US">
-              <a:solidFill>
-                <a:srgbClr val="FFFFFF"/>
-              </a:solidFill>
-            </a:endParaRPr>
-          </a:p>
-          <a:p>
-            <a:endParaRPr lang="en-US">
-              <a:solidFill>
-                <a:srgbClr val="FFFFFF"/>
-              </a:solidFill>
-            </a:endParaRPr>
+              <a:t>We have decided to switch </a:t>
+            </a:r>
+            <a:r>
+              <a:rPr lang="en-US" sz="1800">
+                <a:solidFill>
+                  <a:srgbClr val="FFFFFF"/>
+                </a:solidFill>
+              </a:rPr>
+              <a:t>to Unity, </a:t>
+            </a:r>
+            <a:r>
+              <a:rPr lang="en-US" sz="1800" dirty="0">
+                <a:solidFill>
+                  <a:srgbClr val="FFFFFF"/>
+                </a:solidFill>
+              </a:rPr>
+              <a:t>but as none of us are overly familiar with it that will include a higher learning curve.</a:t>
+            </a:r>
           </a:p>
         </p:txBody>
       </p:sp>
@@ -7114,40 +7385,63 @@
             <p:ph idx="1"/>
           </p:nvPr>
         </p:nvSpPr>
-        <p:spPr/>
-        <p:txBody>
-          <a:bodyPr/>
-          <a:lstStyle/>
+        <p:spPr>
+          <a:xfrm>
+            <a:off x="677334" y="1488613"/>
+            <a:ext cx="8596668" cy="3880773"/>
+          </a:xfrm>
+        </p:spPr>
+        <p:txBody>
+          <a:bodyPr>
+            <a:normAutofit/>
+          </a:bodyPr>
+          <a:lstStyle/>
+          <a:p>
+            <a:r>
+              <a:rPr lang="en-US" sz="2600" dirty="0"/>
+              <a:t>The game will be mobile</a:t>
+            </a:r>
+          </a:p>
           <a:p>
             <a:pPr lvl="1"/>
             <a:r>
-              <a:rPr lang="en-US" dirty="0"/>
-              <a:t>The game will be mobile</a:t>
-            </a:r>
-          </a:p>
-          <a:p>
-            <a:pPr lvl="2"/>
-            <a:r>
-              <a:rPr lang="en-US" dirty="0"/>
+              <a:rPr lang="en-US" sz="2200" dirty="0"/>
               <a:t>Needs to make best use of real estate</a:t>
             </a:r>
           </a:p>
           <a:p>
-            <a:pPr lvl="2"/>
-            <a:r>
-              <a:rPr lang="en-US" dirty="0"/>
+            <a:pPr lvl="1"/>
+            <a:r>
+              <a:rPr lang="en-US" sz="2200" dirty="0"/>
               <a:t>Needs to respond to touch</a:t>
             </a:r>
           </a:p>
           <a:p>
-            <a:pPr lvl="2"/>
-            <a:r>
-              <a:rPr lang="en-US" dirty="0"/>
+            <a:pPr lvl="1"/>
+            <a:r>
+              <a:rPr lang="en-US" sz="2200" dirty="0"/>
               <a:t>Size of program becomes higher priority them mobile game</a:t>
             </a:r>
           </a:p>
           <a:p>
-            <a:endParaRPr lang="en-US" dirty="0"/>
+            <a:r>
+              <a:rPr lang="en-US" sz="2400" dirty="0"/>
+              <a:t>Implementation on mobile is new to us</a:t>
+            </a:r>
+          </a:p>
+          <a:p>
+            <a:pPr lvl="1"/>
+            <a:r>
+              <a:rPr lang="en-US" sz="2200" dirty="0"/>
+              <a:t>Using Unity</a:t>
+            </a:r>
+          </a:p>
+          <a:p>
+            <a:pPr lvl="1"/>
+            <a:r>
+              <a:rPr lang="en-US" sz="2200" dirty="0"/>
+              <a:t>Big learning curve</a:t>
+            </a:r>
           </a:p>
         </p:txBody>
       </p:sp>
@@ -7227,22 +7521,24 @@
         </p:nvSpPr>
         <p:spPr/>
         <p:txBody>
-          <a:bodyPr/>
-          <a:lstStyle/>
-          <a:p>
-            <a:r>
-              <a:rPr lang="en-US" dirty="0"/>
+          <a:bodyPr>
+            <a:normAutofit/>
+          </a:bodyPr>
+          <a:lstStyle/>
+          <a:p>
+            <a:r>
+              <a:rPr lang="en-US" sz="2800" dirty="0"/>
               <a:t>Need ability to store wardrobe</a:t>
             </a:r>
           </a:p>
           <a:p>
             <a:r>
-              <a:rPr lang="en-US" dirty="0"/>
+              <a:rPr lang="en-US" sz="2800" dirty="0"/>
               <a:t>Need clothing for character to alter image of character</a:t>
             </a:r>
           </a:p>
           <a:p>
-            <a:endParaRPr lang="en-US" dirty="0"/>
+            <a:endParaRPr lang="en-US" sz="2800" dirty="0"/>
           </a:p>
         </p:txBody>
       </p:sp>
@@ -7320,77 +7616,79 @@
             <p:ph idx="1"/>
           </p:nvPr>
         </p:nvSpPr>
-        <p:spPr/>
-        <p:txBody>
-          <a:bodyPr/>
-          <a:lstStyle/>
-          <a:p>
-            <a:r>
-              <a:rPr lang="en-US" dirty="0"/>
+        <p:spPr>
+          <a:xfrm>
+            <a:off x="677334" y="1488613"/>
+            <a:ext cx="8596668" cy="4382100"/>
+          </a:xfrm>
+        </p:spPr>
+        <p:txBody>
+          <a:bodyPr>
+            <a:normAutofit fontScale="92500" lnSpcReduction="20000"/>
+          </a:bodyPr>
+          <a:lstStyle/>
+          <a:p>
+            <a:r>
+              <a:rPr lang="en-US" sz="2800" dirty="0"/>
               <a:t>Responsibility of Each Member	</a:t>
             </a:r>
           </a:p>
           <a:p>
             <a:pPr lvl="1"/>
             <a:r>
-              <a:rPr lang="en-US" dirty="0"/>
+              <a:rPr lang="en-US" sz="2400" dirty="0"/>
               <a:t>Anna -Visual Novel</a:t>
             </a:r>
           </a:p>
           <a:p>
             <a:pPr lvl="1"/>
             <a:r>
-              <a:rPr lang="en-US" dirty="0"/>
+              <a:rPr lang="en-US" sz="2400" dirty="0"/>
               <a:t>Allie - Mobile Game</a:t>
             </a:r>
           </a:p>
           <a:p>
             <a:pPr lvl="1"/>
             <a:r>
-              <a:rPr lang="en-US" dirty="0"/>
+              <a:rPr lang="en-US" sz="2400" dirty="0"/>
               <a:t>Gladys - Dress Up Interface</a:t>
             </a:r>
           </a:p>
           <a:p>
             <a:pPr lvl="1"/>
-            <a:endParaRPr lang="en-US" dirty="0"/>
+            <a:endParaRPr lang="en-US" sz="2400" dirty="0"/>
           </a:p>
           <a:p>
             <a:pPr lvl="1"/>
             <a:r>
-              <a:rPr lang="en-US" dirty="0"/>
+              <a:rPr lang="en-US" sz="2400" dirty="0"/>
               <a:t>TimeLine:</a:t>
             </a:r>
           </a:p>
           <a:p>
             <a:pPr lvl="2"/>
             <a:r>
-              <a:rPr lang="en-US" dirty="0"/>
+              <a:rPr lang="en-US" sz="2000" dirty="0"/>
               <a:t>By End of October: Get early draft of visual novel interface finished</a:t>
             </a:r>
           </a:p>
           <a:p>
             <a:pPr lvl="2"/>
             <a:r>
-              <a:rPr lang="en-US" dirty="0"/>
+              <a:rPr lang="en-US" sz="2000" dirty="0"/>
               <a:t>By Mid November: Get Mobile Game and Dress Up Interface running independently</a:t>
             </a:r>
           </a:p>
           <a:p>
             <a:pPr lvl="2"/>
             <a:r>
-              <a:rPr lang="en-US" dirty="0"/>
-              <a:t>By End of November: Debug and get three sections </a:t>
-            </a:r>
-            <a:r>
-              <a:rPr lang="en-US"/>
-              <a:t>working together</a:t>
-            </a:r>
-            <a:endParaRPr lang="en-US" dirty="0"/>
+              <a:rPr lang="en-US" sz="2000" dirty="0"/>
+              <a:t>By End of November: Debug and get three sections working together</a:t>
+            </a:r>
           </a:p>
           <a:p>
             <a:pPr lvl="2"/>
-            <a:endParaRPr lang="en-US" dirty="0"/>
+            <a:endParaRPr lang="en-US" sz="2000" dirty="0"/>
           </a:p>
         </p:txBody>
       </p:sp>
@@ -7475,42 +7773,30 @@
           </a:xfrm>
         </p:spPr>
         <p:txBody>
-          <a:bodyPr/>
+          <a:bodyPr>
+            <a:normAutofit/>
+          </a:bodyPr>
           <a:lstStyle/>
           <a:p>
             <a:pPr lvl="1"/>
             <a:r>
-              <a:rPr lang="en-US" dirty="0"/>
+              <a:rPr lang="en-US" sz="3200" dirty="0"/>
               <a:t>Visual Novel</a:t>
             </a:r>
           </a:p>
           <a:p>
             <a:pPr lvl="2"/>
             <a:r>
-              <a:rPr lang="en-US" dirty="0"/>
+              <a:rPr lang="en-US" sz="2800" dirty="0"/>
               <a:t>Allows user to progress through a story with images.</a:t>
             </a:r>
           </a:p>
           <a:p>
             <a:pPr lvl="2"/>
             <a:r>
-              <a:rPr lang="en-US" dirty="0"/>
+              <a:rPr lang="en-US" sz="2800" dirty="0"/>
               <a:t>Allows user to select choices that branch the story</a:t>
             </a:r>
-          </a:p>
-          <a:p>
-            <a:pPr marL="914400" lvl="2" indent="0">
-              <a:buNone/>
-            </a:pPr>
-            <a:endParaRPr lang="en-US" dirty="0"/>
-          </a:p>
-          <a:p>
-            <a:pPr lvl="2"/>
-            <a:endParaRPr lang="en-US" dirty="0"/>
-          </a:p>
-          <a:p>
-            <a:pPr lvl="1"/>
-            <a:endParaRPr lang="en-US" dirty="0"/>
           </a:p>
         </p:txBody>
       </p:sp>
@@ -7588,17 +7874,51 @@
             <p:ph idx="1"/>
           </p:nvPr>
         </p:nvSpPr>
-        <p:spPr/>
+        <p:spPr>
+          <a:xfrm>
+            <a:off x="677334" y="1488613"/>
+            <a:ext cx="8596668" cy="3880773"/>
+          </a:xfrm>
+        </p:spPr>
         <p:txBody>
           <a:bodyPr/>
           <a:lstStyle/>
           <a:p>
-            <a:pPr marL="0" indent="0">
-              <a:buNone/>
-            </a:pPr>
             <a:r>
               <a:rPr lang="en-US" dirty="0"/>
-              <a:t>	</a:t>
+              <a:t>Imagine you want to play a new mobile game to pass some free time</a:t>
+            </a:r>
+          </a:p>
+          <a:p>
+            <a:r>
+              <a:rPr lang="en-US" dirty="0"/>
+              <a:t>Luckily, Mobile Wizard and Dress-Up game is installed on your phone!</a:t>
+            </a:r>
+          </a:p>
+          <a:p>
+            <a:r>
+              <a:rPr lang="en-US" dirty="0"/>
+              <a:t>Advantages:</a:t>
+            </a:r>
+          </a:p>
+          <a:p>
+            <a:pPr lvl="1"/>
+            <a:r>
+              <a:rPr lang="en-US" dirty="0"/>
+              <a:t>Mobile– no need to stay home to play this game! This story goes wherever you go!</a:t>
+            </a:r>
+          </a:p>
+          <a:p>
+            <a:pPr lvl="1"/>
+            <a:r>
+              <a:rPr lang="en-US" dirty="0"/>
+              <a:t>Being on a mobile phone allows more functionality- touch input, accelerometer function, even microphone use!</a:t>
+            </a:r>
+          </a:p>
+          <a:p>
+            <a:r>
+              <a:rPr lang="en-US" dirty="0"/>
+              <a:t>Combined with the compelling visual novel and dress-up game functionality, this on-the-go choose-your-own-adventure game will quickly be your new favorite mobile game. </a:t>
             </a:r>
           </a:p>
         </p:txBody>
@@ -7680,71 +8000,43 @@
         <p:spPr/>
         <p:txBody>
           <a:bodyPr>
-            <a:normAutofit/>
+            <a:normAutofit fontScale="92500" lnSpcReduction="10000"/>
           </a:bodyPr>
           <a:lstStyle/>
           <a:p>
-            <a:pPr marL="457200" lvl="1" indent="0">
-              <a:buNone/>
-            </a:pPr>
-            <a:endParaRPr lang="en-US" dirty="0"/>
-          </a:p>
-          <a:p>
             <a:pPr lvl="1"/>
             <a:r>
-              <a:rPr lang="en-US" dirty="0"/>
-              <a:t>Allows the user to select clothing of their choice in ward rope</a:t>
+              <a:rPr lang="en-US" sz="2400" dirty="0"/>
+              <a:t>Allows the user to select clothing of their choice in wardrobe</a:t>
             </a:r>
           </a:p>
           <a:p>
             <a:pPr lvl="1"/>
             <a:r>
-              <a:rPr lang="en-US" dirty="0"/>
+              <a:rPr lang="en-US" sz="2400" dirty="0"/>
               <a:t>Allows the user to get involved in the story by choosing what to wear for the day, what story to follow.</a:t>
             </a:r>
           </a:p>
           <a:p>
             <a:pPr lvl="1"/>
             <a:r>
-              <a:rPr lang="en-US" dirty="0"/>
+              <a:rPr lang="en-US" sz="2400" dirty="0"/>
               <a:t>Allows the user to interact and communicate with the character.</a:t>
             </a:r>
           </a:p>
           <a:p>
             <a:pPr lvl="1"/>
             <a:r>
-              <a:rPr lang="en-US" dirty="0"/>
+              <a:rPr lang="en-US" sz="2400" dirty="0"/>
               <a:t>Allows the user to explore all ways of dressing up, thus developing interest in the game</a:t>
             </a:r>
           </a:p>
           <a:p>
             <a:pPr lvl="1"/>
             <a:r>
-              <a:rPr lang="en-US" dirty="0"/>
-              <a:t>Allows the user be creative in dressing-up especially that involves competition in the story</a:t>
-            </a:r>
-          </a:p>
-          <a:p>
-            <a:pPr lvl="1"/>
-            <a:endParaRPr lang="en-US" dirty="0"/>
-          </a:p>
-          <a:p>
-            <a:pPr marL="457200" lvl="1" indent="0">
-              <a:buNone/>
-            </a:pPr>
-            <a:endParaRPr lang="en-US" dirty="0"/>
-          </a:p>
-          <a:p>
-            <a:endParaRPr lang="en-US" dirty="0"/>
-          </a:p>
-          <a:p>
-            <a:endParaRPr lang="en-US" dirty="0"/>
-          </a:p>
-          <a:p>
-            <a:pPr marL="0" indent="0">
-              <a:buNone/>
-            </a:pPr>
-            <a:endParaRPr lang="en-US" dirty="0"/>
+              <a:rPr lang="en-US" sz="2400" dirty="0"/>
+              <a:t>Allows the user to be creative in dressing-up especially that involves competition in the story</a:t>
+            </a:r>
           </a:p>
         </p:txBody>
       </p:sp>
@@ -8604,7 +8896,7 @@
         </p:spPr>
         <p:txBody>
           <a:bodyPr anchor="t">
-            <a:normAutofit/>
+            <a:normAutofit fontScale="92500" lnSpcReduction="10000"/>
           </a:bodyPr>
           <a:lstStyle/>
           <a:p>
@@ -8614,7 +8906,7 @@
               </a:lnSpc>
             </a:pPr>
             <a:r>
-              <a:rPr lang="en-US" sz="1500">
+              <a:rPr lang="en-US" dirty="0">
                 <a:solidFill>
                   <a:srgbClr val="FFFFFF"/>
                 </a:solidFill>
@@ -8629,7 +8921,7 @@
               </a:lnSpc>
             </a:pPr>
             <a:r>
-              <a:rPr lang="en-US" sz="1500">
+              <a:rPr lang="en-US" dirty="0">
                 <a:solidFill>
                   <a:srgbClr val="FFFFFF"/>
                 </a:solidFill>
@@ -8644,7 +8936,7 @@
               </a:lnSpc>
             </a:pPr>
             <a:r>
-              <a:rPr lang="en-US" sz="1500">
+              <a:rPr lang="en-US" dirty="0">
                 <a:solidFill>
                   <a:srgbClr val="FFFFFF"/>
                 </a:solidFill>
@@ -8659,7 +8951,7 @@
               </a:lnSpc>
             </a:pPr>
             <a:r>
-              <a:rPr lang="en-US" sz="1500">
+              <a:rPr lang="en-US" dirty="0">
                 <a:solidFill>
                   <a:srgbClr val="FFFFFF"/>
                 </a:solidFill>
@@ -8674,7 +8966,7 @@
               </a:lnSpc>
             </a:pPr>
             <a:r>
-              <a:rPr lang="en-US" sz="1500">
+              <a:rPr lang="en-US" dirty="0">
                 <a:solidFill>
                   <a:srgbClr val="FFFFFF"/>
                 </a:solidFill>
@@ -8740,7 +9032,7 @@
         </p:nvSpPr>
         <p:spPr>
           <a:xfrm>
-            <a:off x="4706982" y="642593"/>
+            <a:off x="691574" y="492642"/>
             <a:ext cx="6736084" cy="1744183"/>
           </a:xfrm>
         </p:spPr>
@@ -8751,7 +9043,7 @@
           <a:lstStyle/>
           <a:p>
             <a:r>
-              <a:rPr lang="en-US" sz="3600"/>
+              <a:rPr lang="en-US" sz="3600" dirty="0"/>
               <a:t>Prototypes – Mobile Game</a:t>
             </a:r>
           </a:p>
@@ -8775,8 +9067,8 @@
         </p:nvSpPr>
         <p:spPr>
           <a:xfrm>
-            <a:off x="4834965" y="2386584"/>
-            <a:ext cx="6608101" cy="3648456"/>
+            <a:off x="5890201" y="1727697"/>
+            <a:ext cx="3852738" cy="5130303"/>
           </a:xfrm>
         </p:spPr>
         <p:txBody>
@@ -8785,16 +9077,47 @@
           </a:bodyPr>
           <a:lstStyle/>
           <a:p>
-            <a:endParaRPr lang="en-US"/>
+            <a:r>
+              <a:rPr lang="en-US" sz="2800" dirty="0"/>
+              <a:t>Important features:</a:t>
+            </a:r>
+          </a:p>
+          <a:p>
+            <a:pPr lvl="1"/>
+            <a:r>
+              <a:rPr lang="en-US" sz="2400" dirty="0"/>
+              <a:t>Click-through story </a:t>
+            </a:r>
+          </a:p>
+          <a:p>
+            <a:pPr lvl="1"/>
+            <a:r>
+              <a:rPr lang="en-US" sz="2400" dirty="0"/>
+              <a:t>Hamburger Menu</a:t>
+            </a:r>
+          </a:p>
+          <a:p>
+            <a:pPr lvl="1"/>
+            <a:r>
+              <a:rPr lang="en-US" sz="2400" dirty="0"/>
+              <a:t>Choice Pop-ups </a:t>
+            </a:r>
+          </a:p>
+          <a:p>
+            <a:pPr lvl="1"/>
+            <a:r>
+              <a:rPr lang="en-US" sz="2400" dirty="0"/>
+              <a:t>Exit Button</a:t>
+            </a:r>
           </a:p>
         </p:txBody>
       </p:sp>
       <p:pic>
         <p:nvPicPr>
-          <p:cNvPr id="7" name="Picture 6" descr="A screenshot of a cell phone&#10;&#10;Description automatically generated">
+          <p:cNvPr id="5" name="Content Placeholder 4" descr="A screenshot of a cell phone&#10;&#10;Description automatically generated">
             <a:extLst>
               <a:ext uri="{FF2B5EF4-FFF2-40B4-BE49-F238E27FC236}">
-                <a16:creationId xmlns:a16="http://schemas.microsoft.com/office/drawing/2014/main" id="{BFE6D0E9-172F-4B87-8E41-35F15FBAA1C7}"/>
+                <a16:creationId xmlns:a16="http://schemas.microsoft.com/office/drawing/2014/main" id="{E440038B-4748-4307-BD0E-990492DD817E}"/>
               </a:ext>
             </a:extLst>
           </p:cNvPr>
@@ -8817,8 +9140,8 @@
         </p:blipFill>
         <p:spPr>
           <a:xfrm>
-            <a:off x="1274469" y="484635"/>
-            <a:ext cx="1743764" cy="2790023"/>
+            <a:off x="691574" y="1235055"/>
+            <a:ext cx="3403348" cy="4015750"/>
           </a:xfrm>
           <a:prstGeom prst="rect">
             <a:avLst/>
@@ -8827,10 +9150,10 @@
       </p:pic>
       <p:pic>
         <p:nvPicPr>
-          <p:cNvPr id="5" name="Content Placeholder 4" descr="A screenshot of a cell phone&#10;&#10;Description automatically generated">
+          <p:cNvPr id="7" name="Picture 6" descr="A screenshot of a cell phone&#10;&#10;Description automatically generated">
             <a:extLst>
               <a:ext uri="{FF2B5EF4-FFF2-40B4-BE49-F238E27FC236}">
-                <a16:creationId xmlns:a16="http://schemas.microsoft.com/office/drawing/2014/main" id="{E440038B-4748-4307-BD0E-990492DD817E}"/>
+                <a16:creationId xmlns:a16="http://schemas.microsoft.com/office/drawing/2014/main" id="{BFE6D0E9-172F-4B87-8E41-35F15FBAA1C7}"/>
               </a:ext>
             </a:extLst>
           </p:cNvPr>
@@ -8853,14 +9176,92 @@
         </p:blipFill>
         <p:spPr>
           <a:xfrm>
-            <a:off x="926858" y="3435520"/>
-            <a:ext cx="2364545" cy="2790024"/>
+            <a:off x="3223039" y="2299773"/>
+            <a:ext cx="2621169" cy="4193871"/>
           </a:xfrm>
           <a:prstGeom prst="rect">
             <a:avLst/>
           </a:prstGeom>
         </p:spPr>
       </p:pic>
+      <p:cxnSp>
+        <p:nvCxnSpPr>
+          <p:cNvPr id="4" name="Connector: Elbow 3">
+            <a:extLst>
+              <a:ext uri="{FF2B5EF4-FFF2-40B4-BE49-F238E27FC236}">
+                <a16:creationId xmlns:a16="http://schemas.microsoft.com/office/drawing/2014/main" id="{5D595B10-5D75-4AED-A2FD-F09F7DBF66A8}"/>
+              </a:ext>
+            </a:extLst>
+          </p:cNvPr>
+          <p:cNvCxnSpPr>
+            <a:cxnSpLocks/>
+          </p:cNvCxnSpPr>
+          <p:nvPr/>
+        </p:nvCxnSpPr>
+        <p:spPr>
+          <a:xfrm>
+            <a:off x="1258957" y="5250805"/>
+            <a:ext cx="1964082" cy="1017473"/>
+          </a:xfrm>
+          <a:prstGeom prst="bentConnector3">
+            <a:avLst>
+              <a:gd name="adj1" fmla="val 745"/>
+            </a:avLst>
+          </a:prstGeom>
+          <a:ln w="38100">
+            <a:tailEnd type="triangle"/>
+          </a:ln>
+        </p:spPr>
+        <p:style>
+          <a:lnRef idx="1">
+            <a:schemeClr val="accent1"/>
+          </a:lnRef>
+          <a:fillRef idx="0">
+            <a:schemeClr val="accent1"/>
+          </a:fillRef>
+          <a:effectRef idx="0">
+            <a:schemeClr val="accent1"/>
+          </a:effectRef>
+          <a:fontRef idx="minor">
+            <a:schemeClr val="tx1"/>
+          </a:fontRef>
+        </p:style>
+      </p:cxnSp>
+      <p:sp>
+        <p:nvSpPr>
+          <p:cNvPr id="9" name="TextBox 8">
+            <a:extLst>
+              <a:ext uri="{FF2B5EF4-FFF2-40B4-BE49-F238E27FC236}">
+                <a16:creationId xmlns:a16="http://schemas.microsoft.com/office/drawing/2014/main" id="{B53DC905-BCC0-47DD-A362-3BFE7A664E47}"/>
+              </a:ext>
+            </a:extLst>
+          </p:cNvPr>
+          <p:cNvSpPr txBox="1"/>
+          <p:nvPr/>
+        </p:nvSpPr>
+        <p:spPr>
+          <a:xfrm>
+            <a:off x="1372981" y="5453477"/>
+            <a:ext cx="1736035" cy="830997"/>
+          </a:xfrm>
+          <a:prstGeom prst="rect">
+            <a:avLst/>
+          </a:prstGeom>
+          <a:noFill/>
+        </p:spPr>
+        <p:txBody>
+          <a:bodyPr wrap="square" rtlCol="0">
+            <a:spAutoFit/>
+          </a:bodyPr>
+          <a:lstStyle/>
+          <a:p>
+            <a:r>
+              <a:rPr lang="en-US" sz="1600" dirty="0"/>
+              <a:t>Pop up appears when the user is offered a choice</a:t>
+            </a:r>
+          </a:p>
+        </p:txBody>
+      </p:sp>
     </p:spTree>
     <p:extLst>
       <p:ext uri="{BB962C8B-B14F-4D97-AF65-F5344CB8AC3E}">
@@ -8988,67 +9389,67 @@
         </p:spPr>
         <p:txBody>
           <a:bodyPr>
-            <a:normAutofit/>
+            <a:normAutofit fontScale="92500"/>
           </a:bodyPr>
           <a:lstStyle/>
           <a:p>
             <a:r>
-              <a:rPr lang="en-US" dirty="0"/>
+              <a:rPr lang="en-US" sz="2000" dirty="0"/>
               <a:t>User may want to change clothing style and color based on parts of the story or the current emotions:</a:t>
             </a:r>
           </a:p>
           <a:p>
             <a:pPr lvl="1"/>
             <a:r>
-              <a:rPr lang="en-US" dirty="0"/>
+              <a:rPr lang="en-US" sz="1800" dirty="0"/>
               <a:t>Shirts</a:t>
             </a:r>
           </a:p>
           <a:p>
             <a:pPr lvl="1"/>
             <a:r>
-              <a:rPr lang="en-US" dirty="0"/>
+              <a:rPr lang="en-US" sz="1800" dirty="0"/>
               <a:t>Pants</a:t>
             </a:r>
           </a:p>
           <a:p>
             <a:pPr lvl="1"/>
             <a:r>
-              <a:rPr lang="en-US" dirty="0"/>
+              <a:rPr lang="en-US" sz="1800" dirty="0"/>
               <a:t>Shoes</a:t>
             </a:r>
           </a:p>
           <a:p>
             <a:pPr lvl="1"/>
             <a:r>
-              <a:rPr lang="en-US" dirty="0"/>
+              <a:rPr lang="en-US" sz="1800" dirty="0"/>
               <a:t>Eyeglasses</a:t>
             </a:r>
           </a:p>
           <a:p>
             <a:pPr lvl="1"/>
             <a:r>
-              <a:rPr lang="en-US" dirty="0"/>
+              <a:rPr lang="en-US" sz="1800" dirty="0"/>
               <a:t>scarfs</a:t>
             </a:r>
           </a:p>
           <a:p>
             <a:pPr lvl="1"/>
             <a:r>
-              <a:rPr lang="en-US" dirty="0"/>
+              <a:rPr lang="en-US" sz="1800" dirty="0"/>
               <a:t>Hair</a:t>
             </a:r>
           </a:p>
           <a:p>
             <a:pPr lvl="1"/>
             <a:r>
-              <a:rPr lang="en-US" dirty="0"/>
+              <a:rPr lang="en-US" sz="1800" dirty="0"/>
               <a:t>Dresses </a:t>
             </a:r>
           </a:p>
           <a:p>
             <a:pPr lvl="1"/>
-            <a:endParaRPr lang="en-US" dirty="0"/>
+            <a:endParaRPr lang="en-US" sz="1800" dirty="0"/>
           </a:p>
         </p:txBody>
       </p:sp>
@@ -9119,13 +9520,13 @@
           <a:lstStyle/>
           <a:p>
             <a:r>
-              <a:rPr lang="en-US" sz="3600"/>
+              <a:rPr lang="en-US" sz="3600" dirty="0"/>
               <a:t>Design Rationale - Visual Novel</a:t>
             </a:r>
             <a:br>
-              <a:rPr lang="en-US" sz="3600"/>
+              <a:rPr lang="en-US" sz="3600" dirty="0"/>
             </a:br>
-            <a:endParaRPr lang="en-US" sz="3600"/>
+            <a:endParaRPr lang="en-US" sz="3600" dirty="0"/>
           </a:p>
         </p:txBody>
       </p:sp>
@@ -9153,44 +9554,43 @@
         </p:spPr>
         <p:txBody>
           <a:bodyPr>
-            <a:normAutofit/>
+            <a:normAutofit fontScale="92500" lnSpcReduction="10000"/>
           </a:bodyPr>
           <a:lstStyle/>
           <a:p>
             <a:pPr lvl="1"/>
             <a:r>
-              <a:rPr lang="en-US" sz="1600" dirty="0"/>
+              <a:rPr lang="en-US" sz="1800" dirty="0"/>
               <a:t>Images are a major part of the immersive exercise and therefore take up the lion’s share of the screen</a:t>
             </a:r>
           </a:p>
           <a:p>
             <a:pPr lvl="1"/>
             <a:r>
-              <a:rPr lang="en-US" sz="1600" dirty="0"/>
+              <a:rPr lang="en-US" sz="1800" dirty="0"/>
               <a:t>Text is also imperative to tell the story, but does not need as much room as the image, it therefore takes the second most amount of space</a:t>
             </a:r>
           </a:p>
           <a:p>
             <a:pPr lvl="1"/>
             <a:r>
-              <a:rPr lang="en-US" sz="1600" dirty="0"/>
+              <a:rPr lang="en-US" sz="1800" dirty="0"/>
               <a:t>User may want to review previous story point, particularly if a decision needs to be made, ergo both forward and backwards buttons are present</a:t>
             </a:r>
           </a:p>
           <a:p>
             <a:pPr lvl="1"/>
             <a:r>
-              <a:rPr lang="en-US" sz="1600" dirty="0"/>
+              <a:rPr lang="en-US" sz="1800" dirty="0"/>
               <a:t>When selecting a branch the user should see the text that’s prompting the choice, ergo the image gets covered</a:t>
             </a:r>
           </a:p>
           <a:p>
             <a:pPr lvl="1"/>
             <a:r>
-              <a:rPr lang="en-US" dirty="0"/>
+              <a:rPr lang="en-US" sz="1800" dirty="0"/>
               <a:t>User should not be overwhelmed, therefor limit choices to three at most</a:t>
             </a:r>
-            <a:endParaRPr lang="en-US" sz="1600" dirty="0"/>
           </a:p>
         </p:txBody>
       </p:sp>
@@ -9222,8 +9622,8 @@
         </p:blipFill>
         <p:spPr>
           <a:xfrm>
-            <a:off x="8316242" y="1818366"/>
-            <a:ext cx="3322121" cy="3222457"/>
+            <a:off x="7534921" y="1252439"/>
+            <a:ext cx="4487755" cy="4353122"/>
           </a:xfrm>
           <a:prstGeom prst="rect">
             <a:avLst/>
@@ -9310,49 +9710,29 @@
         </p:nvSpPr>
         <p:spPr/>
         <p:txBody>
-          <a:bodyPr/>
-          <a:lstStyle/>
-          <a:p>
-            <a:pPr marL="0" indent="0">
-              <a:buNone/>
-            </a:pPr>
-            <a:endParaRPr lang="en-US" dirty="0"/>
-          </a:p>
+          <a:bodyPr>
+            <a:normAutofit/>
+          </a:bodyPr>
+          <a:lstStyle/>
           <a:p>
             <a:pPr lvl="1"/>
             <a:r>
-              <a:rPr lang="en-US" dirty="0"/>
+              <a:rPr lang="en-US" sz="2800" dirty="0"/>
               <a:t>We need to keep everything on a relatively small screen with comparatively large context</a:t>
             </a:r>
           </a:p>
           <a:p>
             <a:pPr lvl="1"/>
             <a:r>
-              <a:rPr lang="en-US" dirty="0"/>
+              <a:rPr lang="en-US" sz="2800" dirty="0"/>
               <a:t>Multiple Windows would be inefficient</a:t>
             </a:r>
           </a:p>
           <a:p>
             <a:pPr lvl="1"/>
-            <a:endParaRPr lang="en-US" dirty="0"/>
-          </a:p>
-          <a:p>
-            <a:pPr marL="457200" lvl="1" indent="0">
-              <a:buNone/>
-            </a:pPr>
-            <a:endParaRPr lang="en-US" dirty="0"/>
-          </a:p>
-          <a:p>
-            <a:pPr lvl="1"/>
-            <a:endParaRPr lang="en-US" dirty="0"/>
-          </a:p>
-          <a:p>
-            <a:pPr marL="0" indent="0">
-              <a:buNone/>
-            </a:pPr>
-            <a:r>
-              <a:rPr lang="en-US" dirty="0"/>
-              <a:t>	</a:t>
+            <a:r>
+              <a:rPr lang="en-US" sz="2800" dirty="0"/>
+              <a:t>Mobile implementation gives us access to different capabilities, i.e. touch, accelerometer</a:t>
             </a:r>
           </a:p>
         </p:txBody>
